--- a/docs/uml.pptx
+++ b/docs/uml.pptx
@@ -243,9 +243,9 @@
           <a:p>
             <a:fld id="{822F160E-D177-420A-96E8-F3002FBB7819}" type="datetimeFigureOut">
               <a:rPr lang="en-SG" smtClean="0"/>
-              <a:t>20/10/2021</a:t>
+              <a:t>29/10/2021</a:t>
             </a:fld>
-            <a:endParaRPr lang="en-SG"/>
+            <a:endParaRPr lang="en-SG" dirty="0"/>
           </a:p>
         </p:txBody>
       </p:sp>
@@ -264,7 +264,7 @@
           <a:bodyPr/>
           <a:lstStyle/>
           <a:p>
-            <a:endParaRPr lang="en-SG"/>
+            <a:endParaRPr lang="en-SG" dirty="0"/>
           </a:p>
         </p:txBody>
       </p:sp>
@@ -287,7 +287,7 @@
               <a:rPr lang="en-SG" smtClean="0"/>
               <a:t>‹#›</a:t>
             </a:fld>
-            <a:endParaRPr lang="en-SG"/>
+            <a:endParaRPr lang="en-SG" dirty="0"/>
           </a:p>
         </p:txBody>
       </p:sp>
@@ -413,9 +413,9 @@
           <a:p>
             <a:fld id="{822F160E-D177-420A-96E8-F3002FBB7819}" type="datetimeFigureOut">
               <a:rPr lang="en-SG" smtClean="0"/>
-              <a:t>20/10/2021</a:t>
+              <a:t>29/10/2021</a:t>
             </a:fld>
-            <a:endParaRPr lang="en-SG"/>
+            <a:endParaRPr lang="en-SG" dirty="0"/>
           </a:p>
         </p:txBody>
       </p:sp>
@@ -434,7 +434,7 @@
           <a:bodyPr/>
           <a:lstStyle/>
           <a:p>
-            <a:endParaRPr lang="en-SG"/>
+            <a:endParaRPr lang="en-SG" dirty="0"/>
           </a:p>
         </p:txBody>
       </p:sp>
@@ -457,7 +457,7 @@
               <a:rPr lang="en-SG" smtClean="0"/>
               <a:t>‹#›</a:t>
             </a:fld>
-            <a:endParaRPr lang="en-SG"/>
+            <a:endParaRPr lang="en-SG" dirty="0"/>
           </a:p>
         </p:txBody>
       </p:sp>
@@ -593,9 +593,9 @@
           <a:p>
             <a:fld id="{822F160E-D177-420A-96E8-F3002FBB7819}" type="datetimeFigureOut">
               <a:rPr lang="en-SG" smtClean="0"/>
-              <a:t>20/10/2021</a:t>
+              <a:t>29/10/2021</a:t>
             </a:fld>
-            <a:endParaRPr lang="en-SG"/>
+            <a:endParaRPr lang="en-SG" dirty="0"/>
           </a:p>
         </p:txBody>
       </p:sp>
@@ -614,7 +614,7 @@
           <a:bodyPr/>
           <a:lstStyle/>
           <a:p>
-            <a:endParaRPr lang="en-SG"/>
+            <a:endParaRPr lang="en-SG" dirty="0"/>
           </a:p>
         </p:txBody>
       </p:sp>
@@ -637,7 +637,7 @@
               <a:rPr lang="en-SG" smtClean="0"/>
               <a:t>‹#›</a:t>
             </a:fld>
-            <a:endParaRPr lang="en-SG"/>
+            <a:endParaRPr lang="en-SG" dirty="0"/>
           </a:p>
         </p:txBody>
       </p:sp>
@@ -763,9 +763,9 @@
           <a:p>
             <a:fld id="{822F160E-D177-420A-96E8-F3002FBB7819}" type="datetimeFigureOut">
               <a:rPr lang="en-SG" smtClean="0"/>
-              <a:t>20/10/2021</a:t>
+              <a:t>29/10/2021</a:t>
             </a:fld>
-            <a:endParaRPr lang="en-SG"/>
+            <a:endParaRPr lang="en-SG" dirty="0"/>
           </a:p>
         </p:txBody>
       </p:sp>
@@ -784,7 +784,7 @@
           <a:bodyPr/>
           <a:lstStyle/>
           <a:p>
-            <a:endParaRPr lang="en-SG"/>
+            <a:endParaRPr lang="en-SG" dirty="0"/>
           </a:p>
         </p:txBody>
       </p:sp>
@@ -807,7 +807,7 @@
               <a:rPr lang="en-SG" smtClean="0"/>
               <a:t>‹#›</a:t>
             </a:fld>
-            <a:endParaRPr lang="en-SG"/>
+            <a:endParaRPr lang="en-SG" dirty="0"/>
           </a:p>
         </p:txBody>
       </p:sp>
@@ -1007,9 +1007,9 @@
           <a:p>
             <a:fld id="{822F160E-D177-420A-96E8-F3002FBB7819}" type="datetimeFigureOut">
               <a:rPr lang="en-SG" smtClean="0"/>
-              <a:t>20/10/2021</a:t>
+              <a:t>29/10/2021</a:t>
             </a:fld>
-            <a:endParaRPr lang="en-SG"/>
+            <a:endParaRPr lang="en-SG" dirty="0"/>
           </a:p>
         </p:txBody>
       </p:sp>
@@ -1028,7 +1028,7 @@
           <a:bodyPr/>
           <a:lstStyle/>
           <a:p>
-            <a:endParaRPr lang="en-SG"/>
+            <a:endParaRPr lang="en-SG" dirty="0"/>
           </a:p>
         </p:txBody>
       </p:sp>
@@ -1051,7 +1051,7 @@
               <a:rPr lang="en-SG" smtClean="0"/>
               <a:t>‹#›</a:t>
             </a:fld>
-            <a:endParaRPr lang="en-SG"/>
+            <a:endParaRPr lang="en-SG" dirty="0"/>
           </a:p>
         </p:txBody>
       </p:sp>
@@ -1239,9 +1239,9 @@
           <a:p>
             <a:fld id="{822F160E-D177-420A-96E8-F3002FBB7819}" type="datetimeFigureOut">
               <a:rPr lang="en-SG" smtClean="0"/>
-              <a:t>20/10/2021</a:t>
+              <a:t>29/10/2021</a:t>
             </a:fld>
-            <a:endParaRPr lang="en-SG"/>
+            <a:endParaRPr lang="en-SG" dirty="0"/>
           </a:p>
         </p:txBody>
       </p:sp>
@@ -1260,7 +1260,7 @@
           <a:bodyPr/>
           <a:lstStyle/>
           <a:p>
-            <a:endParaRPr lang="en-SG"/>
+            <a:endParaRPr lang="en-SG" dirty="0"/>
           </a:p>
         </p:txBody>
       </p:sp>
@@ -1283,7 +1283,7 @@
               <a:rPr lang="en-SG" smtClean="0"/>
               <a:t>‹#›</a:t>
             </a:fld>
-            <a:endParaRPr lang="en-SG"/>
+            <a:endParaRPr lang="en-SG" dirty="0"/>
           </a:p>
         </p:txBody>
       </p:sp>
@@ -1606,9 +1606,9 @@
           <a:p>
             <a:fld id="{822F160E-D177-420A-96E8-F3002FBB7819}" type="datetimeFigureOut">
               <a:rPr lang="en-SG" smtClean="0"/>
-              <a:t>20/10/2021</a:t>
+              <a:t>29/10/2021</a:t>
             </a:fld>
-            <a:endParaRPr lang="en-SG"/>
+            <a:endParaRPr lang="en-SG" dirty="0"/>
           </a:p>
         </p:txBody>
       </p:sp>
@@ -1627,7 +1627,7 @@
           <a:bodyPr/>
           <a:lstStyle/>
           <a:p>
-            <a:endParaRPr lang="en-SG"/>
+            <a:endParaRPr lang="en-SG" dirty="0"/>
           </a:p>
         </p:txBody>
       </p:sp>
@@ -1650,7 +1650,7 @@
               <a:rPr lang="en-SG" smtClean="0"/>
               <a:t>‹#›</a:t>
             </a:fld>
-            <a:endParaRPr lang="en-SG"/>
+            <a:endParaRPr lang="en-SG" dirty="0"/>
           </a:p>
         </p:txBody>
       </p:sp>
@@ -1724,9 +1724,9 @@
           <a:p>
             <a:fld id="{822F160E-D177-420A-96E8-F3002FBB7819}" type="datetimeFigureOut">
               <a:rPr lang="en-SG" smtClean="0"/>
-              <a:t>20/10/2021</a:t>
+              <a:t>29/10/2021</a:t>
             </a:fld>
-            <a:endParaRPr lang="en-SG"/>
+            <a:endParaRPr lang="en-SG" dirty="0"/>
           </a:p>
         </p:txBody>
       </p:sp>
@@ -1745,7 +1745,7 @@
           <a:bodyPr/>
           <a:lstStyle/>
           <a:p>
-            <a:endParaRPr lang="en-SG"/>
+            <a:endParaRPr lang="en-SG" dirty="0"/>
           </a:p>
         </p:txBody>
       </p:sp>
@@ -1768,7 +1768,7 @@
               <a:rPr lang="en-SG" smtClean="0"/>
               <a:t>‹#›</a:t>
             </a:fld>
-            <a:endParaRPr lang="en-SG"/>
+            <a:endParaRPr lang="en-SG" dirty="0"/>
           </a:p>
         </p:txBody>
       </p:sp>
@@ -1819,9 +1819,9 @@
           <a:p>
             <a:fld id="{822F160E-D177-420A-96E8-F3002FBB7819}" type="datetimeFigureOut">
               <a:rPr lang="en-SG" smtClean="0"/>
-              <a:t>20/10/2021</a:t>
+              <a:t>29/10/2021</a:t>
             </a:fld>
-            <a:endParaRPr lang="en-SG"/>
+            <a:endParaRPr lang="en-SG" dirty="0"/>
           </a:p>
         </p:txBody>
       </p:sp>
@@ -1840,7 +1840,7 @@
           <a:bodyPr/>
           <a:lstStyle/>
           <a:p>
-            <a:endParaRPr lang="en-SG"/>
+            <a:endParaRPr lang="en-SG" dirty="0"/>
           </a:p>
         </p:txBody>
       </p:sp>
@@ -1863,7 +1863,7 @@
               <a:rPr lang="en-SG" smtClean="0"/>
               <a:t>‹#›</a:t>
             </a:fld>
-            <a:endParaRPr lang="en-SG"/>
+            <a:endParaRPr lang="en-SG" dirty="0"/>
           </a:p>
         </p:txBody>
       </p:sp>
@@ -2096,9 +2096,9 @@
           <a:p>
             <a:fld id="{822F160E-D177-420A-96E8-F3002FBB7819}" type="datetimeFigureOut">
               <a:rPr lang="en-SG" smtClean="0"/>
-              <a:t>20/10/2021</a:t>
+              <a:t>29/10/2021</a:t>
             </a:fld>
-            <a:endParaRPr lang="en-SG"/>
+            <a:endParaRPr lang="en-SG" dirty="0"/>
           </a:p>
         </p:txBody>
       </p:sp>
@@ -2117,7 +2117,7 @@
           <a:bodyPr/>
           <a:lstStyle/>
           <a:p>
-            <a:endParaRPr lang="en-SG"/>
+            <a:endParaRPr lang="en-SG" dirty="0"/>
           </a:p>
         </p:txBody>
       </p:sp>
@@ -2140,7 +2140,7 @@
               <a:rPr lang="en-SG" smtClean="0"/>
               <a:t>‹#›</a:t>
             </a:fld>
-            <a:endParaRPr lang="en-SG"/>
+            <a:endParaRPr lang="en-SG" dirty="0"/>
           </a:p>
         </p:txBody>
       </p:sp>
@@ -2264,10 +2264,9 @@
           </a:lstStyle>
           <a:p>
             <a:r>
-              <a:rPr lang="en-US"/>
+              <a:rPr lang="en-US" dirty="0"/>
               <a:t>Click icon to add picture</a:t>
             </a:r>
-            <a:endParaRPr lang="en-US" dirty="0"/>
           </a:p>
         </p:txBody>
       </p:sp>
@@ -2353,9 +2352,9 @@
           <a:p>
             <a:fld id="{822F160E-D177-420A-96E8-F3002FBB7819}" type="datetimeFigureOut">
               <a:rPr lang="en-SG" smtClean="0"/>
-              <a:t>20/10/2021</a:t>
+              <a:t>29/10/2021</a:t>
             </a:fld>
-            <a:endParaRPr lang="en-SG"/>
+            <a:endParaRPr lang="en-SG" dirty="0"/>
           </a:p>
         </p:txBody>
       </p:sp>
@@ -2374,7 +2373,7 @@
           <a:bodyPr/>
           <a:lstStyle/>
           <a:p>
-            <a:endParaRPr lang="en-SG"/>
+            <a:endParaRPr lang="en-SG" dirty="0"/>
           </a:p>
         </p:txBody>
       </p:sp>
@@ -2397,7 +2396,7 @@
               <a:rPr lang="en-SG" smtClean="0"/>
               <a:t>‹#›</a:t>
             </a:fld>
-            <a:endParaRPr lang="en-SG"/>
+            <a:endParaRPr lang="en-SG" dirty="0"/>
           </a:p>
         </p:txBody>
       </p:sp>
@@ -2566,9 +2565,9 @@
           <a:p>
             <a:fld id="{822F160E-D177-420A-96E8-F3002FBB7819}" type="datetimeFigureOut">
               <a:rPr lang="en-SG" smtClean="0"/>
-              <a:t>20/10/2021</a:t>
+              <a:t>29/10/2021</a:t>
             </a:fld>
-            <a:endParaRPr lang="en-SG"/>
+            <a:endParaRPr lang="en-SG" dirty="0"/>
           </a:p>
         </p:txBody>
       </p:sp>
@@ -2605,7 +2604,7 @@
             </a:lvl1pPr>
           </a:lstStyle>
           <a:p>
-            <a:endParaRPr lang="en-SG"/>
+            <a:endParaRPr lang="en-SG" dirty="0"/>
           </a:p>
         </p:txBody>
       </p:sp>
@@ -2646,7 +2645,7 @@
               <a:rPr lang="en-SG" smtClean="0"/>
               <a:t>‹#›</a:t>
             </a:fld>
-            <a:endParaRPr lang="en-SG"/>
+            <a:endParaRPr lang="en-SG" dirty="0"/>
           </a:p>
         </p:txBody>
       </p:sp>
@@ -3032,7 +3031,7 @@
         </p:nvSpPr>
         <p:spPr>
           <a:xfrm>
-            <a:off x="4662343" y="6715374"/>
+            <a:off x="4385615" y="6715374"/>
             <a:ext cx="332014" cy="286219"/>
           </a:xfrm>
           <a:prstGeom prst="triangle">
@@ -3058,7 +3057,7 @@
           <a:lstStyle/>
           <a:p>
             <a:pPr algn="ctr"/>
-            <a:endParaRPr lang="en-SG"/>
+            <a:endParaRPr lang="en-SG" dirty="0"/>
           </a:p>
         </p:txBody>
       </p:sp>
@@ -3079,7 +3078,7 @@
         </p:nvCxnSpPr>
         <p:spPr>
           <a:xfrm>
-            <a:off x="4828350" y="7001593"/>
+            <a:off x="4551622" y="7001593"/>
             <a:ext cx="0" cy="1182883"/>
           </a:xfrm>
           <a:prstGeom prst="line">
@@ -3141,7 +3140,7 @@
           <a:lstStyle/>
           <a:p>
             <a:pPr algn="ctr"/>
-            <a:endParaRPr lang="en-SG"/>
+            <a:endParaRPr lang="en-SG" dirty="0"/>
           </a:p>
         </p:txBody>
       </p:sp>
@@ -3224,7 +3223,7 @@
           <a:lstStyle/>
           <a:p>
             <a:pPr algn="ctr"/>
-            <a:endParaRPr lang="en-SG"/>
+            <a:endParaRPr lang="en-SG" dirty="0"/>
           </a:p>
         </p:txBody>
       </p:sp>
@@ -3281,8 +3280,8 @@
         </p:nvSpPr>
         <p:spPr>
           <a:xfrm>
-            <a:off x="3636365" y="8184470"/>
-            <a:ext cx="2226131" cy="601436"/>
+            <a:off x="3283358" y="8170986"/>
+            <a:ext cx="2877907" cy="619407"/>
           </a:xfrm>
           <a:prstGeom prst="rect">
             <a:avLst/>
@@ -3328,7 +3327,7 @@
         </p:nvSpPr>
         <p:spPr>
           <a:xfrm>
-            <a:off x="1437922" y="8201738"/>
+            <a:off x="884468" y="8201738"/>
             <a:ext cx="2068283" cy="601436"/>
           </a:xfrm>
           <a:prstGeom prst="rect">
@@ -3375,8 +3374,8 @@
         </p:nvSpPr>
         <p:spPr>
           <a:xfrm>
-            <a:off x="6020340" y="8200694"/>
-            <a:ext cx="2339890" cy="602480"/>
+            <a:off x="6514276" y="8197998"/>
+            <a:ext cx="3117264" cy="605974"/>
           </a:xfrm>
           <a:prstGeom prst="rect">
             <a:avLst/>
@@ -3424,8 +3423,8 @@
         </p:nvCxnSpPr>
         <p:spPr>
           <a:xfrm flipH="1">
-            <a:off x="2701560" y="7899189"/>
-            <a:ext cx="768803" cy="0"/>
+            <a:off x="2075912" y="7899189"/>
+            <a:ext cx="1394452" cy="0"/>
           </a:xfrm>
           <a:prstGeom prst="line">
             <a:avLst/>
@@ -3462,7 +3461,7 @@
         </p:nvCxnSpPr>
         <p:spPr>
           <a:xfrm>
-            <a:off x="2701555" y="7899194"/>
+            <a:off x="2075912" y="7899194"/>
             <a:ext cx="0" cy="285281"/>
           </a:xfrm>
           <a:prstGeom prst="line">
@@ -3574,8 +3573,8 @@
         </p:nvSpPr>
         <p:spPr>
           <a:xfrm>
-            <a:off x="3636365" y="8785912"/>
-            <a:ext cx="2226131" cy="1036547"/>
+            <a:off x="3283358" y="8759429"/>
+            <a:ext cx="2877907" cy="1067518"/>
           </a:xfrm>
           <a:prstGeom prst="rect">
             <a:avLst/>
@@ -3601,19 +3600,13 @@
           <a:p>
             <a:r>
               <a:rPr lang="en-SG" dirty="0"/>
-              <a:t>- Hospital</a:t>
+              <a:t># conditions: String</a:t>
             </a:r>
           </a:p>
           <a:p>
             <a:r>
               <a:rPr lang="en-SG" dirty="0"/>
-              <a:t>- Conditions</a:t>
-            </a:r>
-          </a:p>
-          <a:p>
-            <a:r>
-              <a:rPr lang="en-SG" dirty="0"/>
-              <a:t>- NotesOnCare</a:t>
+              <a:t># notesOnCare: String</a:t>
             </a:r>
           </a:p>
         </p:txBody>
@@ -3632,8 +3625,8 @@
         </p:nvSpPr>
         <p:spPr>
           <a:xfrm>
-            <a:off x="6020340" y="8800887"/>
-            <a:ext cx="2339890" cy="1319277"/>
+            <a:off x="6514276" y="8797114"/>
+            <a:ext cx="3117264" cy="1105692"/>
           </a:xfrm>
           <a:prstGeom prst="rect">
             <a:avLst/>
@@ -3659,25 +3652,13 @@
           <a:p>
             <a:r>
               <a:rPr lang="en-SG" dirty="0"/>
-              <a:t>- Hospital</a:t>
+              <a:t># conditions: String</a:t>
             </a:r>
           </a:p>
           <a:p>
             <a:r>
               <a:rPr lang="en-SG" dirty="0"/>
-              <a:t>- Conditions</a:t>
-            </a:r>
-          </a:p>
-          <a:p>
-            <a:r>
-              <a:rPr lang="en-SG" dirty="0"/>
-              <a:t>- NotesOnCare</a:t>
-            </a:r>
-          </a:p>
-          <a:p>
-            <a:r>
-              <a:rPr lang="en-SG" dirty="0"/>
-              <a:t>- Doctor</a:t>
+              <a:t># notesOnCare: String</a:t>
             </a:r>
           </a:p>
         </p:txBody>
@@ -3696,8 +3677,8 @@
         </p:nvSpPr>
         <p:spPr>
           <a:xfrm>
-            <a:off x="3636365" y="9822459"/>
-            <a:ext cx="2226131" cy="1858776"/>
+            <a:off x="3283358" y="9771407"/>
+            <a:ext cx="2877907" cy="1914315"/>
           </a:xfrm>
           <a:prstGeom prst="rect">
             <a:avLst/>
@@ -3723,31 +3704,19 @@
           <a:p>
             <a:r>
               <a:rPr lang="en-SG" dirty="0"/>
-              <a:t>+ getHospitalName</a:t>
+              <a:t>+ getHospital() : Hospital</a:t>
             </a:r>
           </a:p>
           <a:p>
             <a:r>
               <a:rPr lang="en-SG" dirty="0"/>
-              <a:t>+ setHospital</a:t>
+              <a:t>+ getConditions() : String</a:t>
             </a:r>
           </a:p>
           <a:p>
             <a:r>
               <a:rPr lang="en-SG" dirty="0"/>
-              <a:t>+ getConditions</a:t>
-            </a:r>
-          </a:p>
-          <a:p>
-            <a:r>
-              <a:rPr lang="en-SG" dirty="0"/>
-              <a:t>+ setConditions</a:t>
-            </a:r>
-          </a:p>
-          <a:p>
-            <a:r>
-              <a:rPr lang="en-SG" dirty="0"/>
-              <a:t>+ getHospitalNumber</a:t>
+              <a:t>+ getNotesOnCare() : String</a:t>
             </a:r>
           </a:p>
         </p:txBody>
@@ -3766,8 +3735,8 @@
         </p:nvSpPr>
         <p:spPr>
           <a:xfrm>
-            <a:off x="6020340" y="10118935"/>
-            <a:ext cx="2339890" cy="3083357"/>
+            <a:off x="6514276" y="9898120"/>
+            <a:ext cx="3117264" cy="1783115"/>
           </a:xfrm>
           <a:prstGeom prst="rect">
             <a:avLst/>
@@ -3793,49 +3762,25 @@
           <a:p>
             <a:r>
               <a:rPr lang="en-SG" dirty="0"/>
-              <a:t>+ getHospitalName</a:t>
+              <a:t>+ getHospital() : Hospital</a:t>
             </a:r>
           </a:p>
           <a:p>
             <a:r>
               <a:rPr lang="en-SG" dirty="0"/>
-              <a:t>+ setHospital</a:t>
+              <a:t>+ getConditions() : String</a:t>
             </a:r>
           </a:p>
           <a:p>
             <a:r>
               <a:rPr lang="en-SG" dirty="0"/>
-              <a:t>+ getConditions</a:t>
+              <a:t>+ getNotesOnCare() : String</a:t>
             </a:r>
           </a:p>
           <a:p>
             <a:r>
               <a:rPr lang="en-SG" dirty="0"/>
-              <a:t>+ setConditions</a:t>
-            </a:r>
-          </a:p>
-          <a:p>
-            <a:r>
-              <a:rPr lang="en-SG" dirty="0"/>
-              <a:t>+ getHospitalNumber</a:t>
-            </a:r>
-          </a:p>
-          <a:p>
-            <a:r>
-              <a:rPr lang="en-SG" dirty="0"/>
-              <a:t>+ getDoctorName</a:t>
-            </a:r>
-          </a:p>
-          <a:p>
-            <a:r>
-              <a:rPr lang="en-SG" dirty="0"/>
-              <a:t>+ setDoctor</a:t>
-            </a:r>
-          </a:p>
-          <a:p>
-            <a:r>
-              <a:rPr lang="en-SG" dirty="0"/>
-              <a:t> + getDoctorNumber</a:t>
+              <a:t>+ getDoctor() : Doctor</a:t>
             </a:r>
           </a:p>
         </p:txBody>
@@ -3896,9 +3841,9 @@
           <p:nvPr/>
         </p:nvCxnSpPr>
         <p:spPr>
-          <a:xfrm flipH="1">
-            <a:off x="7079708" y="13198650"/>
-            <a:ext cx="1" cy="995877"/>
+          <a:xfrm>
+            <a:off x="7079708" y="11681235"/>
+            <a:ext cx="1" cy="2513292"/>
           </a:xfrm>
           <a:prstGeom prst="straightConnector1">
             <a:avLst/>
@@ -3936,8 +3881,8 @@
         </p:nvSpPr>
         <p:spPr>
           <a:xfrm>
-            <a:off x="4334412" y="14226628"/>
-            <a:ext cx="3371845" cy="601436"/>
+            <a:off x="3142426" y="14226628"/>
+            <a:ext cx="4563831" cy="601436"/>
           </a:xfrm>
           <a:prstGeom prst="rect">
             <a:avLst/>
@@ -3983,8 +3928,8 @@
         </p:nvSpPr>
         <p:spPr>
           <a:xfrm>
-            <a:off x="4334412" y="14828070"/>
-            <a:ext cx="3371845" cy="1485893"/>
+            <a:off x="3142426" y="14828071"/>
+            <a:ext cx="4563831" cy="928694"/>
           </a:xfrm>
           <a:prstGeom prst="rect">
             <a:avLst/>
@@ -4010,19 +3955,13 @@
           <a:p>
             <a:r>
               <a:rPr lang="en-SG" dirty="0"/>
-              <a:t>- HospitalName</a:t>
+              <a:t>- name: String</a:t>
             </a:r>
           </a:p>
           <a:p>
             <a:r>
               <a:rPr lang="en-SG" dirty="0"/>
-              <a:t>- HospitalNumber</a:t>
-            </a:r>
-          </a:p>
-          <a:p>
-            <a:r>
-              <a:rPr lang="en-SG" dirty="0"/>
-              <a:t>- DoctorList</a:t>
+              <a:t>- number: Integer</a:t>
             </a:r>
           </a:p>
         </p:txBody>
@@ -4041,8 +3980,8 @@
         </p:nvSpPr>
         <p:spPr>
           <a:xfrm>
-            <a:off x="4334412" y="16313963"/>
-            <a:ext cx="3371845" cy="958568"/>
+            <a:off x="3142426" y="15756766"/>
+            <a:ext cx="4563831" cy="1781323"/>
           </a:xfrm>
           <a:prstGeom prst="rect">
             <a:avLst/>
@@ -4068,19 +4007,25 @@
           <a:p>
             <a:r>
               <a:rPr lang="en-SG" dirty="0"/>
-              <a:t>+ getHospitalName</a:t>
+              <a:t>+ getHospitalName() : String</a:t>
             </a:r>
           </a:p>
           <a:p>
             <a:r>
               <a:rPr lang="en-SG" dirty="0"/>
-              <a:t>+ getHospitalNumber</a:t>
+              <a:t>+ getHospitalNumber() : Integer</a:t>
             </a:r>
           </a:p>
           <a:p>
             <a:r>
               <a:rPr lang="en-SG" dirty="0"/>
-              <a:t>+ getDoctors</a:t>
+              <a:t>+ getDoctor(doctorIndex: Integer) : Doctor</a:t>
+            </a:r>
+          </a:p>
+          <a:p>
+            <a:r>
+              <a:rPr lang="en-SG" dirty="0"/>
+              <a:t>+ addDoctor(name: String, number: Integer)</a:t>
             </a:r>
           </a:p>
         </p:txBody>
@@ -4246,7 +4191,7 @@
         <p:spPr>
           <a:xfrm>
             <a:off x="8866598" y="13593091"/>
-            <a:ext cx="2578813" cy="601436"/>
+            <a:ext cx="3117264" cy="601436"/>
           </a:xfrm>
           <a:prstGeom prst="rect">
             <a:avLst/>
@@ -4293,7 +4238,7 @@
         <p:spPr>
           <a:xfrm>
             <a:off x="8866598" y="14194534"/>
-            <a:ext cx="2578813" cy="876544"/>
+            <a:ext cx="3117264" cy="876544"/>
           </a:xfrm>
           <a:prstGeom prst="rect">
             <a:avLst/>
@@ -4319,13 +4264,13 @@
           <a:p>
             <a:r>
               <a:rPr lang="en-SG" dirty="0"/>
-              <a:t>- DoctorName</a:t>
+              <a:t>- name: String</a:t>
             </a:r>
           </a:p>
           <a:p>
             <a:r>
               <a:rPr lang="en-SG" dirty="0"/>
-              <a:t>- DoctorNumber</a:t>
+              <a:t>- number: Integer</a:t>
             </a:r>
           </a:p>
         </p:txBody>
@@ -4345,7 +4290,7 @@
         <p:spPr>
           <a:xfrm>
             <a:off x="8866598" y="15071077"/>
-            <a:ext cx="2578813" cy="1209561"/>
+            <a:ext cx="3117264" cy="1209561"/>
           </a:xfrm>
           <a:prstGeom prst="rect">
             <a:avLst/>
@@ -4371,13 +4316,13 @@
           <a:p>
             <a:r>
               <a:rPr lang="en-SG" dirty="0"/>
-              <a:t>+ getDoctorName</a:t>
+              <a:t>+ getDoctorName() : String</a:t>
             </a:r>
           </a:p>
           <a:p>
             <a:r>
               <a:rPr lang="en-SG" dirty="0"/>
-              <a:t>+ getDoctorNumber</a:t>
+              <a:t>+ getDoctorNumber() : Integer</a:t>
             </a:r>
           </a:p>
         </p:txBody>
@@ -4391,13 +4336,15 @@
               </a:ext>
             </a:extLst>
           </p:cNvPr>
-          <p:cNvCxnSpPr/>
+          <p:cNvCxnSpPr>
+            <a:cxnSpLocks/>
+          </p:cNvCxnSpPr>
           <p:nvPr/>
         </p:nvCxnSpPr>
         <p:spPr>
-          <a:xfrm flipH="1">
-            <a:off x="9932392" y="11681235"/>
-            <a:ext cx="5" cy="1899530"/>
+          <a:xfrm>
+            <a:off x="10461786" y="11132686"/>
+            <a:ext cx="1" cy="2448079"/>
           </a:xfrm>
           <a:prstGeom prst="straightConnector1">
             <a:avLst/>
@@ -4435,7 +4382,7 @@
         </p:nvSpPr>
         <p:spPr>
           <a:xfrm>
-            <a:off x="9905353" y="13178765"/>
+            <a:off x="10434747" y="13178765"/>
             <a:ext cx="327896" cy="369332"/>
           </a:xfrm>
           <a:prstGeom prst="rect">
@@ -4467,14 +4414,13 @@
           </p:cNvPr>
           <p:cNvCxnSpPr>
             <a:cxnSpLocks/>
-            <a:endCxn id="35" idx="3"/>
           </p:cNvCxnSpPr>
           <p:nvPr/>
         </p:nvCxnSpPr>
         <p:spPr>
-          <a:xfrm flipH="1" flipV="1">
-            <a:off x="8360230" y="11660614"/>
-            <a:ext cx="1572164" cy="20622"/>
+          <a:xfrm flipH="1">
+            <a:off x="9631540" y="11132686"/>
+            <a:ext cx="830246" cy="0"/>
           </a:xfrm>
           <a:prstGeom prst="line">
             <a:avLst/>
@@ -4500,6 +4446,146 @@
           </a:fontRef>
         </p:style>
       </p:cxnSp>
+      <p:sp>
+        <p:nvSpPr>
+          <p:cNvPr id="22" name="TextBox 21">
+            <a:extLst>
+              <a:ext uri="{FF2B5EF4-FFF2-40B4-BE49-F238E27FC236}">
+                <a16:creationId xmlns:a16="http://schemas.microsoft.com/office/drawing/2014/main" id="{6A948531-C7F2-4888-B7B6-62FCF3342BD4}"/>
+              </a:ext>
+            </a:extLst>
+          </p:cNvPr>
+          <p:cNvSpPr txBox="1"/>
+          <p:nvPr/>
+        </p:nvSpPr>
+        <p:spPr>
+          <a:xfrm>
+            <a:off x="4899320" y="13901535"/>
+            <a:ext cx="1317063" cy="369332"/>
+          </a:xfrm>
+          <a:prstGeom prst="rect">
+            <a:avLst/>
+          </a:prstGeom>
+          <a:noFill/>
+        </p:spPr>
+        <p:txBody>
+          <a:bodyPr wrap="square" rtlCol="0">
+            <a:spAutoFit/>
+          </a:bodyPr>
+          <a:lstStyle/>
+          <a:p>
+            <a:r>
+              <a:rPr lang="en-SG" dirty="0"/>
+              <a:t>Hospital</a:t>
+            </a:r>
+          </a:p>
+        </p:txBody>
+      </p:sp>
+      <p:sp>
+        <p:nvSpPr>
+          <p:cNvPr id="44" name="TextBox 43">
+            <a:extLst>
+              <a:ext uri="{FF2B5EF4-FFF2-40B4-BE49-F238E27FC236}">
+                <a16:creationId xmlns:a16="http://schemas.microsoft.com/office/drawing/2014/main" id="{66D4080B-E97E-42EE-825C-6D8D5024CE46}"/>
+              </a:ext>
+            </a:extLst>
+          </p:cNvPr>
+          <p:cNvSpPr txBox="1"/>
+          <p:nvPr/>
+        </p:nvSpPr>
+        <p:spPr>
+          <a:xfrm>
+            <a:off x="6100718" y="13884224"/>
+            <a:ext cx="1317063" cy="369332"/>
+          </a:xfrm>
+          <a:prstGeom prst="rect">
+            <a:avLst/>
+          </a:prstGeom>
+          <a:noFill/>
+        </p:spPr>
+        <p:txBody>
+          <a:bodyPr wrap="square" rtlCol="0">
+            <a:spAutoFit/>
+          </a:bodyPr>
+          <a:lstStyle/>
+          <a:p>
+            <a:r>
+              <a:rPr lang="en-SG" dirty="0"/>
+              <a:t>Hospital</a:t>
+            </a:r>
+          </a:p>
+        </p:txBody>
+      </p:sp>
+      <p:sp>
+        <p:nvSpPr>
+          <p:cNvPr id="45" name="TextBox 44">
+            <a:extLst>
+              <a:ext uri="{FF2B5EF4-FFF2-40B4-BE49-F238E27FC236}">
+                <a16:creationId xmlns:a16="http://schemas.microsoft.com/office/drawing/2014/main" id="{BB97C6F1-5D1A-4A38-83EF-4384E6E32F2A}"/>
+              </a:ext>
+            </a:extLst>
+          </p:cNvPr>
+          <p:cNvSpPr txBox="1"/>
+          <p:nvPr/>
+        </p:nvSpPr>
+        <p:spPr>
+          <a:xfrm>
+            <a:off x="9631540" y="13183238"/>
+            <a:ext cx="1317063" cy="369332"/>
+          </a:xfrm>
+          <a:prstGeom prst="rect">
+            <a:avLst/>
+          </a:prstGeom>
+          <a:noFill/>
+        </p:spPr>
+        <p:txBody>
+          <a:bodyPr wrap="square" rtlCol="0">
+            <a:spAutoFit/>
+          </a:bodyPr>
+          <a:lstStyle/>
+          <a:p>
+            <a:r>
+              <a:rPr lang="en-SG" dirty="0"/>
+              <a:t>Doctor</a:t>
+            </a:r>
+          </a:p>
+        </p:txBody>
+      </p:sp>
+      <p:sp>
+        <p:nvSpPr>
+          <p:cNvPr id="46" name="TextBox 45">
+            <a:extLst>
+              <a:ext uri="{FF2B5EF4-FFF2-40B4-BE49-F238E27FC236}">
+                <a16:creationId xmlns:a16="http://schemas.microsoft.com/office/drawing/2014/main" id="{90E791B2-1524-4035-9053-2A090957C991}"/>
+              </a:ext>
+            </a:extLst>
+          </p:cNvPr>
+          <p:cNvSpPr txBox="1"/>
+          <p:nvPr/>
+        </p:nvSpPr>
+        <p:spPr>
+          <a:xfrm>
+            <a:off x="7947825" y="14948457"/>
+            <a:ext cx="1317063" cy="369332"/>
+          </a:xfrm>
+          <a:prstGeom prst="rect">
+            <a:avLst/>
+          </a:prstGeom>
+          <a:noFill/>
+        </p:spPr>
+        <p:txBody>
+          <a:bodyPr wrap="square" rtlCol="0">
+            <a:spAutoFit/>
+          </a:bodyPr>
+          <a:lstStyle/>
+          <a:p>
+            <a:r>
+              <a:rPr lang="en-SG" dirty="0"/>
+              <a:t>Doctors</a:t>
+            </a:r>
+          </a:p>
+        </p:txBody>
+      </p:sp>
     </p:spTree>
     <p:extLst>
       <p:ext uri="{BB962C8B-B14F-4D97-AF65-F5344CB8AC3E}">

--- a/docs/uml.pptx
+++ b/docs/uml.pptx
@@ -243,7 +243,7 @@
           <a:p>
             <a:fld id="{822F160E-D177-420A-96E8-F3002FBB7819}" type="datetimeFigureOut">
               <a:rPr lang="en-SG" smtClean="0"/>
-              <a:t>20/10/2021</a:t>
+              <a:t>29/10/2021</a:t>
             </a:fld>
             <a:endParaRPr lang="en-SG"/>
           </a:p>
@@ -413,7 +413,7 @@
           <a:p>
             <a:fld id="{822F160E-D177-420A-96E8-F3002FBB7819}" type="datetimeFigureOut">
               <a:rPr lang="en-SG" smtClean="0"/>
-              <a:t>20/10/2021</a:t>
+              <a:t>29/10/2021</a:t>
             </a:fld>
             <a:endParaRPr lang="en-SG"/>
           </a:p>
@@ -593,7 +593,7 @@
           <a:p>
             <a:fld id="{822F160E-D177-420A-96E8-F3002FBB7819}" type="datetimeFigureOut">
               <a:rPr lang="en-SG" smtClean="0"/>
-              <a:t>20/10/2021</a:t>
+              <a:t>29/10/2021</a:t>
             </a:fld>
             <a:endParaRPr lang="en-SG"/>
           </a:p>
@@ -763,7 +763,7 @@
           <a:p>
             <a:fld id="{822F160E-D177-420A-96E8-F3002FBB7819}" type="datetimeFigureOut">
               <a:rPr lang="en-SG" smtClean="0"/>
-              <a:t>20/10/2021</a:t>
+              <a:t>29/10/2021</a:t>
             </a:fld>
             <a:endParaRPr lang="en-SG"/>
           </a:p>
@@ -1007,7 +1007,7 @@
           <a:p>
             <a:fld id="{822F160E-D177-420A-96E8-F3002FBB7819}" type="datetimeFigureOut">
               <a:rPr lang="en-SG" smtClean="0"/>
-              <a:t>20/10/2021</a:t>
+              <a:t>29/10/2021</a:t>
             </a:fld>
             <a:endParaRPr lang="en-SG"/>
           </a:p>
@@ -1239,7 +1239,7 @@
           <a:p>
             <a:fld id="{822F160E-D177-420A-96E8-F3002FBB7819}" type="datetimeFigureOut">
               <a:rPr lang="en-SG" smtClean="0"/>
-              <a:t>20/10/2021</a:t>
+              <a:t>29/10/2021</a:t>
             </a:fld>
             <a:endParaRPr lang="en-SG"/>
           </a:p>
@@ -1606,7 +1606,7 @@
           <a:p>
             <a:fld id="{822F160E-D177-420A-96E8-F3002FBB7819}" type="datetimeFigureOut">
               <a:rPr lang="en-SG" smtClean="0"/>
-              <a:t>20/10/2021</a:t>
+              <a:t>29/10/2021</a:t>
             </a:fld>
             <a:endParaRPr lang="en-SG"/>
           </a:p>
@@ -1724,7 +1724,7 @@
           <a:p>
             <a:fld id="{822F160E-D177-420A-96E8-F3002FBB7819}" type="datetimeFigureOut">
               <a:rPr lang="en-SG" smtClean="0"/>
-              <a:t>20/10/2021</a:t>
+              <a:t>29/10/2021</a:t>
             </a:fld>
             <a:endParaRPr lang="en-SG"/>
           </a:p>
@@ -1819,7 +1819,7 @@
           <a:p>
             <a:fld id="{822F160E-D177-420A-96E8-F3002FBB7819}" type="datetimeFigureOut">
               <a:rPr lang="en-SG" smtClean="0"/>
-              <a:t>20/10/2021</a:t>
+              <a:t>29/10/2021</a:t>
             </a:fld>
             <a:endParaRPr lang="en-SG"/>
           </a:p>
@@ -2096,7 +2096,7 @@
           <a:p>
             <a:fld id="{822F160E-D177-420A-96E8-F3002FBB7819}" type="datetimeFigureOut">
               <a:rPr lang="en-SG" smtClean="0"/>
-              <a:t>20/10/2021</a:t>
+              <a:t>29/10/2021</a:t>
             </a:fld>
             <a:endParaRPr lang="en-SG"/>
           </a:p>
@@ -2353,7 +2353,7 @@
           <a:p>
             <a:fld id="{822F160E-D177-420A-96E8-F3002FBB7819}" type="datetimeFigureOut">
               <a:rPr lang="en-SG" smtClean="0"/>
-              <a:t>20/10/2021</a:t>
+              <a:t>29/10/2021</a:t>
             </a:fld>
             <a:endParaRPr lang="en-SG"/>
           </a:p>
@@ -2566,7 +2566,7 @@
           <a:p>
             <a:fld id="{822F160E-D177-420A-96E8-F3002FBB7819}" type="datetimeFigureOut">
               <a:rPr lang="en-SG" smtClean="0"/>
-              <a:t>20/10/2021</a:t>
+              <a:t>29/10/2021</a:t>
             </a:fld>
             <a:endParaRPr lang="en-SG"/>
           </a:p>
@@ -2985,7 +2985,7 @@
         </p:nvSpPr>
         <p:spPr>
           <a:xfrm>
-            <a:off x="3142426" y="5857648"/>
+            <a:off x="1779008" y="5834702"/>
             <a:ext cx="3371850" cy="840922"/>
           </a:xfrm>
           <a:prstGeom prst="rect">
@@ -3012,7 +3012,7 @@
           <a:p>
             <a:pPr algn="ctr"/>
             <a:r>
-              <a:rPr lang="en-SG" dirty="0"/>
+              <a:rPr lang="en-SG" i="1" dirty="0"/>
               <a:t>Elderly</a:t>
             </a:r>
           </a:p>
@@ -3032,7 +3032,7 @@
         </p:nvSpPr>
         <p:spPr>
           <a:xfrm>
-            <a:off x="4662343" y="6715374"/>
+            <a:off x="3725641" y="6698621"/>
             <a:ext cx="332014" cy="286219"/>
           </a:xfrm>
           <a:prstGeom prst="triangle">
@@ -3073,13 +3073,12 @@
           </p:cNvPr>
           <p:cNvCxnSpPr>
             <a:cxnSpLocks/>
-            <a:stCxn id="7" idx="3"/>
           </p:cNvCxnSpPr>
           <p:nvPr/>
         </p:nvCxnSpPr>
         <p:spPr>
           <a:xfrm>
-            <a:off x="4828350" y="7001593"/>
+            <a:off x="3891648" y="7017811"/>
             <a:ext cx="0" cy="1182883"/>
           </a:xfrm>
           <a:prstGeom prst="line">
@@ -3115,7 +3114,7 @@
         </p:nvSpPr>
         <p:spPr>
           <a:xfrm>
-            <a:off x="3304351" y="6715374"/>
+            <a:off x="2535548" y="6715374"/>
             <a:ext cx="332014" cy="286219"/>
           </a:xfrm>
           <a:prstGeom prst="triangle">
@@ -3156,13 +3155,12 @@
           </p:cNvPr>
           <p:cNvCxnSpPr>
             <a:cxnSpLocks/>
-            <a:stCxn id="11" idx="3"/>
           </p:cNvCxnSpPr>
           <p:nvPr/>
         </p:nvCxnSpPr>
         <p:spPr>
           <a:xfrm>
-            <a:off x="3470358" y="7001587"/>
+            <a:off x="2701555" y="6989581"/>
             <a:ext cx="0" cy="897602"/>
           </a:xfrm>
           <a:prstGeom prst="line">
@@ -3198,7 +3196,7 @@
         </p:nvSpPr>
         <p:spPr>
           <a:xfrm>
-            <a:off x="6020335" y="6715374"/>
+            <a:off x="4417416" y="6695631"/>
             <a:ext cx="332014" cy="286219"/>
           </a:xfrm>
           <a:prstGeom prst="triangle">
@@ -3239,14 +3237,13 @@
           </p:cNvPr>
           <p:cNvCxnSpPr>
             <a:cxnSpLocks/>
-            <a:stCxn id="13" idx="3"/>
           </p:cNvCxnSpPr>
           <p:nvPr/>
         </p:nvCxnSpPr>
         <p:spPr>
           <a:xfrm>
-            <a:off x="6186342" y="7001587"/>
-            <a:ext cx="0" cy="897602"/>
+            <a:off x="4575171" y="6858483"/>
+            <a:ext cx="8252" cy="1040706"/>
           </a:xfrm>
           <a:prstGeom prst="line">
             <a:avLst/>
@@ -3408,44 +3405,6 @@
           </a:p>
         </p:txBody>
       </p:sp>
-      <p:cxnSp>
-        <p:nvCxnSpPr>
-          <p:cNvPr id="21" name="Straight Connector 20">
-            <a:extLst>
-              <a:ext uri="{FF2B5EF4-FFF2-40B4-BE49-F238E27FC236}">
-                <a16:creationId xmlns:a16="http://schemas.microsoft.com/office/drawing/2014/main" id="{983C687F-EF98-4A05-B195-DFBA7410F20C}"/>
-              </a:ext>
-            </a:extLst>
-          </p:cNvPr>
-          <p:cNvCxnSpPr>
-            <a:cxnSpLocks/>
-          </p:cNvCxnSpPr>
-          <p:nvPr/>
-        </p:nvCxnSpPr>
-        <p:spPr>
-          <a:xfrm flipH="1">
-            <a:off x="2701560" y="7899189"/>
-            <a:ext cx="768803" cy="0"/>
-          </a:xfrm>
-          <a:prstGeom prst="line">
-            <a:avLst/>
-          </a:prstGeom>
-        </p:spPr>
-        <p:style>
-          <a:lnRef idx="3">
-            <a:schemeClr val="dk1"/>
-          </a:lnRef>
-          <a:fillRef idx="0">
-            <a:schemeClr val="dk1"/>
-          </a:fillRef>
-          <a:effectRef idx="2">
-            <a:schemeClr val="dk1"/>
-          </a:effectRef>
-          <a:fontRef idx="minor">
-            <a:schemeClr val="tx1"/>
-          </a:fontRef>
-        </p:style>
-      </p:cxnSp>
       <p:cxnSp>
         <p:nvCxnSpPr>
           <p:cNvPr id="23" name="Straight Connector 22">
@@ -3499,9 +3458,9 @@
           <p:nvPr/>
         </p:nvCxnSpPr>
         <p:spPr>
-          <a:xfrm flipH="1">
-            <a:off x="6186347" y="7899189"/>
-            <a:ext cx="768803" cy="0"/>
+          <a:xfrm flipH="1" flipV="1">
+            <a:off x="4575171" y="7887183"/>
+            <a:ext cx="2379980" cy="12006"/>
           </a:xfrm>
           <a:prstGeom prst="line">
             <a:avLst/>
@@ -4494,6 +4453,315 @@
           </a:fillRef>
           <a:effectRef idx="0">
             <a:schemeClr val="accent1"/>
+          </a:effectRef>
+          <a:fontRef idx="minor">
+            <a:schemeClr val="tx1"/>
+          </a:fontRef>
+        </p:style>
+      </p:cxnSp>
+      <p:sp>
+        <p:nvSpPr>
+          <p:cNvPr id="40" name="Rectangle 39">
+            <a:extLst>
+              <a:ext uri="{FF2B5EF4-FFF2-40B4-BE49-F238E27FC236}">
+                <a16:creationId xmlns:a16="http://schemas.microsoft.com/office/drawing/2014/main" id="{386B55B7-6776-4A6F-8202-980DB4429B82}"/>
+              </a:ext>
+            </a:extLst>
+          </p:cNvPr>
+          <p:cNvSpPr/>
+          <p:nvPr/>
+        </p:nvSpPr>
+        <p:spPr>
+          <a:xfrm>
+            <a:off x="5073276" y="2636122"/>
+            <a:ext cx="2226131" cy="601436"/>
+          </a:xfrm>
+          <a:prstGeom prst="rect">
+            <a:avLst/>
+          </a:prstGeom>
+        </p:spPr>
+        <p:style>
+          <a:lnRef idx="2">
+            <a:schemeClr val="dk1"/>
+          </a:lnRef>
+          <a:fillRef idx="1">
+            <a:schemeClr val="lt1"/>
+          </a:fillRef>
+          <a:effectRef idx="0">
+            <a:schemeClr val="dk1"/>
+          </a:effectRef>
+          <a:fontRef idx="minor">
+            <a:schemeClr val="dk1"/>
+          </a:fontRef>
+        </p:style>
+        <p:txBody>
+          <a:bodyPr rtlCol="0" anchor="ctr"/>
+          <a:lstStyle/>
+          <a:p>
+            <a:pPr algn="ctr"/>
+            <a:r>
+              <a:rPr lang="en-GB" dirty="0"/>
+              <a:t>&lt;&lt;interface&gt;&gt;</a:t>
+            </a:r>
+          </a:p>
+          <a:p>
+            <a:pPr algn="ctr"/>
+            <a:r>
+              <a:rPr lang="en-GB" dirty="0" err="1"/>
+              <a:t>hospitalisable</a:t>
+            </a:r>
+            <a:endParaRPr lang="en-SG" dirty="0"/>
+          </a:p>
+        </p:txBody>
+      </p:sp>
+      <p:sp>
+        <p:nvSpPr>
+          <p:cNvPr id="44" name="Isosceles Triangle 43">
+            <a:extLst>
+              <a:ext uri="{FF2B5EF4-FFF2-40B4-BE49-F238E27FC236}">
+                <a16:creationId xmlns:a16="http://schemas.microsoft.com/office/drawing/2014/main" id="{73E098A8-2F68-4BFA-92AA-7C8F403F1603}"/>
+              </a:ext>
+            </a:extLst>
+          </p:cNvPr>
+          <p:cNvSpPr/>
+          <p:nvPr/>
+        </p:nvSpPr>
+        <p:spPr>
+          <a:xfrm>
+            <a:off x="5307357" y="5147502"/>
+            <a:ext cx="332014" cy="286219"/>
+          </a:xfrm>
+          <a:prstGeom prst="triangle">
+            <a:avLst/>
+          </a:prstGeom>
+        </p:spPr>
+        <p:style>
+          <a:lnRef idx="2">
+            <a:schemeClr val="dk1"/>
+          </a:lnRef>
+          <a:fillRef idx="1">
+            <a:schemeClr val="lt1"/>
+          </a:fillRef>
+          <a:effectRef idx="0">
+            <a:schemeClr val="dk1"/>
+          </a:effectRef>
+          <a:fontRef idx="minor">
+            <a:schemeClr val="dk1"/>
+          </a:fontRef>
+        </p:style>
+        <p:txBody>
+          <a:bodyPr rtlCol="0" anchor="ctr"/>
+          <a:lstStyle/>
+          <a:p>
+            <a:pPr algn="ctr"/>
+            <a:endParaRPr lang="en-SG"/>
+          </a:p>
+        </p:txBody>
+      </p:sp>
+      <p:cxnSp>
+        <p:nvCxnSpPr>
+          <p:cNvPr id="45" name="Straight Connector 44">
+            <a:extLst>
+              <a:ext uri="{FF2B5EF4-FFF2-40B4-BE49-F238E27FC236}">
+                <a16:creationId xmlns:a16="http://schemas.microsoft.com/office/drawing/2014/main" id="{C3A84D8E-20F8-48ED-BEF0-48AA10195652}"/>
+              </a:ext>
+            </a:extLst>
+          </p:cNvPr>
+          <p:cNvCxnSpPr>
+            <a:cxnSpLocks/>
+            <a:stCxn id="44" idx="3"/>
+          </p:cNvCxnSpPr>
+          <p:nvPr/>
+        </p:nvCxnSpPr>
+        <p:spPr>
+          <a:xfrm>
+            <a:off x="5473364" y="5433721"/>
+            <a:ext cx="0" cy="2766973"/>
+          </a:xfrm>
+          <a:prstGeom prst="line">
+            <a:avLst/>
+          </a:prstGeom>
+          <a:ln w="9525" cap="flat" cmpd="sng" algn="ctr">
+            <a:solidFill>
+              <a:schemeClr val="dk1"/>
+            </a:solidFill>
+            <a:prstDash val="dash"/>
+            <a:round/>
+            <a:headEnd type="none" w="med" len="med"/>
+            <a:tailEnd type="none" w="med" len="med"/>
+          </a:ln>
+        </p:spPr>
+        <p:style>
+          <a:lnRef idx="0">
+            <a:scrgbClr r="0" g="0" b="0"/>
+          </a:lnRef>
+          <a:fillRef idx="0">
+            <a:scrgbClr r="0" g="0" b="0"/>
+          </a:fillRef>
+          <a:effectRef idx="0">
+            <a:scrgbClr r="0" g="0" b="0"/>
+          </a:effectRef>
+          <a:fontRef idx="minor">
+            <a:schemeClr val="tx1"/>
+          </a:fontRef>
+        </p:style>
+      </p:cxnSp>
+      <p:sp>
+        <p:nvSpPr>
+          <p:cNvPr id="46" name="Rectangle 45">
+            <a:extLst>
+              <a:ext uri="{FF2B5EF4-FFF2-40B4-BE49-F238E27FC236}">
+                <a16:creationId xmlns:a16="http://schemas.microsoft.com/office/drawing/2014/main" id="{85B00788-7B6A-4FF6-B61C-97347374EC00}"/>
+              </a:ext>
+            </a:extLst>
+          </p:cNvPr>
+          <p:cNvSpPr/>
+          <p:nvPr/>
+        </p:nvSpPr>
+        <p:spPr>
+          <a:xfrm>
+            <a:off x="5086566" y="3238771"/>
+            <a:ext cx="2226131" cy="1858776"/>
+          </a:xfrm>
+          <a:prstGeom prst="rect">
+            <a:avLst/>
+          </a:prstGeom>
+        </p:spPr>
+        <p:style>
+          <a:lnRef idx="2">
+            <a:schemeClr val="dk1"/>
+          </a:lnRef>
+          <a:fillRef idx="1">
+            <a:schemeClr val="lt1"/>
+          </a:fillRef>
+          <a:effectRef idx="0">
+            <a:schemeClr val="dk1"/>
+          </a:effectRef>
+          <a:fontRef idx="minor">
+            <a:schemeClr val="dk1"/>
+          </a:fontRef>
+        </p:style>
+        <p:txBody>
+          <a:bodyPr rtlCol="0" anchor="ctr"/>
+          <a:lstStyle/>
+          <a:p>
+            <a:r>
+              <a:rPr lang="en-SG" dirty="0"/>
+              <a:t>+ getHospitalName</a:t>
+            </a:r>
+          </a:p>
+          <a:p>
+            <a:r>
+              <a:rPr lang="en-SG" dirty="0"/>
+              <a:t>+ setHospital</a:t>
+            </a:r>
+          </a:p>
+          <a:p>
+            <a:r>
+              <a:rPr lang="en-SG" dirty="0"/>
+              <a:t>+ getConditions</a:t>
+            </a:r>
+          </a:p>
+          <a:p>
+            <a:r>
+              <a:rPr lang="en-SG" dirty="0"/>
+              <a:t>+ setConditions</a:t>
+            </a:r>
+          </a:p>
+          <a:p>
+            <a:r>
+              <a:rPr lang="en-SG" dirty="0"/>
+              <a:t>+ getHospitalNumber</a:t>
+            </a:r>
+          </a:p>
+        </p:txBody>
+      </p:sp>
+      <p:sp>
+        <p:nvSpPr>
+          <p:cNvPr id="48" name="Isosceles Triangle 47">
+            <a:extLst>
+              <a:ext uri="{FF2B5EF4-FFF2-40B4-BE49-F238E27FC236}">
+                <a16:creationId xmlns:a16="http://schemas.microsoft.com/office/drawing/2014/main" id="{8CBDDAB0-483D-4816-8D6C-5005ED17EF32}"/>
+              </a:ext>
+            </a:extLst>
+          </p:cNvPr>
+          <p:cNvSpPr/>
+          <p:nvPr/>
+        </p:nvSpPr>
+        <p:spPr>
+          <a:xfrm>
+            <a:off x="6386624" y="5119272"/>
+            <a:ext cx="332014" cy="286219"/>
+          </a:xfrm>
+          <a:prstGeom prst="triangle">
+            <a:avLst/>
+          </a:prstGeom>
+        </p:spPr>
+        <p:style>
+          <a:lnRef idx="2">
+            <a:schemeClr val="dk1"/>
+          </a:lnRef>
+          <a:fillRef idx="1">
+            <a:schemeClr val="lt1"/>
+          </a:fillRef>
+          <a:effectRef idx="0">
+            <a:schemeClr val="dk1"/>
+          </a:effectRef>
+          <a:fontRef idx="minor">
+            <a:schemeClr val="dk1"/>
+          </a:fontRef>
+        </p:style>
+        <p:txBody>
+          <a:bodyPr rtlCol="0" anchor="ctr"/>
+          <a:lstStyle/>
+          <a:p>
+            <a:pPr algn="ctr"/>
+            <a:endParaRPr lang="en-SG"/>
+          </a:p>
+        </p:txBody>
+      </p:sp>
+      <p:cxnSp>
+        <p:nvCxnSpPr>
+          <p:cNvPr id="49" name="Straight Connector 48">
+            <a:extLst>
+              <a:ext uri="{FF2B5EF4-FFF2-40B4-BE49-F238E27FC236}">
+                <a16:creationId xmlns:a16="http://schemas.microsoft.com/office/drawing/2014/main" id="{4952E413-3B39-4529-BF3A-4471ED3A1767}"/>
+              </a:ext>
+            </a:extLst>
+          </p:cNvPr>
+          <p:cNvCxnSpPr>
+            <a:cxnSpLocks/>
+            <a:stCxn id="48" idx="3"/>
+          </p:cNvCxnSpPr>
+          <p:nvPr/>
+        </p:nvCxnSpPr>
+        <p:spPr>
+          <a:xfrm>
+            <a:off x="6552631" y="5405491"/>
+            <a:ext cx="0" cy="2766973"/>
+          </a:xfrm>
+          <a:prstGeom prst="line">
+            <a:avLst/>
+          </a:prstGeom>
+          <a:ln w="9525" cap="flat" cmpd="sng" algn="ctr">
+            <a:solidFill>
+              <a:schemeClr val="dk1"/>
+            </a:solidFill>
+            <a:prstDash val="dash"/>
+            <a:round/>
+            <a:headEnd type="none" w="med" len="med"/>
+            <a:tailEnd type="none" w="med" len="med"/>
+          </a:ln>
+        </p:spPr>
+        <p:style>
+          <a:lnRef idx="0">
+            <a:scrgbClr r="0" g="0" b="0"/>
+          </a:lnRef>
+          <a:fillRef idx="0">
+            <a:scrgbClr r="0" g="0" b="0"/>
+          </a:fillRef>
+          <a:effectRef idx="0">
+            <a:scrgbClr r="0" g="0" b="0"/>
           </a:effectRef>
           <a:fontRef idx="minor">
             <a:schemeClr val="tx1"/>

--- a/docs/uml.pptx
+++ b/docs/uml.pptx
@@ -245,7 +245,7 @@
               <a:rPr lang="en-SG" smtClean="0"/>
               <a:t>29/10/2021</a:t>
             </a:fld>
-            <a:endParaRPr lang="en-SG"/>
+            <a:endParaRPr lang="en-SG" dirty="0"/>
           </a:p>
         </p:txBody>
       </p:sp>
@@ -264,7 +264,7 @@
           <a:bodyPr/>
           <a:lstStyle/>
           <a:p>
-            <a:endParaRPr lang="en-SG"/>
+            <a:endParaRPr lang="en-SG" dirty="0"/>
           </a:p>
         </p:txBody>
       </p:sp>
@@ -287,7 +287,7 @@
               <a:rPr lang="en-SG" smtClean="0"/>
               <a:t>‹#›</a:t>
             </a:fld>
-            <a:endParaRPr lang="en-SG"/>
+            <a:endParaRPr lang="en-SG" dirty="0"/>
           </a:p>
         </p:txBody>
       </p:sp>
@@ -415,7 +415,7 @@
               <a:rPr lang="en-SG" smtClean="0"/>
               <a:t>29/10/2021</a:t>
             </a:fld>
-            <a:endParaRPr lang="en-SG"/>
+            <a:endParaRPr lang="en-SG" dirty="0"/>
           </a:p>
         </p:txBody>
       </p:sp>
@@ -434,7 +434,7 @@
           <a:bodyPr/>
           <a:lstStyle/>
           <a:p>
-            <a:endParaRPr lang="en-SG"/>
+            <a:endParaRPr lang="en-SG" dirty="0"/>
           </a:p>
         </p:txBody>
       </p:sp>
@@ -457,7 +457,7 @@
               <a:rPr lang="en-SG" smtClean="0"/>
               <a:t>‹#›</a:t>
             </a:fld>
-            <a:endParaRPr lang="en-SG"/>
+            <a:endParaRPr lang="en-SG" dirty="0"/>
           </a:p>
         </p:txBody>
       </p:sp>
@@ -595,7 +595,7 @@
               <a:rPr lang="en-SG" smtClean="0"/>
               <a:t>29/10/2021</a:t>
             </a:fld>
-            <a:endParaRPr lang="en-SG"/>
+            <a:endParaRPr lang="en-SG" dirty="0"/>
           </a:p>
         </p:txBody>
       </p:sp>
@@ -614,7 +614,7 @@
           <a:bodyPr/>
           <a:lstStyle/>
           <a:p>
-            <a:endParaRPr lang="en-SG"/>
+            <a:endParaRPr lang="en-SG" dirty="0"/>
           </a:p>
         </p:txBody>
       </p:sp>
@@ -637,7 +637,7 @@
               <a:rPr lang="en-SG" smtClean="0"/>
               <a:t>‹#›</a:t>
             </a:fld>
-            <a:endParaRPr lang="en-SG"/>
+            <a:endParaRPr lang="en-SG" dirty="0"/>
           </a:p>
         </p:txBody>
       </p:sp>
@@ -765,7 +765,7 @@
               <a:rPr lang="en-SG" smtClean="0"/>
               <a:t>29/10/2021</a:t>
             </a:fld>
-            <a:endParaRPr lang="en-SG"/>
+            <a:endParaRPr lang="en-SG" dirty="0"/>
           </a:p>
         </p:txBody>
       </p:sp>
@@ -784,7 +784,7 @@
           <a:bodyPr/>
           <a:lstStyle/>
           <a:p>
-            <a:endParaRPr lang="en-SG"/>
+            <a:endParaRPr lang="en-SG" dirty="0"/>
           </a:p>
         </p:txBody>
       </p:sp>
@@ -807,7 +807,7 @@
               <a:rPr lang="en-SG" smtClean="0"/>
               <a:t>‹#›</a:t>
             </a:fld>
-            <a:endParaRPr lang="en-SG"/>
+            <a:endParaRPr lang="en-SG" dirty="0"/>
           </a:p>
         </p:txBody>
       </p:sp>
@@ -1009,7 +1009,7 @@
               <a:rPr lang="en-SG" smtClean="0"/>
               <a:t>29/10/2021</a:t>
             </a:fld>
-            <a:endParaRPr lang="en-SG"/>
+            <a:endParaRPr lang="en-SG" dirty="0"/>
           </a:p>
         </p:txBody>
       </p:sp>
@@ -1028,7 +1028,7 @@
           <a:bodyPr/>
           <a:lstStyle/>
           <a:p>
-            <a:endParaRPr lang="en-SG"/>
+            <a:endParaRPr lang="en-SG" dirty="0"/>
           </a:p>
         </p:txBody>
       </p:sp>
@@ -1051,7 +1051,7 @@
               <a:rPr lang="en-SG" smtClean="0"/>
               <a:t>‹#›</a:t>
             </a:fld>
-            <a:endParaRPr lang="en-SG"/>
+            <a:endParaRPr lang="en-SG" dirty="0"/>
           </a:p>
         </p:txBody>
       </p:sp>
@@ -1241,7 +1241,7 @@
               <a:rPr lang="en-SG" smtClean="0"/>
               <a:t>29/10/2021</a:t>
             </a:fld>
-            <a:endParaRPr lang="en-SG"/>
+            <a:endParaRPr lang="en-SG" dirty="0"/>
           </a:p>
         </p:txBody>
       </p:sp>
@@ -1260,7 +1260,7 @@
           <a:bodyPr/>
           <a:lstStyle/>
           <a:p>
-            <a:endParaRPr lang="en-SG"/>
+            <a:endParaRPr lang="en-SG" dirty="0"/>
           </a:p>
         </p:txBody>
       </p:sp>
@@ -1283,7 +1283,7 @@
               <a:rPr lang="en-SG" smtClean="0"/>
               <a:t>‹#›</a:t>
             </a:fld>
-            <a:endParaRPr lang="en-SG"/>
+            <a:endParaRPr lang="en-SG" dirty="0"/>
           </a:p>
         </p:txBody>
       </p:sp>
@@ -1608,7 +1608,7 @@
               <a:rPr lang="en-SG" smtClean="0"/>
               <a:t>29/10/2021</a:t>
             </a:fld>
-            <a:endParaRPr lang="en-SG"/>
+            <a:endParaRPr lang="en-SG" dirty="0"/>
           </a:p>
         </p:txBody>
       </p:sp>
@@ -1627,7 +1627,7 @@
           <a:bodyPr/>
           <a:lstStyle/>
           <a:p>
-            <a:endParaRPr lang="en-SG"/>
+            <a:endParaRPr lang="en-SG" dirty="0"/>
           </a:p>
         </p:txBody>
       </p:sp>
@@ -1650,7 +1650,7 @@
               <a:rPr lang="en-SG" smtClean="0"/>
               <a:t>‹#›</a:t>
             </a:fld>
-            <a:endParaRPr lang="en-SG"/>
+            <a:endParaRPr lang="en-SG" dirty="0"/>
           </a:p>
         </p:txBody>
       </p:sp>
@@ -1726,7 +1726,7 @@
               <a:rPr lang="en-SG" smtClean="0"/>
               <a:t>29/10/2021</a:t>
             </a:fld>
-            <a:endParaRPr lang="en-SG"/>
+            <a:endParaRPr lang="en-SG" dirty="0"/>
           </a:p>
         </p:txBody>
       </p:sp>
@@ -1745,7 +1745,7 @@
           <a:bodyPr/>
           <a:lstStyle/>
           <a:p>
-            <a:endParaRPr lang="en-SG"/>
+            <a:endParaRPr lang="en-SG" dirty="0"/>
           </a:p>
         </p:txBody>
       </p:sp>
@@ -1768,7 +1768,7 @@
               <a:rPr lang="en-SG" smtClean="0"/>
               <a:t>‹#›</a:t>
             </a:fld>
-            <a:endParaRPr lang="en-SG"/>
+            <a:endParaRPr lang="en-SG" dirty="0"/>
           </a:p>
         </p:txBody>
       </p:sp>
@@ -1821,7 +1821,7 @@
               <a:rPr lang="en-SG" smtClean="0"/>
               <a:t>29/10/2021</a:t>
             </a:fld>
-            <a:endParaRPr lang="en-SG"/>
+            <a:endParaRPr lang="en-SG" dirty="0"/>
           </a:p>
         </p:txBody>
       </p:sp>
@@ -1840,7 +1840,7 @@
           <a:bodyPr/>
           <a:lstStyle/>
           <a:p>
-            <a:endParaRPr lang="en-SG"/>
+            <a:endParaRPr lang="en-SG" dirty="0"/>
           </a:p>
         </p:txBody>
       </p:sp>
@@ -1863,7 +1863,7 @@
               <a:rPr lang="en-SG" smtClean="0"/>
               <a:t>‹#›</a:t>
             </a:fld>
-            <a:endParaRPr lang="en-SG"/>
+            <a:endParaRPr lang="en-SG" dirty="0"/>
           </a:p>
         </p:txBody>
       </p:sp>
@@ -2098,7 +2098,7 @@
               <a:rPr lang="en-SG" smtClean="0"/>
               <a:t>29/10/2021</a:t>
             </a:fld>
-            <a:endParaRPr lang="en-SG"/>
+            <a:endParaRPr lang="en-SG" dirty="0"/>
           </a:p>
         </p:txBody>
       </p:sp>
@@ -2117,7 +2117,7 @@
           <a:bodyPr/>
           <a:lstStyle/>
           <a:p>
-            <a:endParaRPr lang="en-SG"/>
+            <a:endParaRPr lang="en-SG" dirty="0"/>
           </a:p>
         </p:txBody>
       </p:sp>
@@ -2140,7 +2140,7 @@
               <a:rPr lang="en-SG" smtClean="0"/>
               <a:t>‹#›</a:t>
             </a:fld>
-            <a:endParaRPr lang="en-SG"/>
+            <a:endParaRPr lang="en-SG" dirty="0"/>
           </a:p>
         </p:txBody>
       </p:sp>
@@ -2264,10 +2264,9 @@
           </a:lstStyle>
           <a:p>
             <a:r>
-              <a:rPr lang="en-US"/>
+              <a:rPr lang="en-US" dirty="0"/>
               <a:t>Click icon to add picture</a:t>
             </a:r>
-            <a:endParaRPr lang="en-US" dirty="0"/>
           </a:p>
         </p:txBody>
       </p:sp>
@@ -2355,7 +2354,7 @@
               <a:rPr lang="en-SG" smtClean="0"/>
               <a:t>29/10/2021</a:t>
             </a:fld>
-            <a:endParaRPr lang="en-SG"/>
+            <a:endParaRPr lang="en-SG" dirty="0"/>
           </a:p>
         </p:txBody>
       </p:sp>
@@ -2374,7 +2373,7 @@
           <a:bodyPr/>
           <a:lstStyle/>
           <a:p>
-            <a:endParaRPr lang="en-SG"/>
+            <a:endParaRPr lang="en-SG" dirty="0"/>
           </a:p>
         </p:txBody>
       </p:sp>
@@ -2397,7 +2396,7 @@
               <a:rPr lang="en-SG" smtClean="0"/>
               <a:t>‹#›</a:t>
             </a:fld>
-            <a:endParaRPr lang="en-SG"/>
+            <a:endParaRPr lang="en-SG" dirty="0"/>
           </a:p>
         </p:txBody>
       </p:sp>
@@ -2568,7 +2567,7 @@
               <a:rPr lang="en-SG" smtClean="0"/>
               <a:t>29/10/2021</a:t>
             </a:fld>
-            <a:endParaRPr lang="en-SG"/>
+            <a:endParaRPr lang="en-SG" dirty="0"/>
           </a:p>
         </p:txBody>
       </p:sp>
@@ -2605,7 +2604,7 @@
             </a:lvl1pPr>
           </a:lstStyle>
           <a:p>
-            <a:endParaRPr lang="en-SG"/>
+            <a:endParaRPr lang="en-SG" dirty="0"/>
           </a:p>
         </p:txBody>
       </p:sp>
@@ -2646,7 +2645,7 @@
               <a:rPr lang="en-SG" smtClean="0"/>
               <a:t>‹#›</a:t>
             </a:fld>
-            <a:endParaRPr lang="en-SG"/>
+            <a:endParaRPr lang="en-SG" dirty="0"/>
           </a:p>
         </p:txBody>
       </p:sp>
@@ -2985,7 +2984,7 @@
         </p:nvSpPr>
         <p:spPr>
           <a:xfrm>
-            <a:off x="1779008" y="5834702"/>
+            <a:off x="3142426" y="5857648"/>
             <a:ext cx="3371850" cy="840922"/>
           </a:xfrm>
           <a:prstGeom prst="rect">
@@ -3012,7 +3011,7 @@
           <a:p>
             <a:pPr algn="ctr"/>
             <a:r>
-              <a:rPr lang="en-SG" i="1" dirty="0"/>
+              <a:rPr lang="en-SG" dirty="0"/>
               <a:t>Elderly</a:t>
             </a:r>
           </a:p>
@@ -3032,7 +3031,7 @@
         </p:nvSpPr>
         <p:spPr>
           <a:xfrm>
-            <a:off x="3725641" y="6698621"/>
+            <a:off x="4385615" y="6715374"/>
             <a:ext cx="332014" cy="286219"/>
           </a:xfrm>
           <a:prstGeom prst="triangle">
@@ -3058,7 +3057,7 @@
           <a:lstStyle/>
           <a:p>
             <a:pPr algn="ctr"/>
-            <a:endParaRPr lang="en-SG"/>
+            <a:endParaRPr lang="en-SG" dirty="0"/>
           </a:p>
         </p:txBody>
       </p:sp>
@@ -3073,12 +3072,13 @@
           </p:cNvPr>
           <p:cNvCxnSpPr>
             <a:cxnSpLocks/>
+            <a:stCxn id="7" idx="3"/>
           </p:cNvCxnSpPr>
           <p:nvPr/>
         </p:nvCxnSpPr>
         <p:spPr>
           <a:xfrm>
-            <a:off x="3891648" y="7017811"/>
+            <a:off x="4551622" y="7001593"/>
             <a:ext cx="0" cy="1182883"/>
           </a:xfrm>
           <a:prstGeom prst="line">
@@ -3114,7 +3114,7 @@
         </p:nvSpPr>
         <p:spPr>
           <a:xfrm>
-            <a:off x="2535548" y="6715374"/>
+            <a:off x="3304351" y="6715374"/>
             <a:ext cx="332014" cy="286219"/>
           </a:xfrm>
           <a:prstGeom prst="triangle">
@@ -3140,7 +3140,7 @@
           <a:lstStyle/>
           <a:p>
             <a:pPr algn="ctr"/>
-            <a:endParaRPr lang="en-SG"/>
+            <a:endParaRPr lang="en-SG" dirty="0"/>
           </a:p>
         </p:txBody>
       </p:sp>
@@ -3155,12 +3155,13 @@
           </p:cNvPr>
           <p:cNvCxnSpPr>
             <a:cxnSpLocks/>
+            <a:stCxn id="11" idx="3"/>
           </p:cNvCxnSpPr>
           <p:nvPr/>
         </p:nvCxnSpPr>
         <p:spPr>
           <a:xfrm>
-            <a:off x="2701555" y="6989581"/>
+            <a:off x="3470358" y="7001587"/>
             <a:ext cx="0" cy="897602"/>
           </a:xfrm>
           <a:prstGeom prst="line">
@@ -3196,7 +3197,7 @@
         </p:nvSpPr>
         <p:spPr>
           <a:xfrm>
-            <a:off x="4417416" y="6695631"/>
+            <a:off x="6020335" y="6715374"/>
             <a:ext cx="332014" cy="286219"/>
           </a:xfrm>
           <a:prstGeom prst="triangle">
@@ -3222,7 +3223,7 @@
           <a:lstStyle/>
           <a:p>
             <a:pPr algn="ctr"/>
-            <a:endParaRPr lang="en-SG"/>
+            <a:endParaRPr lang="en-SG" dirty="0"/>
           </a:p>
         </p:txBody>
       </p:sp>
@@ -3237,13 +3238,14 @@
           </p:cNvPr>
           <p:cNvCxnSpPr>
             <a:cxnSpLocks/>
+            <a:stCxn id="13" idx="3"/>
           </p:cNvCxnSpPr>
           <p:nvPr/>
         </p:nvCxnSpPr>
         <p:spPr>
           <a:xfrm>
-            <a:off x="4575171" y="6858483"/>
-            <a:ext cx="8252" cy="1040706"/>
+            <a:off x="6186342" y="7001587"/>
+            <a:ext cx="0" cy="897602"/>
           </a:xfrm>
           <a:prstGeom prst="line">
             <a:avLst/>
@@ -3278,8 +3280,8 @@
         </p:nvSpPr>
         <p:spPr>
           <a:xfrm>
-            <a:off x="3636365" y="8184470"/>
-            <a:ext cx="2226131" cy="601436"/>
+            <a:off x="3283358" y="8170986"/>
+            <a:ext cx="2877907" cy="619407"/>
           </a:xfrm>
           <a:prstGeom prst="rect">
             <a:avLst/>
@@ -3325,7 +3327,7 @@
         </p:nvSpPr>
         <p:spPr>
           <a:xfrm>
-            <a:off x="1437922" y="8201738"/>
+            <a:off x="884468" y="8201738"/>
             <a:ext cx="2068283" cy="601436"/>
           </a:xfrm>
           <a:prstGeom prst="rect">
@@ -3372,8 +3374,8 @@
         </p:nvSpPr>
         <p:spPr>
           <a:xfrm>
-            <a:off x="6020340" y="8200694"/>
-            <a:ext cx="2339890" cy="602480"/>
+            <a:off x="6514276" y="8197998"/>
+            <a:ext cx="3117264" cy="605974"/>
           </a:xfrm>
           <a:prstGeom prst="rect">
             <a:avLst/>
@@ -3405,6 +3407,44 @@
           </a:p>
         </p:txBody>
       </p:sp>
+      <p:cxnSp>
+        <p:nvCxnSpPr>
+          <p:cNvPr id="21" name="Straight Connector 20">
+            <a:extLst>
+              <a:ext uri="{FF2B5EF4-FFF2-40B4-BE49-F238E27FC236}">
+                <a16:creationId xmlns:a16="http://schemas.microsoft.com/office/drawing/2014/main" id="{983C687F-EF98-4A05-B195-DFBA7410F20C}"/>
+              </a:ext>
+            </a:extLst>
+          </p:cNvPr>
+          <p:cNvCxnSpPr>
+            <a:cxnSpLocks/>
+          </p:cNvCxnSpPr>
+          <p:nvPr/>
+        </p:nvCxnSpPr>
+        <p:spPr>
+          <a:xfrm flipH="1">
+            <a:off x="2075912" y="7899189"/>
+            <a:ext cx="1394452" cy="0"/>
+          </a:xfrm>
+          <a:prstGeom prst="line">
+            <a:avLst/>
+          </a:prstGeom>
+        </p:spPr>
+        <p:style>
+          <a:lnRef idx="3">
+            <a:schemeClr val="dk1"/>
+          </a:lnRef>
+          <a:fillRef idx="0">
+            <a:schemeClr val="dk1"/>
+          </a:fillRef>
+          <a:effectRef idx="2">
+            <a:schemeClr val="dk1"/>
+          </a:effectRef>
+          <a:fontRef idx="minor">
+            <a:schemeClr val="tx1"/>
+          </a:fontRef>
+        </p:style>
+      </p:cxnSp>
       <p:cxnSp>
         <p:nvCxnSpPr>
           <p:cNvPr id="23" name="Straight Connector 22">
@@ -3421,7 +3461,7 @@
         </p:nvCxnSpPr>
         <p:spPr>
           <a:xfrm>
-            <a:off x="2701555" y="7899194"/>
+            <a:off x="2075912" y="7899194"/>
             <a:ext cx="0" cy="285281"/>
           </a:xfrm>
           <a:prstGeom prst="line">
@@ -3458,9 +3498,9 @@
           <p:nvPr/>
         </p:nvCxnSpPr>
         <p:spPr>
-          <a:xfrm flipH="1" flipV="1">
-            <a:off x="4575171" y="7887183"/>
-            <a:ext cx="2379980" cy="12006"/>
+          <a:xfrm flipH="1">
+            <a:off x="6186347" y="7899189"/>
+            <a:ext cx="768803" cy="0"/>
           </a:xfrm>
           <a:prstGeom prst="line">
             <a:avLst/>
@@ -3533,8 +3573,8 @@
         </p:nvSpPr>
         <p:spPr>
           <a:xfrm>
-            <a:off x="3636365" y="8785912"/>
-            <a:ext cx="2226131" cy="1036547"/>
+            <a:off x="3283358" y="8759429"/>
+            <a:ext cx="2877907" cy="1067518"/>
           </a:xfrm>
           <a:prstGeom prst="rect">
             <a:avLst/>
@@ -3560,19 +3600,13 @@
           <a:p>
             <a:r>
               <a:rPr lang="en-SG" dirty="0"/>
-              <a:t>- Hospital</a:t>
+              <a:t># conditions: String</a:t>
             </a:r>
           </a:p>
           <a:p>
             <a:r>
               <a:rPr lang="en-SG" dirty="0"/>
-              <a:t>- Conditions</a:t>
-            </a:r>
-          </a:p>
-          <a:p>
-            <a:r>
-              <a:rPr lang="en-SG" dirty="0"/>
-              <a:t>- NotesOnCare</a:t>
+              <a:t># notesOnCare: String</a:t>
             </a:r>
           </a:p>
         </p:txBody>
@@ -3591,8 +3625,8 @@
         </p:nvSpPr>
         <p:spPr>
           <a:xfrm>
-            <a:off x="6020340" y="8800887"/>
-            <a:ext cx="2339890" cy="1319277"/>
+            <a:off x="6514276" y="8797114"/>
+            <a:ext cx="3117264" cy="1105692"/>
           </a:xfrm>
           <a:prstGeom prst="rect">
             <a:avLst/>
@@ -3618,25 +3652,13 @@
           <a:p>
             <a:r>
               <a:rPr lang="en-SG" dirty="0"/>
-              <a:t>- Hospital</a:t>
+              <a:t># conditions: String</a:t>
             </a:r>
           </a:p>
           <a:p>
             <a:r>
               <a:rPr lang="en-SG" dirty="0"/>
-              <a:t>- Conditions</a:t>
-            </a:r>
-          </a:p>
-          <a:p>
-            <a:r>
-              <a:rPr lang="en-SG" dirty="0"/>
-              <a:t>- NotesOnCare</a:t>
-            </a:r>
-          </a:p>
-          <a:p>
-            <a:r>
-              <a:rPr lang="en-SG" dirty="0"/>
-              <a:t>- Doctor</a:t>
+              <a:t># notesOnCare: String</a:t>
             </a:r>
           </a:p>
         </p:txBody>
@@ -3655,8 +3677,8 @@
         </p:nvSpPr>
         <p:spPr>
           <a:xfrm>
-            <a:off x="3636365" y="9822459"/>
-            <a:ext cx="2226131" cy="1858776"/>
+            <a:off x="3283358" y="9771407"/>
+            <a:ext cx="2877907" cy="1914315"/>
           </a:xfrm>
           <a:prstGeom prst="rect">
             <a:avLst/>
@@ -3682,31 +3704,19 @@
           <a:p>
             <a:r>
               <a:rPr lang="en-SG" dirty="0"/>
-              <a:t>+ getHospitalName</a:t>
+              <a:t>+ getHospital() : Hospital</a:t>
             </a:r>
           </a:p>
           <a:p>
             <a:r>
               <a:rPr lang="en-SG" dirty="0"/>
-              <a:t>+ setHospital</a:t>
+              <a:t>+ getConditions() : String</a:t>
             </a:r>
           </a:p>
           <a:p>
             <a:r>
               <a:rPr lang="en-SG" dirty="0"/>
-              <a:t>+ getConditions</a:t>
-            </a:r>
-          </a:p>
-          <a:p>
-            <a:r>
-              <a:rPr lang="en-SG" dirty="0"/>
-              <a:t>+ setConditions</a:t>
-            </a:r>
-          </a:p>
-          <a:p>
-            <a:r>
-              <a:rPr lang="en-SG" dirty="0"/>
-              <a:t>+ getHospitalNumber</a:t>
+              <a:t>+ getNotesOnCare() : String</a:t>
             </a:r>
           </a:p>
         </p:txBody>
@@ -3725,8 +3735,8 @@
         </p:nvSpPr>
         <p:spPr>
           <a:xfrm>
-            <a:off x="6020340" y="10118935"/>
-            <a:ext cx="2339890" cy="3083357"/>
+            <a:off x="6514276" y="9898120"/>
+            <a:ext cx="3117264" cy="1783115"/>
           </a:xfrm>
           <a:prstGeom prst="rect">
             <a:avLst/>
@@ -3752,49 +3762,25 @@
           <a:p>
             <a:r>
               <a:rPr lang="en-SG" dirty="0"/>
-              <a:t>+ getHospitalName</a:t>
+              <a:t>+ getHospital() : Hospital</a:t>
             </a:r>
           </a:p>
           <a:p>
             <a:r>
               <a:rPr lang="en-SG" dirty="0"/>
-              <a:t>+ setHospital</a:t>
+              <a:t>+ getConditions() : String</a:t>
             </a:r>
           </a:p>
           <a:p>
             <a:r>
               <a:rPr lang="en-SG" dirty="0"/>
-              <a:t>+ getConditions</a:t>
+              <a:t>+ getNotesOnCare() : String</a:t>
             </a:r>
           </a:p>
           <a:p>
             <a:r>
               <a:rPr lang="en-SG" dirty="0"/>
-              <a:t>+ setConditions</a:t>
-            </a:r>
-          </a:p>
-          <a:p>
-            <a:r>
-              <a:rPr lang="en-SG" dirty="0"/>
-              <a:t>+ getHospitalNumber</a:t>
-            </a:r>
-          </a:p>
-          <a:p>
-            <a:r>
-              <a:rPr lang="en-SG" dirty="0"/>
-              <a:t>+ getDoctorName</a:t>
-            </a:r>
-          </a:p>
-          <a:p>
-            <a:r>
-              <a:rPr lang="en-SG" dirty="0"/>
-              <a:t>+ setDoctor</a:t>
-            </a:r>
-          </a:p>
-          <a:p>
-            <a:r>
-              <a:rPr lang="en-SG" dirty="0"/>
-              <a:t> + getDoctorNumber</a:t>
+              <a:t>+ getDoctor() : Doctor</a:t>
             </a:r>
           </a:p>
         </p:txBody>
@@ -3855,9 +3841,9 @@
           <p:nvPr/>
         </p:nvCxnSpPr>
         <p:spPr>
-          <a:xfrm flipH="1">
-            <a:off x="7079708" y="13198650"/>
-            <a:ext cx="1" cy="995877"/>
+          <a:xfrm>
+            <a:off x="7079708" y="11681235"/>
+            <a:ext cx="1" cy="2513292"/>
           </a:xfrm>
           <a:prstGeom prst="straightConnector1">
             <a:avLst/>
@@ -3895,8 +3881,8 @@
         </p:nvSpPr>
         <p:spPr>
           <a:xfrm>
-            <a:off x="4334412" y="14226628"/>
-            <a:ext cx="3371845" cy="601436"/>
+            <a:off x="3142426" y="14226628"/>
+            <a:ext cx="4563831" cy="601436"/>
           </a:xfrm>
           <a:prstGeom prst="rect">
             <a:avLst/>
@@ -3942,8 +3928,8 @@
         </p:nvSpPr>
         <p:spPr>
           <a:xfrm>
-            <a:off x="4334412" y="14828070"/>
-            <a:ext cx="3371845" cy="1485893"/>
+            <a:off x="3142426" y="14828071"/>
+            <a:ext cx="4563831" cy="928694"/>
           </a:xfrm>
           <a:prstGeom prst="rect">
             <a:avLst/>
@@ -3969,19 +3955,13 @@
           <a:p>
             <a:r>
               <a:rPr lang="en-SG" dirty="0"/>
-              <a:t>- HospitalName</a:t>
+              <a:t>- name: String</a:t>
             </a:r>
           </a:p>
           <a:p>
             <a:r>
               <a:rPr lang="en-SG" dirty="0"/>
-              <a:t>- HospitalNumber</a:t>
-            </a:r>
-          </a:p>
-          <a:p>
-            <a:r>
-              <a:rPr lang="en-SG" dirty="0"/>
-              <a:t>- DoctorList</a:t>
+              <a:t>- number: Integer</a:t>
             </a:r>
           </a:p>
         </p:txBody>
@@ -4000,8 +3980,8 @@
         </p:nvSpPr>
         <p:spPr>
           <a:xfrm>
-            <a:off x="4334412" y="16313963"/>
-            <a:ext cx="3371845" cy="958568"/>
+            <a:off x="3142426" y="15756766"/>
+            <a:ext cx="4563831" cy="1781323"/>
           </a:xfrm>
           <a:prstGeom prst="rect">
             <a:avLst/>
@@ -4027,19 +4007,25 @@
           <a:p>
             <a:r>
               <a:rPr lang="en-SG" dirty="0"/>
-              <a:t>+ getHospitalName</a:t>
+              <a:t>+ getHospitalName() : String</a:t>
             </a:r>
           </a:p>
           <a:p>
             <a:r>
               <a:rPr lang="en-SG" dirty="0"/>
-              <a:t>+ getHospitalNumber</a:t>
+              <a:t>+ getHospitalNumber() : Integer</a:t>
             </a:r>
           </a:p>
           <a:p>
             <a:r>
               <a:rPr lang="en-SG" dirty="0"/>
-              <a:t>+ getDoctors</a:t>
+              <a:t>+ getDoctor(doctorIndex: Integer) : Doctor</a:t>
+            </a:r>
+          </a:p>
+          <a:p>
+            <a:r>
+              <a:rPr lang="en-SG" dirty="0"/>
+              <a:t>+ addDoctor(name: String, number: Integer)</a:t>
             </a:r>
           </a:p>
         </p:txBody>
@@ -4205,7 +4191,7 @@
         <p:spPr>
           <a:xfrm>
             <a:off x="8866598" y="13593091"/>
-            <a:ext cx="2578813" cy="601436"/>
+            <a:ext cx="3117264" cy="601436"/>
           </a:xfrm>
           <a:prstGeom prst="rect">
             <a:avLst/>
@@ -4252,7 +4238,7 @@
         <p:spPr>
           <a:xfrm>
             <a:off x="8866598" y="14194534"/>
-            <a:ext cx="2578813" cy="876544"/>
+            <a:ext cx="3117264" cy="876544"/>
           </a:xfrm>
           <a:prstGeom prst="rect">
             <a:avLst/>
@@ -4278,13 +4264,13 @@
           <a:p>
             <a:r>
               <a:rPr lang="en-SG" dirty="0"/>
-              <a:t>- DoctorName</a:t>
+              <a:t>- name: String</a:t>
             </a:r>
           </a:p>
           <a:p>
             <a:r>
               <a:rPr lang="en-SG" dirty="0"/>
-              <a:t>- DoctorNumber</a:t>
+              <a:t>- number: Integer</a:t>
             </a:r>
           </a:p>
         </p:txBody>
@@ -4304,7 +4290,7 @@
         <p:spPr>
           <a:xfrm>
             <a:off x="8866598" y="15071077"/>
-            <a:ext cx="2578813" cy="1209561"/>
+            <a:ext cx="3117264" cy="1209561"/>
           </a:xfrm>
           <a:prstGeom prst="rect">
             <a:avLst/>
@@ -4330,13 +4316,13 @@
           <a:p>
             <a:r>
               <a:rPr lang="en-SG" dirty="0"/>
-              <a:t>+ getDoctorName</a:t>
+              <a:t>+ getDoctorName() : String</a:t>
             </a:r>
           </a:p>
           <a:p>
             <a:r>
               <a:rPr lang="en-SG" dirty="0"/>
-              <a:t>+ getDoctorNumber</a:t>
+              <a:t>+ getDoctorNumber() : Integer</a:t>
             </a:r>
           </a:p>
         </p:txBody>
@@ -4350,13 +4336,15 @@
               </a:ext>
             </a:extLst>
           </p:cNvPr>
-          <p:cNvCxnSpPr/>
+          <p:cNvCxnSpPr>
+            <a:cxnSpLocks/>
+          </p:cNvCxnSpPr>
           <p:nvPr/>
         </p:nvCxnSpPr>
         <p:spPr>
-          <a:xfrm flipH="1">
-            <a:off x="9932392" y="11681235"/>
-            <a:ext cx="5" cy="1899530"/>
+          <a:xfrm>
+            <a:off x="10461786" y="11132686"/>
+            <a:ext cx="1" cy="2448079"/>
           </a:xfrm>
           <a:prstGeom prst="straightConnector1">
             <a:avLst/>
@@ -4394,7 +4382,7 @@
         </p:nvSpPr>
         <p:spPr>
           <a:xfrm>
-            <a:off x="9905353" y="13178765"/>
+            <a:off x="10434747" y="13178765"/>
             <a:ext cx="327896" cy="369332"/>
           </a:xfrm>
           <a:prstGeom prst="rect">
@@ -4426,14 +4414,13 @@
           </p:cNvPr>
           <p:cNvCxnSpPr>
             <a:cxnSpLocks/>
-            <a:endCxn id="35" idx="3"/>
           </p:cNvCxnSpPr>
           <p:nvPr/>
         </p:nvCxnSpPr>
         <p:spPr>
-          <a:xfrm flipH="1" flipV="1">
-            <a:off x="8360230" y="11660614"/>
-            <a:ext cx="1572164" cy="20622"/>
+          <a:xfrm flipH="1">
+            <a:off x="9631540" y="11132686"/>
+            <a:ext cx="830246" cy="0"/>
           </a:xfrm>
           <a:prstGeom prst="line">
             <a:avLst/>
@@ -4461,313 +4448,144 @@
       </p:cxnSp>
       <p:sp>
         <p:nvSpPr>
-          <p:cNvPr id="40" name="Rectangle 39">
+          <p:cNvPr id="22" name="TextBox 21">
             <a:extLst>
               <a:ext uri="{FF2B5EF4-FFF2-40B4-BE49-F238E27FC236}">
-                <a16:creationId xmlns:a16="http://schemas.microsoft.com/office/drawing/2014/main" id="{386B55B7-6776-4A6F-8202-980DB4429B82}"/>
+                <a16:creationId xmlns:a16="http://schemas.microsoft.com/office/drawing/2014/main" id="{6A948531-C7F2-4888-B7B6-62FCF3342BD4}"/>
               </a:ext>
             </a:extLst>
           </p:cNvPr>
-          <p:cNvSpPr/>
+          <p:cNvSpPr txBox="1"/>
           <p:nvPr/>
         </p:nvSpPr>
         <p:spPr>
           <a:xfrm>
-            <a:off x="5073276" y="2636122"/>
-            <a:ext cx="2226131" cy="601436"/>
+            <a:off x="4899320" y="13901535"/>
+            <a:ext cx="1317063" cy="369332"/>
           </a:xfrm>
           <a:prstGeom prst="rect">
             <a:avLst/>
           </a:prstGeom>
-        </p:spPr>
-        <p:style>
-          <a:lnRef idx="2">
-            <a:schemeClr val="dk1"/>
-          </a:lnRef>
-          <a:fillRef idx="1">
-            <a:schemeClr val="lt1"/>
-          </a:fillRef>
-          <a:effectRef idx="0">
-            <a:schemeClr val="dk1"/>
-          </a:effectRef>
-          <a:fontRef idx="minor">
-            <a:schemeClr val="dk1"/>
-          </a:fontRef>
-        </p:style>
-        <p:txBody>
-          <a:bodyPr rtlCol="0" anchor="ctr"/>
-          <a:lstStyle/>
-          <a:p>
-            <a:pPr algn="ctr"/>
-            <a:r>
-              <a:rPr lang="en-GB" dirty="0"/>
-              <a:t>&lt;&lt;interface&gt;&gt;</a:t>
-            </a:r>
-          </a:p>
-          <a:p>
-            <a:pPr algn="ctr"/>
-            <a:r>
-              <a:rPr lang="en-GB" dirty="0" err="1"/>
-              <a:t>hospitalisable</a:t>
-            </a:r>
-            <a:endParaRPr lang="en-SG" dirty="0"/>
-          </a:p>
-        </p:txBody>
-      </p:sp>
-      <p:sp>
-        <p:nvSpPr>
-          <p:cNvPr id="44" name="Isosceles Triangle 43">
+          <a:noFill/>
+        </p:spPr>
+        <p:txBody>
+          <a:bodyPr wrap="square" rtlCol="0">
+            <a:spAutoFit/>
+          </a:bodyPr>
+          <a:lstStyle/>
+          <a:p>
+            <a:r>
+              <a:rPr lang="en-SG" dirty="0"/>
+              <a:t>Hospital</a:t>
+            </a:r>
+          </a:p>
+        </p:txBody>
+      </p:sp>
+      <p:sp>
+        <p:nvSpPr>
+          <p:cNvPr id="44" name="TextBox 43">
             <a:extLst>
               <a:ext uri="{FF2B5EF4-FFF2-40B4-BE49-F238E27FC236}">
-                <a16:creationId xmlns:a16="http://schemas.microsoft.com/office/drawing/2014/main" id="{73E098A8-2F68-4BFA-92AA-7C8F403F1603}"/>
+                <a16:creationId xmlns:a16="http://schemas.microsoft.com/office/drawing/2014/main" id="{66D4080B-E97E-42EE-825C-6D8D5024CE46}"/>
               </a:ext>
             </a:extLst>
           </p:cNvPr>
-          <p:cNvSpPr/>
+          <p:cNvSpPr txBox="1"/>
           <p:nvPr/>
         </p:nvSpPr>
         <p:spPr>
           <a:xfrm>
-            <a:off x="5307357" y="5147502"/>
-            <a:ext cx="332014" cy="286219"/>
-          </a:xfrm>
-          <a:prstGeom prst="triangle">
+            <a:off x="6100718" y="13884224"/>
+            <a:ext cx="1317063" cy="369332"/>
+          </a:xfrm>
+          <a:prstGeom prst="rect">
             <a:avLst/>
           </a:prstGeom>
-        </p:spPr>
-        <p:style>
-          <a:lnRef idx="2">
-            <a:schemeClr val="dk1"/>
-          </a:lnRef>
-          <a:fillRef idx="1">
-            <a:schemeClr val="lt1"/>
-          </a:fillRef>
-          <a:effectRef idx="0">
-            <a:schemeClr val="dk1"/>
-          </a:effectRef>
-          <a:fontRef idx="minor">
-            <a:schemeClr val="dk1"/>
-          </a:fontRef>
-        </p:style>
-        <p:txBody>
-          <a:bodyPr rtlCol="0" anchor="ctr"/>
-          <a:lstStyle/>
-          <a:p>
-            <a:pPr algn="ctr"/>
-            <a:endParaRPr lang="en-SG"/>
-          </a:p>
-        </p:txBody>
-      </p:sp>
-      <p:cxnSp>
-        <p:nvCxnSpPr>
-          <p:cNvPr id="45" name="Straight Connector 44">
+          <a:noFill/>
+        </p:spPr>
+        <p:txBody>
+          <a:bodyPr wrap="square" rtlCol="0">
+            <a:spAutoFit/>
+          </a:bodyPr>
+          <a:lstStyle/>
+          <a:p>
+            <a:r>
+              <a:rPr lang="en-SG" dirty="0"/>
+              <a:t>Hospital</a:t>
+            </a:r>
+          </a:p>
+        </p:txBody>
+      </p:sp>
+      <p:sp>
+        <p:nvSpPr>
+          <p:cNvPr id="45" name="TextBox 44">
             <a:extLst>
               <a:ext uri="{FF2B5EF4-FFF2-40B4-BE49-F238E27FC236}">
-                <a16:creationId xmlns:a16="http://schemas.microsoft.com/office/drawing/2014/main" id="{C3A84D8E-20F8-48ED-BEF0-48AA10195652}"/>
+                <a16:creationId xmlns:a16="http://schemas.microsoft.com/office/drawing/2014/main" id="{BB97C6F1-5D1A-4A38-83EF-4384E6E32F2A}"/>
               </a:ext>
             </a:extLst>
           </p:cNvPr>
-          <p:cNvCxnSpPr>
-            <a:cxnSpLocks/>
-            <a:stCxn id="44" idx="3"/>
-          </p:cNvCxnSpPr>
+          <p:cNvSpPr txBox="1"/>
           <p:nvPr/>
-        </p:nvCxnSpPr>
-        <p:spPr>
-          <a:xfrm>
-            <a:off x="5473364" y="5433721"/>
-            <a:ext cx="0" cy="2766973"/>
-          </a:xfrm>
-          <a:prstGeom prst="line">
+        </p:nvSpPr>
+        <p:spPr>
+          <a:xfrm>
+            <a:off x="9631540" y="13183238"/>
+            <a:ext cx="1317063" cy="369332"/>
+          </a:xfrm>
+          <a:prstGeom prst="rect">
             <a:avLst/>
           </a:prstGeom>
-          <a:ln w="9525" cap="flat" cmpd="sng" algn="ctr">
-            <a:solidFill>
-              <a:schemeClr val="dk1"/>
-            </a:solidFill>
-            <a:prstDash val="dash"/>
-            <a:round/>
-            <a:headEnd type="none" w="med" len="med"/>
-            <a:tailEnd type="none" w="med" len="med"/>
-          </a:ln>
-        </p:spPr>
-        <p:style>
-          <a:lnRef idx="0">
-            <a:scrgbClr r="0" g="0" b="0"/>
-          </a:lnRef>
-          <a:fillRef idx="0">
-            <a:scrgbClr r="0" g="0" b="0"/>
-          </a:fillRef>
-          <a:effectRef idx="0">
-            <a:scrgbClr r="0" g="0" b="0"/>
-          </a:effectRef>
-          <a:fontRef idx="minor">
-            <a:schemeClr val="tx1"/>
-          </a:fontRef>
-        </p:style>
-      </p:cxnSp>
-      <p:sp>
-        <p:nvSpPr>
-          <p:cNvPr id="46" name="Rectangle 45">
+          <a:noFill/>
+        </p:spPr>
+        <p:txBody>
+          <a:bodyPr wrap="square" rtlCol="0">
+            <a:spAutoFit/>
+          </a:bodyPr>
+          <a:lstStyle/>
+          <a:p>
+            <a:r>
+              <a:rPr lang="en-SG" dirty="0"/>
+              <a:t>Doctor</a:t>
+            </a:r>
+          </a:p>
+        </p:txBody>
+      </p:sp>
+      <p:sp>
+        <p:nvSpPr>
+          <p:cNvPr id="46" name="TextBox 45">
             <a:extLst>
               <a:ext uri="{FF2B5EF4-FFF2-40B4-BE49-F238E27FC236}">
-                <a16:creationId xmlns:a16="http://schemas.microsoft.com/office/drawing/2014/main" id="{85B00788-7B6A-4FF6-B61C-97347374EC00}"/>
+                <a16:creationId xmlns:a16="http://schemas.microsoft.com/office/drawing/2014/main" id="{90E791B2-1524-4035-9053-2A090957C991}"/>
               </a:ext>
             </a:extLst>
           </p:cNvPr>
-          <p:cNvSpPr/>
+          <p:cNvSpPr txBox="1"/>
           <p:nvPr/>
         </p:nvSpPr>
         <p:spPr>
           <a:xfrm>
-            <a:off x="5086566" y="3238771"/>
-            <a:ext cx="2226131" cy="1858776"/>
+            <a:off x="7947825" y="14948457"/>
+            <a:ext cx="1317063" cy="369332"/>
           </a:xfrm>
           <a:prstGeom prst="rect">
             <a:avLst/>
           </a:prstGeom>
-        </p:spPr>
-        <p:style>
-          <a:lnRef idx="2">
-            <a:schemeClr val="dk1"/>
-          </a:lnRef>
-          <a:fillRef idx="1">
-            <a:schemeClr val="lt1"/>
-          </a:fillRef>
-          <a:effectRef idx="0">
-            <a:schemeClr val="dk1"/>
-          </a:effectRef>
-          <a:fontRef idx="minor">
-            <a:schemeClr val="dk1"/>
-          </a:fontRef>
-        </p:style>
-        <p:txBody>
-          <a:bodyPr rtlCol="0" anchor="ctr"/>
+          <a:noFill/>
+        </p:spPr>
+        <p:txBody>
+          <a:bodyPr wrap="square" rtlCol="0">
+            <a:spAutoFit/>
+          </a:bodyPr>
           <a:lstStyle/>
           <a:p>
             <a:r>
               <a:rPr lang="en-SG" dirty="0"/>
-              <a:t>+ getHospitalName</a:t>
-            </a:r>
-          </a:p>
-          <a:p>
-            <a:r>
-              <a:rPr lang="en-SG" dirty="0"/>
-              <a:t>+ setHospital</a:t>
-            </a:r>
-          </a:p>
-          <a:p>
-            <a:r>
-              <a:rPr lang="en-SG" dirty="0"/>
-              <a:t>+ getConditions</a:t>
-            </a:r>
-          </a:p>
-          <a:p>
-            <a:r>
-              <a:rPr lang="en-SG" dirty="0"/>
-              <a:t>+ setConditions</a:t>
-            </a:r>
-          </a:p>
-          <a:p>
-            <a:r>
-              <a:rPr lang="en-SG" dirty="0"/>
-              <a:t>+ getHospitalNumber</a:t>
-            </a:r>
-          </a:p>
-        </p:txBody>
-      </p:sp>
-      <p:sp>
-        <p:nvSpPr>
-          <p:cNvPr id="48" name="Isosceles Triangle 47">
-            <a:extLst>
-              <a:ext uri="{FF2B5EF4-FFF2-40B4-BE49-F238E27FC236}">
-                <a16:creationId xmlns:a16="http://schemas.microsoft.com/office/drawing/2014/main" id="{8CBDDAB0-483D-4816-8D6C-5005ED17EF32}"/>
-              </a:ext>
-            </a:extLst>
-          </p:cNvPr>
-          <p:cNvSpPr/>
-          <p:nvPr/>
-        </p:nvSpPr>
-        <p:spPr>
-          <a:xfrm>
-            <a:off x="6386624" y="5119272"/>
-            <a:ext cx="332014" cy="286219"/>
-          </a:xfrm>
-          <a:prstGeom prst="triangle">
-            <a:avLst/>
-          </a:prstGeom>
-        </p:spPr>
-        <p:style>
-          <a:lnRef idx="2">
-            <a:schemeClr val="dk1"/>
-          </a:lnRef>
-          <a:fillRef idx="1">
-            <a:schemeClr val="lt1"/>
-          </a:fillRef>
-          <a:effectRef idx="0">
-            <a:schemeClr val="dk1"/>
-          </a:effectRef>
-          <a:fontRef idx="minor">
-            <a:schemeClr val="dk1"/>
-          </a:fontRef>
-        </p:style>
-        <p:txBody>
-          <a:bodyPr rtlCol="0" anchor="ctr"/>
-          <a:lstStyle/>
-          <a:p>
-            <a:pPr algn="ctr"/>
-            <a:endParaRPr lang="en-SG"/>
-          </a:p>
-        </p:txBody>
-      </p:sp>
-      <p:cxnSp>
-        <p:nvCxnSpPr>
-          <p:cNvPr id="49" name="Straight Connector 48">
-            <a:extLst>
-              <a:ext uri="{FF2B5EF4-FFF2-40B4-BE49-F238E27FC236}">
-                <a16:creationId xmlns:a16="http://schemas.microsoft.com/office/drawing/2014/main" id="{4952E413-3B39-4529-BF3A-4471ED3A1767}"/>
-              </a:ext>
-            </a:extLst>
-          </p:cNvPr>
-          <p:cNvCxnSpPr>
-            <a:cxnSpLocks/>
-            <a:stCxn id="48" idx="3"/>
-          </p:cNvCxnSpPr>
-          <p:nvPr/>
-        </p:nvCxnSpPr>
-        <p:spPr>
-          <a:xfrm>
-            <a:off x="6552631" y="5405491"/>
-            <a:ext cx="0" cy="2766973"/>
-          </a:xfrm>
-          <a:prstGeom prst="line">
-            <a:avLst/>
-          </a:prstGeom>
-          <a:ln w="9525" cap="flat" cmpd="sng" algn="ctr">
-            <a:solidFill>
-              <a:schemeClr val="dk1"/>
-            </a:solidFill>
-            <a:prstDash val="dash"/>
-            <a:round/>
-            <a:headEnd type="none" w="med" len="med"/>
-            <a:tailEnd type="none" w="med" len="med"/>
-          </a:ln>
-        </p:spPr>
-        <p:style>
-          <a:lnRef idx="0">
-            <a:scrgbClr r="0" g="0" b="0"/>
-          </a:lnRef>
-          <a:fillRef idx="0">
-            <a:scrgbClr r="0" g="0" b="0"/>
-          </a:fillRef>
-          <a:effectRef idx="0">
-            <a:scrgbClr r="0" g="0" b="0"/>
-          </a:effectRef>
-          <a:fontRef idx="minor">
-            <a:schemeClr val="tx1"/>
-          </a:fontRef>
-        </p:style>
-      </p:cxnSp>
+              <a:t>Doctors</a:t>
+            </a:r>
+          </a:p>
+        </p:txBody>
+      </p:sp>
     </p:spTree>
     <p:extLst>
       <p:ext uri="{BB962C8B-B14F-4D97-AF65-F5344CB8AC3E}">

--- a/docs/uml.pptx
+++ b/docs/uml.pptx
@@ -6,6 +6,7 @@
   </p:sldMasterIdLst>
   <p:sldIdLst>
     <p:sldId id="256" r:id="rId2"/>
+    <p:sldId id="257" r:id="rId3"/>
   </p:sldIdLst>
   <p:sldSz cx="12192000" cy="18018125"/>
   <p:notesSz cx="6858000" cy="9144000"/>
@@ -243,7 +244,7 @@
           <a:p>
             <a:fld id="{822F160E-D177-420A-96E8-F3002FBB7819}" type="datetimeFigureOut">
               <a:rPr lang="en-SG" smtClean="0"/>
-              <a:t>29/10/2021</a:t>
+              <a:t>1/11/2021</a:t>
             </a:fld>
             <a:endParaRPr lang="en-SG" dirty="0"/>
           </a:p>
@@ -413,7 +414,7 @@
           <a:p>
             <a:fld id="{822F160E-D177-420A-96E8-F3002FBB7819}" type="datetimeFigureOut">
               <a:rPr lang="en-SG" smtClean="0"/>
-              <a:t>29/10/2021</a:t>
+              <a:t>1/11/2021</a:t>
             </a:fld>
             <a:endParaRPr lang="en-SG" dirty="0"/>
           </a:p>
@@ -593,7 +594,7 @@
           <a:p>
             <a:fld id="{822F160E-D177-420A-96E8-F3002FBB7819}" type="datetimeFigureOut">
               <a:rPr lang="en-SG" smtClean="0"/>
-              <a:t>29/10/2021</a:t>
+              <a:t>1/11/2021</a:t>
             </a:fld>
             <a:endParaRPr lang="en-SG" dirty="0"/>
           </a:p>
@@ -763,7 +764,7 @@
           <a:p>
             <a:fld id="{822F160E-D177-420A-96E8-F3002FBB7819}" type="datetimeFigureOut">
               <a:rPr lang="en-SG" smtClean="0"/>
-              <a:t>29/10/2021</a:t>
+              <a:t>1/11/2021</a:t>
             </a:fld>
             <a:endParaRPr lang="en-SG" dirty="0"/>
           </a:p>
@@ -1007,7 +1008,7 @@
           <a:p>
             <a:fld id="{822F160E-D177-420A-96E8-F3002FBB7819}" type="datetimeFigureOut">
               <a:rPr lang="en-SG" smtClean="0"/>
-              <a:t>29/10/2021</a:t>
+              <a:t>1/11/2021</a:t>
             </a:fld>
             <a:endParaRPr lang="en-SG" dirty="0"/>
           </a:p>
@@ -1239,7 +1240,7 @@
           <a:p>
             <a:fld id="{822F160E-D177-420A-96E8-F3002FBB7819}" type="datetimeFigureOut">
               <a:rPr lang="en-SG" smtClean="0"/>
-              <a:t>29/10/2021</a:t>
+              <a:t>1/11/2021</a:t>
             </a:fld>
             <a:endParaRPr lang="en-SG" dirty="0"/>
           </a:p>
@@ -1606,7 +1607,7 @@
           <a:p>
             <a:fld id="{822F160E-D177-420A-96E8-F3002FBB7819}" type="datetimeFigureOut">
               <a:rPr lang="en-SG" smtClean="0"/>
-              <a:t>29/10/2021</a:t>
+              <a:t>1/11/2021</a:t>
             </a:fld>
             <a:endParaRPr lang="en-SG" dirty="0"/>
           </a:p>
@@ -1724,7 +1725,7 @@
           <a:p>
             <a:fld id="{822F160E-D177-420A-96E8-F3002FBB7819}" type="datetimeFigureOut">
               <a:rPr lang="en-SG" smtClean="0"/>
-              <a:t>29/10/2021</a:t>
+              <a:t>1/11/2021</a:t>
             </a:fld>
             <a:endParaRPr lang="en-SG" dirty="0"/>
           </a:p>
@@ -1819,7 +1820,7 @@
           <a:p>
             <a:fld id="{822F160E-D177-420A-96E8-F3002FBB7819}" type="datetimeFigureOut">
               <a:rPr lang="en-SG" smtClean="0"/>
-              <a:t>29/10/2021</a:t>
+              <a:t>1/11/2021</a:t>
             </a:fld>
             <a:endParaRPr lang="en-SG" dirty="0"/>
           </a:p>
@@ -2096,7 +2097,7 @@
           <a:p>
             <a:fld id="{822F160E-D177-420A-96E8-F3002FBB7819}" type="datetimeFigureOut">
               <a:rPr lang="en-SG" smtClean="0"/>
-              <a:t>29/10/2021</a:t>
+              <a:t>1/11/2021</a:t>
             </a:fld>
             <a:endParaRPr lang="en-SG" dirty="0"/>
           </a:p>
@@ -2352,7 +2353,7 @@
           <a:p>
             <a:fld id="{822F160E-D177-420A-96E8-F3002FBB7819}" type="datetimeFigureOut">
               <a:rPr lang="en-SG" smtClean="0"/>
-              <a:t>29/10/2021</a:t>
+              <a:t>1/11/2021</a:t>
             </a:fld>
             <a:endParaRPr lang="en-SG" dirty="0"/>
           </a:p>
@@ -2565,7 +2566,7 @@
           <a:p>
             <a:fld id="{822F160E-D177-420A-96E8-F3002FBB7819}" type="datetimeFigureOut">
               <a:rPr lang="en-SG" smtClean="0"/>
-              <a:t>29/10/2021</a:t>
+              <a:t>1/11/2021</a:t>
             </a:fld>
             <a:endParaRPr lang="en-SG" dirty="0"/>
           </a:p>
@@ -4599,6 +4600,2087 @@
 </p:sld>
 </file>
 
+<file path=ppt/slides/slide2.xml><?xml version="1.0" encoding="utf-8"?>
+<p:sld xmlns:a="http://schemas.openxmlformats.org/drawingml/2006/main" xmlns:r="http://schemas.openxmlformats.org/officeDocument/2006/relationships" xmlns:p="http://schemas.openxmlformats.org/presentationml/2006/main">
+  <p:cSld>
+    <p:spTree>
+      <p:nvGrpSpPr>
+        <p:cNvPr id="1" name=""/>
+        <p:cNvGrpSpPr/>
+        <p:nvPr/>
+      </p:nvGrpSpPr>
+      <p:grpSpPr>
+        <a:xfrm>
+          <a:off x="0" y="0"/>
+          <a:ext cx="0" cy="0"/>
+          <a:chOff x="0" y="0"/>
+          <a:chExt cx="0" cy="0"/>
+        </a:xfrm>
+      </p:grpSpPr>
+      <p:sp>
+        <p:nvSpPr>
+          <p:cNvPr id="11" name="Rectangle 10">
+            <a:extLst>
+              <a:ext uri="{FF2B5EF4-FFF2-40B4-BE49-F238E27FC236}">
+                <a16:creationId xmlns:a16="http://schemas.microsoft.com/office/drawing/2014/main" id="{A432EFA5-9363-4184-85A0-1ABFB3E11E33}"/>
+              </a:ext>
+            </a:extLst>
+          </p:cNvPr>
+          <p:cNvSpPr/>
+          <p:nvPr/>
+        </p:nvSpPr>
+        <p:spPr>
+          <a:xfrm>
+            <a:off x="925550" y="4057357"/>
+            <a:ext cx="11000149" cy="3824869"/>
+          </a:xfrm>
+          <a:prstGeom prst="rect">
+            <a:avLst/>
+          </a:prstGeom>
+        </p:spPr>
+        <p:style>
+          <a:lnRef idx="2">
+            <a:schemeClr val="accent2"/>
+          </a:lnRef>
+          <a:fillRef idx="1">
+            <a:schemeClr val="lt1"/>
+          </a:fillRef>
+          <a:effectRef idx="0">
+            <a:schemeClr val="accent2"/>
+          </a:effectRef>
+          <a:fontRef idx="minor">
+            <a:schemeClr val="dk1"/>
+          </a:fontRef>
+        </p:style>
+        <p:txBody>
+          <a:bodyPr rtlCol="0" anchor="ctr"/>
+          <a:lstStyle/>
+          <a:p>
+            <a:pPr algn="ctr"/>
+            <a:endParaRPr lang="en-SG"/>
+          </a:p>
+        </p:txBody>
+      </p:sp>
+      <p:sp>
+        <p:nvSpPr>
+          <p:cNvPr id="4" name="Rectangle 3">
+            <a:extLst>
+              <a:ext uri="{FF2B5EF4-FFF2-40B4-BE49-F238E27FC236}">
+                <a16:creationId xmlns:a16="http://schemas.microsoft.com/office/drawing/2014/main" id="{5CDBA9A2-2AE9-4B37-AD05-C449642E687F}"/>
+              </a:ext>
+            </a:extLst>
+          </p:cNvPr>
+          <p:cNvSpPr/>
+          <p:nvPr/>
+        </p:nvSpPr>
+        <p:spPr>
+          <a:xfrm>
+            <a:off x="1382751" y="981308"/>
+            <a:ext cx="1538869" cy="479502"/>
+          </a:xfrm>
+          <a:prstGeom prst="rect">
+            <a:avLst/>
+          </a:prstGeom>
+          <a:ln/>
+        </p:spPr>
+        <p:style>
+          <a:lnRef idx="1">
+            <a:schemeClr val="accent1"/>
+          </a:lnRef>
+          <a:fillRef idx="2">
+            <a:schemeClr val="accent1"/>
+          </a:fillRef>
+          <a:effectRef idx="1">
+            <a:schemeClr val="accent1"/>
+          </a:effectRef>
+          <a:fontRef idx="minor">
+            <a:schemeClr val="dk1"/>
+          </a:fontRef>
+        </p:style>
+        <p:txBody>
+          <a:bodyPr rtlCol="0" anchor="ctr"/>
+          <a:lstStyle/>
+          <a:p>
+            <a:pPr algn="ctr"/>
+            <a:r>
+              <a:rPr lang="en-SG" dirty="0">
+                <a:solidFill>
+                  <a:schemeClr val="tx1"/>
+                </a:solidFill>
+              </a:rPr>
+              <a:t>:</a:t>
+            </a:r>
+            <a:r>
+              <a:rPr lang="en-SG" dirty="0" err="1">
+                <a:solidFill>
+                  <a:schemeClr val="tx1"/>
+                </a:solidFill>
+              </a:rPr>
+              <a:t>ElderlyList</a:t>
+            </a:r>
+            <a:endParaRPr lang="en-SG" dirty="0">
+              <a:solidFill>
+                <a:schemeClr val="tx1"/>
+              </a:solidFill>
+            </a:endParaRPr>
+          </a:p>
+        </p:txBody>
+      </p:sp>
+      <p:cxnSp>
+        <p:nvCxnSpPr>
+          <p:cNvPr id="6" name="Straight Connector 5">
+            <a:extLst>
+              <a:ext uri="{FF2B5EF4-FFF2-40B4-BE49-F238E27FC236}">
+                <a16:creationId xmlns:a16="http://schemas.microsoft.com/office/drawing/2014/main" id="{7412082C-A14D-46FF-8CAB-C9371D54611B}"/>
+              </a:ext>
+            </a:extLst>
+          </p:cNvPr>
+          <p:cNvCxnSpPr>
+            <a:cxnSpLocks/>
+          </p:cNvCxnSpPr>
+          <p:nvPr/>
+        </p:nvCxnSpPr>
+        <p:spPr>
+          <a:xfrm>
+            <a:off x="2152185" y="1460810"/>
+            <a:ext cx="0" cy="468351"/>
+          </a:xfrm>
+          <a:prstGeom prst="line">
+            <a:avLst/>
+          </a:prstGeom>
+          <a:ln w="9525" cap="flat" cmpd="sng" algn="ctr">
+            <a:solidFill>
+              <a:schemeClr val="dk1"/>
+            </a:solidFill>
+            <a:prstDash val="dash"/>
+            <a:round/>
+            <a:headEnd type="none" w="med" len="med"/>
+            <a:tailEnd type="none" w="med" len="med"/>
+          </a:ln>
+        </p:spPr>
+        <p:style>
+          <a:lnRef idx="0">
+            <a:scrgbClr r="0" g="0" b="0"/>
+          </a:lnRef>
+          <a:fillRef idx="0">
+            <a:scrgbClr r="0" g="0" b="0"/>
+          </a:fillRef>
+          <a:effectRef idx="0">
+            <a:scrgbClr r="0" g="0" b="0"/>
+          </a:effectRef>
+          <a:fontRef idx="minor">
+            <a:schemeClr val="tx1"/>
+          </a:fontRef>
+        </p:style>
+      </p:cxnSp>
+      <p:sp>
+        <p:nvSpPr>
+          <p:cNvPr id="10" name="Rectangle 9">
+            <a:extLst>
+              <a:ext uri="{FF2B5EF4-FFF2-40B4-BE49-F238E27FC236}">
+                <a16:creationId xmlns:a16="http://schemas.microsoft.com/office/drawing/2014/main" id="{E85B326C-33B8-4DBD-8EE3-2736E4CB1C9A}"/>
+              </a:ext>
+            </a:extLst>
+          </p:cNvPr>
+          <p:cNvSpPr/>
+          <p:nvPr/>
+        </p:nvSpPr>
+        <p:spPr>
+          <a:xfrm>
+            <a:off x="2008909" y="1929160"/>
+            <a:ext cx="316119" cy="6840715"/>
+          </a:xfrm>
+          <a:prstGeom prst="rect">
+            <a:avLst/>
+          </a:prstGeom>
+        </p:spPr>
+        <p:style>
+          <a:lnRef idx="1">
+            <a:schemeClr val="accent1"/>
+          </a:lnRef>
+          <a:fillRef idx="2">
+            <a:schemeClr val="accent1"/>
+          </a:fillRef>
+          <a:effectRef idx="1">
+            <a:schemeClr val="accent1"/>
+          </a:effectRef>
+          <a:fontRef idx="minor">
+            <a:schemeClr val="dk1"/>
+          </a:fontRef>
+        </p:style>
+        <p:txBody>
+          <a:bodyPr rtlCol="0" anchor="ctr"/>
+          <a:lstStyle/>
+          <a:p>
+            <a:pPr algn="ctr"/>
+            <a:endParaRPr lang="en-SG"/>
+          </a:p>
+        </p:txBody>
+      </p:sp>
+      <p:cxnSp>
+        <p:nvCxnSpPr>
+          <p:cNvPr id="13" name="Straight Connector 12">
+            <a:extLst>
+              <a:ext uri="{FF2B5EF4-FFF2-40B4-BE49-F238E27FC236}">
+                <a16:creationId xmlns:a16="http://schemas.microsoft.com/office/drawing/2014/main" id="{FEFBF363-2F39-49DF-98FC-BDA396D05507}"/>
+              </a:ext>
+            </a:extLst>
+          </p:cNvPr>
+          <p:cNvCxnSpPr>
+            <a:cxnSpLocks/>
+          </p:cNvCxnSpPr>
+          <p:nvPr/>
+        </p:nvCxnSpPr>
+        <p:spPr>
+          <a:xfrm>
+            <a:off x="925551" y="5295143"/>
+            <a:ext cx="11000148" cy="0"/>
+          </a:xfrm>
+          <a:prstGeom prst="line">
+            <a:avLst/>
+          </a:prstGeom>
+          <a:ln w="9525" cap="flat" cmpd="sng" algn="ctr">
+            <a:solidFill>
+              <a:schemeClr val="accent2"/>
+            </a:solidFill>
+            <a:prstDash val="dash"/>
+            <a:round/>
+            <a:headEnd type="none" w="med" len="med"/>
+            <a:tailEnd type="none" w="med" len="med"/>
+          </a:ln>
+        </p:spPr>
+        <p:style>
+          <a:lnRef idx="0">
+            <a:scrgbClr r="0" g="0" b="0"/>
+          </a:lnRef>
+          <a:fillRef idx="0">
+            <a:scrgbClr r="0" g="0" b="0"/>
+          </a:fillRef>
+          <a:effectRef idx="0">
+            <a:scrgbClr r="0" g="0" b="0"/>
+          </a:effectRef>
+          <a:fontRef idx="minor">
+            <a:schemeClr val="tx1"/>
+          </a:fontRef>
+        </p:style>
+      </p:cxnSp>
+      <p:cxnSp>
+        <p:nvCxnSpPr>
+          <p:cNvPr id="14" name="Straight Connector 13">
+            <a:extLst>
+              <a:ext uri="{FF2B5EF4-FFF2-40B4-BE49-F238E27FC236}">
+                <a16:creationId xmlns:a16="http://schemas.microsoft.com/office/drawing/2014/main" id="{9CCA6707-2B0D-4CBE-8CE3-FB4CE15B18E6}"/>
+              </a:ext>
+            </a:extLst>
+          </p:cNvPr>
+          <p:cNvCxnSpPr>
+            <a:cxnSpLocks/>
+          </p:cNvCxnSpPr>
+          <p:nvPr/>
+        </p:nvCxnSpPr>
+        <p:spPr>
+          <a:xfrm>
+            <a:off x="925550" y="6609980"/>
+            <a:ext cx="11000149" cy="0"/>
+          </a:xfrm>
+          <a:prstGeom prst="line">
+            <a:avLst/>
+          </a:prstGeom>
+          <a:ln w="9525" cap="flat" cmpd="sng" algn="ctr">
+            <a:solidFill>
+              <a:schemeClr val="accent2"/>
+            </a:solidFill>
+            <a:prstDash val="dash"/>
+            <a:round/>
+            <a:headEnd type="none" w="med" len="med"/>
+            <a:tailEnd type="none" w="med" len="med"/>
+          </a:ln>
+        </p:spPr>
+        <p:style>
+          <a:lnRef idx="0">
+            <a:scrgbClr r="0" g="0" b="0"/>
+          </a:lnRef>
+          <a:fillRef idx="0">
+            <a:scrgbClr r="0" g="0" b="0"/>
+          </a:fillRef>
+          <a:effectRef idx="0">
+            <a:scrgbClr r="0" g="0" b="0"/>
+          </a:effectRef>
+          <a:fontRef idx="minor">
+            <a:schemeClr val="tx1"/>
+          </a:fontRef>
+        </p:style>
+      </p:cxnSp>
+      <p:sp>
+        <p:nvSpPr>
+          <p:cNvPr id="15" name="Rectangle: Single Corner Snipped 14">
+            <a:extLst>
+              <a:ext uri="{FF2B5EF4-FFF2-40B4-BE49-F238E27FC236}">
+                <a16:creationId xmlns:a16="http://schemas.microsoft.com/office/drawing/2014/main" id="{83C178B0-9CE2-4824-A9D3-285B05209753}"/>
+              </a:ext>
+            </a:extLst>
+          </p:cNvPr>
+          <p:cNvSpPr/>
+          <p:nvPr/>
+        </p:nvSpPr>
+        <p:spPr>
+          <a:xfrm flipV="1">
+            <a:off x="925551" y="4057357"/>
+            <a:ext cx="724829" cy="528265"/>
+          </a:xfrm>
+          <a:prstGeom prst="snip1Rect">
+            <a:avLst>
+              <a:gd name="adj" fmla="val 50000"/>
+            </a:avLst>
+          </a:prstGeom>
+        </p:spPr>
+        <p:style>
+          <a:lnRef idx="2">
+            <a:schemeClr val="accent2"/>
+          </a:lnRef>
+          <a:fillRef idx="1">
+            <a:schemeClr val="lt1"/>
+          </a:fillRef>
+          <a:effectRef idx="0">
+            <a:schemeClr val="accent2"/>
+          </a:effectRef>
+          <a:fontRef idx="minor">
+            <a:schemeClr val="dk1"/>
+          </a:fontRef>
+        </p:style>
+        <p:txBody>
+          <a:bodyPr rtlCol="0" anchor="ctr"/>
+          <a:lstStyle/>
+          <a:p>
+            <a:pPr algn="ctr"/>
+            <a:endParaRPr lang="en-SG" dirty="0"/>
+          </a:p>
+        </p:txBody>
+      </p:sp>
+      <p:sp>
+        <p:nvSpPr>
+          <p:cNvPr id="16" name="TextBox 15">
+            <a:extLst>
+              <a:ext uri="{FF2B5EF4-FFF2-40B4-BE49-F238E27FC236}">
+                <a16:creationId xmlns:a16="http://schemas.microsoft.com/office/drawing/2014/main" id="{A46A3149-2140-433B-8BBF-188A7C5A196B}"/>
+              </a:ext>
+            </a:extLst>
+          </p:cNvPr>
+          <p:cNvSpPr txBox="1"/>
+          <p:nvPr/>
+        </p:nvSpPr>
+        <p:spPr>
+          <a:xfrm>
+            <a:off x="1014760" y="4136823"/>
+            <a:ext cx="546410" cy="369332"/>
+          </a:xfrm>
+          <a:prstGeom prst="rect">
+            <a:avLst/>
+          </a:prstGeom>
+          <a:noFill/>
+        </p:spPr>
+        <p:txBody>
+          <a:bodyPr wrap="square" rtlCol="0">
+            <a:spAutoFit/>
+          </a:bodyPr>
+          <a:lstStyle/>
+          <a:p>
+            <a:r>
+              <a:rPr lang="en-SG" dirty="0"/>
+              <a:t>alt</a:t>
+            </a:r>
+          </a:p>
+        </p:txBody>
+      </p:sp>
+      <p:sp>
+        <p:nvSpPr>
+          <p:cNvPr id="17" name="Rectangle: Single Corner Snipped 16">
+            <a:extLst>
+              <a:ext uri="{FF2B5EF4-FFF2-40B4-BE49-F238E27FC236}">
+                <a16:creationId xmlns:a16="http://schemas.microsoft.com/office/drawing/2014/main" id="{DC9B34AB-443C-43DF-9682-7A3051551210}"/>
+              </a:ext>
+            </a:extLst>
+          </p:cNvPr>
+          <p:cNvSpPr/>
+          <p:nvPr/>
+        </p:nvSpPr>
+        <p:spPr>
+          <a:xfrm flipV="1">
+            <a:off x="930197" y="5290016"/>
+            <a:ext cx="724829" cy="528265"/>
+          </a:xfrm>
+          <a:prstGeom prst="snip1Rect">
+            <a:avLst>
+              <a:gd name="adj" fmla="val 50000"/>
+            </a:avLst>
+          </a:prstGeom>
+        </p:spPr>
+        <p:style>
+          <a:lnRef idx="2">
+            <a:schemeClr val="accent2"/>
+          </a:lnRef>
+          <a:fillRef idx="1">
+            <a:schemeClr val="lt1"/>
+          </a:fillRef>
+          <a:effectRef idx="0">
+            <a:schemeClr val="accent2"/>
+          </a:effectRef>
+          <a:fontRef idx="minor">
+            <a:schemeClr val="dk1"/>
+          </a:fontRef>
+        </p:style>
+        <p:txBody>
+          <a:bodyPr rtlCol="0" anchor="ctr"/>
+          <a:lstStyle/>
+          <a:p>
+            <a:pPr algn="ctr"/>
+            <a:endParaRPr lang="en-SG" dirty="0"/>
+          </a:p>
+        </p:txBody>
+      </p:sp>
+      <p:sp>
+        <p:nvSpPr>
+          <p:cNvPr id="18" name="TextBox 17">
+            <a:extLst>
+              <a:ext uri="{FF2B5EF4-FFF2-40B4-BE49-F238E27FC236}">
+                <a16:creationId xmlns:a16="http://schemas.microsoft.com/office/drawing/2014/main" id="{F30F3C58-071C-4A1B-8FC7-E67B63999473}"/>
+              </a:ext>
+            </a:extLst>
+          </p:cNvPr>
+          <p:cNvSpPr txBox="1"/>
+          <p:nvPr/>
+        </p:nvSpPr>
+        <p:spPr>
+          <a:xfrm>
+            <a:off x="1019406" y="5369482"/>
+            <a:ext cx="546410" cy="369332"/>
+          </a:xfrm>
+          <a:prstGeom prst="rect">
+            <a:avLst/>
+          </a:prstGeom>
+          <a:noFill/>
+        </p:spPr>
+        <p:txBody>
+          <a:bodyPr wrap="square" rtlCol="0">
+            <a:spAutoFit/>
+          </a:bodyPr>
+          <a:lstStyle/>
+          <a:p>
+            <a:r>
+              <a:rPr lang="en-SG" dirty="0"/>
+              <a:t>alt</a:t>
+            </a:r>
+          </a:p>
+        </p:txBody>
+      </p:sp>
+      <p:sp>
+        <p:nvSpPr>
+          <p:cNvPr id="19" name="Rectangle: Single Corner Snipped 18">
+            <a:extLst>
+              <a:ext uri="{FF2B5EF4-FFF2-40B4-BE49-F238E27FC236}">
+                <a16:creationId xmlns:a16="http://schemas.microsoft.com/office/drawing/2014/main" id="{1F48B328-28D6-4193-9934-51158ED306C3}"/>
+              </a:ext>
+            </a:extLst>
+          </p:cNvPr>
+          <p:cNvSpPr/>
+          <p:nvPr/>
+        </p:nvSpPr>
+        <p:spPr>
+          <a:xfrm flipV="1">
+            <a:off x="925551" y="6602142"/>
+            <a:ext cx="724829" cy="528265"/>
+          </a:xfrm>
+          <a:prstGeom prst="snip1Rect">
+            <a:avLst>
+              <a:gd name="adj" fmla="val 50000"/>
+            </a:avLst>
+          </a:prstGeom>
+        </p:spPr>
+        <p:style>
+          <a:lnRef idx="2">
+            <a:schemeClr val="accent2"/>
+          </a:lnRef>
+          <a:fillRef idx="1">
+            <a:schemeClr val="lt1"/>
+          </a:fillRef>
+          <a:effectRef idx="0">
+            <a:schemeClr val="accent2"/>
+          </a:effectRef>
+          <a:fontRef idx="minor">
+            <a:schemeClr val="dk1"/>
+          </a:fontRef>
+        </p:style>
+        <p:txBody>
+          <a:bodyPr rtlCol="0" anchor="ctr"/>
+          <a:lstStyle/>
+          <a:p>
+            <a:pPr algn="ctr"/>
+            <a:endParaRPr lang="en-SG" dirty="0"/>
+          </a:p>
+        </p:txBody>
+      </p:sp>
+      <p:sp>
+        <p:nvSpPr>
+          <p:cNvPr id="20" name="TextBox 19">
+            <a:extLst>
+              <a:ext uri="{FF2B5EF4-FFF2-40B4-BE49-F238E27FC236}">
+                <a16:creationId xmlns:a16="http://schemas.microsoft.com/office/drawing/2014/main" id="{8E05CE15-49B7-45A0-B1AD-36EF0F4666CD}"/>
+              </a:ext>
+            </a:extLst>
+          </p:cNvPr>
+          <p:cNvSpPr txBox="1"/>
+          <p:nvPr/>
+        </p:nvSpPr>
+        <p:spPr>
+          <a:xfrm>
+            <a:off x="1014760" y="6681608"/>
+            <a:ext cx="546410" cy="369332"/>
+          </a:xfrm>
+          <a:prstGeom prst="rect">
+            <a:avLst/>
+          </a:prstGeom>
+          <a:noFill/>
+        </p:spPr>
+        <p:txBody>
+          <a:bodyPr wrap="square" rtlCol="0">
+            <a:spAutoFit/>
+          </a:bodyPr>
+          <a:lstStyle/>
+          <a:p>
+            <a:r>
+              <a:rPr lang="en-SG" dirty="0"/>
+              <a:t>alt</a:t>
+            </a:r>
+          </a:p>
+        </p:txBody>
+      </p:sp>
+      <p:sp>
+        <p:nvSpPr>
+          <p:cNvPr id="21" name="Rectangle 20">
+            <a:extLst>
+              <a:ext uri="{FF2B5EF4-FFF2-40B4-BE49-F238E27FC236}">
+                <a16:creationId xmlns:a16="http://schemas.microsoft.com/office/drawing/2014/main" id="{097D8522-1A0F-4DFD-B056-876F3ECF345D}"/>
+              </a:ext>
+            </a:extLst>
+          </p:cNvPr>
+          <p:cNvSpPr/>
+          <p:nvPr/>
+        </p:nvSpPr>
+        <p:spPr>
+          <a:xfrm>
+            <a:off x="4223905" y="979183"/>
+            <a:ext cx="1538869" cy="479502"/>
+          </a:xfrm>
+          <a:prstGeom prst="rect">
+            <a:avLst/>
+          </a:prstGeom>
+        </p:spPr>
+        <p:style>
+          <a:lnRef idx="1">
+            <a:schemeClr val="accent6"/>
+          </a:lnRef>
+          <a:fillRef idx="2">
+            <a:schemeClr val="accent6"/>
+          </a:fillRef>
+          <a:effectRef idx="1">
+            <a:schemeClr val="accent6"/>
+          </a:effectRef>
+          <a:fontRef idx="minor">
+            <a:schemeClr val="dk1"/>
+          </a:fontRef>
+        </p:style>
+        <p:txBody>
+          <a:bodyPr rtlCol="0" anchor="ctr"/>
+          <a:lstStyle/>
+          <a:p>
+            <a:pPr algn="ctr"/>
+            <a:r>
+              <a:rPr lang="en-SG" dirty="0"/>
+              <a:t>:</a:t>
+            </a:r>
+            <a:r>
+              <a:rPr lang="en-SG" dirty="0" err="1"/>
+              <a:t>RegexChecker</a:t>
+            </a:r>
+            <a:endParaRPr lang="en-SG" dirty="0"/>
+          </a:p>
+        </p:txBody>
+      </p:sp>
+      <p:cxnSp>
+        <p:nvCxnSpPr>
+          <p:cNvPr id="23" name="Straight Arrow Connector 22">
+            <a:extLst>
+              <a:ext uri="{FF2B5EF4-FFF2-40B4-BE49-F238E27FC236}">
+                <a16:creationId xmlns:a16="http://schemas.microsoft.com/office/drawing/2014/main" id="{C5A1AC69-5190-47AF-80DA-0C9D11226E94}"/>
+              </a:ext>
+            </a:extLst>
+          </p:cNvPr>
+          <p:cNvCxnSpPr/>
+          <p:nvPr/>
+        </p:nvCxnSpPr>
+        <p:spPr>
+          <a:xfrm>
+            <a:off x="346364" y="1929160"/>
+            <a:ext cx="1662545" cy="0"/>
+          </a:xfrm>
+          <a:prstGeom prst="straightConnector1">
+            <a:avLst/>
+          </a:prstGeom>
+          <a:ln w="9525" cap="flat" cmpd="sng" algn="ctr">
+            <a:solidFill>
+              <a:schemeClr val="dk1"/>
+            </a:solidFill>
+            <a:prstDash val="solid"/>
+            <a:round/>
+            <a:headEnd type="none" w="med" len="med"/>
+            <a:tailEnd type="arrow" w="med" len="med"/>
+          </a:ln>
+        </p:spPr>
+        <p:style>
+          <a:lnRef idx="0">
+            <a:scrgbClr r="0" g="0" b="0"/>
+          </a:lnRef>
+          <a:fillRef idx="0">
+            <a:scrgbClr r="0" g="0" b="0"/>
+          </a:fillRef>
+          <a:effectRef idx="0">
+            <a:scrgbClr r="0" g="0" b="0"/>
+          </a:effectRef>
+          <a:fontRef idx="minor">
+            <a:schemeClr val="tx1"/>
+          </a:fontRef>
+        </p:style>
+      </p:cxnSp>
+      <p:sp>
+        <p:nvSpPr>
+          <p:cNvPr id="24" name="TextBox 23">
+            <a:extLst>
+              <a:ext uri="{FF2B5EF4-FFF2-40B4-BE49-F238E27FC236}">
+                <a16:creationId xmlns:a16="http://schemas.microsoft.com/office/drawing/2014/main" id="{B7512E09-D80F-4A1B-84C6-6E128018FD97}"/>
+              </a:ext>
+            </a:extLst>
+          </p:cNvPr>
+          <p:cNvSpPr txBox="1"/>
+          <p:nvPr/>
+        </p:nvSpPr>
+        <p:spPr>
+          <a:xfrm>
+            <a:off x="80466" y="1559827"/>
+            <a:ext cx="3856886" cy="307777"/>
+          </a:xfrm>
+          <a:prstGeom prst="rect">
+            <a:avLst/>
+          </a:prstGeom>
+          <a:noFill/>
+        </p:spPr>
+        <p:txBody>
+          <a:bodyPr wrap="square" rtlCol="0">
+            <a:spAutoFit/>
+          </a:bodyPr>
+          <a:lstStyle/>
+          <a:p>
+            <a:r>
+              <a:rPr lang="en-SG" sz="1400" dirty="0" err="1"/>
+              <a:t>addElderly</a:t>
+            </a:r>
+            <a:r>
+              <a:rPr lang="en-SG" sz="1400" dirty="0"/>
+              <a:t>(</a:t>
+            </a:r>
+            <a:r>
+              <a:rPr lang="en-SG" sz="1400" dirty="0" err="1"/>
+              <a:t>userLine</a:t>
+            </a:r>
+            <a:r>
+              <a:rPr lang="en-SG" sz="1400" dirty="0"/>
+              <a:t>)</a:t>
+            </a:r>
+          </a:p>
+        </p:txBody>
+      </p:sp>
+      <p:cxnSp>
+        <p:nvCxnSpPr>
+          <p:cNvPr id="25" name="Straight Connector 24">
+            <a:extLst>
+              <a:ext uri="{FF2B5EF4-FFF2-40B4-BE49-F238E27FC236}">
+                <a16:creationId xmlns:a16="http://schemas.microsoft.com/office/drawing/2014/main" id="{6D26F633-0AEA-4ECE-8BB6-066A379DF072}"/>
+              </a:ext>
+            </a:extLst>
+          </p:cNvPr>
+          <p:cNvCxnSpPr>
+            <a:cxnSpLocks/>
+          </p:cNvCxnSpPr>
+          <p:nvPr/>
+        </p:nvCxnSpPr>
+        <p:spPr>
+          <a:xfrm>
+            <a:off x="5061637" y="1460810"/>
+            <a:ext cx="0" cy="645081"/>
+          </a:xfrm>
+          <a:prstGeom prst="line">
+            <a:avLst/>
+          </a:prstGeom>
+          <a:ln w="9525" cap="flat" cmpd="sng" algn="ctr">
+            <a:solidFill>
+              <a:schemeClr val="dk1"/>
+            </a:solidFill>
+            <a:prstDash val="dash"/>
+            <a:round/>
+            <a:headEnd type="none" w="med" len="med"/>
+            <a:tailEnd type="none" w="med" len="med"/>
+          </a:ln>
+        </p:spPr>
+        <p:style>
+          <a:lnRef idx="0">
+            <a:scrgbClr r="0" g="0" b="0"/>
+          </a:lnRef>
+          <a:fillRef idx="0">
+            <a:scrgbClr r="0" g="0" b="0"/>
+          </a:fillRef>
+          <a:effectRef idx="0">
+            <a:scrgbClr r="0" g="0" b="0"/>
+          </a:effectRef>
+          <a:fontRef idx="minor">
+            <a:schemeClr val="tx1"/>
+          </a:fontRef>
+        </p:style>
+      </p:cxnSp>
+      <p:sp>
+        <p:nvSpPr>
+          <p:cNvPr id="27" name="Rectangle 26">
+            <a:extLst>
+              <a:ext uri="{FF2B5EF4-FFF2-40B4-BE49-F238E27FC236}">
+                <a16:creationId xmlns:a16="http://schemas.microsoft.com/office/drawing/2014/main" id="{D6714CB7-1BC0-42E0-A7C9-7586E98198D9}"/>
+              </a:ext>
+            </a:extLst>
+          </p:cNvPr>
+          <p:cNvSpPr/>
+          <p:nvPr/>
+        </p:nvSpPr>
+        <p:spPr>
+          <a:xfrm>
+            <a:off x="4903580" y="2094819"/>
+            <a:ext cx="316114" cy="1294389"/>
+          </a:xfrm>
+          <a:prstGeom prst="rect">
+            <a:avLst/>
+          </a:prstGeom>
+        </p:spPr>
+        <p:style>
+          <a:lnRef idx="1">
+            <a:schemeClr val="accent6"/>
+          </a:lnRef>
+          <a:fillRef idx="2">
+            <a:schemeClr val="accent6"/>
+          </a:fillRef>
+          <a:effectRef idx="1">
+            <a:schemeClr val="accent6"/>
+          </a:effectRef>
+          <a:fontRef idx="minor">
+            <a:schemeClr val="dk1"/>
+          </a:fontRef>
+        </p:style>
+        <p:txBody>
+          <a:bodyPr rtlCol="0" anchor="ctr"/>
+          <a:lstStyle/>
+          <a:p>
+            <a:pPr algn="ctr"/>
+            <a:endParaRPr lang="en-SG"/>
+          </a:p>
+        </p:txBody>
+      </p:sp>
+      <p:cxnSp>
+        <p:nvCxnSpPr>
+          <p:cNvPr id="28" name="Straight Arrow Connector 27">
+            <a:extLst>
+              <a:ext uri="{FF2B5EF4-FFF2-40B4-BE49-F238E27FC236}">
+                <a16:creationId xmlns:a16="http://schemas.microsoft.com/office/drawing/2014/main" id="{D96CFDA6-4AAC-4D05-8628-50F16928FC74}"/>
+              </a:ext>
+            </a:extLst>
+          </p:cNvPr>
+          <p:cNvCxnSpPr>
+            <a:cxnSpLocks/>
+          </p:cNvCxnSpPr>
+          <p:nvPr/>
+        </p:nvCxnSpPr>
+        <p:spPr>
+          <a:xfrm>
+            <a:off x="2330519" y="2227504"/>
+            <a:ext cx="2573061" cy="0"/>
+          </a:xfrm>
+          <a:prstGeom prst="straightConnector1">
+            <a:avLst/>
+          </a:prstGeom>
+          <a:ln w="9525" cap="flat" cmpd="sng" algn="ctr">
+            <a:solidFill>
+              <a:schemeClr val="dk1"/>
+            </a:solidFill>
+            <a:prstDash val="solid"/>
+            <a:round/>
+            <a:headEnd type="none" w="med" len="med"/>
+            <a:tailEnd type="arrow" w="med" len="med"/>
+          </a:ln>
+        </p:spPr>
+        <p:style>
+          <a:lnRef idx="0">
+            <a:scrgbClr r="0" g="0" b="0"/>
+          </a:lnRef>
+          <a:fillRef idx="0">
+            <a:scrgbClr r="0" g="0" b="0"/>
+          </a:fillRef>
+          <a:effectRef idx="0">
+            <a:scrgbClr r="0" g="0" b="0"/>
+          </a:effectRef>
+          <a:fontRef idx="minor">
+            <a:schemeClr val="tx1"/>
+          </a:fontRef>
+        </p:style>
+      </p:cxnSp>
+      <p:sp>
+        <p:nvSpPr>
+          <p:cNvPr id="29" name="TextBox 28">
+            <a:extLst>
+              <a:ext uri="{FF2B5EF4-FFF2-40B4-BE49-F238E27FC236}">
+                <a16:creationId xmlns:a16="http://schemas.microsoft.com/office/drawing/2014/main" id="{693859C4-4008-47FF-AE88-A4D76F190C1C}"/>
+              </a:ext>
+            </a:extLst>
+          </p:cNvPr>
+          <p:cNvSpPr txBox="1"/>
+          <p:nvPr/>
+        </p:nvSpPr>
+        <p:spPr>
+          <a:xfrm>
+            <a:off x="2295462" y="1792507"/>
+            <a:ext cx="2838830" cy="307777"/>
+          </a:xfrm>
+          <a:prstGeom prst="rect">
+            <a:avLst/>
+          </a:prstGeom>
+          <a:noFill/>
+        </p:spPr>
+        <p:txBody>
+          <a:bodyPr wrap="square" rtlCol="0">
+            <a:spAutoFit/>
+          </a:bodyPr>
+          <a:lstStyle/>
+          <a:p>
+            <a:r>
+              <a:rPr lang="en-SG" sz="1400" dirty="0" err="1"/>
+              <a:t>isValidAddElderly</a:t>
+            </a:r>
+            <a:r>
+              <a:rPr lang="en-SG" sz="1400" dirty="0"/>
+              <a:t>(</a:t>
+            </a:r>
+            <a:r>
+              <a:rPr lang="en-SG" sz="1400" dirty="0" err="1"/>
+              <a:t>userLine</a:t>
+            </a:r>
+            <a:r>
+              <a:rPr lang="en-SG" sz="1400" dirty="0"/>
+              <a:t>)</a:t>
+            </a:r>
+          </a:p>
+        </p:txBody>
+      </p:sp>
+      <p:cxnSp>
+        <p:nvCxnSpPr>
+          <p:cNvPr id="32" name="Straight Arrow Connector 31">
+            <a:extLst>
+              <a:ext uri="{FF2B5EF4-FFF2-40B4-BE49-F238E27FC236}">
+                <a16:creationId xmlns:a16="http://schemas.microsoft.com/office/drawing/2014/main" id="{C305ABDD-0B46-4B04-BCAC-BC139768740D}"/>
+              </a:ext>
+            </a:extLst>
+          </p:cNvPr>
+          <p:cNvCxnSpPr>
+            <a:cxnSpLocks/>
+          </p:cNvCxnSpPr>
+          <p:nvPr/>
+        </p:nvCxnSpPr>
+        <p:spPr>
+          <a:xfrm>
+            <a:off x="2330519" y="3016493"/>
+            <a:ext cx="2573061" cy="0"/>
+          </a:xfrm>
+          <a:prstGeom prst="straightConnector1">
+            <a:avLst/>
+          </a:prstGeom>
+          <a:ln w="9525" cap="flat" cmpd="sng" algn="ctr">
+            <a:solidFill>
+              <a:schemeClr val="dk1"/>
+            </a:solidFill>
+            <a:prstDash val="solid"/>
+            <a:round/>
+            <a:headEnd type="none" w="med" len="med"/>
+            <a:tailEnd type="arrow" w="med" len="med"/>
+          </a:ln>
+        </p:spPr>
+        <p:style>
+          <a:lnRef idx="0">
+            <a:scrgbClr r="0" g="0" b="0"/>
+          </a:lnRef>
+          <a:fillRef idx="0">
+            <a:scrgbClr r="0" g="0" b="0"/>
+          </a:fillRef>
+          <a:effectRef idx="0">
+            <a:scrgbClr r="0" g="0" b="0"/>
+          </a:effectRef>
+          <a:fontRef idx="minor">
+            <a:schemeClr val="tx1"/>
+          </a:fontRef>
+        </p:style>
+      </p:cxnSp>
+      <p:sp>
+        <p:nvSpPr>
+          <p:cNvPr id="33" name="TextBox 32">
+            <a:extLst>
+              <a:ext uri="{FF2B5EF4-FFF2-40B4-BE49-F238E27FC236}">
+                <a16:creationId xmlns:a16="http://schemas.microsoft.com/office/drawing/2014/main" id="{630E7485-D121-4866-8AAB-614B1FA83A04}"/>
+              </a:ext>
+            </a:extLst>
+          </p:cNvPr>
+          <p:cNvSpPr txBox="1"/>
+          <p:nvPr/>
+        </p:nvSpPr>
+        <p:spPr>
+          <a:xfrm>
+            <a:off x="2295462" y="2581496"/>
+            <a:ext cx="2838830" cy="307777"/>
+          </a:xfrm>
+          <a:prstGeom prst="rect">
+            <a:avLst/>
+          </a:prstGeom>
+          <a:noFill/>
+        </p:spPr>
+        <p:txBody>
+          <a:bodyPr wrap="square" rtlCol="0">
+            <a:spAutoFit/>
+          </a:bodyPr>
+          <a:lstStyle/>
+          <a:p>
+            <a:r>
+              <a:rPr lang="en-SG" sz="1400" dirty="0" err="1"/>
+              <a:t>isValidRiskLevel</a:t>
+            </a:r>
+            <a:r>
+              <a:rPr lang="en-SG" sz="1400" dirty="0"/>
+              <a:t>(</a:t>
+            </a:r>
+            <a:r>
+              <a:rPr lang="en-SG" sz="1400" dirty="0" err="1"/>
+              <a:t>riskLevel</a:t>
+            </a:r>
+            <a:r>
+              <a:rPr lang="en-SG" sz="1400" dirty="0"/>
+              <a:t>)</a:t>
+            </a:r>
+          </a:p>
+        </p:txBody>
+      </p:sp>
+      <p:cxnSp>
+        <p:nvCxnSpPr>
+          <p:cNvPr id="34" name="Straight Connector 33">
+            <a:extLst>
+              <a:ext uri="{FF2B5EF4-FFF2-40B4-BE49-F238E27FC236}">
+                <a16:creationId xmlns:a16="http://schemas.microsoft.com/office/drawing/2014/main" id="{FD3E162E-87AC-42BA-BB2A-BDD438AD9EFD}"/>
+              </a:ext>
+            </a:extLst>
+          </p:cNvPr>
+          <p:cNvCxnSpPr>
+            <a:cxnSpLocks/>
+          </p:cNvCxnSpPr>
+          <p:nvPr/>
+        </p:nvCxnSpPr>
+        <p:spPr>
+          <a:xfrm>
+            <a:off x="5061637" y="3412276"/>
+            <a:ext cx="0" cy="5357599"/>
+          </a:xfrm>
+          <a:prstGeom prst="line">
+            <a:avLst/>
+          </a:prstGeom>
+          <a:ln w="9525" cap="flat" cmpd="sng" algn="ctr">
+            <a:solidFill>
+              <a:schemeClr val="dk1"/>
+            </a:solidFill>
+            <a:prstDash val="dash"/>
+            <a:round/>
+            <a:headEnd type="none" w="med" len="med"/>
+            <a:tailEnd type="none" w="med" len="med"/>
+          </a:ln>
+        </p:spPr>
+        <p:style>
+          <a:lnRef idx="0">
+            <a:scrgbClr r="0" g="0" b="0"/>
+          </a:lnRef>
+          <a:fillRef idx="0">
+            <a:scrgbClr r="0" g="0" b="0"/>
+          </a:fillRef>
+          <a:effectRef idx="0">
+            <a:scrgbClr r="0" g="0" b="0"/>
+          </a:effectRef>
+          <a:fontRef idx="minor">
+            <a:schemeClr val="tx1"/>
+          </a:fontRef>
+        </p:style>
+      </p:cxnSp>
+      <p:sp>
+        <p:nvSpPr>
+          <p:cNvPr id="36" name="Rectangle 35">
+            <a:extLst>
+              <a:ext uri="{FF2B5EF4-FFF2-40B4-BE49-F238E27FC236}">
+                <a16:creationId xmlns:a16="http://schemas.microsoft.com/office/drawing/2014/main" id="{B3008344-9981-49F6-800A-67553CA159C7}"/>
+              </a:ext>
+            </a:extLst>
+          </p:cNvPr>
+          <p:cNvSpPr/>
+          <p:nvPr/>
+        </p:nvSpPr>
+        <p:spPr>
+          <a:xfrm>
+            <a:off x="2200894" y="4326377"/>
+            <a:ext cx="316118" cy="574272"/>
+          </a:xfrm>
+          <a:prstGeom prst="rect">
+            <a:avLst/>
+          </a:prstGeom>
+        </p:spPr>
+        <p:style>
+          <a:lnRef idx="1">
+            <a:schemeClr val="accent1"/>
+          </a:lnRef>
+          <a:fillRef idx="2">
+            <a:schemeClr val="accent1"/>
+          </a:fillRef>
+          <a:effectRef idx="1">
+            <a:schemeClr val="accent1"/>
+          </a:effectRef>
+          <a:fontRef idx="minor">
+            <a:schemeClr val="dk1"/>
+          </a:fontRef>
+        </p:style>
+        <p:txBody>
+          <a:bodyPr rtlCol="0" anchor="ctr"/>
+          <a:lstStyle/>
+          <a:p>
+            <a:pPr algn="ctr"/>
+            <a:endParaRPr lang="en-SG"/>
+          </a:p>
+        </p:txBody>
+      </p:sp>
+      <p:sp>
+        <p:nvSpPr>
+          <p:cNvPr id="37" name="Rectangle 36">
+            <a:extLst>
+              <a:ext uri="{FF2B5EF4-FFF2-40B4-BE49-F238E27FC236}">
+                <a16:creationId xmlns:a16="http://schemas.microsoft.com/office/drawing/2014/main" id="{1E0A4E11-BB9E-4E18-871D-551623E28CD8}"/>
+              </a:ext>
+            </a:extLst>
+          </p:cNvPr>
+          <p:cNvSpPr/>
+          <p:nvPr/>
+        </p:nvSpPr>
+        <p:spPr>
+          <a:xfrm>
+            <a:off x="2206737" y="5557866"/>
+            <a:ext cx="316118" cy="574272"/>
+          </a:xfrm>
+          <a:prstGeom prst="rect">
+            <a:avLst/>
+          </a:prstGeom>
+        </p:spPr>
+        <p:style>
+          <a:lnRef idx="1">
+            <a:schemeClr val="accent1"/>
+          </a:lnRef>
+          <a:fillRef idx="2">
+            <a:schemeClr val="accent1"/>
+          </a:fillRef>
+          <a:effectRef idx="1">
+            <a:schemeClr val="accent1"/>
+          </a:effectRef>
+          <a:fontRef idx="minor">
+            <a:schemeClr val="dk1"/>
+          </a:fontRef>
+        </p:style>
+        <p:txBody>
+          <a:bodyPr rtlCol="0" anchor="ctr"/>
+          <a:lstStyle/>
+          <a:p>
+            <a:pPr algn="ctr"/>
+            <a:endParaRPr lang="en-SG"/>
+          </a:p>
+        </p:txBody>
+      </p:sp>
+      <p:sp>
+        <p:nvSpPr>
+          <p:cNvPr id="38" name="Rectangle 37">
+            <a:extLst>
+              <a:ext uri="{FF2B5EF4-FFF2-40B4-BE49-F238E27FC236}">
+                <a16:creationId xmlns:a16="http://schemas.microsoft.com/office/drawing/2014/main" id="{F4D4B59C-2B00-4A56-9863-8186DBDF3ED5}"/>
+              </a:ext>
+            </a:extLst>
+          </p:cNvPr>
+          <p:cNvSpPr/>
+          <p:nvPr/>
+        </p:nvSpPr>
+        <p:spPr>
+          <a:xfrm>
+            <a:off x="2206737" y="7049569"/>
+            <a:ext cx="316118" cy="574272"/>
+          </a:xfrm>
+          <a:prstGeom prst="rect">
+            <a:avLst/>
+          </a:prstGeom>
+        </p:spPr>
+        <p:style>
+          <a:lnRef idx="1">
+            <a:schemeClr val="accent1"/>
+          </a:lnRef>
+          <a:fillRef idx="2">
+            <a:schemeClr val="accent1"/>
+          </a:fillRef>
+          <a:effectRef idx="1">
+            <a:schemeClr val="accent1"/>
+          </a:effectRef>
+          <a:fontRef idx="minor">
+            <a:schemeClr val="dk1"/>
+          </a:fontRef>
+        </p:style>
+        <p:txBody>
+          <a:bodyPr rtlCol="0" anchor="ctr"/>
+          <a:lstStyle/>
+          <a:p>
+            <a:pPr algn="ctr"/>
+            <a:endParaRPr lang="en-SG"/>
+          </a:p>
+        </p:txBody>
+      </p:sp>
+      <p:sp>
+        <p:nvSpPr>
+          <p:cNvPr id="39" name="TextBox 38">
+            <a:extLst>
+              <a:ext uri="{FF2B5EF4-FFF2-40B4-BE49-F238E27FC236}">
+                <a16:creationId xmlns:a16="http://schemas.microsoft.com/office/drawing/2014/main" id="{38AEC823-01FC-4251-8CD9-0AB4BB9537C5}"/>
+              </a:ext>
+            </a:extLst>
+          </p:cNvPr>
+          <p:cNvSpPr txBox="1"/>
+          <p:nvPr/>
+        </p:nvSpPr>
+        <p:spPr>
+          <a:xfrm>
+            <a:off x="5026016" y="4052804"/>
+            <a:ext cx="2713337" cy="307777"/>
+          </a:xfrm>
+          <a:prstGeom prst="rect">
+            <a:avLst/>
+          </a:prstGeom>
+          <a:noFill/>
+        </p:spPr>
+        <p:txBody>
+          <a:bodyPr wrap="square" rtlCol="0">
+            <a:spAutoFit/>
+          </a:bodyPr>
+          <a:lstStyle/>
+          <a:p>
+            <a:r>
+              <a:rPr lang="en-SG" sz="1400" dirty="0"/>
+              <a:t>[</a:t>
+            </a:r>
+            <a:r>
+              <a:rPr lang="en-SG" sz="1400" dirty="0" err="1"/>
+              <a:t>riskLevel</a:t>
+            </a:r>
+            <a:r>
+              <a:rPr lang="en-SG" sz="1400" dirty="0"/>
+              <a:t> = LOW]</a:t>
+            </a:r>
+          </a:p>
+        </p:txBody>
+      </p:sp>
+      <p:sp>
+        <p:nvSpPr>
+          <p:cNvPr id="40" name="TextBox 39">
+            <a:extLst>
+              <a:ext uri="{FF2B5EF4-FFF2-40B4-BE49-F238E27FC236}">
+                <a16:creationId xmlns:a16="http://schemas.microsoft.com/office/drawing/2014/main" id="{B234B452-48EE-471E-B5F0-9C851ED864C3}"/>
+              </a:ext>
+            </a:extLst>
+          </p:cNvPr>
+          <p:cNvSpPr txBox="1"/>
+          <p:nvPr/>
+        </p:nvSpPr>
+        <p:spPr>
+          <a:xfrm>
+            <a:off x="5026015" y="5326111"/>
+            <a:ext cx="2713337" cy="307777"/>
+          </a:xfrm>
+          <a:prstGeom prst="rect">
+            <a:avLst/>
+          </a:prstGeom>
+          <a:noFill/>
+        </p:spPr>
+        <p:txBody>
+          <a:bodyPr wrap="square" rtlCol="0">
+            <a:spAutoFit/>
+          </a:bodyPr>
+          <a:lstStyle/>
+          <a:p>
+            <a:r>
+              <a:rPr lang="en-SG" sz="1400" dirty="0"/>
+              <a:t>[</a:t>
+            </a:r>
+            <a:r>
+              <a:rPr lang="en-SG" sz="1400" dirty="0" err="1"/>
+              <a:t>riskLevel</a:t>
+            </a:r>
+            <a:r>
+              <a:rPr lang="en-SG" sz="1400" dirty="0"/>
+              <a:t> = MEDIUM]</a:t>
+            </a:r>
+          </a:p>
+        </p:txBody>
+      </p:sp>
+      <p:sp>
+        <p:nvSpPr>
+          <p:cNvPr id="41" name="TextBox 40">
+            <a:extLst>
+              <a:ext uri="{FF2B5EF4-FFF2-40B4-BE49-F238E27FC236}">
+                <a16:creationId xmlns:a16="http://schemas.microsoft.com/office/drawing/2014/main" id="{5BD210A3-2115-4337-905A-00B03809AF2E}"/>
+              </a:ext>
+            </a:extLst>
+          </p:cNvPr>
+          <p:cNvSpPr txBox="1"/>
+          <p:nvPr/>
+        </p:nvSpPr>
+        <p:spPr>
+          <a:xfrm>
+            <a:off x="5026015" y="6634516"/>
+            <a:ext cx="2713337" cy="307777"/>
+          </a:xfrm>
+          <a:prstGeom prst="rect">
+            <a:avLst/>
+          </a:prstGeom>
+          <a:noFill/>
+        </p:spPr>
+        <p:txBody>
+          <a:bodyPr wrap="square" rtlCol="0">
+            <a:spAutoFit/>
+          </a:bodyPr>
+          <a:lstStyle/>
+          <a:p>
+            <a:r>
+              <a:rPr lang="en-SG" sz="1400" dirty="0"/>
+              <a:t>[</a:t>
+            </a:r>
+            <a:r>
+              <a:rPr lang="en-SG" sz="1400" dirty="0" err="1"/>
+              <a:t>riskLevel</a:t>
+            </a:r>
+            <a:r>
+              <a:rPr lang="en-SG" sz="1400" dirty="0"/>
+              <a:t> = HIGH]</a:t>
+            </a:r>
+          </a:p>
+        </p:txBody>
+      </p:sp>
+      <p:sp>
+        <p:nvSpPr>
+          <p:cNvPr id="46" name="Freeform: Shape 45">
+            <a:extLst>
+              <a:ext uri="{FF2B5EF4-FFF2-40B4-BE49-F238E27FC236}">
+                <a16:creationId xmlns:a16="http://schemas.microsoft.com/office/drawing/2014/main" id="{F5783926-F985-433E-92A9-F5AD7F9E4CE6}"/>
+              </a:ext>
+            </a:extLst>
+          </p:cNvPr>
+          <p:cNvSpPr/>
+          <p:nvPr/>
+        </p:nvSpPr>
+        <p:spPr>
+          <a:xfrm>
+            <a:off x="2501478" y="4136895"/>
+            <a:ext cx="159992" cy="282133"/>
+          </a:xfrm>
+          <a:custGeom>
+            <a:avLst/>
+            <a:gdLst>
+              <a:gd name="connsiteX0" fmla="*/ 0 w 159992"/>
+              <a:gd name="connsiteY0" fmla="*/ 129733 h 282133"/>
+              <a:gd name="connsiteX1" fmla="*/ 152400 w 159992"/>
+              <a:gd name="connsiteY1" fmla="*/ 5042 h 282133"/>
+              <a:gd name="connsiteX2" fmla="*/ 138546 w 159992"/>
+              <a:gd name="connsiteY2" fmla="*/ 282133 h 282133"/>
+              <a:gd name="connsiteX3" fmla="*/ 138546 w 159992"/>
+              <a:gd name="connsiteY3" fmla="*/ 282133 h 282133"/>
+              <a:gd name="connsiteX4" fmla="*/ 138546 w 159992"/>
+              <a:gd name="connsiteY4" fmla="*/ 282133 h 282133"/>
+            </a:gdLst>
+            <a:ahLst/>
+            <a:cxnLst>
+              <a:cxn ang="0">
+                <a:pos x="connsiteX0" y="connsiteY0"/>
+              </a:cxn>
+              <a:cxn ang="0">
+                <a:pos x="connsiteX1" y="connsiteY1"/>
+              </a:cxn>
+              <a:cxn ang="0">
+                <a:pos x="connsiteX2" y="connsiteY2"/>
+              </a:cxn>
+              <a:cxn ang="0">
+                <a:pos x="connsiteX3" y="connsiteY3"/>
+              </a:cxn>
+              <a:cxn ang="0">
+                <a:pos x="connsiteX4" y="connsiteY4"/>
+              </a:cxn>
+            </a:cxnLst>
+            <a:rect l="l" t="t" r="r" b="b"/>
+            <a:pathLst>
+              <a:path w="159992" h="282133">
+                <a:moveTo>
+                  <a:pt x="0" y="129733"/>
+                </a:moveTo>
+                <a:cubicBezTo>
+                  <a:pt x="64654" y="54687"/>
+                  <a:pt x="129309" y="-20358"/>
+                  <a:pt x="152400" y="5042"/>
+                </a:cubicBezTo>
+                <a:cubicBezTo>
+                  <a:pt x="175491" y="30442"/>
+                  <a:pt x="138546" y="282133"/>
+                  <a:pt x="138546" y="282133"/>
+                </a:cubicBezTo>
+                <a:lnTo>
+                  <a:pt x="138546" y="282133"/>
+                </a:lnTo>
+                <a:lnTo>
+                  <a:pt x="138546" y="282133"/>
+                </a:lnTo>
+              </a:path>
+            </a:pathLst>
+          </a:custGeom>
+          <a:ln w="9525" cap="flat" cmpd="sng" algn="ctr">
+            <a:solidFill>
+              <a:schemeClr val="dk1"/>
+            </a:solidFill>
+            <a:prstDash val="solid"/>
+            <a:round/>
+            <a:headEnd type="none" w="med" len="med"/>
+            <a:tailEnd type="arrow" w="med" len="med"/>
+          </a:ln>
+        </p:spPr>
+        <p:style>
+          <a:lnRef idx="0">
+            <a:scrgbClr r="0" g="0" b="0"/>
+          </a:lnRef>
+          <a:fillRef idx="0">
+            <a:scrgbClr r="0" g="0" b="0"/>
+          </a:fillRef>
+          <a:effectRef idx="0">
+            <a:scrgbClr r="0" g="0" b="0"/>
+          </a:effectRef>
+          <a:fontRef idx="minor">
+            <a:schemeClr val="tx1"/>
+          </a:fontRef>
+        </p:style>
+        <p:txBody>
+          <a:bodyPr rtlCol="0" anchor="ctr"/>
+          <a:lstStyle/>
+          <a:p>
+            <a:pPr algn="ctr"/>
+            <a:endParaRPr lang="en-SG"/>
+          </a:p>
+        </p:txBody>
+      </p:sp>
+      <p:sp>
+        <p:nvSpPr>
+          <p:cNvPr id="47" name="TextBox 46">
+            <a:extLst>
+              <a:ext uri="{FF2B5EF4-FFF2-40B4-BE49-F238E27FC236}">
+                <a16:creationId xmlns:a16="http://schemas.microsoft.com/office/drawing/2014/main" id="{ED735395-5768-46AB-A708-0B464ED60855}"/>
+              </a:ext>
+            </a:extLst>
+          </p:cNvPr>
+          <p:cNvSpPr txBox="1"/>
+          <p:nvPr/>
+        </p:nvSpPr>
+        <p:spPr>
+          <a:xfrm>
+            <a:off x="2733738" y="4009926"/>
+            <a:ext cx="2838830" cy="523220"/>
+          </a:xfrm>
+          <a:prstGeom prst="rect">
+            <a:avLst/>
+          </a:prstGeom>
+          <a:noFill/>
+        </p:spPr>
+        <p:txBody>
+          <a:bodyPr wrap="square" rtlCol="0">
+            <a:spAutoFit/>
+          </a:bodyPr>
+          <a:lstStyle/>
+          <a:p>
+            <a:r>
+              <a:rPr lang="en-SG" sz="1400" dirty="0" err="1"/>
+              <a:t>addLowRiskElderly</a:t>
+            </a:r>
+            <a:r>
+              <a:rPr lang="en-SG" sz="1400" dirty="0"/>
+              <a:t>(</a:t>
+            </a:r>
+            <a:r>
+              <a:rPr lang="en-SG" sz="1400" dirty="0" err="1"/>
+              <a:t>userName</a:t>
+            </a:r>
+            <a:r>
+              <a:rPr lang="en-SG" sz="1400" dirty="0"/>
+              <a:t>, </a:t>
+            </a:r>
+            <a:r>
+              <a:rPr lang="en-SG" sz="1400" dirty="0" err="1"/>
+              <a:t>elderlyName</a:t>
+            </a:r>
+            <a:r>
+              <a:rPr lang="en-SG" sz="1400" dirty="0"/>
+              <a:t>)</a:t>
+            </a:r>
+          </a:p>
+        </p:txBody>
+      </p:sp>
+      <p:sp>
+        <p:nvSpPr>
+          <p:cNvPr id="48" name="Freeform: Shape 47">
+            <a:extLst>
+              <a:ext uri="{FF2B5EF4-FFF2-40B4-BE49-F238E27FC236}">
+                <a16:creationId xmlns:a16="http://schemas.microsoft.com/office/drawing/2014/main" id="{B2B4AE72-F3CA-4E09-819F-D7CDA18E1D40}"/>
+              </a:ext>
+            </a:extLst>
+          </p:cNvPr>
+          <p:cNvSpPr/>
+          <p:nvPr/>
+        </p:nvSpPr>
+        <p:spPr>
+          <a:xfrm>
+            <a:off x="2501478" y="5398062"/>
+            <a:ext cx="159992" cy="282133"/>
+          </a:xfrm>
+          <a:custGeom>
+            <a:avLst/>
+            <a:gdLst>
+              <a:gd name="connsiteX0" fmla="*/ 0 w 159992"/>
+              <a:gd name="connsiteY0" fmla="*/ 129733 h 282133"/>
+              <a:gd name="connsiteX1" fmla="*/ 152400 w 159992"/>
+              <a:gd name="connsiteY1" fmla="*/ 5042 h 282133"/>
+              <a:gd name="connsiteX2" fmla="*/ 138546 w 159992"/>
+              <a:gd name="connsiteY2" fmla="*/ 282133 h 282133"/>
+              <a:gd name="connsiteX3" fmla="*/ 138546 w 159992"/>
+              <a:gd name="connsiteY3" fmla="*/ 282133 h 282133"/>
+              <a:gd name="connsiteX4" fmla="*/ 138546 w 159992"/>
+              <a:gd name="connsiteY4" fmla="*/ 282133 h 282133"/>
+            </a:gdLst>
+            <a:ahLst/>
+            <a:cxnLst>
+              <a:cxn ang="0">
+                <a:pos x="connsiteX0" y="connsiteY0"/>
+              </a:cxn>
+              <a:cxn ang="0">
+                <a:pos x="connsiteX1" y="connsiteY1"/>
+              </a:cxn>
+              <a:cxn ang="0">
+                <a:pos x="connsiteX2" y="connsiteY2"/>
+              </a:cxn>
+              <a:cxn ang="0">
+                <a:pos x="connsiteX3" y="connsiteY3"/>
+              </a:cxn>
+              <a:cxn ang="0">
+                <a:pos x="connsiteX4" y="connsiteY4"/>
+              </a:cxn>
+            </a:cxnLst>
+            <a:rect l="l" t="t" r="r" b="b"/>
+            <a:pathLst>
+              <a:path w="159992" h="282133">
+                <a:moveTo>
+                  <a:pt x="0" y="129733"/>
+                </a:moveTo>
+                <a:cubicBezTo>
+                  <a:pt x="64654" y="54687"/>
+                  <a:pt x="129309" y="-20358"/>
+                  <a:pt x="152400" y="5042"/>
+                </a:cubicBezTo>
+                <a:cubicBezTo>
+                  <a:pt x="175491" y="30442"/>
+                  <a:pt x="138546" y="282133"/>
+                  <a:pt x="138546" y="282133"/>
+                </a:cubicBezTo>
+                <a:lnTo>
+                  <a:pt x="138546" y="282133"/>
+                </a:lnTo>
+                <a:lnTo>
+                  <a:pt x="138546" y="282133"/>
+                </a:lnTo>
+              </a:path>
+            </a:pathLst>
+          </a:custGeom>
+          <a:ln w="9525" cap="flat" cmpd="sng" algn="ctr">
+            <a:solidFill>
+              <a:schemeClr val="dk1"/>
+            </a:solidFill>
+            <a:prstDash val="solid"/>
+            <a:round/>
+            <a:headEnd type="none" w="med" len="med"/>
+            <a:tailEnd type="arrow" w="med" len="med"/>
+          </a:ln>
+        </p:spPr>
+        <p:style>
+          <a:lnRef idx="0">
+            <a:scrgbClr r="0" g="0" b="0"/>
+          </a:lnRef>
+          <a:fillRef idx="0">
+            <a:scrgbClr r="0" g="0" b="0"/>
+          </a:fillRef>
+          <a:effectRef idx="0">
+            <a:scrgbClr r="0" g="0" b="0"/>
+          </a:effectRef>
+          <a:fontRef idx="minor">
+            <a:schemeClr val="tx1"/>
+          </a:fontRef>
+        </p:style>
+        <p:txBody>
+          <a:bodyPr rtlCol="0" anchor="ctr"/>
+          <a:lstStyle/>
+          <a:p>
+            <a:pPr algn="ctr"/>
+            <a:endParaRPr lang="en-SG"/>
+          </a:p>
+        </p:txBody>
+      </p:sp>
+      <p:sp>
+        <p:nvSpPr>
+          <p:cNvPr id="49" name="TextBox 48">
+            <a:extLst>
+              <a:ext uri="{FF2B5EF4-FFF2-40B4-BE49-F238E27FC236}">
+                <a16:creationId xmlns:a16="http://schemas.microsoft.com/office/drawing/2014/main" id="{BC31B59E-1F05-4B16-9B49-D27972D6BEE4}"/>
+              </a:ext>
+            </a:extLst>
+          </p:cNvPr>
+          <p:cNvSpPr txBox="1"/>
+          <p:nvPr/>
+        </p:nvSpPr>
+        <p:spPr>
+          <a:xfrm>
+            <a:off x="2720683" y="5299394"/>
+            <a:ext cx="2327898" cy="523220"/>
+          </a:xfrm>
+          <a:prstGeom prst="rect">
+            <a:avLst/>
+          </a:prstGeom>
+          <a:noFill/>
+        </p:spPr>
+        <p:txBody>
+          <a:bodyPr wrap="square" rtlCol="0">
+            <a:spAutoFit/>
+          </a:bodyPr>
+          <a:lstStyle/>
+          <a:p>
+            <a:r>
+              <a:rPr lang="en-SG" sz="1400" dirty="0" err="1"/>
+              <a:t>addMediumRiskElderly</a:t>
+            </a:r>
+            <a:r>
+              <a:rPr lang="en-SG" sz="1400" dirty="0"/>
+              <a:t>(</a:t>
+            </a:r>
+            <a:r>
+              <a:rPr lang="en-SG" sz="1400" dirty="0" err="1"/>
+              <a:t>userName</a:t>
+            </a:r>
+            <a:r>
+              <a:rPr lang="en-SG" sz="1400" dirty="0"/>
+              <a:t>, </a:t>
+            </a:r>
+            <a:r>
+              <a:rPr lang="en-SG" sz="1400" dirty="0" err="1"/>
+              <a:t>elderlyName</a:t>
+            </a:r>
+            <a:r>
+              <a:rPr lang="en-SG" sz="1400" dirty="0"/>
+              <a:t>)</a:t>
+            </a:r>
+          </a:p>
+        </p:txBody>
+      </p:sp>
+      <p:sp>
+        <p:nvSpPr>
+          <p:cNvPr id="50" name="Freeform: Shape 49">
+            <a:extLst>
+              <a:ext uri="{FF2B5EF4-FFF2-40B4-BE49-F238E27FC236}">
+                <a16:creationId xmlns:a16="http://schemas.microsoft.com/office/drawing/2014/main" id="{3EEAB9E0-BDD6-4CA2-946B-75F49281633D}"/>
+              </a:ext>
+            </a:extLst>
+          </p:cNvPr>
+          <p:cNvSpPr/>
+          <p:nvPr/>
+        </p:nvSpPr>
+        <p:spPr>
+          <a:xfrm>
+            <a:off x="2512796" y="6869676"/>
+            <a:ext cx="159992" cy="282133"/>
+          </a:xfrm>
+          <a:custGeom>
+            <a:avLst/>
+            <a:gdLst>
+              <a:gd name="connsiteX0" fmla="*/ 0 w 159992"/>
+              <a:gd name="connsiteY0" fmla="*/ 129733 h 282133"/>
+              <a:gd name="connsiteX1" fmla="*/ 152400 w 159992"/>
+              <a:gd name="connsiteY1" fmla="*/ 5042 h 282133"/>
+              <a:gd name="connsiteX2" fmla="*/ 138546 w 159992"/>
+              <a:gd name="connsiteY2" fmla="*/ 282133 h 282133"/>
+              <a:gd name="connsiteX3" fmla="*/ 138546 w 159992"/>
+              <a:gd name="connsiteY3" fmla="*/ 282133 h 282133"/>
+              <a:gd name="connsiteX4" fmla="*/ 138546 w 159992"/>
+              <a:gd name="connsiteY4" fmla="*/ 282133 h 282133"/>
+            </a:gdLst>
+            <a:ahLst/>
+            <a:cxnLst>
+              <a:cxn ang="0">
+                <a:pos x="connsiteX0" y="connsiteY0"/>
+              </a:cxn>
+              <a:cxn ang="0">
+                <a:pos x="connsiteX1" y="connsiteY1"/>
+              </a:cxn>
+              <a:cxn ang="0">
+                <a:pos x="connsiteX2" y="connsiteY2"/>
+              </a:cxn>
+              <a:cxn ang="0">
+                <a:pos x="connsiteX3" y="connsiteY3"/>
+              </a:cxn>
+              <a:cxn ang="0">
+                <a:pos x="connsiteX4" y="connsiteY4"/>
+              </a:cxn>
+            </a:cxnLst>
+            <a:rect l="l" t="t" r="r" b="b"/>
+            <a:pathLst>
+              <a:path w="159992" h="282133">
+                <a:moveTo>
+                  <a:pt x="0" y="129733"/>
+                </a:moveTo>
+                <a:cubicBezTo>
+                  <a:pt x="64654" y="54687"/>
+                  <a:pt x="129309" y="-20358"/>
+                  <a:pt x="152400" y="5042"/>
+                </a:cubicBezTo>
+                <a:cubicBezTo>
+                  <a:pt x="175491" y="30442"/>
+                  <a:pt x="138546" y="282133"/>
+                  <a:pt x="138546" y="282133"/>
+                </a:cubicBezTo>
+                <a:lnTo>
+                  <a:pt x="138546" y="282133"/>
+                </a:lnTo>
+                <a:lnTo>
+                  <a:pt x="138546" y="282133"/>
+                </a:lnTo>
+              </a:path>
+            </a:pathLst>
+          </a:custGeom>
+          <a:ln w="9525" cap="flat" cmpd="sng" algn="ctr">
+            <a:solidFill>
+              <a:schemeClr val="dk1"/>
+            </a:solidFill>
+            <a:prstDash val="solid"/>
+            <a:round/>
+            <a:headEnd type="none" w="med" len="med"/>
+            <a:tailEnd type="arrow" w="med" len="med"/>
+          </a:ln>
+        </p:spPr>
+        <p:style>
+          <a:lnRef idx="0">
+            <a:scrgbClr r="0" g="0" b="0"/>
+          </a:lnRef>
+          <a:fillRef idx="0">
+            <a:scrgbClr r="0" g="0" b="0"/>
+          </a:fillRef>
+          <a:effectRef idx="0">
+            <a:scrgbClr r="0" g="0" b="0"/>
+          </a:effectRef>
+          <a:fontRef idx="minor">
+            <a:schemeClr val="tx1"/>
+          </a:fontRef>
+        </p:style>
+        <p:txBody>
+          <a:bodyPr rtlCol="0" anchor="ctr"/>
+          <a:lstStyle/>
+          <a:p>
+            <a:pPr algn="ctr"/>
+            <a:endParaRPr lang="en-SG"/>
+          </a:p>
+        </p:txBody>
+      </p:sp>
+      <p:sp>
+        <p:nvSpPr>
+          <p:cNvPr id="51" name="TextBox 50">
+            <a:extLst>
+              <a:ext uri="{FF2B5EF4-FFF2-40B4-BE49-F238E27FC236}">
+                <a16:creationId xmlns:a16="http://schemas.microsoft.com/office/drawing/2014/main" id="{F951ED39-CD32-4968-BC49-E2AB01B87565}"/>
+              </a:ext>
+            </a:extLst>
+          </p:cNvPr>
+          <p:cNvSpPr txBox="1"/>
+          <p:nvPr/>
+        </p:nvSpPr>
+        <p:spPr>
+          <a:xfrm>
+            <a:off x="2687780" y="6592767"/>
+            <a:ext cx="2838830" cy="523220"/>
+          </a:xfrm>
+          <a:prstGeom prst="rect">
+            <a:avLst/>
+          </a:prstGeom>
+          <a:noFill/>
+        </p:spPr>
+        <p:txBody>
+          <a:bodyPr wrap="square" rtlCol="0">
+            <a:spAutoFit/>
+          </a:bodyPr>
+          <a:lstStyle/>
+          <a:p>
+            <a:r>
+              <a:rPr lang="en-SG" sz="1400" dirty="0" err="1"/>
+              <a:t>addHighRiskElderly</a:t>
+            </a:r>
+            <a:r>
+              <a:rPr lang="en-SG" sz="1400" dirty="0"/>
+              <a:t>(</a:t>
+            </a:r>
+            <a:r>
+              <a:rPr lang="en-SG" sz="1400" dirty="0" err="1"/>
+              <a:t>userName</a:t>
+            </a:r>
+            <a:r>
+              <a:rPr lang="en-SG" sz="1400" dirty="0"/>
+              <a:t>, </a:t>
+            </a:r>
+            <a:r>
+              <a:rPr lang="en-SG" sz="1400" dirty="0" err="1"/>
+              <a:t>elderlyName</a:t>
+            </a:r>
+            <a:r>
+              <a:rPr lang="en-SG" sz="1400" dirty="0"/>
+              <a:t>)</a:t>
+            </a:r>
+          </a:p>
+        </p:txBody>
+      </p:sp>
+      <p:sp>
+        <p:nvSpPr>
+          <p:cNvPr id="54" name="Rectangle 53">
+            <a:extLst>
+              <a:ext uri="{FF2B5EF4-FFF2-40B4-BE49-F238E27FC236}">
+                <a16:creationId xmlns:a16="http://schemas.microsoft.com/office/drawing/2014/main" id="{A96503DB-BAF0-4A09-8283-23FF980BAB19}"/>
+              </a:ext>
+            </a:extLst>
+          </p:cNvPr>
+          <p:cNvSpPr/>
+          <p:nvPr/>
+        </p:nvSpPr>
+        <p:spPr>
+          <a:xfrm>
+            <a:off x="6137798" y="981308"/>
+            <a:ext cx="1703672" cy="479502"/>
+          </a:xfrm>
+          <a:prstGeom prst="rect">
+            <a:avLst/>
+          </a:prstGeom>
+        </p:spPr>
+        <p:style>
+          <a:lnRef idx="1">
+            <a:schemeClr val="accent4"/>
+          </a:lnRef>
+          <a:fillRef idx="2">
+            <a:schemeClr val="accent4"/>
+          </a:fillRef>
+          <a:effectRef idx="1">
+            <a:schemeClr val="accent4"/>
+          </a:effectRef>
+          <a:fontRef idx="minor">
+            <a:schemeClr val="dk1"/>
+          </a:fontRef>
+        </p:style>
+        <p:txBody>
+          <a:bodyPr rtlCol="0" anchor="ctr"/>
+          <a:lstStyle/>
+          <a:p>
+            <a:pPr algn="ctr"/>
+            <a:r>
+              <a:rPr lang="en-SG" dirty="0"/>
+              <a:t>:</a:t>
+            </a:r>
+            <a:r>
+              <a:rPr lang="en-SG" dirty="0" err="1"/>
+              <a:t>LowRiskElderly</a:t>
+            </a:r>
+            <a:endParaRPr lang="en-SG" dirty="0"/>
+          </a:p>
+        </p:txBody>
+      </p:sp>
+      <p:sp>
+        <p:nvSpPr>
+          <p:cNvPr id="55" name="Rectangle 54">
+            <a:extLst>
+              <a:ext uri="{FF2B5EF4-FFF2-40B4-BE49-F238E27FC236}">
+                <a16:creationId xmlns:a16="http://schemas.microsoft.com/office/drawing/2014/main" id="{04B6F9C6-5291-4B81-AC17-9169A636CD3A}"/>
+              </a:ext>
+            </a:extLst>
+          </p:cNvPr>
+          <p:cNvSpPr/>
+          <p:nvPr/>
+        </p:nvSpPr>
+        <p:spPr>
+          <a:xfrm>
+            <a:off x="8036978" y="979183"/>
+            <a:ext cx="2181085" cy="479502"/>
+          </a:xfrm>
+          <a:prstGeom prst="rect">
+            <a:avLst/>
+          </a:prstGeom>
+        </p:spPr>
+        <p:style>
+          <a:lnRef idx="1">
+            <a:schemeClr val="accent4"/>
+          </a:lnRef>
+          <a:fillRef idx="2">
+            <a:schemeClr val="accent4"/>
+          </a:fillRef>
+          <a:effectRef idx="1">
+            <a:schemeClr val="accent4"/>
+          </a:effectRef>
+          <a:fontRef idx="minor">
+            <a:schemeClr val="dk1"/>
+          </a:fontRef>
+        </p:style>
+        <p:txBody>
+          <a:bodyPr rtlCol="0" anchor="ctr"/>
+          <a:lstStyle/>
+          <a:p>
+            <a:pPr algn="ctr"/>
+            <a:r>
+              <a:rPr lang="en-SG" dirty="0"/>
+              <a:t>:</a:t>
+            </a:r>
+            <a:r>
+              <a:rPr lang="en-SG" dirty="0" err="1"/>
+              <a:t>MediumRiskElderly</a:t>
+            </a:r>
+            <a:endParaRPr lang="en-SG" dirty="0"/>
+          </a:p>
+        </p:txBody>
+      </p:sp>
+      <p:sp>
+        <p:nvSpPr>
+          <p:cNvPr id="56" name="Rectangle 55">
+            <a:extLst>
+              <a:ext uri="{FF2B5EF4-FFF2-40B4-BE49-F238E27FC236}">
+                <a16:creationId xmlns:a16="http://schemas.microsoft.com/office/drawing/2014/main" id="{D583CDA5-C871-4EF4-9DFF-CC9043C4A883}"/>
+              </a:ext>
+            </a:extLst>
+          </p:cNvPr>
+          <p:cNvSpPr/>
+          <p:nvPr/>
+        </p:nvSpPr>
+        <p:spPr>
+          <a:xfrm>
+            <a:off x="10423196" y="979183"/>
+            <a:ext cx="1711053" cy="479502"/>
+          </a:xfrm>
+          <a:prstGeom prst="rect">
+            <a:avLst/>
+          </a:prstGeom>
+        </p:spPr>
+        <p:style>
+          <a:lnRef idx="1">
+            <a:schemeClr val="accent4"/>
+          </a:lnRef>
+          <a:fillRef idx="2">
+            <a:schemeClr val="accent4"/>
+          </a:fillRef>
+          <a:effectRef idx="1">
+            <a:schemeClr val="accent4"/>
+          </a:effectRef>
+          <a:fontRef idx="minor">
+            <a:schemeClr val="dk1"/>
+          </a:fontRef>
+        </p:style>
+        <p:txBody>
+          <a:bodyPr rtlCol="0" anchor="ctr"/>
+          <a:lstStyle/>
+          <a:p>
+            <a:pPr algn="ctr"/>
+            <a:r>
+              <a:rPr lang="en-SG" dirty="0"/>
+              <a:t>:</a:t>
+            </a:r>
+            <a:r>
+              <a:rPr lang="en-SG" dirty="0" err="1"/>
+              <a:t>HighRiskElderly</a:t>
+            </a:r>
+            <a:endParaRPr lang="en-SG" dirty="0"/>
+          </a:p>
+        </p:txBody>
+      </p:sp>
+      <p:cxnSp>
+        <p:nvCxnSpPr>
+          <p:cNvPr id="57" name="Straight Connector 56">
+            <a:extLst>
+              <a:ext uri="{FF2B5EF4-FFF2-40B4-BE49-F238E27FC236}">
+                <a16:creationId xmlns:a16="http://schemas.microsoft.com/office/drawing/2014/main" id="{686BB208-31CB-4C9E-A707-B58A45C76A63}"/>
+              </a:ext>
+            </a:extLst>
+          </p:cNvPr>
+          <p:cNvCxnSpPr>
+            <a:cxnSpLocks/>
+          </p:cNvCxnSpPr>
+          <p:nvPr/>
+        </p:nvCxnSpPr>
+        <p:spPr>
+          <a:xfrm>
+            <a:off x="6975460" y="1469966"/>
+            <a:ext cx="0" cy="2856411"/>
+          </a:xfrm>
+          <a:prstGeom prst="line">
+            <a:avLst/>
+          </a:prstGeom>
+          <a:ln w="9525" cap="flat" cmpd="sng" algn="ctr">
+            <a:solidFill>
+              <a:schemeClr val="dk1"/>
+            </a:solidFill>
+            <a:prstDash val="dash"/>
+            <a:round/>
+            <a:headEnd type="none" w="med" len="med"/>
+            <a:tailEnd type="none" w="med" len="med"/>
+          </a:ln>
+        </p:spPr>
+        <p:style>
+          <a:lnRef idx="0">
+            <a:scrgbClr r="0" g="0" b="0"/>
+          </a:lnRef>
+          <a:fillRef idx="0">
+            <a:scrgbClr r="0" g="0" b="0"/>
+          </a:fillRef>
+          <a:effectRef idx="0">
+            <a:scrgbClr r="0" g="0" b="0"/>
+          </a:effectRef>
+          <a:fontRef idx="minor">
+            <a:schemeClr val="tx1"/>
+          </a:fontRef>
+        </p:style>
+      </p:cxnSp>
+      <p:cxnSp>
+        <p:nvCxnSpPr>
+          <p:cNvPr id="59" name="Straight Connector 58">
+            <a:extLst>
+              <a:ext uri="{FF2B5EF4-FFF2-40B4-BE49-F238E27FC236}">
+                <a16:creationId xmlns:a16="http://schemas.microsoft.com/office/drawing/2014/main" id="{98ACBD47-DA56-4573-826F-465181E7ACE1}"/>
+              </a:ext>
+            </a:extLst>
+          </p:cNvPr>
+          <p:cNvCxnSpPr>
+            <a:cxnSpLocks/>
+          </p:cNvCxnSpPr>
+          <p:nvPr/>
+        </p:nvCxnSpPr>
+        <p:spPr>
+          <a:xfrm>
+            <a:off x="9120289" y="1458685"/>
+            <a:ext cx="0" cy="4221510"/>
+          </a:xfrm>
+          <a:prstGeom prst="line">
+            <a:avLst/>
+          </a:prstGeom>
+          <a:ln w="9525" cap="flat" cmpd="sng" algn="ctr">
+            <a:solidFill>
+              <a:schemeClr val="dk1"/>
+            </a:solidFill>
+            <a:prstDash val="dash"/>
+            <a:round/>
+            <a:headEnd type="none" w="med" len="med"/>
+            <a:tailEnd type="none" w="med" len="med"/>
+          </a:ln>
+        </p:spPr>
+        <p:style>
+          <a:lnRef idx="0">
+            <a:scrgbClr r="0" g="0" b="0"/>
+          </a:lnRef>
+          <a:fillRef idx="0">
+            <a:scrgbClr r="0" g="0" b="0"/>
+          </a:fillRef>
+          <a:effectRef idx="0">
+            <a:scrgbClr r="0" g="0" b="0"/>
+          </a:effectRef>
+          <a:fontRef idx="minor">
+            <a:schemeClr val="tx1"/>
+          </a:fontRef>
+        </p:style>
+      </p:cxnSp>
+      <p:cxnSp>
+        <p:nvCxnSpPr>
+          <p:cNvPr id="61" name="Straight Connector 60">
+            <a:extLst>
+              <a:ext uri="{FF2B5EF4-FFF2-40B4-BE49-F238E27FC236}">
+                <a16:creationId xmlns:a16="http://schemas.microsoft.com/office/drawing/2014/main" id="{0C5B5400-2B9B-4FE1-8DBF-E17C7FFDE612}"/>
+              </a:ext>
+            </a:extLst>
+          </p:cNvPr>
+          <p:cNvCxnSpPr>
+            <a:cxnSpLocks/>
+          </p:cNvCxnSpPr>
+          <p:nvPr/>
+        </p:nvCxnSpPr>
+        <p:spPr>
+          <a:xfrm>
+            <a:off x="11303620" y="1469966"/>
+            <a:ext cx="0" cy="5472327"/>
+          </a:xfrm>
+          <a:prstGeom prst="line">
+            <a:avLst/>
+          </a:prstGeom>
+          <a:ln w="9525" cap="flat" cmpd="sng" algn="ctr">
+            <a:solidFill>
+              <a:schemeClr val="dk1"/>
+            </a:solidFill>
+            <a:prstDash val="dash"/>
+            <a:round/>
+            <a:headEnd type="none" w="med" len="med"/>
+            <a:tailEnd type="none" w="med" len="med"/>
+          </a:ln>
+        </p:spPr>
+        <p:style>
+          <a:lnRef idx="0">
+            <a:scrgbClr r="0" g="0" b="0"/>
+          </a:lnRef>
+          <a:fillRef idx="0">
+            <a:scrgbClr r="0" g="0" b="0"/>
+          </a:fillRef>
+          <a:effectRef idx="0">
+            <a:scrgbClr r="0" g="0" b="0"/>
+          </a:effectRef>
+          <a:fontRef idx="minor">
+            <a:schemeClr val="tx1"/>
+          </a:fontRef>
+        </p:style>
+      </p:cxnSp>
+    </p:spTree>
+    <p:extLst>
+      <p:ext uri="{BB962C8B-B14F-4D97-AF65-F5344CB8AC3E}">
+        <p14:creationId xmlns:p14="http://schemas.microsoft.com/office/powerpoint/2010/main" val="3958864"/>
+      </p:ext>
+    </p:extLst>
+  </p:cSld>
+  <p:clrMapOvr>
+    <a:masterClrMapping/>
+  </p:clrMapOvr>
+</p:sld>
+</file>
+
 <file path=ppt/theme/theme1.xml><?xml version="1.0" encoding="utf-8"?>
 <a:theme xmlns:a="http://schemas.openxmlformats.org/drawingml/2006/main" name="Office Theme">
   <a:themeElements>

--- a/docs/uml.pptx
+++ b/docs/uml.pptx
@@ -6,6 +6,7 @@
   </p:sldMasterIdLst>
   <p:sldIdLst>
     <p:sldId id="256" r:id="rId2"/>
+    <p:sldId id="257" r:id="rId3"/>
   </p:sldIdLst>
   <p:sldSz cx="12192000" cy="18018125"/>
   <p:notesSz cx="6858000" cy="9144000"/>
@@ -243,7 +244,7 @@
           <a:p>
             <a:fld id="{822F160E-D177-420A-96E8-F3002FBB7819}" type="datetimeFigureOut">
               <a:rPr lang="en-SG" smtClean="0"/>
-              <a:t>29/10/2021</a:t>
+              <a:t>1/11/2021</a:t>
             </a:fld>
             <a:endParaRPr lang="en-SG" dirty="0"/>
           </a:p>
@@ -413,7 +414,7 @@
           <a:p>
             <a:fld id="{822F160E-D177-420A-96E8-F3002FBB7819}" type="datetimeFigureOut">
               <a:rPr lang="en-SG" smtClean="0"/>
-              <a:t>29/10/2021</a:t>
+              <a:t>1/11/2021</a:t>
             </a:fld>
             <a:endParaRPr lang="en-SG" dirty="0"/>
           </a:p>
@@ -593,7 +594,7 @@
           <a:p>
             <a:fld id="{822F160E-D177-420A-96E8-F3002FBB7819}" type="datetimeFigureOut">
               <a:rPr lang="en-SG" smtClean="0"/>
-              <a:t>29/10/2021</a:t>
+              <a:t>1/11/2021</a:t>
             </a:fld>
             <a:endParaRPr lang="en-SG" dirty="0"/>
           </a:p>
@@ -763,7 +764,7 @@
           <a:p>
             <a:fld id="{822F160E-D177-420A-96E8-F3002FBB7819}" type="datetimeFigureOut">
               <a:rPr lang="en-SG" smtClean="0"/>
-              <a:t>29/10/2021</a:t>
+              <a:t>1/11/2021</a:t>
             </a:fld>
             <a:endParaRPr lang="en-SG" dirty="0"/>
           </a:p>
@@ -1007,7 +1008,7 @@
           <a:p>
             <a:fld id="{822F160E-D177-420A-96E8-F3002FBB7819}" type="datetimeFigureOut">
               <a:rPr lang="en-SG" smtClean="0"/>
-              <a:t>29/10/2021</a:t>
+              <a:t>1/11/2021</a:t>
             </a:fld>
             <a:endParaRPr lang="en-SG" dirty="0"/>
           </a:p>
@@ -1239,7 +1240,7 @@
           <a:p>
             <a:fld id="{822F160E-D177-420A-96E8-F3002FBB7819}" type="datetimeFigureOut">
               <a:rPr lang="en-SG" smtClean="0"/>
-              <a:t>29/10/2021</a:t>
+              <a:t>1/11/2021</a:t>
             </a:fld>
             <a:endParaRPr lang="en-SG" dirty="0"/>
           </a:p>
@@ -1606,7 +1607,7 @@
           <a:p>
             <a:fld id="{822F160E-D177-420A-96E8-F3002FBB7819}" type="datetimeFigureOut">
               <a:rPr lang="en-SG" smtClean="0"/>
-              <a:t>29/10/2021</a:t>
+              <a:t>1/11/2021</a:t>
             </a:fld>
             <a:endParaRPr lang="en-SG" dirty="0"/>
           </a:p>
@@ -1724,7 +1725,7 @@
           <a:p>
             <a:fld id="{822F160E-D177-420A-96E8-F3002FBB7819}" type="datetimeFigureOut">
               <a:rPr lang="en-SG" smtClean="0"/>
-              <a:t>29/10/2021</a:t>
+              <a:t>1/11/2021</a:t>
             </a:fld>
             <a:endParaRPr lang="en-SG" dirty="0"/>
           </a:p>
@@ -1819,7 +1820,7 @@
           <a:p>
             <a:fld id="{822F160E-D177-420A-96E8-F3002FBB7819}" type="datetimeFigureOut">
               <a:rPr lang="en-SG" smtClean="0"/>
-              <a:t>29/10/2021</a:t>
+              <a:t>1/11/2021</a:t>
             </a:fld>
             <a:endParaRPr lang="en-SG" dirty="0"/>
           </a:p>
@@ -2096,7 +2097,7 @@
           <a:p>
             <a:fld id="{822F160E-D177-420A-96E8-F3002FBB7819}" type="datetimeFigureOut">
               <a:rPr lang="en-SG" smtClean="0"/>
-              <a:t>29/10/2021</a:t>
+              <a:t>1/11/2021</a:t>
             </a:fld>
             <a:endParaRPr lang="en-SG" dirty="0"/>
           </a:p>
@@ -2352,7 +2353,7 @@
           <a:p>
             <a:fld id="{822F160E-D177-420A-96E8-F3002FBB7819}" type="datetimeFigureOut">
               <a:rPr lang="en-SG" smtClean="0"/>
-              <a:t>29/10/2021</a:t>
+              <a:t>1/11/2021</a:t>
             </a:fld>
             <a:endParaRPr lang="en-SG" dirty="0"/>
           </a:p>
@@ -2565,7 +2566,7 @@
           <a:p>
             <a:fld id="{822F160E-D177-420A-96E8-F3002FBB7819}" type="datetimeFigureOut">
               <a:rPr lang="en-SG" smtClean="0"/>
-              <a:t>29/10/2021</a:t>
+              <a:t>1/11/2021</a:t>
             </a:fld>
             <a:endParaRPr lang="en-SG" dirty="0"/>
           </a:p>
@@ -4599,6 +4600,2748 @@
 </p:sld>
 </file>
 
+<file path=ppt/slides/slide2.xml><?xml version="1.0" encoding="utf-8"?>
+<p:sld xmlns:a="http://schemas.openxmlformats.org/drawingml/2006/main" xmlns:r="http://schemas.openxmlformats.org/officeDocument/2006/relationships" xmlns:p="http://schemas.openxmlformats.org/presentationml/2006/main">
+  <p:cSld>
+    <p:spTree>
+      <p:nvGrpSpPr>
+        <p:cNvPr id="1" name=""/>
+        <p:cNvGrpSpPr/>
+        <p:nvPr/>
+      </p:nvGrpSpPr>
+      <p:grpSpPr>
+        <a:xfrm>
+          <a:off x="0" y="0"/>
+          <a:ext cx="0" cy="0"/>
+          <a:chOff x="0" y="0"/>
+          <a:chExt cx="0" cy="0"/>
+        </a:xfrm>
+      </p:grpSpPr>
+      <p:sp>
+        <p:nvSpPr>
+          <p:cNvPr id="11" name="Rectangle 10">
+            <a:extLst>
+              <a:ext uri="{FF2B5EF4-FFF2-40B4-BE49-F238E27FC236}">
+                <a16:creationId xmlns:a16="http://schemas.microsoft.com/office/drawing/2014/main" id="{A432EFA5-9363-4184-85A0-1ABFB3E11E33}"/>
+              </a:ext>
+            </a:extLst>
+          </p:cNvPr>
+          <p:cNvSpPr/>
+          <p:nvPr/>
+        </p:nvSpPr>
+        <p:spPr>
+          <a:xfrm>
+            <a:off x="994712" y="4057357"/>
+            <a:ext cx="11000149" cy="4056740"/>
+          </a:xfrm>
+          <a:prstGeom prst="rect">
+            <a:avLst/>
+          </a:prstGeom>
+        </p:spPr>
+        <p:style>
+          <a:lnRef idx="2">
+            <a:schemeClr val="accent2"/>
+          </a:lnRef>
+          <a:fillRef idx="1">
+            <a:schemeClr val="lt1"/>
+          </a:fillRef>
+          <a:effectRef idx="0">
+            <a:schemeClr val="accent2"/>
+          </a:effectRef>
+          <a:fontRef idx="minor">
+            <a:schemeClr val="dk1"/>
+          </a:fontRef>
+        </p:style>
+        <p:txBody>
+          <a:bodyPr rtlCol="0" anchor="ctr"/>
+          <a:lstStyle/>
+          <a:p>
+            <a:pPr algn="ctr"/>
+            <a:endParaRPr lang="en-SG"/>
+          </a:p>
+        </p:txBody>
+      </p:sp>
+      <p:sp>
+        <p:nvSpPr>
+          <p:cNvPr id="4" name="Rectangle 3">
+            <a:extLst>
+              <a:ext uri="{FF2B5EF4-FFF2-40B4-BE49-F238E27FC236}">
+                <a16:creationId xmlns:a16="http://schemas.microsoft.com/office/drawing/2014/main" id="{5CDBA9A2-2AE9-4B37-AD05-C449642E687F}"/>
+              </a:ext>
+            </a:extLst>
+          </p:cNvPr>
+          <p:cNvSpPr/>
+          <p:nvPr/>
+        </p:nvSpPr>
+        <p:spPr>
+          <a:xfrm>
+            <a:off x="1451913" y="981308"/>
+            <a:ext cx="1538869" cy="479502"/>
+          </a:xfrm>
+          <a:prstGeom prst="rect">
+            <a:avLst/>
+          </a:prstGeom>
+          <a:ln/>
+        </p:spPr>
+        <p:style>
+          <a:lnRef idx="1">
+            <a:schemeClr val="accent1"/>
+          </a:lnRef>
+          <a:fillRef idx="2">
+            <a:schemeClr val="accent1"/>
+          </a:fillRef>
+          <a:effectRef idx="1">
+            <a:schemeClr val="accent1"/>
+          </a:effectRef>
+          <a:fontRef idx="minor">
+            <a:schemeClr val="dk1"/>
+          </a:fontRef>
+        </p:style>
+        <p:txBody>
+          <a:bodyPr rtlCol="0" anchor="ctr"/>
+          <a:lstStyle/>
+          <a:p>
+            <a:pPr algn="ctr"/>
+            <a:r>
+              <a:rPr lang="en-SG" dirty="0">
+                <a:solidFill>
+                  <a:schemeClr val="tx1"/>
+                </a:solidFill>
+              </a:rPr>
+              <a:t>:</a:t>
+            </a:r>
+            <a:r>
+              <a:rPr lang="en-SG" dirty="0" err="1">
+                <a:solidFill>
+                  <a:schemeClr val="tx1"/>
+                </a:solidFill>
+              </a:rPr>
+              <a:t>ElderlyList</a:t>
+            </a:r>
+            <a:endParaRPr lang="en-SG" dirty="0">
+              <a:solidFill>
+                <a:schemeClr val="tx1"/>
+              </a:solidFill>
+            </a:endParaRPr>
+          </a:p>
+        </p:txBody>
+      </p:sp>
+      <p:cxnSp>
+        <p:nvCxnSpPr>
+          <p:cNvPr id="6" name="Straight Connector 5">
+            <a:extLst>
+              <a:ext uri="{FF2B5EF4-FFF2-40B4-BE49-F238E27FC236}">
+                <a16:creationId xmlns:a16="http://schemas.microsoft.com/office/drawing/2014/main" id="{7412082C-A14D-46FF-8CAB-C9371D54611B}"/>
+              </a:ext>
+            </a:extLst>
+          </p:cNvPr>
+          <p:cNvCxnSpPr>
+            <a:cxnSpLocks/>
+          </p:cNvCxnSpPr>
+          <p:nvPr/>
+        </p:nvCxnSpPr>
+        <p:spPr>
+          <a:xfrm>
+            <a:off x="2221347" y="1460810"/>
+            <a:ext cx="0" cy="468351"/>
+          </a:xfrm>
+          <a:prstGeom prst="line">
+            <a:avLst/>
+          </a:prstGeom>
+          <a:ln w="9525" cap="flat" cmpd="sng" algn="ctr">
+            <a:solidFill>
+              <a:schemeClr val="dk1"/>
+            </a:solidFill>
+            <a:prstDash val="dash"/>
+            <a:round/>
+            <a:headEnd type="none" w="med" len="med"/>
+            <a:tailEnd type="none" w="med" len="med"/>
+          </a:ln>
+        </p:spPr>
+        <p:style>
+          <a:lnRef idx="0">
+            <a:scrgbClr r="0" g="0" b="0"/>
+          </a:lnRef>
+          <a:fillRef idx="0">
+            <a:scrgbClr r="0" g="0" b="0"/>
+          </a:fillRef>
+          <a:effectRef idx="0">
+            <a:scrgbClr r="0" g="0" b="0"/>
+          </a:effectRef>
+          <a:fontRef idx="minor">
+            <a:schemeClr val="tx1"/>
+          </a:fontRef>
+        </p:style>
+      </p:cxnSp>
+      <p:sp>
+        <p:nvSpPr>
+          <p:cNvPr id="10" name="Rectangle 9">
+            <a:extLst>
+              <a:ext uri="{FF2B5EF4-FFF2-40B4-BE49-F238E27FC236}">
+                <a16:creationId xmlns:a16="http://schemas.microsoft.com/office/drawing/2014/main" id="{E85B326C-33B8-4DBD-8EE3-2736E4CB1C9A}"/>
+              </a:ext>
+            </a:extLst>
+          </p:cNvPr>
+          <p:cNvSpPr/>
+          <p:nvPr/>
+        </p:nvSpPr>
+        <p:spPr>
+          <a:xfrm>
+            <a:off x="2078071" y="1929160"/>
+            <a:ext cx="316119" cy="6569940"/>
+          </a:xfrm>
+          <a:prstGeom prst="rect">
+            <a:avLst/>
+          </a:prstGeom>
+        </p:spPr>
+        <p:style>
+          <a:lnRef idx="1">
+            <a:schemeClr val="accent1"/>
+          </a:lnRef>
+          <a:fillRef idx="2">
+            <a:schemeClr val="accent1"/>
+          </a:fillRef>
+          <a:effectRef idx="1">
+            <a:schemeClr val="accent1"/>
+          </a:effectRef>
+          <a:fontRef idx="minor">
+            <a:schemeClr val="dk1"/>
+          </a:fontRef>
+        </p:style>
+        <p:txBody>
+          <a:bodyPr rtlCol="0" anchor="ctr"/>
+          <a:lstStyle/>
+          <a:p>
+            <a:pPr algn="ctr"/>
+            <a:endParaRPr lang="en-SG"/>
+          </a:p>
+        </p:txBody>
+      </p:sp>
+      <p:cxnSp>
+        <p:nvCxnSpPr>
+          <p:cNvPr id="13" name="Straight Connector 12">
+            <a:extLst>
+              <a:ext uri="{FF2B5EF4-FFF2-40B4-BE49-F238E27FC236}">
+                <a16:creationId xmlns:a16="http://schemas.microsoft.com/office/drawing/2014/main" id="{FEFBF363-2F39-49DF-98FC-BDA396D05507}"/>
+              </a:ext>
+            </a:extLst>
+          </p:cNvPr>
+          <p:cNvCxnSpPr>
+            <a:cxnSpLocks/>
+          </p:cNvCxnSpPr>
+          <p:nvPr/>
+        </p:nvCxnSpPr>
+        <p:spPr>
+          <a:xfrm>
+            <a:off x="994713" y="5295143"/>
+            <a:ext cx="11000148" cy="0"/>
+          </a:xfrm>
+          <a:prstGeom prst="line">
+            <a:avLst/>
+          </a:prstGeom>
+          <a:ln w="9525" cap="flat" cmpd="sng" algn="ctr">
+            <a:solidFill>
+              <a:schemeClr val="accent2"/>
+            </a:solidFill>
+            <a:prstDash val="dash"/>
+            <a:round/>
+            <a:headEnd type="none" w="med" len="med"/>
+            <a:tailEnd type="none" w="med" len="med"/>
+          </a:ln>
+        </p:spPr>
+        <p:style>
+          <a:lnRef idx="0">
+            <a:scrgbClr r="0" g="0" b="0"/>
+          </a:lnRef>
+          <a:fillRef idx="0">
+            <a:scrgbClr r="0" g="0" b="0"/>
+          </a:fillRef>
+          <a:effectRef idx="0">
+            <a:scrgbClr r="0" g="0" b="0"/>
+          </a:effectRef>
+          <a:fontRef idx="minor">
+            <a:schemeClr val="tx1"/>
+          </a:fontRef>
+        </p:style>
+      </p:cxnSp>
+      <p:cxnSp>
+        <p:nvCxnSpPr>
+          <p:cNvPr id="14" name="Straight Connector 13">
+            <a:extLst>
+              <a:ext uri="{FF2B5EF4-FFF2-40B4-BE49-F238E27FC236}">
+                <a16:creationId xmlns:a16="http://schemas.microsoft.com/office/drawing/2014/main" id="{9CCA6707-2B0D-4CBE-8CE3-FB4CE15B18E6}"/>
+              </a:ext>
+            </a:extLst>
+          </p:cNvPr>
+          <p:cNvCxnSpPr>
+            <a:cxnSpLocks/>
+          </p:cNvCxnSpPr>
+          <p:nvPr/>
+        </p:nvCxnSpPr>
+        <p:spPr>
+          <a:xfrm>
+            <a:off x="994712" y="6609980"/>
+            <a:ext cx="11000149" cy="0"/>
+          </a:xfrm>
+          <a:prstGeom prst="line">
+            <a:avLst/>
+          </a:prstGeom>
+          <a:ln w="9525" cap="flat" cmpd="sng" algn="ctr">
+            <a:solidFill>
+              <a:schemeClr val="accent2"/>
+            </a:solidFill>
+            <a:prstDash val="dash"/>
+            <a:round/>
+            <a:headEnd type="none" w="med" len="med"/>
+            <a:tailEnd type="none" w="med" len="med"/>
+          </a:ln>
+        </p:spPr>
+        <p:style>
+          <a:lnRef idx="0">
+            <a:scrgbClr r="0" g="0" b="0"/>
+          </a:lnRef>
+          <a:fillRef idx="0">
+            <a:scrgbClr r="0" g="0" b="0"/>
+          </a:fillRef>
+          <a:effectRef idx="0">
+            <a:scrgbClr r="0" g="0" b="0"/>
+          </a:effectRef>
+          <a:fontRef idx="minor">
+            <a:schemeClr val="tx1"/>
+          </a:fontRef>
+        </p:style>
+      </p:cxnSp>
+      <p:sp>
+        <p:nvSpPr>
+          <p:cNvPr id="15" name="Rectangle: Single Corner Snipped 14">
+            <a:extLst>
+              <a:ext uri="{FF2B5EF4-FFF2-40B4-BE49-F238E27FC236}">
+                <a16:creationId xmlns:a16="http://schemas.microsoft.com/office/drawing/2014/main" id="{83C178B0-9CE2-4824-A9D3-285B05209753}"/>
+              </a:ext>
+            </a:extLst>
+          </p:cNvPr>
+          <p:cNvSpPr/>
+          <p:nvPr/>
+        </p:nvSpPr>
+        <p:spPr>
+          <a:xfrm flipV="1">
+            <a:off x="994713" y="4057357"/>
+            <a:ext cx="724829" cy="528265"/>
+          </a:xfrm>
+          <a:prstGeom prst="snip1Rect">
+            <a:avLst>
+              <a:gd name="adj" fmla="val 50000"/>
+            </a:avLst>
+          </a:prstGeom>
+        </p:spPr>
+        <p:style>
+          <a:lnRef idx="2">
+            <a:schemeClr val="accent2"/>
+          </a:lnRef>
+          <a:fillRef idx="1">
+            <a:schemeClr val="lt1"/>
+          </a:fillRef>
+          <a:effectRef idx="0">
+            <a:schemeClr val="accent2"/>
+          </a:effectRef>
+          <a:fontRef idx="minor">
+            <a:schemeClr val="dk1"/>
+          </a:fontRef>
+        </p:style>
+        <p:txBody>
+          <a:bodyPr rtlCol="0" anchor="ctr"/>
+          <a:lstStyle/>
+          <a:p>
+            <a:pPr algn="ctr"/>
+            <a:endParaRPr lang="en-SG" dirty="0"/>
+          </a:p>
+        </p:txBody>
+      </p:sp>
+      <p:sp>
+        <p:nvSpPr>
+          <p:cNvPr id="16" name="TextBox 15">
+            <a:extLst>
+              <a:ext uri="{FF2B5EF4-FFF2-40B4-BE49-F238E27FC236}">
+                <a16:creationId xmlns:a16="http://schemas.microsoft.com/office/drawing/2014/main" id="{A46A3149-2140-433B-8BBF-188A7C5A196B}"/>
+              </a:ext>
+            </a:extLst>
+          </p:cNvPr>
+          <p:cNvSpPr txBox="1"/>
+          <p:nvPr/>
+        </p:nvSpPr>
+        <p:spPr>
+          <a:xfrm>
+            <a:off x="1083922" y="4136823"/>
+            <a:ext cx="546410" cy="369332"/>
+          </a:xfrm>
+          <a:prstGeom prst="rect">
+            <a:avLst/>
+          </a:prstGeom>
+          <a:noFill/>
+        </p:spPr>
+        <p:txBody>
+          <a:bodyPr wrap="square" rtlCol="0">
+            <a:spAutoFit/>
+          </a:bodyPr>
+          <a:lstStyle/>
+          <a:p>
+            <a:r>
+              <a:rPr lang="en-SG" dirty="0"/>
+              <a:t>alt</a:t>
+            </a:r>
+          </a:p>
+        </p:txBody>
+      </p:sp>
+      <p:sp>
+        <p:nvSpPr>
+          <p:cNvPr id="17" name="Rectangle: Single Corner Snipped 16">
+            <a:extLst>
+              <a:ext uri="{FF2B5EF4-FFF2-40B4-BE49-F238E27FC236}">
+                <a16:creationId xmlns:a16="http://schemas.microsoft.com/office/drawing/2014/main" id="{DC9B34AB-443C-43DF-9682-7A3051551210}"/>
+              </a:ext>
+            </a:extLst>
+          </p:cNvPr>
+          <p:cNvSpPr/>
+          <p:nvPr/>
+        </p:nvSpPr>
+        <p:spPr>
+          <a:xfrm flipV="1">
+            <a:off x="999359" y="5290016"/>
+            <a:ext cx="724829" cy="528265"/>
+          </a:xfrm>
+          <a:prstGeom prst="snip1Rect">
+            <a:avLst>
+              <a:gd name="adj" fmla="val 50000"/>
+            </a:avLst>
+          </a:prstGeom>
+        </p:spPr>
+        <p:style>
+          <a:lnRef idx="2">
+            <a:schemeClr val="accent2"/>
+          </a:lnRef>
+          <a:fillRef idx="1">
+            <a:schemeClr val="lt1"/>
+          </a:fillRef>
+          <a:effectRef idx="0">
+            <a:schemeClr val="accent2"/>
+          </a:effectRef>
+          <a:fontRef idx="minor">
+            <a:schemeClr val="dk1"/>
+          </a:fontRef>
+        </p:style>
+        <p:txBody>
+          <a:bodyPr rtlCol="0" anchor="ctr"/>
+          <a:lstStyle/>
+          <a:p>
+            <a:pPr algn="ctr"/>
+            <a:endParaRPr lang="en-SG" dirty="0"/>
+          </a:p>
+        </p:txBody>
+      </p:sp>
+      <p:sp>
+        <p:nvSpPr>
+          <p:cNvPr id="18" name="TextBox 17">
+            <a:extLst>
+              <a:ext uri="{FF2B5EF4-FFF2-40B4-BE49-F238E27FC236}">
+                <a16:creationId xmlns:a16="http://schemas.microsoft.com/office/drawing/2014/main" id="{F30F3C58-071C-4A1B-8FC7-E67B63999473}"/>
+              </a:ext>
+            </a:extLst>
+          </p:cNvPr>
+          <p:cNvSpPr txBox="1"/>
+          <p:nvPr/>
+        </p:nvSpPr>
+        <p:spPr>
+          <a:xfrm>
+            <a:off x="1088568" y="5369482"/>
+            <a:ext cx="546410" cy="369332"/>
+          </a:xfrm>
+          <a:prstGeom prst="rect">
+            <a:avLst/>
+          </a:prstGeom>
+          <a:noFill/>
+        </p:spPr>
+        <p:txBody>
+          <a:bodyPr wrap="square" rtlCol="0">
+            <a:spAutoFit/>
+          </a:bodyPr>
+          <a:lstStyle/>
+          <a:p>
+            <a:r>
+              <a:rPr lang="en-SG" dirty="0"/>
+              <a:t>alt</a:t>
+            </a:r>
+          </a:p>
+        </p:txBody>
+      </p:sp>
+      <p:sp>
+        <p:nvSpPr>
+          <p:cNvPr id="19" name="Rectangle: Single Corner Snipped 18">
+            <a:extLst>
+              <a:ext uri="{FF2B5EF4-FFF2-40B4-BE49-F238E27FC236}">
+                <a16:creationId xmlns:a16="http://schemas.microsoft.com/office/drawing/2014/main" id="{1F48B328-28D6-4193-9934-51158ED306C3}"/>
+              </a:ext>
+            </a:extLst>
+          </p:cNvPr>
+          <p:cNvSpPr/>
+          <p:nvPr/>
+        </p:nvSpPr>
+        <p:spPr>
+          <a:xfrm flipV="1">
+            <a:off x="994713" y="6602142"/>
+            <a:ext cx="724829" cy="528265"/>
+          </a:xfrm>
+          <a:prstGeom prst="snip1Rect">
+            <a:avLst>
+              <a:gd name="adj" fmla="val 50000"/>
+            </a:avLst>
+          </a:prstGeom>
+        </p:spPr>
+        <p:style>
+          <a:lnRef idx="2">
+            <a:schemeClr val="accent2"/>
+          </a:lnRef>
+          <a:fillRef idx="1">
+            <a:schemeClr val="lt1"/>
+          </a:fillRef>
+          <a:effectRef idx="0">
+            <a:schemeClr val="accent2"/>
+          </a:effectRef>
+          <a:fontRef idx="minor">
+            <a:schemeClr val="dk1"/>
+          </a:fontRef>
+        </p:style>
+        <p:txBody>
+          <a:bodyPr rtlCol="0" anchor="ctr"/>
+          <a:lstStyle/>
+          <a:p>
+            <a:pPr algn="ctr"/>
+            <a:endParaRPr lang="en-SG" dirty="0"/>
+          </a:p>
+        </p:txBody>
+      </p:sp>
+      <p:sp>
+        <p:nvSpPr>
+          <p:cNvPr id="20" name="TextBox 19">
+            <a:extLst>
+              <a:ext uri="{FF2B5EF4-FFF2-40B4-BE49-F238E27FC236}">
+                <a16:creationId xmlns:a16="http://schemas.microsoft.com/office/drawing/2014/main" id="{8E05CE15-49B7-45A0-B1AD-36EF0F4666CD}"/>
+              </a:ext>
+            </a:extLst>
+          </p:cNvPr>
+          <p:cNvSpPr txBox="1"/>
+          <p:nvPr/>
+        </p:nvSpPr>
+        <p:spPr>
+          <a:xfrm>
+            <a:off x="1083922" y="6681608"/>
+            <a:ext cx="546410" cy="369332"/>
+          </a:xfrm>
+          <a:prstGeom prst="rect">
+            <a:avLst/>
+          </a:prstGeom>
+          <a:noFill/>
+        </p:spPr>
+        <p:txBody>
+          <a:bodyPr wrap="square" rtlCol="0">
+            <a:spAutoFit/>
+          </a:bodyPr>
+          <a:lstStyle/>
+          <a:p>
+            <a:r>
+              <a:rPr lang="en-SG" dirty="0"/>
+              <a:t>alt</a:t>
+            </a:r>
+          </a:p>
+        </p:txBody>
+      </p:sp>
+      <p:sp>
+        <p:nvSpPr>
+          <p:cNvPr id="21" name="Rectangle 20">
+            <a:extLst>
+              <a:ext uri="{FF2B5EF4-FFF2-40B4-BE49-F238E27FC236}">
+                <a16:creationId xmlns:a16="http://schemas.microsoft.com/office/drawing/2014/main" id="{097D8522-1A0F-4DFD-B056-876F3ECF345D}"/>
+              </a:ext>
+            </a:extLst>
+          </p:cNvPr>
+          <p:cNvSpPr/>
+          <p:nvPr/>
+        </p:nvSpPr>
+        <p:spPr>
+          <a:xfrm>
+            <a:off x="4293067" y="979183"/>
+            <a:ext cx="1538869" cy="479502"/>
+          </a:xfrm>
+          <a:prstGeom prst="rect">
+            <a:avLst/>
+          </a:prstGeom>
+        </p:spPr>
+        <p:style>
+          <a:lnRef idx="1">
+            <a:schemeClr val="accent6"/>
+          </a:lnRef>
+          <a:fillRef idx="2">
+            <a:schemeClr val="accent6"/>
+          </a:fillRef>
+          <a:effectRef idx="1">
+            <a:schemeClr val="accent6"/>
+          </a:effectRef>
+          <a:fontRef idx="minor">
+            <a:schemeClr val="dk1"/>
+          </a:fontRef>
+        </p:style>
+        <p:txBody>
+          <a:bodyPr rtlCol="0" anchor="ctr"/>
+          <a:lstStyle/>
+          <a:p>
+            <a:pPr algn="ctr"/>
+            <a:r>
+              <a:rPr lang="en-SG" dirty="0"/>
+              <a:t>:</a:t>
+            </a:r>
+            <a:r>
+              <a:rPr lang="en-SG" dirty="0" err="1"/>
+              <a:t>RegexChecker</a:t>
+            </a:r>
+            <a:endParaRPr lang="en-SG" dirty="0"/>
+          </a:p>
+        </p:txBody>
+      </p:sp>
+      <p:cxnSp>
+        <p:nvCxnSpPr>
+          <p:cNvPr id="23" name="Straight Arrow Connector 22">
+            <a:extLst>
+              <a:ext uri="{FF2B5EF4-FFF2-40B4-BE49-F238E27FC236}">
+                <a16:creationId xmlns:a16="http://schemas.microsoft.com/office/drawing/2014/main" id="{C5A1AC69-5190-47AF-80DA-0C9D11226E94}"/>
+              </a:ext>
+            </a:extLst>
+          </p:cNvPr>
+          <p:cNvCxnSpPr/>
+          <p:nvPr/>
+        </p:nvCxnSpPr>
+        <p:spPr>
+          <a:xfrm>
+            <a:off x="415526" y="1929160"/>
+            <a:ext cx="1662545" cy="0"/>
+          </a:xfrm>
+          <a:prstGeom prst="straightConnector1">
+            <a:avLst/>
+          </a:prstGeom>
+          <a:ln w="9525" cap="flat" cmpd="sng" algn="ctr">
+            <a:solidFill>
+              <a:schemeClr val="dk1"/>
+            </a:solidFill>
+            <a:prstDash val="solid"/>
+            <a:round/>
+            <a:headEnd type="none" w="med" len="med"/>
+            <a:tailEnd type="arrow" w="med" len="med"/>
+          </a:ln>
+        </p:spPr>
+        <p:style>
+          <a:lnRef idx="0">
+            <a:scrgbClr r="0" g="0" b="0"/>
+          </a:lnRef>
+          <a:fillRef idx="0">
+            <a:scrgbClr r="0" g="0" b="0"/>
+          </a:fillRef>
+          <a:effectRef idx="0">
+            <a:scrgbClr r="0" g="0" b="0"/>
+          </a:effectRef>
+          <a:fontRef idx="minor">
+            <a:schemeClr val="tx1"/>
+          </a:fontRef>
+        </p:style>
+      </p:cxnSp>
+      <p:sp>
+        <p:nvSpPr>
+          <p:cNvPr id="24" name="TextBox 23">
+            <a:extLst>
+              <a:ext uri="{FF2B5EF4-FFF2-40B4-BE49-F238E27FC236}">
+                <a16:creationId xmlns:a16="http://schemas.microsoft.com/office/drawing/2014/main" id="{B7512E09-D80F-4A1B-84C6-6E128018FD97}"/>
+              </a:ext>
+            </a:extLst>
+          </p:cNvPr>
+          <p:cNvSpPr txBox="1"/>
+          <p:nvPr/>
+        </p:nvSpPr>
+        <p:spPr>
+          <a:xfrm>
+            <a:off x="149628" y="1554362"/>
+            <a:ext cx="3856886" cy="307777"/>
+          </a:xfrm>
+          <a:prstGeom prst="rect">
+            <a:avLst/>
+          </a:prstGeom>
+          <a:noFill/>
+        </p:spPr>
+        <p:txBody>
+          <a:bodyPr wrap="square" rtlCol="0">
+            <a:spAutoFit/>
+          </a:bodyPr>
+          <a:lstStyle/>
+          <a:p>
+            <a:r>
+              <a:rPr lang="en-SG" sz="1400" dirty="0" err="1"/>
+              <a:t>addElderly</a:t>
+            </a:r>
+            <a:r>
+              <a:rPr lang="en-SG" sz="1400" dirty="0"/>
+              <a:t>(</a:t>
+            </a:r>
+            <a:r>
+              <a:rPr lang="en-SG" sz="1400" dirty="0" err="1"/>
+              <a:t>userLine</a:t>
+            </a:r>
+            <a:r>
+              <a:rPr lang="en-SG" sz="1400" dirty="0"/>
+              <a:t>)</a:t>
+            </a:r>
+          </a:p>
+        </p:txBody>
+      </p:sp>
+      <p:cxnSp>
+        <p:nvCxnSpPr>
+          <p:cNvPr id="25" name="Straight Connector 24">
+            <a:extLst>
+              <a:ext uri="{FF2B5EF4-FFF2-40B4-BE49-F238E27FC236}">
+                <a16:creationId xmlns:a16="http://schemas.microsoft.com/office/drawing/2014/main" id="{6D26F633-0AEA-4ECE-8BB6-066A379DF072}"/>
+              </a:ext>
+            </a:extLst>
+          </p:cNvPr>
+          <p:cNvCxnSpPr>
+            <a:cxnSpLocks/>
+          </p:cNvCxnSpPr>
+          <p:nvPr/>
+        </p:nvCxnSpPr>
+        <p:spPr>
+          <a:xfrm>
+            <a:off x="5130799" y="1460810"/>
+            <a:ext cx="0" cy="645081"/>
+          </a:xfrm>
+          <a:prstGeom prst="line">
+            <a:avLst/>
+          </a:prstGeom>
+          <a:ln w="9525" cap="flat" cmpd="sng" algn="ctr">
+            <a:solidFill>
+              <a:schemeClr val="dk1"/>
+            </a:solidFill>
+            <a:prstDash val="dash"/>
+            <a:round/>
+            <a:headEnd type="none" w="med" len="med"/>
+            <a:tailEnd type="none" w="med" len="med"/>
+          </a:ln>
+        </p:spPr>
+        <p:style>
+          <a:lnRef idx="0">
+            <a:scrgbClr r="0" g="0" b="0"/>
+          </a:lnRef>
+          <a:fillRef idx="0">
+            <a:scrgbClr r="0" g="0" b="0"/>
+          </a:fillRef>
+          <a:effectRef idx="0">
+            <a:scrgbClr r="0" g="0" b="0"/>
+          </a:effectRef>
+          <a:fontRef idx="minor">
+            <a:schemeClr val="tx1"/>
+          </a:fontRef>
+        </p:style>
+      </p:cxnSp>
+      <p:sp>
+        <p:nvSpPr>
+          <p:cNvPr id="27" name="Rectangle 26">
+            <a:extLst>
+              <a:ext uri="{FF2B5EF4-FFF2-40B4-BE49-F238E27FC236}">
+                <a16:creationId xmlns:a16="http://schemas.microsoft.com/office/drawing/2014/main" id="{D6714CB7-1BC0-42E0-A7C9-7586E98198D9}"/>
+              </a:ext>
+            </a:extLst>
+          </p:cNvPr>
+          <p:cNvSpPr/>
+          <p:nvPr/>
+        </p:nvSpPr>
+        <p:spPr>
+          <a:xfrm>
+            <a:off x="4972742" y="2094819"/>
+            <a:ext cx="316114" cy="1294389"/>
+          </a:xfrm>
+          <a:prstGeom prst="rect">
+            <a:avLst/>
+          </a:prstGeom>
+        </p:spPr>
+        <p:style>
+          <a:lnRef idx="1">
+            <a:schemeClr val="accent6"/>
+          </a:lnRef>
+          <a:fillRef idx="2">
+            <a:schemeClr val="accent6"/>
+          </a:fillRef>
+          <a:effectRef idx="1">
+            <a:schemeClr val="accent6"/>
+          </a:effectRef>
+          <a:fontRef idx="minor">
+            <a:schemeClr val="dk1"/>
+          </a:fontRef>
+        </p:style>
+        <p:txBody>
+          <a:bodyPr rtlCol="0" anchor="ctr"/>
+          <a:lstStyle/>
+          <a:p>
+            <a:pPr algn="ctr"/>
+            <a:endParaRPr lang="en-SG"/>
+          </a:p>
+        </p:txBody>
+      </p:sp>
+      <p:cxnSp>
+        <p:nvCxnSpPr>
+          <p:cNvPr id="28" name="Straight Arrow Connector 27">
+            <a:extLst>
+              <a:ext uri="{FF2B5EF4-FFF2-40B4-BE49-F238E27FC236}">
+                <a16:creationId xmlns:a16="http://schemas.microsoft.com/office/drawing/2014/main" id="{D96CFDA6-4AAC-4D05-8628-50F16928FC74}"/>
+              </a:ext>
+            </a:extLst>
+          </p:cNvPr>
+          <p:cNvCxnSpPr>
+            <a:cxnSpLocks/>
+          </p:cNvCxnSpPr>
+          <p:nvPr/>
+        </p:nvCxnSpPr>
+        <p:spPr>
+          <a:xfrm>
+            <a:off x="2399681" y="2227504"/>
+            <a:ext cx="2573061" cy="0"/>
+          </a:xfrm>
+          <a:prstGeom prst="straightConnector1">
+            <a:avLst/>
+          </a:prstGeom>
+          <a:ln w="9525" cap="flat" cmpd="sng" algn="ctr">
+            <a:solidFill>
+              <a:schemeClr val="dk1"/>
+            </a:solidFill>
+            <a:prstDash val="solid"/>
+            <a:round/>
+            <a:headEnd type="none" w="med" len="med"/>
+            <a:tailEnd type="arrow" w="med" len="med"/>
+          </a:ln>
+        </p:spPr>
+        <p:style>
+          <a:lnRef idx="0">
+            <a:scrgbClr r="0" g="0" b="0"/>
+          </a:lnRef>
+          <a:fillRef idx="0">
+            <a:scrgbClr r="0" g="0" b="0"/>
+          </a:fillRef>
+          <a:effectRef idx="0">
+            <a:scrgbClr r="0" g="0" b="0"/>
+          </a:effectRef>
+          <a:fontRef idx="minor">
+            <a:schemeClr val="tx1"/>
+          </a:fontRef>
+        </p:style>
+      </p:cxnSp>
+      <p:sp>
+        <p:nvSpPr>
+          <p:cNvPr id="29" name="TextBox 28">
+            <a:extLst>
+              <a:ext uri="{FF2B5EF4-FFF2-40B4-BE49-F238E27FC236}">
+                <a16:creationId xmlns:a16="http://schemas.microsoft.com/office/drawing/2014/main" id="{693859C4-4008-47FF-AE88-A4D76F190C1C}"/>
+              </a:ext>
+            </a:extLst>
+          </p:cNvPr>
+          <p:cNvSpPr txBox="1"/>
+          <p:nvPr/>
+        </p:nvSpPr>
+        <p:spPr>
+          <a:xfrm>
+            <a:off x="2364624" y="1787042"/>
+            <a:ext cx="2838830" cy="307777"/>
+          </a:xfrm>
+          <a:prstGeom prst="rect">
+            <a:avLst/>
+          </a:prstGeom>
+          <a:noFill/>
+        </p:spPr>
+        <p:txBody>
+          <a:bodyPr wrap="square" rtlCol="0">
+            <a:spAutoFit/>
+          </a:bodyPr>
+          <a:lstStyle/>
+          <a:p>
+            <a:r>
+              <a:rPr lang="en-SG" sz="1400" dirty="0" err="1"/>
+              <a:t>isValidAddElderly</a:t>
+            </a:r>
+            <a:r>
+              <a:rPr lang="en-SG" sz="1400" dirty="0"/>
+              <a:t>(</a:t>
+            </a:r>
+            <a:r>
+              <a:rPr lang="en-SG" sz="1400" dirty="0" err="1"/>
+              <a:t>userLine</a:t>
+            </a:r>
+            <a:r>
+              <a:rPr lang="en-SG" sz="1400" dirty="0"/>
+              <a:t>)</a:t>
+            </a:r>
+          </a:p>
+        </p:txBody>
+      </p:sp>
+      <p:cxnSp>
+        <p:nvCxnSpPr>
+          <p:cNvPr id="32" name="Straight Arrow Connector 31">
+            <a:extLst>
+              <a:ext uri="{FF2B5EF4-FFF2-40B4-BE49-F238E27FC236}">
+                <a16:creationId xmlns:a16="http://schemas.microsoft.com/office/drawing/2014/main" id="{C305ABDD-0B46-4B04-BCAC-BC139768740D}"/>
+              </a:ext>
+            </a:extLst>
+          </p:cNvPr>
+          <p:cNvCxnSpPr>
+            <a:cxnSpLocks/>
+          </p:cNvCxnSpPr>
+          <p:nvPr/>
+        </p:nvCxnSpPr>
+        <p:spPr>
+          <a:xfrm>
+            <a:off x="2399681" y="3016493"/>
+            <a:ext cx="2573061" cy="0"/>
+          </a:xfrm>
+          <a:prstGeom prst="straightConnector1">
+            <a:avLst/>
+          </a:prstGeom>
+          <a:ln w="9525" cap="flat" cmpd="sng" algn="ctr">
+            <a:solidFill>
+              <a:schemeClr val="dk1"/>
+            </a:solidFill>
+            <a:prstDash val="solid"/>
+            <a:round/>
+            <a:headEnd type="none" w="med" len="med"/>
+            <a:tailEnd type="arrow" w="med" len="med"/>
+          </a:ln>
+        </p:spPr>
+        <p:style>
+          <a:lnRef idx="0">
+            <a:scrgbClr r="0" g="0" b="0"/>
+          </a:lnRef>
+          <a:fillRef idx="0">
+            <a:scrgbClr r="0" g="0" b="0"/>
+          </a:fillRef>
+          <a:effectRef idx="0">
+            <a:scrgbClr r="0" g="0" b="0"/>
+          </a:effectRef>
+          <a:fontRef idx="minor">
+            <a:schemeClr val="tx1"/>
+          </a:fontRef>
+        </p:style>
+      </p:cxnSp>
+      <p:sp>
+        <p:nvSpPr>
+          <p:cNvPr id="33" name="TextBox 32">
+            <a:extLst>
+              <a:ext uri="{FF2B5EF4-FFF2-40B4-BE49-F238E27FC236}">
+                <a16:creationId xmlns:a16="http://schemas.microsoft.com/office/drawing/2014/main" id="{630E7485-D121-4866-8AAB-614B1FA83A04}"/>
+              </a:ext>
+            </a:extLst>
+          </p:cNvPr>
+          <p:cNvSpPr txBox="1"/>
+          <p:nvPr/>
+        </p:nvSpPr>
+        <p:spPr>
+          <a:xfrm>
+            <a:off x="2364624" y="2581496"/>
+            <a:ext cx="2838830" cy="307777"/>
+          </a:xfrm>
+          <a:prstGeom prst="rect">
+            <a:avLst/>
+          </a:prstGeom>
+          <a:noFill/>
+        </p:spPr>
+        <p:txBody>
+          <a:bodyPr wrap="square" rtlCol="0">
+            <a:spAutoFit/>
+          </a:bodyPr>
+          <a:lstStyle/>
+          <a:p>
+            <a:r>
+              <a:rPr lang="en-SG" sz="1400" dirty="0" err="1"/>
+              <a:t>isValidRiskLevel</a:t>
+            </a:r>
+            <a:r>
+              <a:rPr lang="en-SG" sz="1400" dirty="0"/>
+              <a:t>(</a:t>
+            </a:r>
+            <a:r>
+              <a:rPr lang="en-SG" sz="1400" dirty="0" err="1"/>
+              <a:t>riskLevel</a:t>
+            </a:r>
+            <a:r>
+              <a:rPr lang="en-SG" sz="1400" dirty="0"/>
+              <a:t>)</a:t>
+            </a:r>
+          </a:p>
+        </p:txBody>
+      </p:sp>
+      <p:cxnSp>
+        <p:nvCxnSpPr>
+          <p:cNvPr id="34" name="Straight Connector 33">
+            <a:extLst>
+              <a:ext uri="{FF2B5EF4-FFF2-40B4-BE49-F238E27FC236}">
+                <a16:creationId xmlns:a16="http://schemas.microsoft.com/office/drawing/2014/main" id="{FD3E162E-87AC-42BA-BB2A-BDD438AD9EFD}"/>
+              </a:ext>
+            </a:extLst>
+          </p:cNvPr>
+          <p:cNvCxnSpPr>
+            <a:cxnSpLocks/>
+          </p:cNvCxnSpPr>
+          <p:nvPr/>
+        </p:nvCxnSpPr>
+        <p:spPr>
+          <a:xfrm>
+            <a:off x="5130799" y="3412275"/>
+            <a:ext cx="0" cy="5357599"/>
+          </a:xfrm>
+          <a:prstGeom prst="line">
+            <a:avLst/>
+          </a:prstGeom>
+          <a:ln w="9525" cap="flat" cmpd="sng" algn="ctr">
+            <a:solidFill>
+              <a:schemeClr val="dk1"/>
+            </a:solidFill>
+            <a:prstDash val="dash"/>
+            <a:round/>
+            <a:headEnd type="none" w="med" len="med"/>
+            <a:tailEnd type="none" w="med" len="med"/>
+          </a:ln>
+        </p:spPr>
+        <p:style>
+          <a:lnRef idx="0">
+            <a:scrgbClr r="0" g="0" b="0"/>
+          </a:lnRef>
+          <a:fillRef idx="0">
+            <a:scrgbClr r="0" g="0" b="0"/>
+          </a:fillRef>
+          <a:effectRef idx="0">
+            <a:scrgbClr r="0" g="0" b="0"/>
+          </a:effectRef>
+          <a:fontRef idx="minor">
+            <a:schemeClr val="tx1"/>
+          </a:fontRef>
+        </p:style>
+      </p:cxnSp>
+      <p:sp>
+        <p:nvSpPr>
+          <p:cNvPr id="36" name="Rectangle 35">
+            <a:extLst>
+              <a:ext uri="{FF2B5EF4-FFF2-40B4-BE49-F238E27FC236}">
+                <a16:creationId xmlns:a16="http://schemas.microsoft.com/office/drawing/2014/main" id="{B3008344-9981-49F6-800A-67553CA159C7}"/>
+              </a:ext>
+            </a:extLst>
+          </p:cNvPr>
+          <p:cNvSpPr/>
+          <p:nvPr/>
+        </p:nvSpPr>
+        <p:spPr>
+          <a:xfrm>
+            <a:off x="2270056" y="4326377"/>
+            <a:ext cx="316118" cy="574272"/>
+          </a:xfrm>
+          <a:prstGeom prst="rect">
+            <a:avLst/>
+          </a:prstGeom>
+        </p:spPr>
+        <p:style>
+          <a:lnRef idx="1">
+            <a:schemeClr val="accent1"/>
+          </a:lnRef>
+          <a:fillRef idx="2">
+            <a:schemeClr val="accent1"/>
+          </a:fillRef>
+          <a:effectRef idx="1">
+            <a:schemeClr val="accent1"/>
+          </a:effectRef>
+          <a:fontRef idx="minor">
+            <a:schemeClr val="dk1"/>
+          </a:fontRef>
+        </p:style>
+        <p:txBody>
+          <a:bodyPr rtlCol="0" anchor="ctr"/>
+          <a:lstStyle/>
+          <a:p>
+            <a:pPr algn="ctr"/>
+            <a:endParaRPr lang="en-SG"/>
+          </a:p>
+        </p:txBody>
+      </p:sp>
+      <p:sp>
+        <p:nvSpPr>
+          <p:cNvPr id="37" name="Rectangle 36">
+            <a:extLst>
+              <a:ext uri="{FF2B5EF4-FFF2-40B4-BE49-F238E27FC236}">
+                <a16:creationId xmlns:a16="http://schemas.microsoft.com/office/drawing/2014/main" id="{1E0A4E11-BB9E-4E18-871D-551623E28CD8}"/>
+              </a:ext>
+            </a:extLst>
+          </p:cNvPr>
+          <p:cNvSpPr/>
+          <p:nvPr/>
+        </p:nvSpPr>
+        <p:spPr>
+          <a:xfrm>
+            <a:off x="2275899" y="5557866"/>
+            <a:ext cx="316118" cy="574272"/>
+          </a:xfrm>
+          <a:prstGeom prst="rect">
+            <a:avLst/>
+          </a:prstGeom>
+        </p:spPr>
+        <p:style>
+          <a:lnRef idx="1">
+            <a:schemeClr val="accent1"/>
+          </a:lnRef>
+          <a:fillRef idx="2">
+            <a:schemeClr val="accent1"/>
+          </a:fillRef>
+          <a:effectRef idx="1">
+            <a:schemeClr val="accent1"/>
+          </a:effectRef>
+          <a:fontRef idx="minor">
+            <a:schemeClr val="dk1"/>
+          </a:fontRef>
+        </p:style>
+        <p:txBody>
+          <a:bodyPr rtlCol="0" anchor="ctr"/>
+          <a:lstStyle/>
+          <a:p>
+            <a:pPr algn="ctr"/>
+            <a:endParaRPr lang="en-SG"/>
+          </a:p>
+        </p:txBody>
+      </p:sp>
+      <p:sp>
+        <p:nvSpPr>
+          <p:cNvPr id="38" name="Rectangle 37">
+            <a:extLst>
+              <a:ext uri="{FF2B5EF4-FFF2-40B4-BE49-F238E27FC236}">
+                <a16:creationId xmlns:a16="http://schemas.microsoft.com/office/drawing/2014/main" id="{F4D4B59C-2B00-4A56-9863-8186DBDF3ED5}"/>
+              </a:ext>
+            </a:extLst>
+          </p:cNvPr>
+          <p:cNvSpPr/>
+          <p:nvPr/>
+        </p:nvSpPr>
+        <p:spPr>
+          <a:xfrm>
+            <a:off x="2275899" y="7049569"/>
+            <a:ext cx="316118" cy="574272"/>
+          </a:xfrm>
+          <a:prstGeom prst="rect">
+            <a:avLst/>
+          </a:prstGeom>
+        </p:spPr>
+        <p:style>
+          <a:lnRef idx="1">
+            <a:schemeClr val="accent1"/>
+          </a:lnRef>
+          <a:fillRef idx="2">
+            <a:schemeClr val="accent1"/>
+          </a:fillRef>
+          <a:effectRef idx="1">
+            <a:schemeClr val="accent1"/>
+          </a:effectRef>
+          <a:fontRef idx="minor">
+            <a:schemeClr val="dk1"/>
+          </a:fontRef>
+        </p:style>
+        <p:txBody>
+          <a:bodyPr rtlCol="0" anchor="ctr"/>
+          <a:lstStyle/>
+          <a:p>
+            <a:pPr algn="ctr"/>
+            <a:endParaRPr lang="en-SG"/>
+          </a:p>
+        </p:txBody>
+      </p:sp>
+      <p:sp>
+        <p:nvSpPr>
+          <p:cNvPr id="39" name="TextBox 38">
+            <a:extLst>
+              <a:ext uri="{FF2B5EF4-FFF2-40B4-BE49-F238E27FC236}">
+                <a16:creationId xmlns:a16="http://schemas.microsoft.com/office/drawing/2014/main" id="{38AEC823-01FC-4251-8CD9-0AB4BB9537C5}"/>
+              </a:ext>
+            </a:extLst>
+          </p:cNvPr>
+          <p:cNvSpPr txBox="1"/>
+          <p:nvPr/>
+        </p:nvSpPr>
+        <p:spPr>
+          <a:xfrm>
+            <a:off x="5095178" y="4052804"/>
+            <a:ext cx="2713337" cy="307777"/>
+          </a:xfrm>
+          <a:prstGeom prst="rect">
+            <a:avLst/>
+          </a:prstGeom>
+          <a:noFill/>
+        </p:spPr>
+        <p:txBody>
+          <a:bodyPr wrap="square" rtlCol="0">
+            <a:spAutoFit/>
+          </a:bodyPr>
+          <a:lstStyle/>
+          <a:p>
+            <a:r>
+              <a:rPr lang="en-SG" sz="1400" dirty="0"/>
+              <a:t>[</a:t>
+            </a:r>
+            <a:r>
+              <a:rPr lang="en-SG" sz="1400" dirty="0" err="1"/>
+              <a:t>riskLevel</a:t>
+            </a:r>
+            <a:r>
+              <a:rPr lang="en-SG" sz="1400" dirty="0"/>
+              <a:t> = LOW]</a:t>
+            </a:r>
+          </a:p>
+        </p:txBody>
+      </p:sp>
+      <p:sp>
+        <p:nvSpPr>
+          <p:cNvPr id="40" name="TextBox 39">
+            <a:extLst>
+              <a:ext uri="{FF2B5EF4-FFF2-40B4-BE49-F238E27FC236}">
+                <a16:creationId xmlns:a16="http://schemas.microsoft.com/office/drawing/2014/main" id="{B234B452-48EE-471E-B5F0-9C851ED864C3}"/>
+              </a:ext>
+            </a:extLst>
+          </p:cNvPr>
+          <p:cNvSpPr txBox="1"/>
+          <p:nvPr/>
+        </p:nvSpPr>
+        <p:spPr>
+          <a:xfrm>
+            <a:off x="5095177" y="5326111"/>
+            <a:ext cx="2713337" cy="307777"/>
+          </a:xfrm>
+          <a:prstGeom prst="rect">
+            <a:avLst/>
+          </a:prstGeom>
+          <a:noFill/>
+        </p:spPr>
+        <p:txBody>
+          <a:bodyPr wrap="square" rtlCol="0">
+            <a:spAutoFit/>
+          </a:bodyPr>
+          <a:lstStyle/>
+          <a:p>
+            <a:r>
+              <a:rPr lang="en-SG" sz="1400" dirty="0"/>
+              <a:t>[</a:t>
+            </a:r>
+            <a:r>
+              <a:rPr lang="en-SG" sz="1400" dirty="0" err="1"/>
+              <a:t>riskLevel</a:t>
+            </a:r>
+            <a:r>
+              <a:rPr lang="en-SG" sz="1400" dirty="0"/>
+              <a:t> = MEDIUM]</a:t>
+            </a:r>
+          </a:p>
+        </p:txBody>
+      </p:sp>
+      <p:sp>
+        <p:nvSpPr>
+          <p:cNvPr id="41" name="TextBox 40">
+            <a:extLst>
+              <a:ext uri="{FF2B5EF4-FFF2-40B4-BE49-F238E27FC236}">
+                <a16:creationId xmlns:a16="http://schemas.microsoft.com/office/drawing/2014/main" id="{5BD210A3-2115-4337-905A-00B03809AF2E}"/>
+              </a:ext>
+            </a:extLst>
+          </p:cNvPr>
+          <p:cNvSpPr txBox="1"/>
+          <p:nvPr/>
+        </p:nvSpPr>
+        <p:spPr>
+          <a:xfrm>
+            <a:off x="5095177" y="6634516"/>
+            <a:ext cx="2713337" cy="307777"/>
+          </a:xfrm>
+          <a:prstGeom prst="rect">
+            <a:avLst/>
+          </a:prstGeom>
+          <a:noFill/>
+        </p:spPr>
+        <p:txBody>
+          <a:bodyPr wrap="square" rtlCol="0">
+            <a:spAutoFit/>
+          </a:bodyPr>
+          <a:lstStyle/>
+          <a:p>
+            <a:r>
+              <a:rPr lang="en-SG" sz="1400" dirty="0"/>
+              <a:t>[</a:t>
+            </a:r>
+            <a:r>
+              <a:rPr lang="en-SG" sz="1400" dirty="0" err="1"/>
+              <a:t>riskLevel</a:t>
+            </a:r>
+            <a:r>
+              <a:rPr lang="en-SG" sz="1400" dirty="0"/>
+              <a:t> = HIGH]</a:t>
+            </a:r>
+          </a:p>
+        </p:txBody>
+      </p:sp>
+      <p:sp>
+        <p:nvSpPr>
+          <p:cNvPr id="46" name="Freeform: Shape 45">
+            <a:extLst>
+              <a:ext uri="{FF2B5EF4-FFF2-40B4-BE49-F238E27FC236}">
+                <a16:creationId xmlns:a16="http://schemas.microsoft.com/office/drawing/2014/main" id="{F5783926-F985-433E-92A9-F5AD7F9E4CE6}"/>
+              </a:ext>
+            </a:extLst>
+          </p:cNvPr>
+          <p:cNvSpPr/>
+          <p:nvPr/>
+        </p:nvSpPr>
+        <p:spPr>
+          <a:xfrm>
+            <a:off x="2570640" y="4136895"/>
+            <a:ext cx="159992" cy="282133"/>
+          </a:xfrm>
+          <a:custGeom>
+            <a:avLst/>
+            <a:gdLst>
+              <a:gd name="connsiteX0" fmla="*/ 0 w 159992"/>
+              <a:gd name="connsiteY0" fmla="*/ 129733 h 282133"/>
+              <a:gd name="connsiteX1" fmla="*/ 152400 w 159992"/>
+              <a:gd name="connsiteY1" fmla="*/ 5042 h 282133"/>
+              <a:gd name="connsiteX2" fmla="*/ 138546 w 159992"/>
+              <a:gd name="connsiteY2" fmla="*/ 282133 h 282133"/>
+              <a:gd name="connsiteX3" fmla="*/ 138546 w 159992"/>
+              <a:gd name="connsiteY3" fmla="*/ 282133 h 282133"/>
+              <a:gd name="connsiteX4" fmla="*/ 138546 w 159992"/>
+              <a:gd name="connsiteY4" fmla="*/ 282133 h 282133"/>
+            </a:gdLst>
+            <a:ahLst/>
+            <a:cxnLst>
+              <a:cxn ang="0">
+                <a:pos x="connsiteX0" y="connsiteY0"/>
+              </a:cxn>
+              <a:cxn ang="0">
+                <a:pos x="connsiteX1" y="connsiteY1"/>
+              </a:cxn>
+              <a:cxn ang="0">
+                <a:pos x="connsiteX2" y="connsiteY2"/>
+              </a:cxn>
+              <a:cxn ang="0">
+                <a:pos x="connsiteX3" y="connsiteY3"/>
+              </a:cxn>
+              <a:cxn ang="0">
+                <a:pos x="connsiteX4" y="connsiteY4"/>
+              </a:cxn>
+            </a:cxnLst>
+            <a:rect l="l" t="t" r="r" b="b"/>
+            <a:pathLst>
+              <a:path w="159992" h="282133">
+                <a:moveTo>
+                  <a:pt x="0" y="129733"/>
+                </a:moveTo>
+                <a:cubicBezTo>
+                  <a:pt x="64654" y="54687"/>
+                  <a:pt x="129309" y="-20358"/>
+                  <a:pt x="152400" y="5042"/>
+                </a:cubicBezTo>
+                <a:cubicBezTo>
+                  <a:pt x="175491" y="30442"/>
+                  <a:pt x="138546" y="282133"/>
+                  <a:pt x="138546" y="282133"/>
+                </a:cubicBezTo>
+                <a:lnTo>
+                  <a:pt x="138546" y="282133"/>
+                </a:lnTo>
+                <a:lnTo>
+                  <a:pt x="138546" y="282133"/>
+                </a:lnTo>
+              </a:path>
+            </a:pathLst>
+          </a:custGeom>
+          <a:ln w="9525" cap="flat" cmpd="sng" algn="ctr">
+            <a:solidFill>
+              <a:schemeClr val="dk1"/>
+            </a:solidFill>
+            <a:prstDash val="solid"/>
+            <a:round/>
+            <a:headEnd type="none" w="med" len="med"/>
+            <a:tailEnd type="arrow" w="med" len="med"/>
+          </a:ln>
+        </p:spPr>
+        <p:style>
+          <a:lnRef idx="0">
+            <a:scrgbClr r="0" g="0" b="0"/>
+          </a:lnRef>
+          <a:fillRef idx="0">
+            <a:scrgbClr r="0" g="0" b="0"/>
+          </a:fillRef>
+          <a:effectRef idx="0">
+            <a:scrgbClr r="0" g="0" b="0"/>
+          </a:effectRef>
+          <a:fontRef idx="minor">
+            <a:schemeClr val="tx1"/>
+          </a:fontRef>
+        </p:style>
+        <p:txBody>
+          <a:bodyPr rtlCol="0" anchor="ctr"/>
+          <a:lstStyle/>
+          <a:p>
+            <a:pPr algn="ctr"/>
+            <a:endParaRPr lang="en-SG"/>
+          </a:p>
+        </p:txBody>
+      </p:sp>
+      <p:sp>
+        <p:nvSpPr>
+          <p:cNvPr id="47" name="TextBox 46">
+            <a:extLst>
+              <a:ext uri="{FF2B5EF4-FFF2-40B4-BE49-F238E27FC236}">
+                <a16:creationId xmlns:a16="http://schemas.microsoft.com/office/drawing/2014/main" id="{ED735395-5768-46AB-A708-0B464ED60855}"/>
+              </a:ext>
+            </a:extLst>
+          </p:cNvPr>
+          <p:cNvSpPr txBox="1"/>
+          <p:nvPr/>
+        </p:nvSpPr>
+        <p:spPr>
+          <a:xfrm>
+            <a:off x="2802900" y="4009926"/>
+            <a:ext cx="2838830" cy="523220"/>
+          </a:xfrm>
+          <a:prstGeom prst="rect">
+            <a:avLst/>
+          </a:prstGeom>
+          <a:noFill/>
+        </p:spPr>
+        <p:txBody>
+          <a:bodyPr wrap="square" rtlCol="0">
+            <a:spAutoFit/>
+          </a:bodyPr>
+          <a:lstStyle/>
+          <a:p>
+            <a:r>
+              <a:rPr lang="en-SG" sz="1400" dirty="0" err="1"/>
+              <a:t>addLowRiskElderly</a:t>
+            </a:r>
+            <a:r>
+              <a:rPr lang="en-SG" sz="1400" dirty="0"/>
+              <a:t>(</a:t>
+            </a:r>
+            <a:r>
+              <a:rPr lang="en-SG" sz="1400" dirty="0" err="1"/>
+              <a:t>userName</a:t>
+            </a:r>
+            <a:r>
+              <a:rPr lang="en-SG" sz="1400" dirty="0"/>
+              <a:t>, </a:t>
+            </a:r>
+            <a:r>
+              <a:rPr lang="en-SG" sz="1400" dirty="0" err="1"/>
+              <a:t>elderlyName</a:t>
+            </a:r>
+            <a:r>
+              <a:rPr lang="en-SG" sz="1400" dirty="0"/>
+              <a:t>)</a:t>
+            </a:r>
+          </a:p>
+        </p:txBody>
+      </p:sp>
+      <p:sp>
+        <p:nvSpPr>
+          <p:cNvPr id="48" name="Freeform: Shape 47">
+            <a:extLst>
+              <a:ext uri="{FF2B5EF4-FFF2-40B4-BE49-F238E27FC236}">
+                <a16:creationId xmlns:a16="http://schemas.microsoft.com/office/drawing/2014/main" id="{B2B4AE72-F3CA-4E09-819F-D7CDA18E1D40}"/>
+              </a:ext>
+            </a:extLst>
+          </p:cNvPr>
+          <p:cNvSpPr/>
+          <p:nvPr/>
+        </p:nvSpPr>
+        <p:spPr>
+          <a:xfrm>
+            <a:off x="2570640" y="5398062"/>
+            <a:ext cx="159992" cy="282133"/>
+          </a:xfrm>
+          <a:custGeom>
+            <a:avLst/>
+            <a:gdLst>
+              <a:gd name="connsiteX0" fmla="*/ 0 w 159992"/>
+              <a:gd name="connsiteY0" fmla="*/ 129733 h 282133"/>
+              <a:gd name="connsiteX1" fmla="*/ 152400 w 159992"/>
+              <a:gd name="connsiteY1" fmla="*/ 5042 h 282133"/>
+              <a:gd name="connsiteX2" fmla="*/ 138546 w 159992"/>
+              <a:gd name="connsiteY2" fmla="*/ 282133 h 282133"/>
+              <a:gd name="connsiteX3" fmla="*/ 138546 w 159992"/>
+              <a:gd name="connsiteY3" fmla="*/ 282133 h 282133"/>
+              <a:gd name="connsiteX4" fmla="*/ 138546 w 159992"/>
+              <a:gd name="connsiteY4" fmla="*/ 282133 h 282133"/>
+            </a:gdLst>
+            <a:ahLst/>
+            <a:cxnLst>
+              <a:cxn ang="0">
+                <a:pos x="connsiteX0" y="connsiteY0"/>
+              </a:cxn>
+              <a:cxn ang="0">
+                <a:pos x="connsiteX1" y="connsiteY1"/>
+              </a:cxn>
+              <a:cxn ang="0">
+                <a:pos x="connsiteX2" y="connsiteY2"/>
+              </a:cxn>
+              <a:cxn ang="0">
+                <a:pos x="connsiteX3" y="connsiteY3"/>
+              </a:cxn>
+              <a:cxn ang="0">
+                <a:pos x="connsiteX4" y="connsiteY4"/>
+              </a:cxn>
+            </a:cxnLst>
+            <a:rect l="l" t="t" r="r" b="b"/>
+            <a:pathLst>
+              <a:path w="159992" h="282133">
+                <a:moveTo>
+                  <a:pt x="0" y="129733"/>
+                </a:moveTo>
+                <a:cubicBezTo>
+                  <a:pt x="64654" y="54687"/>
+                  <a:pt x="129309" y="-20358"/>
+                  <a:pt x="152400" y="5042"/>
+                </a:cubicBezTo>
+                <a:cubicBezTo>
+                  <a:pt x="175491" y="30442"/>
+                  <a:pt x="138546" y="282133"/>
+                  <a:pt x="138546" y="282133"/>
+                </a:cubicBezTo>
+                <a:lnTo>
+                  <a:pt x="138546" y="282133"/>
+                </a:lnTo>
+                <a:lnTo>
+                  <a:pt x="138546" y="282133"/>
+                </a:lnTo>
+              </a:path>
+            </a:pathLst>
+          </a:custGeom>
+          <a:ln w="9525" cap="flat" cmpd="sng" algn="ctr">
+            <a:solidFill>
+              <a:schemeClr val="dk1"/>
+            </a:solidFill>
+            <a:prstDash val="solid"/>
+            <a:round/>
+            <a:headEnd type="none" w="med" len="med"/>
+            <a:tailEnd type="arrow" w="med" len="med"/>
+          </a:ln>
+        </p:spPr>
+        <p:style>
+          <a:lnRef idx="0">
+            <a:scrgbClr r="0" g="0" b="0"/>
+          </a:lnRef>
+          <a:fillRef idx="0">
+            <a:scrgbClr r="0" g="0" b="0"/>
+          </a:fillRef>
+          <a:effectRef idx="0">
+            <a:scrgbClr r="0" g="0" b="0"/>
+          </a:effectRef>
+          <a:fontRef idx="minor">
+            <a:schemeClr val="tx1"/>
+          </a:fontRef>
+        </p:style>
+        <p:txBody>
+          <a:bodyPr rtlCol="0" anchor="ctr"/>
+          <a:lstStyle/>
+          <a:p>
+            <a:pPr algn="ctr"/>
+            <a:endParaRPr lang="en-SG"/>
+          </a:p>
+        </p:txBody>
+      </p:sp>
+      <p:sp>
+        <p:nvSpPr>
+          <p:cNvPr id="49" name="TextBox 48">
+            <a:extLst>
+              <a:ext uri="{FF2B5EF4-FFF2-40B4-BE49-F238E27FC236}">
+                <a16:creationId xmlns:a16="http://schemas.microsoft.com/office/drawing/2014/main" id="{BC31B59E-1F05-4B16-9B49-D27972D6BEE4}"/>
+              </a:ext>
+            </a:extLst>
+          </p:cNvPr>
+          <p:cNvSpPr txBox="1"/>
+          <p:nvPr/>
+        </p:nvSpPr>
+        <p:spPr>
+          <a:xfrm>
+            <a:off x="2789845" y="5299394"/>
+            <a:ext cx="2327898" cy="523220"/>
+          </a:xfrm>
+          <a:prstGeom prst="rect">
+            <a:avLst/>
+          </a:prstGeom>
+          <a:noFill/>
+        </p:spPr>
+        <p:txBody>
+          <a:bodyPr wrap="square" rtlCol="0">
+            <a:spAutoFit/>
+          </a:bodyPr>
+          <a:lstStyle/>
+          <a:p>
+            <a:r>
+              <a:rPr lang="en-SG" sz="1400" dirty="0" err="1"/>
+              <a:t>addMediumRiskElderly</a:t>
+            </a:r>
+            <a:r>
+              <a:rPr lang="en-SG" sz="1400" dirty="0"/>
+              <a:t>(</a:t>
+            </a:r>
+            <a:r>
+              <a:rPr lang="en-SG" sz="1400" dirty="0" err="1"/>
+              <a:t>userName</a:t>
+            </a:r>
+            <a:r>
+              <a:rPr lang="en-SG" sz="1400" dirty="0"/>
+              <a:t>, </a:t>
+            </a:r>
+            <a:r>
+              <a:rPr lang="en-SG" sz="1400" dirty="0" err="1"/>
+              <a:t>elderlyName</a:t>
+            </a:r>
+            <a:r>
+              <a:rPr lang="en-SG" sz="1400" dirty="0"/>
+              <a:t>)</a:t>
+            </a:r>
+          </a:p>
+        </p:txBody>
+      </p:sp>
+      <p:sp>
+        <p:nvSpPr>
+          <p:cNvPr id="50" name="Freeform: Shape 49">
+            <a:extLst>
+              <a:ext uri="{FF2B5EF4-FFF2-40B4-BE49-F238E27FC236}">
+                <a16:creationId xmlns:a16="http://schemas.microsoft.com/office/drawing/2014/main" id="{3EEAB9E0-BDD6-4CA2-946B-75F49281633D}"/>
+              </a:ext>
+            </a:extLst>
+          </p:cNvPr>
+          <p:cNvSpPr/>
+          <p:nvPr/>
+        </p:nvSpPr>
+        <p:spPr>
+          <a:xfrm>
+            <a:off x="2581958" y="6869676"/>
+            <a:ext cx="159992" cy="282133"/>
+          </a:xfrm>
+          <a:custGeom>
+            <a:avLst/>
+            <a:gdLst>
+              <a:gd name="connsiteX0" fmla="*/ 0 w 159992"/>
+              <a:gd name="connsiteY0" fmla="*/ 129733 h 282133"/>
+              <a:gd name="connsiteX1" fmla="*/ 152400 w 159992"/>
+              <a:gd name="connsiteY1" fmla="*/ 5042 h 282133"/>
+              <a:gd name="connsiteX2" fmla="*/ 138546 w 159992"/>
+              <a:gd name="connsiteY2" fmla="*/ 282133 h 282133"/>
+              <a:gd name="connsiteX3" fmla="*/ 138546 w 159992"/>
+              <a:gd name="connsiteY3" fmla="*/ 282133 h 282133"/>
+              <a:gd name="connsiteX4" fmla="*/ 138546 w 159992"/>
+              <a:gd name="connsiteY4" fmla="*/ 282133 h 282133"/>
+            </a:gdLst>
+            <a:ahLst/>
+            <a:cxnLst>
+              <a:cxn ang="0">
+                <a:pos x="connsiteX0" y="connsiteY0"/>
+              </a:cxn>
+              <a:cxn ang="0">
+                <a:pos x="connsiteX1" y="connsiteY1"/>
+              </a:cxn>
+              <a:cxn ang="0">
+                <a:pos x="connsiteX2" y="connsiteY2"/>
+              </a:cxn>
+              <a:cxn ang="0">
+                <a:pos x="connsiteX3" y="connsiteY3"/>
+              </a:cxn>
+              <a:cxn ang="0">
+                <a:pos x="connsiteX4" y="connsiteY4"/>
+              </a:cxn>
+            </a:cxnLst>
+            <a:rect l="l" t="t" r="r" b="b"/>
+            <a:pathLst>
+              <a:path w="159992" h="282133">
+                <a:moveTo>
+                  <a:pt x="0" y="129733"/>
+                </a:moveTo>
+                <a:cubicBezTo>
+                  <a:pt x="64654" y="54687"/>
+                  <a:pt x="129309" y="-20358"/>
+                  <a:pt x="152400" y="5042"/>
+                </a:cubicBezTo>
+                <a:cubicBezTo>
+                  <a:pt x="175491" y="30442"/>
+                  <a:pt x="138546" y="282133"/>
+                  <a:pt x="138546" y="282133"/>
+                </a:cubicBezTo>
+                <a:lnTo>
+                  <a:pt x="138546" y="282133"/>
+                </a:lnTo>
+                <a:lnTo>
+                  <a:pt x="138546" y="282133"/>
+                </a:lnTo>
+              </a:path>
+            </a:pathLst>
+          </a:custGeom>
+          <a:ln w="9525" cap="flat" cmpd="sng" algn="ctr">
+            <a:solidFill>
+              <a:schemeClr val="dk1"/>
+            </a:solidFill>
+            <a:prstDash val="solid"/>
+            <a:round/>
+            <a:headEnd type="none" w="med" len="med"/>
+            <a:tailEnd type="arrow" w="med" len="med"/>
+          </a:ln>
+        </p:spPr>
+        <p:style>
+          <a:lnRef idx="0">
+            <a:scrgbClr r="0" g="0" b="0"/>
+          </a:lnRef>
+          <a:fillRef idx="0">
+            <a:scrgbClr r="0" g="0" b="0"/>
+          </a:fillRef>
+          <a:effectRef idx="0">
+            <a:scrgbClr r="0" g="0" b="0"/>
+          </a:effectRef>
+          <a:fontRef idx="minor">
+            <a:schemeClr val="tx1"/>
+          </a:fontRef>
+        </p:style>
+        <p:txBody>
+          <a:bodyPr rtlCol="0" anchor="ctr"/>
+          <a:lstStyle/>
+          <a:p>
+            <a:pPr algn="ctr"/>
+            <a:endParaRPr lang="en-SG"/>
+          </a:p>
+        </p:txBody>
+      </p:sp>
+      <p:sp>
+        <p:nvSpPr>
+          <p:cNvPr id="51" name="TextBox 50">
+            <a:extLst>
+              <a:ext uri="{FF2B5EF4-FFF2-40B4-BE49-F238E27FC236}">
+                <a16:creationId xmlns:a16="http://schemas.microsoft.com/office/drawing/2014/main" id="{F951ED39-CD32-4968-BC49-E2AB01B87565}"/>
+              </a:ext>
+            </a:extLst>
+          </p:cNvPr>
+          <p:cNvSpPr txBox="1"/>
+          <p:nvPr/>
+        </p:nvSpPr>
+        <p:spPr>
+          <a:xfrm>
+            <a:off x="2756942" y="6592767"/>
+            <a:ext cx="2838830" cy="523220"/>
+          </a:xfrm>
+          <a:prstGeom prst="rect">
+            <a:avLst/>
+          </a:prstGeom>
+          <a:noFill/>
+        </p:spPr>
+        <p:txBody>
+          <a:bodyPr wrap="square" rtlCol="0">
+            <a:spAutoFit/>
+          </a:bodyPr>
+          <a:lstStyle/>
+          <a:p>
+            <a:r>
+              <a:rPr lang="en-SG" sz="1400" dirty="0" err="1"/>
+              <a:t>addHighRiskElderly</a:t>
+            </a:r>
+            <a:r>
+              <a:rPr lang="en-SG" sz="1400" dirty="0"/>
+              <a:t>(</a:t>
+            </a:r>
+            <a:r>
+              <a:rPr lang="en-SG" sz="1400" dirty="0" err="1"/>
+              <a:t>userName</a:t>
+            </a:r>
+            <a:r>
+              <a:rPr lang="en-SG" sz="1400" dirty="0"/>
+              <a:t>, </a:t>
+            </a:r>
+            <a:r>
+              <a:rPr lang="en-SG" sz="1400" dirty="0" err="1"/>
+              <a:t>elderlyName</a:t>
+            </a:r>
+            <a:r>
+              <a:rPr lang="en-SG" sz="1400" dirty="0"/>
+              <a:t>)</a:t>
+            </a:r>
+          </a:p>
+        </p:txBody>
+      </p:sp>
+      <p:sp>
+        <p:nvSpPr>
+          <p:cNvPr id="54" name="Rectangle 53">
+            <a:extLst>
+              <a:ext uri="{FF2B5EF4-FFF2-40B4-BE49-F238E27FC236}">
+                <a16:creationId xmlns:a16="http://schemas.microsoft.com/office/drawing/2014/main" id="{A96503DB-BAF0-4A09-8283-23FF980BAB19}"/>
+              </a:ext>
+            </a:extLst>
+          </p:cNvPr>
+          <p:cNvSpPr/>
+          <p:nvPr/>
+        </p:nvSpPr>
+        <p:spPr>
+          <a:xfrm>
+            <a:off x="6206960" y="981308"/>
+            <a:ext cx="1703672" cy="479502"/>
+          </a:xfrm>
+          <a:prstGeom prst="rect">
+            <a:avLst/>
+          </a:prstGeom>
+        </p:spPr>
+        <p:style>
+          <a:lnRef idx="1">
+            <a:schemeClr val="accent4"/>
+          </a:lnRef>
+          <a:fillRef idx="2">
+            <a:schemeClr val="accent4"/>
+          </a:fillRef>
+          <a:effectRef idx="1">
+            <a:schemeClr val="accent4"/>
+          </a:effectRef>
+          <a:fontRef idx="minor">
+            <a:schemeClr val="dk1"/>
+          </a:fontRef>
+        </p:style>
+        <p:txBody>
+          <a:bodyPr rtlCol="0" anchor="ctr"/>
+          <a:lstStyle/>
+          <a:p>
+            <a:pPr algn="ctr"/>
+            <a:r>
+              <a:rPr lang="en-SG" dirty="0"/>
+              <a:t>:</a:t>
+            </a:r>
+            <a:r>
+              <a:rPr lang="en-SG" dirty="0" err="1"/>
+              <a:t>LowRiskElderly</a:t>
+            </a:r>
+            <a:endParaRPr lang="en-SG" dirty="0"/>
+          </a:p>
+        </p:txBody>
+      </p:sp>
+      <p:sp>
+        <p:nvSpPr>
+          <p:cNvPr id="55" name="Rectangle 54">
+            <a:extLst>
+              <a:ext uri="{FF2B5EF4-FFF2-40B4-BE49-F238E27FC236}">
+                <a16:creationId xmlns:a16="http://schemas.microsoft.com/office/drawing/2014/main" id="{04B6F9C6-5291-4B81-AC17-9169A636CD3A}"/>
+              </a:ext>
+            </a:extLst>
+          </p:cNvPr>
+          <p:cNvSpPr/>
+          <p:nvPr/>
+        </p:nvSpPr>
+        <p:spPr>
+          <a:xfrm>
+            <a:off x="8110953" y="979183"/>
+            <a:ext cx="2101452" cy="479502"/>
+          </a:xfrm>
+          <a:prstGeom prst="rect">
+            <a:avLst/>
+          </a:prstGeom>
+        </p:spPr>
+        <p:style>
+          <a:lnRef idx="1">
+            <a:schemeClr val="accent4"/>
+          </a:lnRef>
+          <a:fillRef idx="2">
+            <a:schemeClr val="accent4"/>
+          </a:fillRef>
+          <a:effectRef idx="1">
+            <a:schemeClr val="accent4"/>
+          </a:effectRef>
+          <a:fontRef idx="minor">
+            <a:schemeClr val="dk1"/>
+          </a:fontRef>
+        </p:style>
+        <p:txBody>
+          <a:bodyPr rtlCol="0" anchor="ctr"/>
+          <a:lstStyle/>
+          <a:p>
+            <a:pPr algn="ctr"/>
+            <a:r>
+              <a:rPr lang="en-SG" dirty="0"/>
+              <a:t>:</a:t>
+            </a:r>
+            <a:r>
+              <a:rPr lang="en-SG" dirty="0" err="1"/>
+              <a:t>MediumRiskElderly</a:t>
+            </a:r>
+            <a:endParaRPr lang="en-SG" dirty="0"/>
+          </a:p>
+        </p:txBody>
+      </p:sp>
+      <p:sp>
+        <p:nvSpPr>
+          <p:cNvPr id="56" name="Rectangle 55">
+            <a:extLst>
+              <a:ext uri="{FF2B5EF4-FFF2-40B4-BE49-F238E27FC236}">
+                <a16:creationId xmlns:a16="http://schemas.microsoft.com/office/drawing/2014/main" id="{D583CDA5-C871-4EF4-9DFF-CC9043C4A883}"/>
+              </a:ext>
+            </a:extLst>
+          </p:cNvPr>
+          <p:cNvSpPr/>
+          <p:nvPr/>
+        </p:nvSpPr>
+        <p:spPr>
+          <a:xfrm>
+            <a:off x="10492358" y="979183"/>
+            <a:ext cx="1673973" cy="479502"/>
+          </a:xfrm>
+          <a:prstGeom prst="rect">
+            <a:avLst/>
+          </a:prstGeom>
+        </p:spPr>
+        <p:style>
+          <a:lnRef idx="1">
+            <a:schemeClr val="accent4"/>
+          </a:lnRef>
+          <a:fillRef idx="2">
+            <a:schemeClr val="accent4"/>
+          </a:fillRef>
+          <a:effectRef idx="1">
+            <a:schemeClr val="accent4"/>
+          </a:effectRef>
+          <a:fontRef idx="minor">
+            <a:schemeClr val="dk1"/>
+          </a:fontRef>
+        </p:style>
+        <p:txBody>
+          <a:bodyPr rtlCol="0" anchor="ctr"/>
+          <a:lstStyle/>
+          <a:p>
+            <a:pPr algn="ctr"/>
+            <a:r>
+              <a:rPr lang="en-SG" dirty="0"/>
+              <a:t>:</a:t>
+            </a:r>
+            <a:r>
+              <a:rPr lang="en-SG" dirty="0" err="1"/>
+              <a:t>HighRiskElderly</a:t>
+            </a:r>
+            <a:endParaRPr lang="en-SG" dirty="0"/>
+          </a:p>
+        </p:txBody>
+      </p:sp>
+      <p:cxnSp>
+        <p:nvCxnSpPr>
+          <p:cNvPr id="57" name="Straight Connector 56">
+            <a:extLst>
+              <a:ext uri="{FF2B5EF4-FFF2-40B4-BE49-F238E27FC236}">
+                <a16:creationId xmlns:a16="http://schemas.microsoft.com/office/drawing/2014/main" id="{686BB208-31CB-4C9E-A707-B58A45C76A63}"/>
+              </a:ext>
+            </a:extLst>
+          </p:cNvPr>
+          <p:cNvCxnSpPr>
+            <a:cxnSpLocks/>
+          </p:cNvCxnSpPr>
+          <p:nvPr/>
+        </p:nvCxnSpPr>
+        <p:spPr>
+          <a:xfrm>
+            <a:off x="7044622" y="1469966"/>
+            <a:ext cx="0" cy="3416557"/>
+          </a:xfrm>
+          <a:prstGeom prst="line">
+            <a:avLst/>
+          </a:prstGeom>
+          <a:ln w="9525" cap="flat" cmpd="sng" algn="ctr">
+            <a:solidFill>
+              <a:schemeClr val="dk1"/>
+            </a:solidFill>
+            <a:prstDash val="dash"/>
+            <a:round/>
+            <a:headEnd type="none" w="med" len="med"/>
+            <a:tailEnd type="none" w="med" len="med"/>
+          </a:ln>
+        </p:spPr>
+        <p:style>
+          <a:lnRef idx="0">
+            <a:scrgbClr r="0" g="0" b="0"/>
+          </a:lnRef>
+          <a:fillRef idx="0">
+            <a:scrgbClr r="0" g="0" b="0"/>
+          </a:fillRef>
+          <a:effectRef idx="0">
+            <a:scrgbClr r="0" g="0" b="0"/>
+          </a:effectRef>
+          <a:fontRef idx="minor">
+            <a:schemeClr val="tx1"/>
+          </a:fontRef>
+        </p:style>
+      </p:cxnSp>
+      <p:cxnSp>
+        <p:nvCxnSpPr>
+          <p:cNvPr id="59" name="Straight Connector 58">
+            <a:extLst>
+              <a:ext uri="{FF2B5EF4-FFF2-40B4-BE49-F238E27FC236}">
+                <a16:creationId xmlns:a16="http://schemas.microsoft.com/office/drawing/2014/main" id="{98ACBD47-DA56-4573-826F-465181E7ACE1}"/>
+              </a:ext>
+            </a:extLst>
+          </p:cNvPr>
+          <p:cNvCxnSpPr>
+            <a:cxnSpLocks/>
+          </p:cNvCxnSpPr>
+          <p:nvPr/>
+        </p:nvCxnSpPr>
+        <p:spPr>
+          <a:xfrm>
+            <a:off x="9158182" y="1458685"/>
+            <a:ext cx="0" cy="4632390"/>
+          </a:xfrm>
+          <a:prstGeom prst="line">
+            <a:avLst/>
+          </a:prstGeom>
+          <a:ln w="9525" cap="flat" cmpd="sng" algn="ctr">
+            <a:solidFill>
+              <a:schemeClr val="dk1"/>
+            </a:solidFill>
+            <a:prstDash val="dash"/>
+            <a:round/>
+            <a:headEnd type="none" w="med" len="med"/>
+            <a:tailEnd type="none" w="med" len="med"/>
+          </a:ln>
+        </p:spPr>
+        <p:style>
+          <a:lnRef idx="0">
+            <a:scrgbClr r="0" g="0" b="0"/>
+          </a:lnRef>
+          <a:fillRef idx="0">
+            <a:scrgbClr r="0" g="0" b="0"/>
+          </a:fillRef>
+          <a:effectRef idx="0">
+            <a:scrgbClr r="0" g="0" b="0"/>
+          </a:effectRef>
+          <a:fontRef idx="minor">
+            <a:schemeClr val="tx1"/>
+          </a:fontRef>
+        </p:style>
+      </p:cxnSp>
+      <p:cxnSp>
+        <p:nvCxnSpPr>
+          <p:cNvPr id="61" name="Straight Connector 60">
+            <a:extLst>
+              <a:ext uri="{FF2B5EF4-FFF2-40B4-BE49-F238E27FC236}">
+                <a16:creationId xmlns:a16="http://schemas.microsoft.com/office/drawing/2014/main" id="{0C5B5400-2B9B-4FE1-8DBF-E17C7FFDE612}"/>
+              </a:ext>
+            </a:extLst>
+          </p:cNvPr>
+          <p:cNvCxnSpPr>
+            <a:cxnSpLocks/>
+            <a:endCxn id="82" idx="0"/>
+          </p:cNvCxnSpPr>
+          <p:nvPr/>
+        </p:nvCxnSpPr>
+        <p:spPr>
+          <a:xfrm>
+            <a:off x="11302492" y="1469966"/>
+            <a:ext cx="1" cy="6127430"/>
+          </a:xfrm>
+          <a:prstGeom prst="line">
+            <a:avLst/>
+          </a:prstGeom>
+          <a:ln w="9525" cap="flat" cmpd="sng" algn="ctr">
+            <a:solidFill>
+              <a:schemeClr val="dk1"/>
+            </a:solidFill>
+            <a:prstDash val="dash"/>
+            <a:round/>
+            <a:headEnd type="none" w="med" len="med"/>
+            <a:tailEnd type="none" w="med" len="med"/>
+          </a:ln>
+        </p:spPr>
+        <p:style>
+          <a:lnRef idx="0">
+            <a:scrgbClr r="0" g="0" b="0"/>
+          </a:lnRef>
+          <a:fillRef idx="0">
+            <a:scrgbClr r="0" g="0" b="0"/>
+          </a:fillRef>
+          <a:effectRef idx="0">
+            <a:scrgbClr r="0" g="0" b="0"/>
+          </a:effectRef>
+          <a:fontRef idx="minor">
+            <a:schemeClr val="tx1"/>
+          </a:fontRef>
+        </p:style>
+      </p:cxnSp>
+      <p:sp>
+        <p:nvSpPr>
+          <p:cNvPr id="66" name="Rectangle 65">
+            <a:extLst>
+              <a:ext uri="{FF2B5EF4-FFF2-40B4-BE49-F238E27FC236}">
+                <a16:creationId xmlns:a16="http://schemas.microsoft.com/office/drawing/2014/main" id="{CCB14F2F-AFD8-4D12-B1B1-B1982D62CC5D}"/>
+              </a:ext>
+            </a:extLst>
+          </p:cNvPr>
+          <p:cNvSpPr/>
+          <p:nvPr/>
+        </p:nvSpPr>
+        <p:spPr>
+          <a:xfrm>
+            <a:off x="6906632" y="4886523"/>
+            <a:ext cx="305645" cy="321083"/>
+          </a:xfrm>
+          <a:prstGeom prst="rect">
+            <a:avLst/>
+          </a:prstGeom>
+        </p:spPr>
+        <p:style>
+          <a:lnRef idx="1">
+            <a:schemeClr val="accent4"/>
+          </a:lnRef>
+          <a:fillRef idx="2">
+            <a:schemeClr val="accent4"/>
+          </a:fillRef>
+          <a:effectRef idx="1">
+            <a:schemeClr val="accent4"/>
+          </a:effectRef>
+          <a:fontRef idx="minor">
+            <a:schemeClr val="dk1"/>
+          </a:fontRef>
+        </p:style>
+        <p:txBody>
+          <a:bodyPr rtlCol="0" anchor="ctr"/>
+          <a:lstStyle/>
+          <a:p>
+            <a:pPr algn="ctr"/>
+            <a:endParaRPr lang="en-SG"/>
+          </a:p>
+        </p:txBody>
+      </p:sp>
+      <p:cxnSp>
+        <p:nvCxnSpPr>
+          <p:cNvPr id="67" name="Straight Arrow Connector 66">
+            <a:extLst>
+              <a:ext uri="{FF2B5EF4-FFF2-40B4-BE49-F238E27FC236}">
+                <a16:creationId xmlns:a16="http://schemas.microsoft.com/office/drawing/2014/main" id="{0879429D-8E93-4E8F-BB37-8FED932C9AAE}"/>
+              </a:ext>
+            </a:extLst>
+          </p:cNvPr>
+          <p:cNvCxnSpPr>
+            <a:cxnSpLocks/>
+          </p:cNvCxnSpPr>
+          <p:nvPr/>
+        </p:nvCxnSpPr>
+        <p:spPr>
+          <a:xfrm>
+            <a:off x="2592017" y="4892000"/>
+            <a:ext cx="4314615" cy="0"/>
+          </a:xfrm>
+          <a:prstGeom prst="straightConnector1">
+            <a:avLst/>
+          </a:prstGeom>
+          <a:ln w="9525" cap="flat" cmpd="sng" algn="ctr">
+            <a:solidFill>
+              <a:schemeClr val="dk1"/>
+            </a:solidFill>
+            <a:prstDash val="solid"/>
+            <a:round/>
+            <a:headEnd type="none" w="med" len="med"/>
+            <a:tailEnd type="arrow" w="med" len="med"/>
+          </a:ln>
+        </p:spPr>
+        <p:style>
+          <a:lnRef idx="0">
+            <a:scrgbClr r="0" g="0" b="0"/>
+          </a:lnRef>
+          <a:fillRef idx="0">
+            <a:scrgbClr r="0" g="0" b="0"/>
+          </a:fillRef>
+          <a:effectRef idx="0">
+            <a:scrgbClr r="0" g="0" b="0"/>
+          </a:effectRef>
+          <a:fontRef idx="minor">
+            <a:schemeClr val="tx1"/>
+          </a:fontRef>
+        </p:style>
+      </p:cxnSp>
+      <p:sp>
+        <p:nvSpPr>
+          <p:cNvPr id="68" name="TextBox 67">
+            <a:extLst>
+              <a:ext uri="{FF2B5EF4-FFF2-40B4-BE49-F238E27FC236}">
+                <a16:creationId xmlns:a16="http://schemas.microsoft.com/office/drawing/2014/main" id="{92E08564-FBB9-4021-86E9-EDC4B5E82281}"/>
+              </a:ext>
+            </a:extLst>
+          </p:cNvPr>
+          <p:cNvSpPr txBox="1"/>
+          <p:nvPr/>
+        </p:nvSpPr>
+        <p:spPr>
+          <a:xfrm>
+            <a:off x="5109718" y="4591013"/>
+            <a:ext cx="2838830" cy="307777"/>
+          </a:xfrm>
+          <a:prstGeom prst="rect">
+            <a:avLst/>
+          </a:prstGeom>
+          <a:noFill/>
+        </p:spPr>
+        <p:txBody>
+          <a:bodyPr wrap="square" rtlCol="0">
+            <a:spAutoFit/>
+          </a:bodyPr>
+          <a:lstStyle/>
+          <a:p>
+            <a:r>
+              <a:rPr lang="en-SG" sz="1400" dirty="0" err="1"/>
+              <a:t>LowRiskElderly</a:t>
+            </a:r>
+            <a:r>
+              <a:rPr lang="en-SG" sz="1400" dirty="0"/>
+              <a:t>()</a:t>
+            </a:r>
+          </a:p>
+        </p:txBody>
+      </p:sp>
+      <p:cxnSp>
+        <p:nvCxnSpPr>
+          <p:cNvPr id="73" name="Straight Arrow Connector 72">
+            <a:extLst>
+              <a:ext uri="{FF2B5EF4-FFF2-40B4-BE49-F238E27FC236}">
+                <a16:creationId xmlns:a16="http://schemas.microsoft.com/office/drawing/2014/main" id="{0591291D-67C5-4A4B-858C-8303DE08EC00}"/>
+              </a:ext>
+            </a:extLst>
+          </p:cNvPr>
+          <p:cNvCxnSpPr>
+            <a:cxnSpLocks/>
+          </p:cNvCxnSpPr>
+          <p:nvPr/>
+        </p:nvCxnSpPr>
+        <p:spPr>
+          <a:xfrm>
+            <a:off x="2582973" y="6131902"/>
+            <a:ext cx="6418433" cy="0"/>
+          </a:xfrm>
+          <a:prstGeom prst="straightConnector1">
+            <a:avLst/>
+          </a:prstGeom>
+          <a:ln w="9525" cap="flat" cmpd="sng" algn="ctr">
+            <a:solidFill>
+              <a:schemeClr val="dk1"/>
+            </a:solidFill>
+            <a:prstDash val="solid"/>
+            <a:round/>
+            <a:headEnd type="none" w="med" len="med"/>
+            <a:tailEnd type="arrow" w="med" len="med"/>
+          </a:ln>
+        </p:spPr>
+        <p:style>
+          <a:lnRef idx="0">
+            <a:scrgbClr r="0" g="0" b="0"/>
+          </a:lnRef>
+          <a:fillRef idx="0">
+            <a:scrgbClr r="0" g="0" b="0"/>
+          </a:fillRef>
+          <a:effectRef idx="0">
+            <a:scrgbClr r="0" g="0" b="0"/>
+          </a:effectRef>
+          <a:fontRef idx="minor">
+            <a:schemeClr val="tx1"/>
+          </a:fontRef>
+        </p:style>
+      </p:cxnSp>
+      <p:sp>
+        <p:nvSpPr>
+          <p:cNvPr id="74" name="TextBox 73">
+            <a:extLst>
+              <a:ext uri="{FF2B5EF4-FFF2-40B4-BE49-F238E27FC236}">
+                <a16:creationId xmlns:a16="http://schemas.microsoft.com/office/drawing/2014/main" id="{D7DE1EBA-96B8-46F9-A2AD-CDC17BBE61EC}"/>
+              </a:ext>
+            </a:extLst>
+          </p:cNvPr>
+          <p:cNvSpPr txBox="1"/>
+          <p:nvPr/>
+        </p:nvSpPr>
+        <p:spPr>
+          <a:xfrm>
+            <a:off x="7124074" y="5830916"/>
+            <a:ext cx="1715794" cy="307777"/>
+          </a:xfrm>
+          <a:prstGeom prst="rect">
+            <a:avLst/>
+          </a:prstGeom>
+          <a:noFill/>
+        </p:spPr>
+        <p:txBody>
+          <a:bodyPr wrap="square" rtlCol="0">
+            <a:spAutoFit/>
+          </a:bodyPr>
+          <a:lstStyle/>
+          <a:p>
+            <a:r>
+              <a:rPr lang="en-SG" sz="1400" dirty="0" err="1"/>
+              <a:t>MediumRiskElderly</a:t>
+            </a:r>
+            <a:r>
+              <a:rPr lang="en-SG" sz="1400" dirty="0"/>
+              <a:t>()</a:t>
+            </a:r>
+          </a:p>
+        </p:txBody>
+      </p:sp>
+      <p:sp>
+        <p:nvSpPr>
+          <p:cNvPr id="77" name="Rectangle 76">
+            <a:extLst>
+              <a:ext uri="{FF2B5EF4-FFF2-40B4-BE49-F238E27FC236}">
+                <a16:creationId xmlns:a16="http://schemas.microsoft.com/office/drawing/2014/main" id="{4D8A5619-13AB-4129-8E9B-6A135479D88E}"/>
+              </a:ext>
+            </a:extLst>
+          </p:cNvPr>
+          <p:cNvSpPr/>
+          <p:nvPr/>
+        </p:nvSpPr>
+        <p:spPr>
+          <a:xfrm>
+            <a:off x="9014462" y="6105144"/>
+            <a:ext cx="305645" cy="321083"/>
+          </a:xfrm>
+          <a:prstGeom prst="rect">
+            <a:avLst/>
+          </a:prstGeom>
+        </p:spPr>
+        <p:style>
+          <a:lnRef idx="1">
+            <a:schemeClr val="accent4"/>
+          </a:lnRef>
+          <a:fillRef idx="2">
+            <a:schemeClr val="accent4"/>
+          </a:fillRef>
+          <a:effectRef idx="1">
+            <a:schemeClr val="accent4"/>
+          </a:effectRef>
+          <a:fontRef idx="minor">
+            <a:schemeClr val="dk1"/>
+          </a:fontRef>
+        </p:style>
+        <p:txBody>
+          <a:bodyPr rtlCol="0" anchor="ctr"/>
+          <a:lstStyle/>
+          <a:p>
+            <a:pPr algn="ctr"/>
+            <a:endParaRPr lang="en-SG"/>
+          </a:p>
+        </p:txBody>
+      </p:sp>
+      <p:cxnSp>
+        <p:nvCxnSpPr>
+          <p:cNvPr id="79" name="Straight Arrow Connector 78">
+            <a:extLst>
+              <a:ext uri="{FF2B5EF4-FFF2-40B4-BE49-F238E27FC236}">
+                <a16:creationId xmlns:a16="http://schemas.microsoft.com/office/drawing/2014/main" id="{EEC02800-B0CF-4A3D-973A-526D17EAFCA7}"/>
+              </a:ext>
+            </a:extLst>
+          </p:cNvPr>
+          <p:cNvCxnSpPr>
+            <a:cxnSpLocks/>
+          </p:cNvCxnSpPr>
+          <p:nvPr/>
+        </p:nvCxnSpPr>
+        <p:spPr>
+          <a:xfrm>
+            <a:off x="2592017" y="7623841"/>
+            <a:ext cx="8536572" cy="0"/>
+          </a:xfrm>
+          <a:prstGeom prst="straightConnector1">
+            <a:avLst/>
+          </a:prstGeom>
+          <a:ln w="9525" cap="flat" cmpd="sng" algn="ctr">
+            <a:solidFill>
+              <a:schemeClr val="dk1"/>
+            </a:solidFill>
+            <a:prstDash val="solid"/>
+            <a:round/>
+            <a:headEnd type="none" w="med" len="med"/>
+            <a:tailEnd type="arrow" w="med" len="med"/>
+          </a:ln>
+        </p:spPr>
+        <p:style>
+          <a:lnRef idx="0">
+            <a:scrgbClr r="0" g="0" b="0"/>
+          </a:lnRef>
+          <a:fillRef idx="0">
+            <a:scrgbClr r="0" g="0" b="0"/>
+          </a:fillRef>
+          <a:effectRef idx="0">
+            <a:scrgbClr r="0" g="0" b="0"/>
+          </a:effectRef>
+          <a:fontRef idx="minor">
+            <a:schemeClr val="tx1"/>
+          </a:fontRef>
+        </p:style>
+      </p:cxnSp>
+      <p:sp>
+        <p:nvSpPr>
+          <p:cNvPr id="80" name="TextBox 79">
+            <a:extLst>
+              <a:ext uri="{FF2B5EF4-FFF2-40B4-BE49-F238E27FC236}">
+                <a16:creationId xmlns:a16="http://schemas.microsoft.com/office/drawing/2014/main" id="{1EA3EC7D-D817-4BBF-8F8D-1AD91039E33B}"/>
+              </a:ext>
+            </a:extLst>
+          </p:cNvPr>
+          <p:cNvSpPr txBox="1"/>
+          <p:nvPr/>
+        </p:nvSpPr>
+        <p:spPr>
+          <a:xfrm>
+            <a:off x="9489206" y="7322855"/>
+            <a:ext cx="1715794" cy="307777"/>
+          </a:xfrm>
+          <a:prstGeom prst="rect">
+            <a:avLst/>
+          </a:prstGeom>
+          <a:noFill/>
+        </p:spPr>
+        <p:txBody>
+          <a:bodyPr wrap="square" rtlCol="0">
+            <a:spAutoFit/>
+          </a:bodyPr>
+          <a:lstStyle/>
+          <a:p>
+            <a:r>
+              <a:rPr lang="en-SG" sz="1400" dirty="0" err="1"/>
+              <a:t>HighRiskElderly</a:t>
+            </a:r>
+            <a:r>
+              <a:rPr lang="en-SG" sz="1400" dirty="0"/>
+              <a:t>()</a:t>
+            </a:r>
+          </a:p>
+        </p:txBody>
+      </p:sp>
+      <p:sp>
+        <p:nvSpPr>
+          <p:cNvPr id="82" name="Rectangle 81">
+            <a:extLst>
+              <a:ext uri="{FF2B5EF4-FFF2-40B4-BE49-F238E27FC236}">
+                <a16:creationId xmlns:a16="http://schemas.microsoft.com/office/drawing/2014/main" id="{66A88C0B-D507-4816-9D69-C37BD0F50BF8}"/>
+              </a:ext>
+            </a:extLst>
+          </p:cNvPr>
+          <p:cNvSpPr/>
+          <p:nvPr/>
+        </p:nvSpPr>
+        <p:spPr>
+          <a:xfrm>
+            <a:off x="11149670" y="7597396"/>
+            <a:ext cx="305645" cy="321083"/>
+          </a:xfrm>
+          <a:prstGeom prst="rect">
+            <a:avLst/>
+          </a:prstGeom>
+        </p:spPr>
+        <p:style>
+          <a:lnRef idx="1">
+            <a:schemeClr val="accent4"/>
+          </a:lnRef>
+          <a:fillRef idx="2">
+            <a:schemeClr val="accent4"/>
+          </a:fillRef>
+          <a:effectRef idx="1">
+            <a:schemeClr val="accent4"/>
+          </a:effectRef>
+          <a:fontRef idx="minor">
+            <a:schemeClr val="dk1"/>
+          </a:fontRef>
+        </p:style>
+        <p:txBody>
+          <a:bodyPr rtlCol="0" anchor="ctr"/>
+          <a:lstStyle/>
+          <a:p>
+            <a:pPr algn="ctr"/>
+            <a:endParaRPr lang="en-SG"/>
+          </a:p>
+        </p:txBody>
+      </p:sp>
+      <p:cxnSp>
+        <p:nvCxnSpPr>
+          <p:cNvPr id="86" name="Straight Connector 85">
+            <a:extLst>
+              <a:ext uri="{FF2B5EF4-FFF2-40B4-BE49-F238E27FC236}">
+                <a16:creationId xmlns:a16="http://schemas.microsoft.com/office/drawing/2014/main" id="{EEB7CF4F-EBCB-4F08-ACBE-0B9826ED5C0A}"/>
+              </a:ext>
+            </a:extLst>
+          </p:cNvPr>
+          <p:cNvCxnSpPr>
+            <a:cxnSpLocks/>
+          </p:cNvCxnSpPr>
+          <p:nvPr/>
+        </p:nvCxnSpPr>
+        <p:spPr>
+          <a:xfrm flipH="1">
+            <a:off x="309794" y="8499100"/>
+            <a:ext cx="1768277" cy="0"/>
+          </a:xfrm>
+          <a:prstGeom prst="line">
+            <a:avLst/>
+          </a:prstGeom>
+          <a:ln w="9525" cap="flat" cmpd="sng" algn="ctr">
+            <a:solidFill>
+              <a:schemeClr val="dk1"/>
+            </a:solidFill>
+            <a:prstDash val="dash"/>
+            <a:round/>
+            <a:headEnd type="none" w="med" len="med"/>
+            <a:tailEnd type="arrow" w="med" len="med"/>
+          </a:ln>
+        </p:spPr>
+        <p:style>
+          <a:lnRef idx="0">
+            <a:scrgbClr r="0" g="0" b="0"/>
+          </a:lnRef>
+          <a:fillRef idx="0">
+            <a:scrgbClr r="0" g="0" b="0"/>
+          </a:fillRef>
+          <a:effectRef idx="0">
+            <a:scrgbClr r="0" g="0" b="0"/>
+          </a:effectRef>
+          <a:fontRef idx="minor">
+            <a:schemeClr val="tx1"/>
+          </a:fontRef>
+        </p:style>
+      </p:cxnSp>
+      <p:sp>
+        <p:nvSpPr>
+          <p:cNvPr id="90" name="TextBox 89">
+            <a:extLst>
+              <a:ext uri="{FF2B5EF4-FFF2-40B4-BE49-F238E27FC236}">
+                <a16:creationId xmlns:a16="http://schemas.microsoft.com/office/drawing/2014/main" id="{FAFBEE1D-C65C-4EFD-B677-411EE82C2D65}"/>
+              </a:ext>
+            </a:extLst>
+          </p:cNvPr>
+          <p:cNvSpPr txBox="1"/>
+          <p:nvPr/>
+        </p:nvSpPr>
+        <p:spPr>
+          <a:xfrm>
+            <a:off x="-94391" y="8164679"/>
+            <a:ext cx="3856886" cy="307777"/>
+          </a:xfrm>
+          <a:prstGeom prst="rect">
+            <a:avLst/>
+          </a:prstGeom>
+          <a:noFill/>
+        </p:spPr>
+        <p:txBody>
+          <a:bodyPr wrap="square" rtlCol="0">
+            <a:spAutoFit/>
+          </a:bodyPr>
+          <a:lstStyle/>
+          <a:p>
+            <a:r>
+              <a:rPr lang="en-SG" sz="1400" dirty="0"/>
+              <a:t>Print elderly added message</a:t>
+            </a:r>
+          </a:p>
+        </p:txBody>
+      </p:sp>
+      <p:cxnSp>
+        <p:nvCxnSpPr>
+          <p:cNvPr id="91" name="Straight Connector 90">
+            <a:extLst>
+              <a:ext uri="{FF2B5EF4-FFF2-40B4-BE49-F238E27FC236}">
+                <a16:creationId xmlns:a16="http://schemas.microsoft.com/office/drawing/2014/main" id="{30001BB1-5C91-4933-BDEE-5EA548575199}"/>
+              </a:ext>
+            </a:extLst>
+          </p:cNvPr>
+          <p:cNvCxnSpPr>
+            <a:cxnSpLocks/>
+          </p:cNvCxnSpPr>
+          <p:nvPr/>
+        </p:nvCxnSpPr>
+        <p:spPr>
+          <a:xfrm>
+            <a:off x="7044622" y="5207606"/>
+            <a:ext cx="0" cy="3562268"/>
+          </a:xfrm>
+          <a:prstGeom prst="line">
+            <a:avLst/>
+          </a:prstGeom>
+          <a:ln w="9525" cap="flat" cmpd="sng" algn="ctr">
+            <a:solidFill>
+              <a:schemeClr val="dk1"/>
+            </a:solidFill>
+            <a:prstDash val="dash"/>
+            <a:round/>
+            <a:headEnd type="none" w="med" len="med"/>
+            <a:tailEnd type="none" w="med" len="med"/>
+          </a:ln>
+        </p:spPr>
+        <p:style>
+          <a:lnRef idx="0">
+            <a:scrgbClr r="0" g="0" b="0"/>
+          </a:lnRef>
+          <a:fillRef idx="0">
+            <a:scrgbClr r="0" g="0" b="0"/>
+          </a:fillRef>
+          <a:effectRef idx="0">
+            <a:scrgbClr r="0" g="0" b="0"/>
+          </a:effectRef>
+          <a:fontRef idx="minor">
+            <a:schemeClr val="tx1"/>
+          </a:fontRef>
+        </p:style>
+      </p:cxnSp>
+      <p:cxnSp>
+        <p:nvCxnSpPr>
+          <p:cNvPr id="93" name="Straight Connector 92">
+            <a:extLst>
+              <a:ext uri="{FF2B5EF4-FFF2-40B4-BE49-F238E27FC236}">
+                <a16:creationId xmlns:a16="http://schemas.microsoft.com/office/drawing/2014/main" id="{B7D75CEF-8D67-4326-A27F-48443E7B287E}"/>
+              </a:ext>
+            </a:extLst>
+          </p:cNvPr>
+          <p:cNvCxnSpPr>
+            <a:cxnSpLocks/>
+          </p:cNvCxnSpPr>
+          <p:nvPr/>
+        </p:nvCxnSpPr>
+        <p:spPr>
+          <a:xfrm>
+            <a:off x="9167284" y="6426227"/>
+            <a:ext cx="0" cy="2343647"/>
+          </a:xfrm>
+          <a:prstGeom prst="line">
+            <a:avLst/>
+          </a:prstGeom>
+          <a:ln w="9525" cap="flat" cmpd="sng" algn="ctr">
+            <a:solidFill>
+              <a:schemeClr val="dk1"/>
+            </a:solidFill>
+            <a:prstDash val="dash"/>
+            <a:round/>
+            <a:headEnd type="none" w="med" len="med"/>
+            <a:tailEnd type="none" w="med" len="med"/>
+          </a:ln>
+        </p:spPr>
+        <p:style>
+          <a:lnRef idx="0">
+            <a:scrgbClr r="0" g="0" b="0"/>
+          </a:lnRef>
+          <a:fillRef idx="0">
+            <a:scrgbClr r="0" g="0" b="0"/>
+          </a:fillRef>
+          <a:effectRef idx="0">
+            <a:scrgbClr r="0" g="0" b="0"/>
+          </a:effectRef>
+          <a:fontRef idx="minor">
+            <a:schemeClr val="tx1"/>
+          </a:fontRef>
+        </p:style>
+      </p:cxnSp>
+      <p:cxnSp>
+        <p:nvCxnSpPr>
+          <p:cNvPr id="95" name="Straight Connector 94">
+            <a:extLst>
+              <a:ext uri="{FF2B5EF4-FFF2-40B4-BE49-F238E27FC236}">
+                <a16:creationId xmlns:a16="http://schemas.microsoft.com/office/drawing/2014/main" id="{B81B31CE-91B1-45D7-BB87-017206EB972D}"/>
+              </a:ext>
+            </a:extLst>
+          </p:cNvPr>
+          <p:cNvCxnSpPr>
+            <a:cxnSpLocks/>
+          </p:cNvCxnSpPr>
+          <p:nvPr/>
+        </p:nvCxnSpPr>
+        <p:spPr>
+          <a:xfrm>
+            <a:off x="11302492" y="7918479"/>
+            <a:ext cx="0" cy="851395"/>
+          </a:xfrm>
+          <a:prstGeom prst="line">
+            <a:avLst/>
+          </a:prstGeom>
+          <a:ln w="9525" cap="flat" cmpd="sng" algn="ctr">
+            <a:solidFill>
+              <a:schemeClr val="dk1"/>
+            </a:solidFill>
+            <a:prstDash val="dash"/>
+            <a:round/>
+            <a:headEnd type="none" w="med" len="med"/>
+            <a:tailEnd type="none" w="med" len="med"/>
+          </a:ln>
+        </p:spPr>
+        <p:style>
+          <a:lnRef idx="0">
+            <a:scrgbClr r="0" g="0" b="0"/>
+          </a:lnRef>
+          <a:fillRef idx="0">
+            <a:scrgbClr r="0" g="0" b="0"/>
+          </a:fillRef>
+          <a:effectRef idx="0">
+            <a:scrgbClr r="0" g="0" b="0"/>
+          </a:effectRef>
+          <a:fontRef idx="minor">
+            <a:schemeClr val="tx1"/>
+          </a:fontRef>
+        </p:style>
+      </p:cxnSp>
+      <p:cxnSp>
+        <p:nvCxnSpPr>
+          <p:cNvPr id="97" name="Straight Connector 96">
+            <a:extLst>
+              <a:ext uri="{FF2B5EF4-FFF2-40B4-BE49-F238E27FC236}">
+                <a16:creationId xmlns:a16="http://schemas.microsoft.com/office/drawing/2014/main" id="{097780FF-196E-4D33-AD4A-FD03FDC51C32}"/>
+              </a:ext>
+            </a:extLst>
+          </p:cNvPr>
+          <p:cNvCxnSpPr>
+            <a:cxnSpLocks/>
+          </p:cNvCxnSpPr>
+          <p:nvPr/>
+        </p:nvCxnSpPr>
+        <p:spPr>
+          <a:xfrm>
+            <a:off x="2221347" y="8499100"/>
+            <a:ext cx="0" cy="395518"/>
+          </a:xfrm>
+          <a:prstGeom prst="line">
+            <a:avLst/>
+          </a:prstGeom>
+          <a:ln w="9525" cap="flat" cmpd="sng" algn="ctr">
+            <a:solidFill>
+              <a:schemeClr val="dk1"/>
+            </a:solidFill>
+            <a:prstDash val="dash"/>
+            <a:round/>
+            <a:headEnd type="none" w="med" len="med"/>
+            <a:tailEnd type="none" w="med" len="med"/>
+          </a:ln>
+        </p:spPr>
+        <p:style>
+          <a:lnRef idx="0">
+            <a:scrgbClr r="0" g="0" b="0"/>
+          </a:lnRef>
+          <a:fillRef idx="0">
+            <a:scrgbClr r="0" g="0" b="0"/>
+          </a:fillRef>
+          <a:effectRef idx="0">
+            <a:scrgbClr r="0" g="0" b="0"/>
+          </a:effectRef>
+          <a:fontRef idx="minor">
+            <a:schemeClr val="tx1"/>
+          </a:fontRef>
+        </p:style>
+      </p:cxnSp>
+    </p:spTree>
+    <p:extLst>
+      <p:ext uri="{BB962C8B-B14F-4D97-AF65-F5344CB8AC3E}">
+        <p14:creationId xmlns:p14="http://schemas.microsoft.com/office/powerpoint/2010/main" val="3958864"/>
+      </p:ext>
+    </p:extLst>
+  </p:cSld>
+  <p:clrMapOvr>
+    <a:masterClrMapping/>
+  </p:clrMapOvr>
+</p:sld>
+</file>
+
 <file path=ppt/theme/theme1.xml><?xml version="1.0" encoding="utf-8"?>
 <a:theme xmlns:a="http://schemas.openxmlformats.org/drawingml/2006/main" name="Office Theme">
   <a:themeElements>

--- a/docs/uml.pptx
+++ b/docs/uml.pptx
@@ -4657,7 +4657,7 @@
           <a:lstStyle/>
           <a:p>
             <a:pPr algn="ctr"/>
-            <a:endParaRPr lang="en-SG"/>
+            <a:endParaRPr lang="en-SG" dirty="0"/>
           </a:p>
         </p:txBody>
       </p:sp>
@@ -4708,21 +4708,8 @@
                   <a:schemeClr val="tx1"/>
                 </a:solidFill>
               </a:rPr>
-              <a:t>:</a:t>
-            </a:r>
-            <a:r>
-              <a:rPr lang="en-SG" dirty="0" err="1">
-                <a:solidFill>
-                  <a:schemeClr val="tx1"/>
-                </a:solidFill>
-              </a:rPr>
-              <a:t>ElderlyList</a:t>
-            </a:r>
-            <a:endParaRPr lang="en-SG" dirty="0">
-              <a:solidFill>
-                <a:schemeClr val="tx1"/>
-              </a:solidFill>
-            </a:endParaRPr>
+              <a:t>:ElderlyList</a:t>
+            </a:r>
           </a:p>
         </p:txBody>
       </p:sp>
@@ -4813,7 +4800,7 @@
           <a:lstStyle/>
           <a:p>
             <a:pPr algn="ctr"/>
-            <a:endParaRPr lang="en-SG"/>
+            <a:endParaRPr lang="en-SG" dirty="0"/>
           </a:p>
         </p:txBody>
       </p:sp>
@@ -5196,13 +5183,8 @@
             <a:pPr algn="ctr"/>
             <a:r>
               <a:rPr lang="en-SG" dirty="0"/>
-              <a:t>:</a:t>
-            </a:r>
-            <a:r>
-              <a:rPr lang="en-SG" dirty="0" err="1"/>
-              <a:t>RegexChecker</a:t>
-            </a:r>
-            <a:endParaRPr lang="en-SG" dirty="0"/>
+              <a:t>:RegexChecker</a:t>
+            </a:r>
           </a:p>
         </p:txBody>
       </p:sp>
@@ -5280,20 +5262,8 @@
           <a:lstStyle/>
           <a:p>
             <a:r>
-              <a:rPr lang="en-SG" sz="1400" dirty="0" err="1"/>
-              <a:t>addElderly</a:t>
-            </a:r>
-            <a:r>
               <a:rPr lang="en-SG" sz="1400" dirty="0"/>
-              <a:t>(</a:t>
-            </a:r>
-            <a:r>
-              <a:rPr lang="en-SG" sz="1400" dirty="0" err="1"/>
-              <a:t>userLine</a:t>
-            </a:r>
-            <a:r>
-              <a:rPr lang="en-SG" sz="1400" dirty="0"/>
-              <a:t>)</a:t>
+              <a:t>addElderly(userLine)</a:t>
             </a:r>
           </a:p>
         </p:txBody>
@@ -5385,7 +5355,7 @@
           <a:lstStyle/>
           <a:p>
             <a:pPr algn="ctr"/>
-            <a:endParaRPr lang="en-SG"/>
+            <a:endParaRPr lang="en-SG" dirty="0"/>
           </a:p>
         </p:txBody>
       </p:sp>
@@ -5465,20 +5435,8 @@
           <a:lstStyle/>
           <a:p>
             <a:r>
-              <a:rPr lang="en-SG" sz="1400" dirty="0" err="1"/>
-              <a:t>isValidAddElderly</a:t>
-            </a:r>
-            <a:r>
               <a:rPr lang="en-SG" sz="1400" dirty="0"/>
-              <a:t>(</a:t>
-            </a:r>
-            <a:r>
-              <a:rPr lang="en-SG" sz="1400" dirty="0" err="1"/>
-              <a:t>userLine</a:t>
-            </a:r>
-            <a:r>
-              <a:rPr lang="en-SG" sz="1400" dirty="0"/>
-              <a:t>)</a:t>
+              <a:t>isValidAddElderly(userLine)</a:t>
             </a:r>
           </a:p>
         </p:txBody>
@@ -5559,20 +5517,8 @@
           <a:lstStyle/>
           <a:p>
             <a:r>
-              <a:rPr lang="en-SG" sz="1400" dirty="0" err="1"/>
-              <a:t>isValidRiskLevel</a:t>
-            </a:r>
-            <a:r>
               <a:rPr lang="en-SG" sz="1400" dirty="0"/>
-              <a:t>(</a:t>
-            </a:r>
-            <a:r>
-              <a:rPr lang="en-SG" sz="1400" dirty="0" err="1"/>
-              <a:t>riskLevel</a:t>
-            </a:r>
-            <a:r>
-              <a:rPr lang="en-SG" sz="1400" dirty="0"/>
-              <a:t>)</a:t>
+              <a:t>isValidRiskLevel(riskLevel)</a:t>
             </a:r>
           </a:p>
         </p:txBody>
@@ -5664,7 +5610,7 @@
           <a:lstStyle/>
           <a:p>
             <a:pPr algn="ctr"/>
-            <a:endParaRPr lang="en-SG"/>
+            <a:endParaRPr lang="en-SG" dirty="0"/>
           </a:p>
         </p:txBody>
       </p:sp>
@@ -5708,7 +5654,7 @@
           <a:lstStyle/>
           <a:p>
             <a:pPr algn="ctr"/>
-            <a:endParaRPr lang="en-SG"/>
+            <a:endParaRPr lang="en-SG" dirty="0"/>
           </a:p>
         </p:txBody>
       </p:sp>
@@ -5752,7 +5698,7 @@
           <a:lstStyle/>
           <a:p>
             <a:pPr algn="ctr"/>
-            <a:endParaRPr lang="en-SG"/>
+            <a:endParaRPr lang="en-SG" dirty="0"/>
           </a:p>
         </p:txBody>
       </p:sp>
@@ -5786,15 +5732,7 @@
           <a:p>
             <a:r>
               <a:rPr lang="en-SG" sz="1400" dirty="0"/>
-              <a:t>[</a:t>
-            </a:r>
-            <a:r>
-              <a:rPr lang="en-SG" sz="1400" dirty="0" err="1"/>
-              <a:t>riskLevel</a:t>
-            </a:r>
-            <a:r>
-              <a:rPr lang="en-SG" sz="1400" dirty="0"/>
-              <a:t> = LOW]</a:t>
+              <a:t>[riskLevel = LOW]</a:t>
             </a:r>
           </a:p>
         </p:txBody>
@@ -5829,15 +5767,7 @@
           <a:p>
             <a:r>
               <a:rPr lang="en-SG" sz="1400" dirty="0"/>
-              <a:t>[</a:t>
-            </a:r>
-            <a:r>
-              <a:rPr lang="en-SG" sz="1400" dirty="0" err="1"/>
-              <a:t>riskLevel</a:t>
-            </a:r>
-            <a:r>
-              <a:rPr lang="en-SG" sz="1400" dirty="0"/>
-              <a:t> = MEDIUM]</a:t>
+              <a:t>[riskLevel = MEDIUM]</a:t>
             </a:r>
           </a:p>
         </p:txBody>
@@ -5872,15 +5802,7 @@
           <a:p>
             <a:r>
               <a:rPr lang="en-SG" sz="1400" dirty="0"/>
-              <a:t>[</a:t>
-            </a:r>
-            <a:r>
-              <a:rPr lang="en-SG" sz="1400" dirty="0" err="1"/>
-              <a:t>riskLevel</a:t>
-            </a:r>
-            <a:r>
-              <a:rPr lang="en-SG" sz="1400" dirty="0"/>
-              <a:t> = HIGH]</a:t>
+              <a:t>[riskLevel = HIGH]</a:t>
             </a:r>
           </a:p>
         </p:txBody>
@@ -5988,7 +5910,7 @@
           <a:lstStyle/>
           <a:p>
             <a:pPr algn="ctr"/>
-            <a:endParaRPr lang="en-SG"/>
+            <a:endParaRPr lang="en-SG" dirty="0"/>
           </a:p>
         </p:txBody>
       </p:sp>
@@ -6021,28 +5943,8 @@
           <a:lstStyle/>
           <a:p>
             <a:r>
-              <a:rPr lang="en-SG" sz="1400" dirty="0" err="1"/>
-              <a:t>addLowRiskElderly</a:t>
-            </a:r>
-            <a:r>
               <a:rPr lang="en-SG" sz="1400" dirty="0"/>
-              <a:t>(</a:t>
-            </a:r>
-            <a:r>
-              <a:rPr lang="en-SG" sz="1400" dirty="0" err="1"/>
-              <a:t>userName</a:t>
-            </a:r>
-            <a:r>
-              <a:rPr lang="en-SG" sz="1400" dirty="0"/>
-              <a:t>, </a:t>
-            </a:r>
-            <a:r>
-              <a:rPr lang="en-SG" sz="1400" dirty="0" err="1"/>
-              <a:t>elderlyName</a:t>
-            </a:r>
-            <a:r>
-              <a:rPr lang="en-SG" sz="1400" dirty="0"/>
-              <a:t>)</a:t>
+              <a:t>addLowRiskElderly(userName, elderlyName)</a:t>
             </a:r>
           </a:p>
         </p:txBody>
@@ -6150,7 +6052,7 @@
           <a:lstStyle/>
           <a:p>
             <a:pPr algn="ctr"/>
-            <a:endParaRPr lang="en-SG"/>
+            <a:endParaRPr lang="en-SG" dirty="0"/>
           </a:p>
         </p:txBody>
       </p:sp>
@@ -6183,28 +6085,8 @@
           <a:lstStyle/>
           <a:p>
             <a:r>
-              <a:rPr lang="en-SG" sz="1400" dirty="0" err="1"/>
-              <a:t>addMediumRiskElderly</a:t>
-            </a:r>
-            <a:r>
               <a:rPr lang="en-SG" sz="1400" dirty="0"/>
-              <a:t>(</a:t>
-            </a:r>
-            <a:r>
-              <a:rPr lang="en-SG" sz="1400" dirty="0" err="1"/>
-              <a:t>userName</a:t>
-            </a:r>
-            <a:r>
-              <a:rPr lang="en-SG" sz="1400" dirty="0"/>
-              <a:t>, </a:t>
-            </a:r>
-            <a:r>
-              <a:rPr lang="en-SG" sz="1400" dirty="0" err="1"/>
-              <a:t>elderlyName</a:t>
-            </a:r>
-            <a:r>
-              <a:rPr lang="en-SG" sz="1400" dirty="0"/>
-              <a:t>)</a:t>
+              <a:t>addMediumRiskElderly(userName, elderlyName)</a:t>
             </a:r>
           </a:p>
         </p:txBody>
@@ -6312,7 +6194,7 @@
           <a:lstStyle/>
           <a:p>
             <a:pPr algn="ctr"/>
-            <a:endParaRPr lang="en-SG"/>
+            <a:endParaRPr lang="en-SG" dirty="0"/>
           </a:p>
         </p:txBody>
       </p:sp>
@@ -6345,28 +6227,8 @@
           <a:lstStyle/>
           <a:p>
             <a:r>
-              <a:rPr lang="en-SG" sz="1400" dirty="0" err="1"/>
-              <a:t>addHighRiskElderly</a:t>
-            </a:r>
-            <a:r>
               <a:rPr lang="en-SG" sz="1400" dirty="0"/>
-              <a:t>(</a:t>
-            </a:r>
-            <a:r>
-              <a:rPr lang="en-SG" sz="1400" dirty="0" err="1"/>
-              <a:t>userName</a:t>
-            </a:r>
-            <a:r>
-              <a:rPr lang="en-SG" sz="1400" dirty="0"/>
-              <a:t>, </a:t>
-            </a:r>
-            <a:r>
-              <a:rPr lang="en-SG" sz="1400" dirty="0" err="1"/>
-              <a:t>elderlyName</a:t>
-            </a:r>
-            <a:r>
-              <a:rPr lang="en-SG" sz="1400" dirty="0"/>
-              <a:t>)</a:t>
+              <a:t>addHighRiskElderly(userName, elderlyName)</a:t>
             </a:r>
           </a:p>
         </p:txBody>
@@ -6413,13 +6275,8 @@
             <a:pPr algn="ctr"/>
             <a:r>
               <a:rPr lang="en-SG" dirty="0"/>
-              <a:t>:</a:t>
-            </a:r>
-            <a:r>
-              <a:rPr lang="en-SG" dirty="0" err="1"/>
-              <a:t>LowRiskElderly</a:t>
-            </a:r>
-            <a:endParaRPr lang="en-SG" dirty="0"/>
+              <a:t>:LowRiskElderly</a:t>
+            </a:r>
           </a:p>
         </p:txBody>
       </p:sp>
@@ -6465,13 +6322,8 @@
             <a:pPr algn="ctr"/>
             <a:r>
               <a:rPr lang="en-SG" dirty="0"/>
-              <a:t>:</a:t>
-            </a:r>
-            <a:r>
-              <a:rPr lang="en-SG" dirty="0" err="1"/>
-              <a:t>MediumRiskElderly</a:t>
-            </a:r>
-            <a:endParaRPr lang="en-SG" dirty="0"/>
+              <a:t>:MediumRiskElderly</a:t>
+            </a:r>
           </a:p>
         </p:txBody>
       </p:sp>
@@ -6517,13 +6369,8 @@
             <a:pPr algn="ctr"/>
             <a:r>
               <a:rPr lang="en-SG" dirty="0"/>
-              <a:t>:</a:t>
-            </a:r>
-            <a:r>
-              <a:rPr lang="en-SG" dirty="0" err="1"/>
-              <a:t>HighRiskElderly</a:t>
-            </a:r>
-            <a:endParaRPr lang="en-SG" dirty="0"/>
+              <a:t>:HighRiskElderly</a:t>
+            </a:r>
           </a:p>
         </p:txBody>
       </p:sp>
@@ -6709,7 +6556,7 @@
           <a:lstStyle/>
           <a:p>
             <a:pPr algn="ctr"/>
-            <a:endParaRPr lang="en-SG"/>
+            <a:endParaRPr lang="en-SG" dirty="0"/>
           </a:p>
         </p:txBody>
       </p:sp>
@@ -6789,12 +6636,8 @@
           <a:lstStyle/>
           <a:p>
             <a:r>
-              <a:rPr lang="en-SG" sz="1400" dirty="0" err="1"/>
-              <a:t>LowRiskElderly</a:t>
-            </a:r>
-            <a:r>
               <a:rPr lang="en-SG" sz="1400" dirty="0"/>
-              <a:t>()</a:t>
+              <a:t>LowRiskElderly()</a:t>
             </a:r>
           </a:p>
         </p:txBody>
@@ -6875,12 +6718,8 @@
           <a:lstStyle/>
           <a:p>
             <a:r>
-              <a:rPr lang="en-SG" sz="1400" dirty="0" err="1"/>
-              <a:t>MediumRiskElderly</a:t>
-            </a:r>
-            <a:r>
               <a:rPr lang="en-SG" sz="1400" dirty="0"/>
-              <a:t>()</a:t>
+              <a:t>MediumRiskElderly()</a:t>
             </a:r>
           </a:p>
         </p:txBody>
@@ -6925,7 +6764,7 @@
           <a:lstStyle/>
           <a:p>
             <a:pPr algn="ctr"/>
-            <a:endParaRPr lang="en-SG"/>
+            <a:endParaRPr lang="en-SG" dirty="0"/>
           </a:p>
         </p:txBody>
       </p:sp>
@@ -7005,12 +6844,8 @@
           <a:lstStyle/>
           <a:p>
             <a:r>
-              <a:rPr lang="en-SG" sz="1400" dirty="0" err="1"/>
-              <a:t>HighRiskElderly</a:t>
-            </a:r>
-            <a:r>
               <a:rPr lang="en-SG" sz="1400" dirty="0"/>
-              <a:t>()</a:t>
+              <a:t>HighRiskElderly()</a:t>
             </a:r>
           </a:p>
         </p:txBody>
@@ -7055,7 +6890,7 @@
           <a:lstStyle/>
           <a:p>
             <a:pPr algn="ctr"/>
-            <a:endParaRPr lang="en-SG"/>
+            <a:endParaRPr lang="en-SG" dirty="0"/>
           </a:p>
         </p:txBody>
       </p:sp>

--- a/docs/uml.pptx
+++ b/docs/uml.pptx
@@ -2,13 +2,13 @@
 <file path=ppt/presentation.xml><?xml version="1.0" encoding="utf-8"?>
 <p:presentation xmlns:a="http://schemas.openxmlformats.org/drawingml/2006/main" xmlns:r="http://schemas.openxmlformats.org/officeDocument/2006/relationships" xmlns:p="http://schemas.openxmlformats.org/presentationml/2006/main" saveSubsetFonts="1">
   <p:sldMasterIdLst>
-    <p:sldMasterId id="2147483660" r:id="rId1"/>
+    <p:sldMasterId id="2147483672" r:id="rId1"/>
   </p:sldMasterIdLst>
   <p:sldIdLst>
     <p:sldId id="256" r:id="rId2"/>
     <p:sldId id="257" r:id="rId3"/>
   </p:sldIdLst>
-  <p:sldSz cx="12192000" cy="18018125"/>
+  <p:sldSz cx="14400213" cy="18018125"/>
   <p:notesSz cx="6858000" cy="9144000"/>
   <p:defaultTextStyle>
     <a:defPPr>
@@ -142,15 +142,15 @@
         </p:nvSpPr>
         <p:spPr>
           <a:xfrm>
-            <a:off x="914400" y="2948801"/>
-            <a:ext cx="10363200" cy="6272977"/>
+            <a:off x="1080016" y="2948801"/>
+            <a:ext cx="12240181" cy="6272977"/>
           </a:xfrm>
         </p:spPr>
         <p:txBody>
           <a:bodyPr anchor="b"/>
           <a:lstStyle>
             <a:lvl1pPr algn="ctr">
-              <a:defRPr sz="8000"/>
+              <a:defRPr sz="9449"/>
             </a:lvl1pPr>
           </a:lstStyle>
           <a:p>
@@ -174,8 +174,8 @@
         </p:nvSpPr>
         <p:spPr>
           <a:xfrm>
-            <a:off x="1524000" y="9463688"/>
-            <a:ext cx="9144000" cy="4350208"/>
+            <a:off x="1800027" y="9463688"/>
+            <a:ext cx="10800160" cy="4350208"/>
           </a:xfrm>
         </p:spPr>
         <p:txBody>
@@ -183,39 +183,39 @@
           <a:lstStyle>
             <a:lvl1pPr marL="0" indent="0" algn="ctr">
               <a:buNone/>
-              <a:defRPr sz="3200"/>
+              <a:defRPr sz="3780"/>
             </a:lvl1pPr>
-            <a:lvl2pPr marL="609585" indent="0" algn="ctr">
+            <a:lvl2pPr marL="719999" indent="0" algn="ctr">
               <a:buNone/>
-              <a:defRPr sz="2667"/>
+              <a:defRPr sz="3150"/>
             </a:lvl2pPr>
-            <a:lvl3pPr marL="1219170" indent="0" algn="ctr">
+            <a:lvl3pPr marL="1439997" indent="0" algn="ctr">
               <a:buNone/>
-              <a:defRPr sz="2400"/>
+              <a:defRPr sz="2835"/>
             </a:lvl3pPr>
-            <a:lvl4pPr marL="1828754" indent="0" algn="ctr">
+            <a:lvl4pPr marL="2159996" indent="0" algn="ctr">
               <a:buNone/>
-              <a:defRPr sz="2133"/>
+              <a:defRPr sz="2520"/>
             </a:lvl4pPr>
-            <a:lvl5pPr marL="2438339" indent="0" algn="ctr">
+            <a:lvl5pPr marL="2879994" indent="0" algn="ctr">
               <a:buNone/>
-              <a:defRPr sz="2133"/>
+              <a:defRPr sz="2520"/>
             </a:lvl5pPr>
-            <a:lvl6pPr marL="3047924" indent="0" algn="ctr">
+            <a:lvl6pPr marL="3599993" indent="0" algn="ctr">
               <a:buNone/>
-              <a:defRPr sz="2133"/>
+              <a:defRPr sz="2520"/>
             </a:lvl6pPr>
-            <a:lvl7pPr marL="3657509" indent="0" algn="ctr">
+            <a:lvl7pPr marL="4319991" indent="0" algn="ctr">
               <a:buNone/>
-              <a:defRPr sz="2133"/>
+              <a:defRPr sz="2520"/>
             </a:lvl7pPr>
-            <a:lvl8pPr marL="4267093" indent="0" algn="ctr">
+            <a:lvl8pPr marL="5039990" indent="0" algn="ctr">
               <a:buNone/>
-              <a:defRPr sz="2133"/>
+              <a:defRPr sz="2520"/>
             </a:lvl8pPr>
-            <a:lvl9pPr marL="4876678" indent="0" algn="ctr">
+            <a:lvl9pPr marL="5759988" indent="0" algn="ctr">
               <a:buNone/>
-              <a:defRPr sz="2133"/>
+              <a:defRPr sz="2520"/>
             </a:lvl9pPr>
           </a:lstStyle>
           <a:p>
@@ -244,7 +244,7 @@
           <a:p>
             <a:fld id="{822F160E-D177-420A-96E8-F3002FBB7819}" type="datetimeFigureOut">
               <a:rPr lang="en-SG" smtClean="0"/>
-              <a:t>1/11/2021</a:t>
+              <a:t>5/11/2021</a:t>
             </a:fld>
             <a:endParaRPr lang="en-SG" dirty="0"/>
           </a:p>
@@ -295,7 +295,7 @@
     </p:spTree>
     <p:extLst>
       <p:ext uri="{BB962C8B-B14F-4D97-AF65-F5344CB8AC3E}">
-        <p14:creationId xmlns:p14="http://schemas.microsoft.com/office/powerpoint/2010/main" val="3854222771"/>
+        <p14:creationId xmlns:p14="http://schemas.microsoft.com/office/powerpoint/2010/main" val="1680981855"/>
       </p:ext>
     </p:extLst>
   </p:cSld>
@@ -414,7 +414,7 @@
           <a:p>
             <a:fld id="{822F160E-D177-420A-96E8-F3002FBB7819}" type="datetimeFigureOut">
               <a:rPr lang="en-SG" smtClean="0"/>
-              <a:t>1/11/2021</a:t>
+              <a:t>5/11/2021</a:t>
             </a:fld>
             <a:endParaRPr lang="en-SG" dirty="0"/>
           </a:p>
@@ -465,7 +465,7 @@
     </p:spTree>
     <p:extLst>
       <p:ext uri="{BB962C8B-B14F-4D97-AF65-F5344CB8AC3E}">
-        <p14:creationId xmlns:p14="http://schemas.microsoft.com/office/powerpoint/2010/main" val="3171733448"/>
+        <p14:creationId xmlns:p14="http://schemas.microsoft.com/office/powerpoint/2010/main" val="1286689165"/>
       </p:ext>
     </p:extLst>
   </p:cSld>
@@ -504,8 +504,8 @@
         </p:nvSpPr>
         <p:spPr>
           <a:xfrm>
-            <a:off x="8724901" y="959298"/>
-            <a:ext cx="2628900" cy="15269528"/>
+            <a:off x="10305153" y="959298"/>
+            <a:ext cx="3105046" cy="15269528"/>
           </a:xfrm>
         </p:spPr>
         <p:txBody>
@@ -532,8 +532,8 @@
         </p:nvSpPr>
         <p:spPr>
           <a:xfrm>
-            <a:off x="838201" y="959298"/>
-            <a:ext cx="7734300" cy="15269528"/>
+            <a:off x="990015" y="959298"/>
+            <a:ext cx="9135135" cy="15269528"/>
           </a:xfrm>
         </p:spPr>
         <p:txBody>
@@ -594,7 +594,7 @@
           <a:p>
             <a:fld id="{822F160E-D177-420A-96E8-F3002FBB7819}" type="datetimeFigureOut">
               <a:rPr lang="en-SG" smtClean="0"/>
-              <a:t>1/11/2021</a:t>
+              <a:t>5/11/2021</a:t>
             </a:fld>
             <a:endParaRPr lang="en-SG" dirty="0"/>
           </a:p>
@@ -645,7 +645,7 @@
     </p:spTree>
     <p:extLst>
       <p:ext uri="{BB962C8B-B14F-4D97-AF65-F5344CB8AC3E}">
-        <p14:creationId xmlns:p14="http://schemas.microsoft.com/office/powerpoint/2010/main" val="2118921175"/>
+        <p14:creationId xmlns:p14="http://schemas.microsoft.com/office/powerpoint/2010/main" val="2563150803"/>
       </p:ext>
     </p:extLst>
   </p:cSld>
@@ -764,7 +764,7 @@
           <a:p>
             <a:fld id="{822F160E-D177-420A-96E8-F3002FBB7819}" type="datetimeFigureOut">
               <a:rPr lang="en-SG" smtClean="0"/>
-              <a:t>1/11/2021</a:t>
+              <a:t>5/11/2021</a:t>
             </a:fld>
             <a:endParaRPr lang="en-SG" dirty="0"/>
           </a:p>
@@ -815,7 +815,7 @@
     </p:spTree>
     <p:extLst>
       <p:ext uri="{BB962C8B-B14F-4D97-AF65-F5344CB8AC3E}">
-        <p14:creationId xmlns:p14="http://schemas.microsoft.com/office/powerpoint/2010/main" val="2242095394"/>
+        <p14:creationId xmlns:p14="http://schemas.microsoft.com/office/powerpoint/2010/main" val="1638622214"/>
       </p:ext>
     </p:extLst>
   </p:cSld>
@@ -854,15 +854,15 @@
         </p:nvSpPr>
         <p:spPr>
           <a:xfrm>
-            <a:off x="831851" y="4492024"/>
-            <a:ext cx="10515600" cy="7495038"/>
+            <a:off x="982515" y="4492024"/>
+            <a:ext cx="12420184" cy="7495038"/>
           </a:xfrm>
         </p:spPr>
         <p:txBody>
           <a:bodyPr anchor="b"/>
           <a:lstStyle>
             <a:lvl1pPr>
-              <a:defRPr sz="8000"/>
+              <a:defRPr sz="9449"/>
             </a:lvl1pPr>
           </a:lstStyle>
           <a:p>
@@ -886,8 +886,8 @@
         </p:nvSpPr>
         <p:spPr>
           <a:xfrm>
-            <a:off x="831851" y="12057968"/>
-            <a:ext cx="10515600" cy="3941464"/>
+            <a:off x="982515" y="12057968"/>
+            <a:ext cx="12420184" cy="3941464"/>
           </a:xfrm>
         </p:spPr>
         <p:txBody>
@@ -895,15 +895,15 @@
           <a:lstStyle>
             <a:lvl1pPr marL="0" indent="0">
               <a:buNone/>
-              <a:defRPr sz="3200">
+              <a:defRPr sz="3780">
                 <a:solidFill>
                   <a:schemeClr val="tx1"/>
                 </a:solidFill>
               </a:defRPr>
             </a:lvl1pPr>
-            <a:lvl2pPr marL="609585" indent="0">
+            <a:lvl2pPr marL="719999" indent="0">
               <a:buNone/>
-              <a:defRPr sz="2667">
+              <a:defRPr sz="3150">
                 <a:solidFill>
                   <a:schemeClr val="tx1">
                     <a:tint val="75000"/>
@@ -911,9 +911,9 @@
                 </a:solidFill>
               </a:defRPr>
             </a:lvl2pPr>
-            <a:lvl3pPr marL="1219170" indent="0">
+            <a:lvl3pPr marL="1439997" indent="0">
               <a:buNone/>
-              <a:defRPr sz="2400">
+              <a:defRPr sz="2835">
                 <a:solidFill>
                   <a:schemeClr val="tx1">
                     <a:tint val="75000"/>
@@ -921,9 +921,9 @@
                 </a:solidFill>
               </a:defRPr>
             </a:lvl3pPr>
-            <a:lvl4pPr marL="1828754" indent="0">
+            <a:lvl4pPr marL="2159996" indent="0">
               <a:buNone/>
-              <a:defRPr sz="2133">
+              <a:defRPr sz="2520">
                 <a:solidFill>
                   <a:schemeClr val="tx1">
                     <a:tint val="75000"/>
@@ -931,9 +931,9 @@
                 </a:solidFill>
               </a:defRPr>
             </a:lvl4pPr>
-            <a:lvl5pPr marL="2438339" indent="0">
+            <a:lvl5pPr marL="2879994" indent="0">
               <a:buNone/>
-              <a:defRPr sz="2133">
+              <a:defRPr sz="2520">
                 <a:solidFill>
                   <a:schemeClr val="tx1">
                     <a:tint val="75000"/>
@@ -941,9 +941,9 @@
                 </a:solidFill>
               </a:defRPr>
             </a:lvl5pPr>
-            <a:lvl6pPr marL="3047924" indent="0">
+            <a:lvl6pPr marL="3599993" indent="0">
               <a:buNone/>
-              <a:defRPr sz="2133">
+              <a:defRPr sz="2520">
                 <a:solidFill>
                   <a:schemeClr val="tx1">
                     <a:tint val="75000"/>
@@ -951,9 +951,9 @@
                 </a:solidFill>
               </a:defRPr>
             </a:lvl6pPr>
-            <a:lvl7pPr marL="3657509" indent="0">
+            <a:lvl7pPr marL="4319991" indent="0">
               <a:buNone/>
-              <a:defRPr sz="2133">
+              <a:defRPr sz="2520">
                 <a:solidFill>
                   <a:schemeClr val="tx1">
                     <a:tint val="75000"/>
@@ -961,9 +961,9 @@
                 </a:solidFill>
               </a:defRPr>
             </a:lvl7pPr>
-            <a:lvl8pPr marL="4267093" indent="0">
+            <a:lvl8pPr marL="5039990" indent="0">
               <a:buNone/>
-              <a:defRPr sz="2133">
+              <a:defRPr sz="2520">
                 <a:solidFill>
                   <a:schemeClr val="tx1">
                     <a:tint val="75000"/>
@@ -971,9 +971,9 @@
                 </a:solidFill>
               </a:defRPr>
             </a:lvl8pPr>
-            <a:lvl9pPr marL="4876678" indent="0">
+            <a:lvl9pPr marL="5759988" indent="0">
               <a:buNone/>
-              <a:defRPr sz="2133">
+              <a:defRPr sz="2520">
                 <a:solidFill>
                   <a:schemeClr val="tx1">
                     <a:tint val="75000"/>
@@ -1008,7 +1008,7 @@
           <a:p>
             <a:fld id="{822F160E-D177-420A-96E8-F3002FBB7819}" type="datetimeFigureOut">
               <a:rPr lang="en-SG" smtClean="0"/>
-              <a:t>1/11/2021</a:t>
+              <a:t>5/11/2021</a:t>
             </a:fld>
             <a:endParaRPr lang="en-SG" dirty="0"/>
           </a:p>
@@ -1059,7 +1059,7 @@
     </p:spTree>
     <p:extLst>
       <p:ext uri="{BB962C8B-B14F-4D97-AF65-F5344CB8AC3E}">
-        <p14:creationId xmlns:p14="http://schemas.microsoft.com/office/powerpoint/2010/main" val="2602736544"/>
+        <p14:creationId xmlns:p14="http://schemas.microsoft.com/office/powerpoint/2010/main" val="2176234909"/>
       </p:ext>
     </p:extLst>
   </p:cSld>
@@ -1121,8 +1121,8 @@
         </p:nvSpPr>
         <p:spPr>
           <a:xfrm>
-            <a:off x="838200" y="4796492"/>
-            <a:ext cx="5181600" cy="11432335"/>
+            <a:off x="990014" y="4796492"/>
+            <a:ext cx="6120091" cy="11432335"/>
           </a:xfrm>
         </p:spPr>
         <p:txBody>
@@ -1178,8 +1178,8 @@
         </p:nvSpPr>
         <p:spPr>
           <a:xfrm>
-            <a:off x="6172200" y="4796492"/>
-            <a:ext cx="5181600" cy="11432335"/>
+            <a:off x="7290108" y="4796492"/>
+            <a:ext cx="6120091" cy="11432335"/>
           </a:xfrm>
         </p:spPr>
         <p:txBody>
@@ -1240,7 +1240,7 @@
           <a:p>
             <a:fld id="{822F160E-D177-420A-96E8-F3002FBB7819}" type="datetimeFigureOut">
               <a:rPr lang="en-SG" smtClean="0"/>
-              <a:t>1/11/2021</a:t>
+              <a:t>5/11/2021</a:t>
             </a:fld>
             <a:endParaRPr lang="en-SG" dirty="0"/>
           </a:p>
@@ -1291,7 +1291,7 @@
     </p:spTree>
     <p:extLst>
       <p:ext uri="{BB962C8B-B14F-4D97-AF65-F5344CB8AC3E}">
-        <p14:creationId xmlns:p14="http://schemas.microsoft.com/office/powerpoint/2010/main" val="264896508"/>
+        <p14:creationId xmlns:p14="http://schemas.microsoft.com/office/powerpoint/2010/main" val="3725931362"/>
       </p:ext>
     </p:extLst>
   </p:cSld>
@@ -1330,8 +1330,8 @@
         </p:nvSpPr>
         <p:spPr>
           <a:xfrm>
-            <a:off x="839788" y="959302"/>
-            <a:ext cx="10515600" cy="3482671"/>
+            <a:off x="991890" y="959302"/>
+            <a:ext cx="12420184" cy="3482671"/>
           </a:xfrm>
         </p:spPr>
         <p:txBody>
@@ -1358,8 +1358,8 @@
         </p:nvSpPr>
         <p:spPr>
           <a:xfrm>
-            <a:off x="839789" y="4416945"/>
-            <a:ext cx="5157787" cy="2164676"/>
+            <a:off x="991892" y="4416945"/>
+            <a:ext cx="6091964" cy="2164676"/>
           </a:xfrm>
         </p:spPr>
         <p:txBody>
@@ -1367,39 +1367,39 @@
           <a:lstStyle>
             <a:lvl1pPr marL="0" indent="0">
               <a:buNone/>
-              <a:defRPr sz="3200" b="1"/>
+              <a:defRPr sz="3780" b="1"/>
             </a:lvl1pPr>
-            <a:lvl2pPr marL="609585" indent="0">
+            <a:lvl2pPr marL="719999" indent="0">
               <a:buNone/>
-              <a:defRPr sz="2667" b="1"/>
+              <a:defRPr sz="3150" b="1"/>
             </a:lvl2pPr>
-            <a:lvl3pPr marL="1219170" indent="0">
+            <a:lvl3pPr marL="1439997" indent="0">
               <a:buNone/>
-              <a:defRPr sz="2400" b="1"/>
+              <a:defRPr sz="2835" b="1"/>
             </a:lvl3pPr>
-            <a:lvl4pPr marL="1828754" indent="0">
+            <a:lvl4pPr marL="2159996" indent="0">
               <a:buNone/>
-              <a:defRPr sz="2133" b="1"/>
+              <a:defRPr sz="2520" b="1"/>
             </a:lvl4pPr>
-            <a:lvl5pPr marL="2438339" indent="0">
+            <a:lvl5pPr marL="2879994" indent="0">
               <a:buNone/>
-              <a:defRPr sz="2133" b="1"/>
+              <a:defRPr sz="2520" b="1"/>
             </a:lvl5pPr>
-            <a:lvl6pPr marL="3047924" indent="0">
+            <a:lvl6pPr marL="3599993" indent="0">
               <a:buNone/>
-              <a:defRPr sz="2133" b="1"/>
+              <a:defRPr sz="2520" b="1"/>
             </a:lvl6pPr>
-            <a:lvl7pPr marL="3657509" indent="0">
+            <a:lvl7pPr marL="4319991" indent="0">
               <a:buNone/>
-              <a:defRPr sz="2133" b="1"/>
+              <a:defRPr sz="2520" b="1"/>
             </a:lvl7pPr>
-            <a:lvl8pPr marL="4267093" indent="0">
+            <a:lvl8pPr marL="5039990" indent="0">
               <a:buNone/>
-              <a:defRPr sz="2133" b="1"/>
+              <a:defRPr sz="2520" b="1"/>
             </a:lvl8pPr>
-            <a:lvl9pPr marL="4876678" indent="0">
+            <a:lvl9pPr marL="5759988" indent="0">
               <a:buNone/>
-              <a:defRPr sz="2133" b="1"/>
+              <a:defRPr sz="2520" b="1"/>
             </a:lvl9pPr>
           </a:lstStyle>
           <a:p>
@@ -1423,8 +1423,8 @@
         </p:nvSpPr>
         <p:spPr>
           <a:xfrm>
-            <a:off x="839789" y="6581620"/>
-            <a:ext cx="5157787" cy="9680573"/>
+            <a:off x="991892" y="6581620"/>
+            <a:ext cx="6091964" cy="9680573"/>
           </a:xfrm>
         </p:spPr>
         <p:txBody>
@@ -1480,8 +1480,8 @@
         </p:nvSpPr>
         <p:spPr>
           <a:xfrm>
-            <a:off x="6172201" y="4416945"/>
-            <a:ext cx="5183188" cy="2164676"/>
+            <a:off x="7290109" y="4416945"/>
+            <a:ext cx="6121966" cy="2164676"/>
           </a:xfrm>
         </p:spPr>
         <p:txBody>
@@ -1489,39 +1489,39 @@
           <a:lstStyle>
             <a:lvl1pPr marL="0" indent="0">
               <a:buNone/>
-              <a:defRPr sz="3200" b="1"/>
+              <a:defRPr sz="3780" b="1"/>
             </a:lvl1pPr>
-            <a:lvl2pPr marL="609585" indent="0">
+            <a:lvl2pPr marL="719999" indent="0">
               <a:buNone/>
-              <a:defRPr sz="2667" b="1"/>
+              <a:defRPr sz="3150" b="1"/>
             </a:lvl2pPr>
-            <a:lvl3pPr marL="1219170" indent="0">
+            <a:lvl3pPr marL="1439997" indent="0">
               <a:buNone/>
-              <a:defRPr sz="2400" b="1"/>
+              <a:defRPr sz="2835" b="1"/>
             </a:lvl3pPr>
-            <a:lvl4pPr marL="1828754" indent="0">
+            <a:lvl4pPr marL="2159996" indent="0">
               <a:buNone/>
-              <a:defRPr sz="2133" b="1"/>
+              <a:defRPr sz="2520" b="1"/>
             </a:lvl4pPr>
-            <a:lvl5pPr marL="2438339" indent="0">
+            <a:lvl5pPr marL="2879994" indent="0">
               <a:buNone/>
-              <a:defRPr sz="2133" b="1"/>
+              <a:defRPr sz="2520" b="1"/>
             </a:lvl5pPr>
-            <a:lvl6pPr marL="3047924" indent="0">
+            <a:lvl6pPr marL="3599993" indent="0">
               <a:buNone/>
-              <a:defRPr sz="2133" b="1"/>
+              <a:defRPr sz="2520" b="1"/>
             </a:lvl6pPr>
-            <a:lvl7pPr marL="3657509" indent="0">
+            <a:lvl7pPr marL="4319991" indent="0">
               <a:buNone/>
-              <a:defRPr sz="2133" b="1"/>
+              <a:defRPr sz="2520" b="1"/>
             </a:lvl7pPr>
-            <a:lvl8pPr marL="4267093" indent="0">
+            <a:lvl8pPr marL="5039990" indent="0">
               <a:buNone/>
-              <a:defRPr sz="2133" b="1"/>
+              <a:defRPr sz="2520" b="1"/>
             </a:lvl8pPr>
-            <a:lvl9pPr marL="4876678" indent="0">
+            <a:lvl9pPr marL="5759988" indent="0">
               <a:buNone/>
-              <a:defRPr sz="2133" b="1"/>
+              <a:defRPr sz="2520" b="1"/>
             </a:lvl9pPr>
           </a:lstStyle>
           <a:p>
@@ -1545,8 +1545,8 @@
         </p:nvSpPr>
         <p:spPr>
           <a:xfrm>
-            <a:off x="6172201" y="6581620"/>
-            <a:ext cx="5183188" cy="9680573"/>
+            <a:off x="7290109" y="6581620"/>
+            <a:ext cx="6121966" cy="9680573"/>
           </a:xfrm>
         </p:spPr>
         <p:txBody>
@@ -1607,7 +1607,7 @@
           <a:p>
             <a:fld id="{822F160E-D177-420A-96E8-F3002FBB7819}" type="datetimeFigureOut">
               <a:rPr lang="en-SG" smtClean="0"/>
-              <a:t>1/11/2021</a:t>
+              <a:t>5/11/2021</a:t>
             </a:fld>
             <a:endParaRPr lang="en-SG" dirty="0"/>
           </a:p>
@@ -1658,7 +1658,7 @@
     </p:spTree>
     <p:extLst>
       <p:ext uri="{BB962C8B-B14F-4D97-AF65-F5344CB8AC3E}">
-        <p14:creationId xmlns:p14="http://schemas.microsoft.com/office/powerpoint/2010/main" val="622976293"/>
+        <p14:creationId xmlns:p14="http://schemas.microsoft.com/office/powerpoint/2010/main" val="4290378515"/>
       </p:ext>
     </p:extLst>
   </p:cSld>
@@ -1725,7 +1725,7 @@
           <a:p>
             <a:fld id="{822F160E-D177-420A-96E8-F3002FBB7819}" type="datetimeFigureOut">
               <a:rPr lang="en-SG" smtClean="0"/>
-              <a:t>1/11/2021</a:t>
+              <a:t>5/11/2021</a:t>
             </a:fld>
             <a:endParaRPr lang="en-SG" dirty="0"/>
           </a:p>
@@ -1776,7 +1776,7 @@
     </p:spTree>
     <p:extLst>
       <p:ext uri="{BB962C8B-B14F-4D97-AF65-F5344CB8AC3E}">
-        <p14:creationId xmlns:p14="http://schemas.microsoft.com/office/powerpoint/2010/main" val="542150826"/>
+        <p14:creationId xmlns:p14="http://schemas.microsoft.com/office/powerpoint/2010/main" val="437028448"/>
       </p:ext>
     </p:extLst>
   </p:cSld>
@@ -1820,7 +1820,7 @@
           <a:p>
             <a:fld id="{822F160E-D177-420A-96E8-F3002FBB7819}" type="datetimeFigureOut">
               <a:rPr lang="en-SG" smtClean="0"/>
-              <a:t>1/11/2021</a:t>
+              <a:t>5/11/2021</a:t>
             </a:fld>
             <a:endParaRPr lang="en-SG" dirty="0"/>
           </a:p>
@@ -1871,7 +1871,7 @@
     </p:spTree>
     <p:extLst>
       <p:ext uri="{BB962C8B-B14F-4D97-AF65-F5344CB8AC3E}">
-        <p14:creationId xmlns:p14="http://schemas.microsoft.com/office/powerpoint/2010/main" val="1314437471"/>
+        <p14:creationId xmlns:p14="http://schemas.microsoft.com/office/powerpoint/2010/main" val="676350667"/>
       </p:ext>
     </p:extLst>
   </p:cSld>
@@ -1910,15 +1910,15 @@
         </p:nvSpPr>
         <p:spPr>
           <a:xfrm>
-            <a:off x="839788" y="1201208"/>
-            <a:ext cx="3932237" cy="4204229"/>
+            <a:off x="991890" y="1201208"/>
+            <a:ext cx="4644444" cy="4204229"/>
           </a:xfrm>
         </p:spPr>
         <p:txBody>
           <a:bodyPr anchor="b"/>
           <a:lstStyle>
             <a:lvl1pPr>
-              <a:defRPr sz="4267"/>
+              <a:defRPr sz="5039"/>
             </a:lvl1pPr>
           </a:lstStyle>
           <a:p>
@@ -1942,39 +1942,39 @@
         </p:nvSpPr>
         <p:spPr>
           <a:xfrm>
-            <a:off x="5183188" y="2594280"/>
-            <a:ext cx="6172200" cy="12804547"/>
+            <a:off x="6121966" y="2594280"/>
+            <a:ext cx="7290108" cy="12804547"/>
           </a:xfrm>
         </p:spPr>
         <p:txBody>
           <a:bodyPr/>
           <a:lstStyle>
             <a:lvl1pPr>
-              <a:defRPr sz="4267"/>
+              <a:defRPr sz="5039"/>
             </a:lvl1pPr>
             <a:lvl2pPr>
-              <a:defRPr sz="3733"/>
+              <a:defRPr sz="4409"/>
             </a:lvl2pPr>
             <a:lvl3pPr>
-              <a:defRPr sz="3200"/>
+              <a:defRPr sz="3780"/>
             </a:lvl3pPr>
             <a:lvl4pPr>
-              <a:defRPr sz="2667"/>
+              <a:defRPr sz="3150"/>
             </a:lvl4pPr>
             <a:lvl5pPr>
-              <a:defRPr sz="2667"/>
+              <a:defRPr sz="3150"/>
             </a:lvl5pPr>
             <a:lvl6pPr>
-              <a:defRPr sz="2667"/>
+              <a:defRPr sz="3150"/>
             </a:lvl6pPr>
             <a:lvl7pPr>
-              <a:defRPr sz="2667"/>
+              <a:defRPr sz="3150"/>
             </a:lvl7pPr>
             <a:lvl8pPr>
-              <a:defRPr sz="2667"/>
+              <a:defRPr sz="3150"/>
             </a:lvl8pPr>
             <a:lvl9pPr>
-              <a:defRPr sz="2667"/>
+              <a:defRPr sz="3150"/>
             </a:lvl9pPr>
           </a:lstStyle>
           <a:p>
@@ -2027,8 +2027,8 @@
         </p:nvSpPr>
         <p:spPr>
           <a:xfrm>
-            <a:off x="839788" y="5405437"/>
-            <a:ext cx="3932237" cy="10014242"/>
+            <a:off x="991890" y="5405437"/>
+            <a:ext cx="4644444" cy="10014242"/>
           </a:xfrm>
         </p:spPr>
         <p:txBody>
@@ -2036,39 +2036,39 @@
           <a:lstStyle>
             <a:lvl1pPr marL="0" indent="0">
               <a:buNone/>
-              <a:defRPr sz="2133"/>
+              <a:defRPr sz="2520"/>
             </a:lvl1pPr>
-            <a:lvl2pPr marL="609585" indent="0">
+            <a:lvl2pPr marL="719999" indent="0">
               <a:buNone/>
-              <a:defRPr sz="1867"/>
+              <a:defRPr sz="2205"/>
             </a:lvl2pPr>
-            <a:lvl3pPr marL="1219170" indent="0">
+            <a:lvl3pPr marL="1439997" indent="0">
               <a:buNone/>
-              <a:defRPr sz="1600"/>
+              <a:defRPr sz="1890"/>
             </a:lvl3pPr>
-            <a:lvl4pPr marL="1828754" indent="0">
+            <a:lvl4pPr marL="2159996" indent="0">
               <a:buNone/>
-              <a:defRPr sz="1333"/>
+              <a:defRPr sz="1575"/>
             </a:lvl4pPr>
-            <a:lvl5pPr marL="2438339" indent="0">
+            <a:lvl5pPr marL="2879994" indent="0">
               <a:buNone/>
-              <a:defRPr sz="1333"/>
+              <a:defRPr sz="1575"/>
             </a:lvl5pPr>
-            <a:lvl6pPr marL="3047924" indent="0">
+            <a:lvl6pPr marL="3599993" indent="0">
               <a:buNone/>
-              <a:defRPr sz="1333"/>
+              <a:defRPr sz="1575"/>
             </a:lvl6pPr>
-            <a:lvl7pPr marL="3657509" indent="0">
+            <a:lvl7pPr marL="4319991" indent="0">
               <a:buNone/>
-              <a:defRPr sz="1333"/>
+              <a:defRPr sz="1575"/>
             </a:lvl7pPr>
-            <a:lvl8pPr marL="4267093" indent="0">
+            <a:lvl8pPr marL="5039990" indent="0">
               <a:buNone/>
-              <a:defRPr sz="1333"/>
+              <a:defRPr sz="1575"/>
             </a:lvl8pPr>
-            <a:lvl9pPr marL="4876678" indent="0">
+            <a:lvl9pPr marL="5759988" indent="0">
               <a:buNone/>
-              <a:defRPr sz="1333"/>
+              <a:defRPr sz="1575"/>
             </a:lvl9pPr>
           </a:lstStyle>
           <a:p>
@@ -2097,7 +2097,7 @@
           <a:p>
             <a:fld id="{822F160E-D177-420A-96E8-F3002FBB7819}" type="datetimeFigureOut">
               <a:rPr lang="en-SG" smtClean="0"/>
-              <a:t>1/11/2021</a:t>
+              <a:t>5/11/2021</a:t>
             </a:fld>
             <a:endParaRPr lang="en-SG" dirty="0"/>
           </a:p>
@@ -2148,7 +2148,7 @@
     </p:spTree>
     <p:extLst>
       <p:ext uri="{BB962C8B-B14F-4D97-AF65-F5344CB8AC3E}">
-        <p14:creationId xmlns:p14="http://schemas.microsoft.com/office/powerpoint/2010/main" val="14167335"/>
+        <p14:creationId xmlns:p14="http://schemas.microsoft.com/office/powerpoint/2010/main" val="243520417"/>
       </p:ext>
     </p:extLst>
   </p:cSld>
@@ -2187,15 +2187,15 @@
         </p:nvSpPr>
         <p:spPr>
           <a:xfrm>
-            <a:off x="839788" y="1201208"/>
-            <a:ext cx="3932237" cy="4204229"/>
+            <a:off x="991890" y="1201208"/>
+            <a:ext cx="4644444" cy="4204229"/>
           </a:xfrm>
         </p:spPr>
         <p:txBody>
           <a:bodyPr anchor="b"/>
           <a:lstStyle>
             <a:lvl1pPr>
-              <a:defRPr sz="4267"/>
+              <a:defRPr sz="5039"/>
             </a:lvl1pPr>
           </a:lstStyle>
           <a:p>
@@ -2219,8 +2219,8 @@
         </p:nvSpPr>
         <p:spPr>
           <a:xfrm>
-            <a:off x="5183188" y="2594280"/>
-            <a:ext cx="6172200" cy="12804547"/>
+            <a:off x="6121966" y="2594280"/>
+            <a:ext cx="7290108" cy="12804547"/>
           </a:xfrm>
         </p:spPr>
         <p:txBody>
@@ -2228,46 +2228,47 @@
           <a:lstStyle>
             <a:lvl1pPr marL="0" indent="0">
               <a:buNone/>
-              <a:defRPr sz="4267"/>
+              <a:defRPr sz="5039"/>
             </a:lvl1pPr>
-            <a:lvl2pPr marL="609585" indent="0">
+            <a:lvl2pPr marL="719999" indent="0">
               <a:buNone/>
-              <a:defRPr sz="3733"/>
+              <a:defRPr sz="4409"/>
             </a:lvl2pPr>
-            <a:lvl3pPr marL="1219170" indent="0">
+            <a:lvl3pPr marL="1439997" indent="0">
               <a:buNone/>
-              <a:defRPr sz="3200"/>
+              <a:defRPr sz="3780"/>
             </a:lvl3pPr>
-            <a:lvl4pPr marL="1828754" indent="0">
+            <a:lvl4pPr marL="2159996" indent="0">
               <a:buNone/>
-              <a:defRPr sz="2667"/>
+              <a:defRPr sz="3150"/>
             </a:lvl4pPr>
-            <a:lvl5pPr marL="2438339" indent="0">
+            <a:lvl5pPr marL="2879994" indent="0">
               <a:buNone/>
-              <a:defRPr sz="2667"/>
+              <a:defRPr sz="3150"/>
             </a:lvl5pPr>
-            <a:lvl6pPr marL="3047924" indent="0">
+            <a:lvl6pPr marL="3599993" indent="0">
               <a:buNone/>
-              <a:defRPr sz="2667"/>
+              <a:defRPr sz="3150"/>
             </a:lvl6pPr>
-            <a:lvl7pPr marL="3657509" indent="0">
+            <a:lvl7pPr marL="4319991" indent="0">
               <a:buNone/>
-              <a:defRPr sz="2667"/>
+              <a:defRPr sz="3150"/>
             </a:lvl7pPr>
-            <a:lvl8pPr marL="4267093" indent="0">
+            <a:lvl8pPr marL="5039990" indent="0">
               <a:buNone/>
-              <a:defRPr sz="2667"/>
+              <a:defRPr sz="3150"/>
             </a:lvl8pPr>
-            <a:lvl9pPr marL="4876678" indent="0">
+            <a:lvl9pPr marL="5759988" indent="0">
               <a:buNone/>
-              <a:defRPr sz="2667"/>
+              <a:defRPr sz="3150"/>
             </a:lvl9pPr>
           </a:lstStyle>
           <a:p>
             <a:r>
-              <a:rPr lang="en-US" dirty="0"/>
+              <a:rPr lang="en-US"/>
               <a:t>Click icon to add picture</a:t>
             </a:r>
+            <a:endParaRPr lang="en-US" dirty="0"/>
           </a:p>
         </p:txBody>
       </p:sp>
@@ -2283,8 +2284,8 @@
         </p:nvSpPr>
         <p:spPr>
           <a:xfrm>
-            <a:off x="839788" y="5405437"/>
-            <a:ext cx="3932237" cy="10014242"/>
+            <a:off x="991890" y="5405437"/>
+            <a:ext cx="4644444" cy="10014242"/>
           </a:xfrm>
         </p:spPr>
         <p:txBody>
@@ -2292,39 +2293,39 @@
           <a:lstStyle>
             <a:lvl1pPr marL="0" indent="0">
               <a:buNone/>
-              <a:defRPr sz="2133"/>
+              <a:defRPr sz="2520"/>
             </a:lvl1pPr>
-            <a:lvl2pPr marL="609585" indent="0">
+            <a:lvl2pPr marL="719999" indent="0">
               <a:buNone/>
-              <a:defRPr sz="1867"/>
+              <a:defRPr sz="2205"/>
             </a:lvl2pPr>
-            <a:lvl3pPr marL="1219170" indent="0">
+            <a:lvl3pPr marL="1439997" indent="0">
               <a:buNone/>
-              <a:defRPr sz="1600"/>
+              <a:defRPr sz="1890"/>
             </a:lvl3pPr>
-            <a:lvl4pPr marL="1828754" indent="0">
+            <a:lvl4pPr marL="2159996" indent="0">
               <a:buNone/>
-              <a:defRPr sz="1333"/>
+              <a:defRPr sz="1575"/>
             </a:lvl4pPr>
-            <a:lvl5pPr marL="2438339" indent="0">
+            <a:lvl5pPr marL="2879994" indent="0">
               <a:buNone/>
-              <a:defRPr sz="1333"/>
+              <a:defRPr sz="1575"/>
             </a:lvl5pPr>
-            <a:lvl6pPr marL="3047924" indent="0">
+            <a:lvl6pPr marL="3599993" indent="0">
               <a:buNone/>
-              <a:defRPr sz="1333"/>
+              <a:defRPr sz="1575"/>
             </a:lvl6pPr>
-            <a:lvl7pPr marL="3657509" indent="0">
+            <a:lvl7pPr marL="4319991" indent="0">
               <a:buNone/>
-              <a:defRPr sz="1333"/>
+              <a:defRPr sz="1575"/>
             </a:lvl7pPr>
-            <a:lvl8pPr marL="4267093" indent="0">
+            <a:lvl8pPr marL="5039990" indent="0">
               <a:buNone/>
-              <a:defRPr sz="1333"/>
+              <a:defRPr sz="1575"/>
             </a:lvl8pPr>
-            <a:lvl9pPr marL="4876678" indent="0">
+            <a:lvl9pPr marL="5759988" indent="0">
               <a:buNone/>
-              <a:defRPr sz="1333"/>
+              <a:defRPr sz="1575"/>
             </a:lvl9pPr>
           </a:lstStyle>
           <a:p>
@@ -2353,7 +2354,7 @@
           <a:p>
             <a:fld id="{822F160E-D177-420A-96E8-F3002FBB7819}" type="datetimeFigureOut">
               <a:rPr lang="en-SG" smtClean="0"/>
-              <a:t>1/11/2021</a:t>
+              <a:t>5/11/2021</a:t>
             </a:fld>
             <a:endParaRPr lang="en-SG" dirty="0"/>
           </a:p>
@@ -2404,7 +2405,7 @@
     </p:spTree>
     <p:extLst>
       <p:ext uri="{BB962C8B-B14F-4D97-AF65-F5344CB8AC3E}">
-        <p14:creationId xmlns:p14="http://schemas.microsoft.com/office/powerpoint/2010/main" val="890369353"/>
+        <p14:creationId xmlns:p14="http://schemas.microsoft.com/office/powerpoint/2010/main" val="3702725097"/>
       </p:ext>
     </p:extLst>
   </p:cSld>
@@ -2448,8 +2449,8 @@
         </p:nvSpPr>
         <p:spPr>
           <a:xfrm>
-            <a:off x="838200" y="959302"/>
-            <a:ext cx="10515600" cy="3482671"/>
+            <a:off x="990015" y="959302"/>
+            <a:ext cx="12420184" cy="3482671"/>
           </a:xfrm>
           <a:prstGeom prst="rect">
             <a:avLst/>
@@ -2481,8 +2482,8 @@
         </p:nvSpPr>
         <p:spPr>
           <a:xfrm>
-            <a:off x="838200" y="4796492"/>
-            <a:ext cx="10515600" cy="11432335"/>
+            <a:off x="990015" y="4796492"/>
+            <a:ext cx="12420184" cy="11432335"/>
           </a:xfrm>
           <a:prstGeom prst="rect">
             <a:avLst/>
@@ -2543,8 +2544,8 @@
         </p:nvSpPr>
         <p:spPr>
           <a:xfrm>
-            <a:off x="838200" y="16700137"/>
-            <a:ext cx="2743200" cy="959298"/>
+            <a:off x="990015" y="16700137"/>
+            <a:ext cx="3240048" cy="959298"/>
           </a:xfrm>
           <a:prstGeom prst="rect">
             <a:avLst/>
@@ -2554,7 +2555,7 @@
           <a:bodyPr vert="horz" lIns="91440" tIns="45720" rIns="91440" bIns="45720" rtlCol="0" anchor="ctr"/>
           <a:lstStyle>
             <a:lvl1pPr algn="l">
-              <a:defRPr sz="1600">
+              <a:defRPr sz="1890">
                 <a:solidFill>
                   <a:schemeClr val="tx1">
                     <a:tint val="75000"/>
@@ -2566,7 +2567,7 @@
           <a:p>
             <a:fld id="{822F160E-D177-420A-96E8-F3002FBB7819}" type="datetimeFigureOut">
               <a:rPr lang="en-SG" smtClean="0"/>
-              <a:t>1/11/2021</a:t>
+              <a:t>5/11/2021</a:t>
             </a:fld>
             <a:endParaRPr lang="en-SG" dirty="0"/>
           </a:p>
@@ -2584,8 +2585,8 @@
         </p:nvSpPr>
         <p:spPr>
           <a:xfrm>
-            <a:off x="4038600" y="16700137"/>
-            <a:ext cx="4114800" cy="959298"/>
+            <a:off x="4770071" y="16700137"/>
+            <a:ext cx="4860072" cy="959298"/>
           </a:xfrm>
           <a:prstGeom prst="rect">
             <a:avLst/>
@@ -2595,7 +2596,7 @@
           <a:bodyPr vert="horz" lIns="91440" tIns="45720" rIns="91440" bIns="45720" rtlCol="0" anchor="ctr"/>
           <a:lstStyle>
             <a:lvl1pPr algn="ctr">
-              <a:defRPr sz="1600">
+              <a:defRPr sz="1890">
                 <a:solidFill>
                   <a:schemeClr val="tx1">
                     <a:tint val="75000"/>
@@ -2621,8 +2622,8 @@
         </p:nvSpPr>
         <p:spPr>
           <a:xfrm>
-            <a:off x="8610600" y="16700137"/>
-            <a:ext cx="2743200" cy="959298"/>
+            <a:off x="10170150" y="16700137"/>
+            <a:ext cx="3240048" cy="959298"/>
           </a:xfrm>
           <a:prstGeom prst="rect">
             <a:avLst/>
@@ -2632,7 +2633,7 @@
           <a:bodyPr vert="horz" lIns="91440" tIns="45720" rIns="91440" bIns="45720" rtlCol="0" anchor="ctr"/>
           <a:lstStyle>
             <a:lvl1pPr algn="r">
-              <a:defRPr sz="1600">
+              <a:defRPr sz="1890">
                 <a:solidFill>
                   <a:schemeClr val="tx1">
                     <a:tint val="75000"/>
@@ -2653,27 +2654,27 @@
     </p:spTree>
     <p:extLst>
       <p:ext uri="{BB962C8B-B14F-4D97-AF65-F5344CB8AC3E}">
-        <p14:creationId xmlns:p14="http://schemas.microsoft.com/office/powerpoint/2010/main" val="3334959508"/>
+        <p14:creationId xmlns:p14="http://schemas.microsoft.com/office/powerpoint/2010/main" val="2221118753"/>
       </p:ext>
     </p:extLst>
   </p:cSld>
   <p:clrMap bg1="lt1" tx1="dk1" bg2="lt2" tx2="dk2" accent1="accent1" accent2="accent2" accent3="accent3" accent4="accent4" accent5="accent5" accent6="accent6" hlink="hlink" folHlink="folHlink"/>
   <p:sldLayoutIdLst>
-    <p:sldLayoutId id="2147483661" r:id="rId1"/>
-    <p:sldLayoutId id="2147483662" r:id="rId2"/>
-    <p:sldLayoutId id="2147483663" r:id="rId3"/>
-    <p:sldLayoutId id="2147483664" r:id="rId4"/>
-    <p:sldLayoutId id="2147483665" r:id="rId5"/>
-    <p:sldLayoutId id="2147483666" r:id="rId6"/>
-    <p:sldLayoutId id="2147483667" r:id="rId7"/>
-    <p:sldLayoutId id="2147483668" r:id="rId8"/>
-    <p:sldLayoutId id="2147483669" r:id="rId9"/>
-    <p:sldLayoutId id="2147483670" r:id="rId10"/>
-    <p:sldLayoutId id="2147483671" r:id="rId11"/>
+    <p:sldLayoutId id="2147483673" r:id="rId1"/>
+    <p:sldLayoutId id="2147483674" r:id="rId2"/>
+    <p:sldLayoutId id="2147483675" r:id="rId3"/>
+    <p:sldLayoutId id="2147483676" r:id="rId4"/>
+    <p:sldLayoutId id="2147483677" r:id="rId5"/>
+    <p:sldLayoutId id="2147483678" r:id="rId6"/>
+    <p:sldLayoutId id="2147483679" r:id="rId7"/>
+    <p:sldLayoutId id="2147483680" r:id="rId8"/>
+    <p:sldLayoutId id="2147483681" r:id="rId9"/>
+    <p:sldLayoutId id="2147483682" r:id="rId10"/>
+    <p:sldLayoutId id="2147483683" r:id="rId11"/>
   </p:sldLayoutIdLst>
   <p:txStyles>
     <p:titleStyle>
-      <a:lvl1pPr algn="l" defTabSz="1219170" rtl="0" eaLnBrk="1" latinLnBrk="0" hangingPunct="1">
+      <a:lvl1pPr algn="l" defTabSz="1439997" rtl="0" eaLnBrk="1" latinLnBrk="0" hangingPunct="1">
         <a:lnSpc>
           <a:spcPct val="90000"/>
         </a:lnSpc>
@@ -2681,7 +2682,7 @@
           <a:spcPct val="0"/>
         </a:spcBef>
         <a:buNone/>
-        <a:defRPr sz="5867" kern="1200">
+        <a:defRPr sz="6929" kern="1200">
           <a:solidFill>
             <a:schemeClr val="tx1"/>
           </a:solidFill>
@@ -2692,16 +2693,16 @@
       </a:lvl1pPr>
     </p:titleStyle>
     <p:bodyStyle>
-      <a:lvl1pPr marL="304792" indent="-304792" algn="l" defTabSz="1219170" rtl="0" eaLnBrk="1" latinLnBrk="0" hangingPunct="1">
+      <a:lvl1pPr marL="359999" indent="-359999" algn="l" defTabSz="1439997" rtl="0" eaLnBrk="1" latinLnBrk="0" hangingPunct="1">
         <a:lnSpc>
           <a:spcPct val="90000"/>
         </a:lnSpc>
         <a:spcBef>
-          <a:spcPts val="1333"/>
+          <a:spcPts val="1575"/>
         </a:spcBef>
         <a:buFont typeface="Arial" panose="020B0604020202020204" pitchFamily="34" charset="0"/>
         <a:buChar char="•"/>
-        <a:defRPr sz="3733" kern="1200">
+        <a:defRPr sz="4409" kern="1200">
           <a:solidFill>
             <a:schemeClr val="tx1"/>
           </a:solidFill>
@@ -2710,16 +2711,16 @@
           <a:cs typeface="+mn-cs"/>
         </a:defRPr>
       </a:lvl1pPr>
-      <a:lvl2pPr marL="914377" indent="-304792" algn="l" defTabSz="1219170" rtl="0" eaLnBrk="1" latinLnBrk="0" hangingPunct="1">
+      <a:lvl2pPr marL="1079998" indent="-359999" algn="l" defTabSz="1439997" rtl="0" eaLnBrk="1" latinLnBrk="0" hangingPunct="1">
         <a:lnSpc>
           <a:spcPct val="90000"/>
         </a:lnSpc>
         <a:spcBef>
-          <a:spcPts val="667"/>
+          <a:spcPts val="787"/>
         </a:spcBef>
         <a:buFont typeface="Arial" panose="020B0604020202020204" pitchFamily="34" charset="0"/>
         <a:buChar char="•"/>
-        <a:defRPr sz="3200" kern="1200">
+        <a:defRPr sz="3780" kern="1200">
           <a:solidFill>
             <a:schemeClr val="tx1"/>
           </a:solidFill>
@@ -2728,16 +2729,16 @@
           <a:cs typeface="+mn-cs"/>
         </a:defRPr>
       </a:lvl2pPr>
-      <a:lvl3pPr marL="1523962" indent="-304792" algn="l" defTabSz="1219170" rtl="0" eaLnBrk="1" latinLnBrk="0" hangingPunct="1">
+      <a:lvl3pPr marL="1799996" indent="-359999" algn="l" defTabSz="1439997" rtl="0" eaLnBrk="1" latinLnBrk="0" hangingPunct="1">
         <a:lnSpc>
           <a:spcPct val="90000"/>
         </a:lnSpc>
         <a:spcBef>
-          <a:spcPts val="667"/>
+          <a:spcPts val="787"/>
         </a:spcBef>
         <a:buFont typeface="Arial" panose="020B0604020202020204" pitchFamily="34" charset="0"/>
         <a:buChar char="•"/>
-        <a:defRPr sz="2667" kern="1200">
+        <a:defRPr sz="3150" kern="1200">
           <a:solidFill>
             <a:schemeClr val="tx1"/>
           </a:solidFill>
@@ -2746,16 +2747,16 @@
           <a:cs typeface="+mn-cs"/>
         </a:defRPr>
       </a:lvl3pPr>
-      <a:lvl4pPr marL="2133547" indent="-304792" algn="l" defTabSz="1219170" rtl="0" eaLnBrk="1" latinLnBrk="0" hangingPunct="1">
+      <a:lvl4pPr marL="2519995" indent="-359999" algn="l" defTabSz="1439997" rtl="0" eaLnBrk="1" latinLnBrk="0" hangingPunct="1">
         <a:lnSpc>
           <a:spcPct val="90000"/>
         </a:lnSpc>
         <a:spcBef>
-          <a:spcPts val="667"/>
+          <a:spcPts val="787"/>
         </a:spcBef>
         <a:buFont typeface="Arial" panose="020B0604020202020204" pitchFamily="34" charset="0"/>
         <a:buChar char="•"/>
-        <a:defRPr sz="2400" kern="1200">
+        <a:defRPr sz="2835" kern="1200">
           <a:solidFill>
             <a:schemeClr val="tx1"/>
           </a:solidFill>
@@ -2764,16 +2765,16 @@
           <a:cs typeface="+mn-cs"/>
         </a:defRPr>
       </a:lvl4pPr>
-      <a:lvl5pPr marL="2743131" indent="-304792" algn="l" defTabSz="1219170" rtl="0" eaLnBrk="1" latinLnBrk="0" hangingPunct="1">
+      <a:lvl5pPr marL="3239994" indent="-359999" algn="l" defTabSz="1439997" rtl="0" eaLnBrk="1" latinLnBrk="0" hangingPunct="1">
         <a:lnSpc>
           <a:spcPct val="90000"/>
         </a:lnSpc>
         <a:spcBef>
-          <a:spcPts val="667"/>
+          <a:spcPts val="787"/>
         </a:spcBef>
         <a:buFont typeface="Arial" panose="020B0604020202020204" pitchFamily="34" charset="0"/>
         <a:buChar char="•"/>
-        <a:defRPr sz="2400" kern="1200">
+        <a:defRPr sz="2835" kern="1200">
           <a:solidFill>
             <a:schemeClr val="tx1"/>
           </a:solidFill>
@@ -2782,16 +2783,16 @@
           <a:cs typeface="+mn-cs"/>
         </a:defRPr>
       </a:lvl5pPr>
-      <a:lvl6pPr marL="3352716" indent="-304792" algn="l" defTabSz="1219170" rtl="0" eaLnBrk="1" latinLnBrk="0" hangingPunct="1">
+      <a:lvl6pPr marL="3959992" indent="-359999" algn="l" defTabSz="1439997" rtl="0" eaLnBrk="1" latinLnBrk="0" hangingPunct="1">
         <a:lnSpc>
           <a:spcPct val="90000"/>
         </a:lnSpc>
         <a:spcBef>
-          <a:spcPts val="667"/>
+          <a:spcPts val="787"/>
         </a:spcBef>
         <a:buFont typeface="Arial" panose="020B0604020202020204" pitchFamily="34" charset="0"/>
         <a:buChar char="•"/>
-        <a:defRPr sz="2400" kern="1200">
+        <a:defRPr sz="2835" kern="1200">
           <a:solidFill>
             <a:schemeClr val="tx1"/>
           </a:solidFill>
@@ -2800,16 +2801,16 @@
           <a:cs typeface="+mn-cs"/>
         </a:defRPr>
       </a:lvl6pPr>
-      <a:lvl7pPr marL="3962301" indent="-304792" algn="l" defTabSz="1219170" rtl="0" eaLnBrk="1" latinLnBrk="0" hangingPunct="1">
+      <a:lvl7pPr marL="4679991" indent="-359999" algn="l" defTabSz="1439997" rtl="0" eaLnBrk="1" latinLnBrk="0" hangingPunct="1">
         <a:lnSpc>
           <a:spcPct val="90000"/>
         </a:lnSpc>
         <a:spcBef>
-          <a:spcPts val="667"/>
+          <a:spcPts val="787"/>
         </a:spcBef>
         <a:buFont typeface="Arial" panose="020B0604020202020204" pitchFamily="34" charset="0"/>
         <a:buChar char="•"/>
-        <a:defRPr sz="2400" kern="1200">
+        <a:defRPr sz="2835" kern="1200">
           <a:solidFill>
             <a:schemeClr val="tx1"/>
           </a:solidFill>
@@ -2818,16 +2819,16 @@
           <a:cs typeface="+mn-cs"/>
         </a:defRPr>
       </a:lvl7pPr>
-      <a:lvl8pPr marL="4571886" indent="-304792" algn="l" defTabSz="1219170" rtl="0" eaLnBrk="1" latinLnBrk="0" hangingPunct="1">
+      <a:lvl8pPr marL="5399989" indent="-359999" algn="l" defTabSz="1439997" rtl="0" eaLnBrk="1" latinLnBrk="0" hangingPunct="1">
         <a:lnSpc>
           <a:spcPct val="90000"/>
         </a:lnSpc>
         <a:spcBef>
-          <a:spcPts val="667"/>
+          <a:spcPts val="787"/>
         </a:spcBef>
         <a:buFont typeface="Arial" panose="020B0604020202020204" pitchFamily="34" charset="0"/>
         <a:buChar char="•"/>
-        <a:defRPr sz="2400" kern="1200">
+        <a:defRPr sz="2835" kern="1200">
           <a:solidFill>
             <a:schemeClr val="tx1"/>
           </a:solidFill>
@@ -2836,16 +2837,16 @@
           <a:cs typeface="+mn-cs"/>
         </a:defRPr>
       </a:lvl8pPr>
-      <a:lvl9pPr marL="5181470" indent="-304792" algn="l" defTabSz="1219170" rtl="0" eaLnBrk="1" latinLnBrk="0" hangingPunct="1">
+      <a:lvl9pPr marL="6119988" indent="-359999" algn="l" defTabSz="1439997" rtl="0" eaLnBrk="1" latinLnBrk="0" hangingPunct="1">
         <a:lnSpc>
           <a:spcPct val="90000"/>
         </a:lnSpc>
         <a:spcBef>
-          <a:spcPts val="667"/>
+          <a:spcPts val="787"/>
         </a:spcBef>
         <a:buFont typeface="Arial" panose="020B0604020202020204" pitchFamily="34" charset="0"/>
         <a:buChar char="•"/>
-        <a:defRPr sz="2400" kern="1200">
+        <a:defRPr sz="2835" kern="1200">
           <a:solidFill>
             <a:schemeClr val="tx1"/>
           </a:solidFill>
@@ -2859,8 +2860,8 @@
       <a:defPPr>
         <a:defRPr lang="en-US"/>
       </a:defPPr>
-      <a:lvl1pPr marL="0" algn="l" defTabSz="1219170" rtl="0" eaLnBrk="1" latinLnBrk="0" hangingPunct="1">
-        <a:defRPr sz="2400" kern="1200">
+      <a:lvl1pPr marL="0" algn="l" defTabSz="1439997" rtl="0" eaLnBrk="1" latinLnBrk="0" hangingPunct="1">
+        <a:defRPr sz="2835" kern="1200">
           <a:solidFill>
             <a:schemeClr val="tx1"/>
           </a:solidFill>
@@ -2869,8 +2870,8 @@
           <a:cs typeface="+mn-cs"/>
         </a:defRPr>
       </a:lvl1pPr>
-      <a:lvl2pPr marL="609585" algn="l" defTabSz="1219170" rtl="0" eaLnBrk="1" latinLnBrk="0" hangingPunct="1">
-        <a:defRPr sz="2400" kern="1200">
+      <a:lvl2pPr marL="719999" algn="l" defTabSz="1439997" rtl="0" eaLnBrk="1" latinLnBrk="0" hangingPunct="1">
+        <a:defRPr sz="2835" kern="1200">
           <a:solidFill>
             <a:schemeClr val="tx1"/>
           </a:solidFill>
@@ -2879,8 +2880,8 @@
           <a:cs typeface="+mn-cs"/>
         </a:defRPr>
       </a:lvl2pPr>
-      <a:lvl3pPr marL="1219170" algn="l" defTabSz="1219170" rtl="0" eaLnBrk="1" latinLnBrk="0" hangingPunct="1">
-        <a:defRPr sz="2400" kern="1200">
+      <a:lvl3pPr marL="1439997" algn="l" defTabSz="1439997" rtl="0" eaLnBrk="1" latinLnBrk="0" hangingPunct="1">
+        <a:defRPr sz="2835" kern="1200">
           <a:solidFill>
             <a:schemeClr val="tx1"/>
           </a:solidFill>
@@ -2889,8 +2890,8 @@
           <a:cs typeface="+mn-cs"/>
         </a:defRPr>
       </a:lvl3pPr>
-      <a:lvl4pPr marL="1828754" algn="l" defTabSz="1219170" rtl="0" eaLnBrk="1" latinLnBrk="0" hangingPunct="1">
-        <a:defRPr sz="2400" kern="1200">
+      <a:lvl4pPr marL="2159996" algn="l" defTabSz="1439997" rtl="0" eaLnBrk="1" latinLnBrk="0" hangingPunct="1">
+        <a:defRPr sz="2835" kern="1200">
           <a:solidFill>
             <a:schemeClr val="tx1"/>
           </a:solidFill>
@@ -2899,8 +2900,8 @@
           <a:cs typeface="+mn-cs"/>
         </a:defRPr>
       </a:lvl4pPr>
-      <a:lvl5pPr marL="2438339" algn="l" defTabSz="1219170" rtl="0" eaLnBrk="1" latinLnBrk="0" hangingPunct="1">
-        <a:defRPr sz="2400" kern="1200">
+      <a:lvl5pPr marL="2879994" algn="l" defTabSz="1439997" rtl="0" eaLnBrk="1" latinLnBrk="0" hangingPunct="1">
+        <a:defRPr sz="2835" kern="1200">
           <a:solidFill>
             <a:schemeClr val="tx1"/>
           </a:solidFill>
@@ -2909,8 +2910,8 @@
           <a:cs typeface="+mn-cs"/>
         </a:defRPr>
       </a:lvl5pPr>
-      <a:lvl6pPr marL="3047924" algn="l" defTabSz="1219170" rtl="0" eaLnBrk="1" latinLnBrk="0" hangingPunct="1">
-        <a:defRPr sz="2400" kern="1200">
+      <a:lvl6pPr marL="3599993" algn="l" defTabSz="1439997" rtl="0" eaLnBrk="1" latinLnBrk="0" hangingPunct="1">
+        <a:defRPr sz="2835" kern="1200">
           <a:solidFill>
             <a:schemeClr val="tx1"/>
           </a:solidFill>
@@ -2919,8 +2920,8 @@
           <a:cs typeface="+mn-cs"/>
         </a:defRPr>
       </a:lvl6pPr>
-      <a:lvl7pPr marL="3657509" algn="l" defTabSz="1219170" rtl="0" eaLnBrk="1" latinLnBrk="0" hangingPunct="1">
-        <a:defRPr sz="2400" kern="1200">
+      <a:lvl7pPr marL="4319991" algn="l" defTabSz="1439997" rtl="0" eaLnBrk="1" latinLnBrk="0" hangingPunct="1">
+        <a:defRPr sz="2835" kern="1200">
           <a:solidFill>
             <a:schemeClr val="tx1"/>
           </a:solidFill>
@@ -2929,8 +2930,8 @@
           <a:cs typeface="+mn-cs"/>
         </a:defRPr>
       </a:lvl7pPr>
-      <a:lvl8pPr marL="4267093" algn="l" defTabSz="1219170" rtl="0" eaLnBrk="1" latinLnBrk="0" hangingPunct="1">
-        <a:defRPr sz="2400" kern="1200">
+      <a:lvl8pPr marL="5039990" algn="l" defTabSz="1439997" rtl="0" eaLnBrk="1" latinLnBrk="0" hangingPunct="1">
+        <a:defRPr sz="2835" kern="1200">
           <a:solidFill>
             <a:schemeClr val="tx1"/>
           </a:solidFill>
@@ -2939,8 +2940,8 @@
           <a:cs typeface="+mn-cs"/>
         </a:defRPr>
       </a:lvl8pPr>
-      <a:lvl9pPr marL="4876678" algn="l" defTabSz="1219170" rtl="0" eaLnBrk="1" latinLnBrk="0" hangingPunct="1">
-        <a:defRPr sz="2400" kern="1200">
+      <a:lvl9pPr marL="5759988" algn="l" defTabSz="1439997" rtl="0" eaLnBrk="1" latinLnBrk="0" hangingPunct="1">
+        <a:defRPr sz="2835" kern="1200">
           <a:solidFill>
             <a:schemeClr val="tx1"/>
           </a:solidFill>
@@ -2985,7 +2986,7 @@
         </p:nvSpPr>
         <p:spPr>
           <a:xfrm>
-            <a:off x="3142426" y="5857648"/>
+            <a:off x="4246532" y="5857648"/>
             <a:ext cx="3371850" cy="840922"/>
           </a:xfrm>
           <a:prstGeom prst="rect">
@@ -3032,7 +3033,7 @@
         </p:nvSpPr>
         <p:spPr>
           <a:xfrm>
-            <a:off x="4385615" y="6715374"/>
+            <a:off x="5489721" y="6715376"/>
             <a:ext cx="332014" cy="286219"/>
           </a:xfrm>
           <a:prstGeom prst="triangle">
@@ -3079,7 +3080,7 @@
         </p:nvCxnSpPr>
         <p:spPr>
           <a:xfrm>
-            <a:off x="4551622" y="7001593"/>
+            <a:off x="5655728" y="7001595"/>
             <a:ext cx="0" cy="1182883"/>
           </a:xfrm>
           <a:prstGeom prst="line">
@@ -3115,7 +3116,7 @@
         </p:nvSpPr>
         <p:spPr>
           <a:xfrm>
-            <a:off x="3304351" y="6715374"/>
+            <a:off x="4408457" y="6715376"/>
             <a:ext cx="332014" cy="286219"/>
           </a:xfrm>
           <a:prstGeom prst="triangle">
@@ -3162,7 +3163,7 @@
         </p:nvCxnSpPr>
         <p:spPr>
           <a:xfrm>
-            <a:off x="3470358" y="7001587"/>
+            <a:off x="4574464" y="7001588"/>
             <a:ext cx="0" cy="897602"/>
           </a:xfrm>
           <a:prstGeom prst="line">
@@ -3198,7 +3199,7 @@
         </p:nvSpPr>
         <p:spPr>
           <a:xfrm>
-            <a:off x="6020335" y="6715374"/>
+            <a:off x="7124441" y="6715376"/>
             <a:ext cx="332014" cy="286219"/>
           </a:xfrm>
           <a:prstGeom prst="triangle">
@@ -3245,7 +3246,7 @@
         </p:nvCxnSpPr>
         <p:spPr>
           <a:xfrm>
-            <a:off x="6186342" y="7001587"/>
+            <a:off x="7290448" y="7001588"/>
             <a:ext cx="0" cy="897602"/>
           </a:xfrm>
           <a:prstGeom prst="line">
@@ -3281,7 +3282,7 @@
         </p:nvSpPr>
         <p:spPr>
           <a:xfrm>
-            <a:off x="3283358" y="8170986"/>
+            <a:off x="4387466" y="8170987"/>
             <a:ext cx="2877907" cy="619407"/>
           </a:xfrm>
           <a:prstGeom prst="rect">
@@ -3328,7 +3329,7 @@
         </p:nvSpPr>
         <p:spPr>
           <a:xfrm>
-            <a:off x="884468" y="8201738"/>
+            <a:off x="1988576" y="8201738"/>
             <a:ext cx="2068283" cy="601436"/>
           </a:xfrm>
           <a:prstGeom prst="rect">
@@ -3375,7 +3376,7 @@
         </p:nvSpPr>
         <p:spPr>
           <a:xfrm>
-            <a:off x="6514276" y="8197998"/>
+            <a:off x="7618382" y="8197998"/>
             <a:ext cx="3117264" cy="605974"/>
           </a:xfrm>
           <a:prstGeom prst="rect">
@@ -3424,7 +3425,7 @@
         </p:nvCxnSpPr>
         <p:spPr>
           <a:xfrm flipH="1">
-            <a:off x="2075912" y="7899189"/>
+            <a:off x="3180018" y="7899189"/>
             <a:ext cx="1394452" cy="0"/>
           </a:xfrm>
           <a:prstGeom prst="line">
@@ -3462,7 +3463,7 @@
         </p:nvCxnSpPr>
         <p:spPr>
           <a:xfrm>
-            <a:off x="2075912" y="7899194"/>
+            <a:off x="3180018" y="7899196"/>
             <a:ext cx="0" cy="285281"/>
           </a:xfrm>
           <a:prstGeom prst="line">
@@ -3500,7 +3501,7 @@
         </p:nvCxnSpPr>
         <p:spPr>
           <a:xfrm flipH="1">
-            <a:off x="6186347" y="7899189"/>
+            <a:off x="7290454" y="7899189"/>
             <a:ext cx="768803" cy="0"/>
           </a:xfrm>
           <a:prstGeom prst="line">
@@ -3538,7 +3539,7 @@
         </p:nvCxnSpPr>
         <p:spPr>
           <a:xfrm>
-            <a:off x="6955145" y="7887183"/>
+            <a:off x="8059251" y="7887185"/>
             <a:ext cx="0" cy="285281"/>
           </a:xfrm>
           <a:prstGeom prst="line">
@@ -3574,7 +3575,7 @@
         </p:nvSpPr>
         <p:spPr>
           <a:xfrm>
-            <a:off x="3283358" y="8759429"/>
+            <a:off x="4387466" y="8759429"/>
             <a:ext cx="2877907" cy="1067518"/>
           </a:xfrm>
           <a:prstGeom prst="rect">
@@ -3626,7 +3627,7 @@
         </p:nvSpPr>
         <p:spPr>
           <a:xfrm>
-            <a:off x="6514276" y="8797114"/>
+            <a:off x="7618382" y="8797115"/>
             <a:ext cx="3117264" cy="1105692"/>
           </a:xfrm>
           <a:prstGeom prst="rect">
@@ -3678,7 +3679,7 @@
         </p:nvSpPr>
         <p:spPr>
           <a:xfrm>
-            <a:off x="3283358" y="9771407"/>
+            <a:off x="4387466" y="9771409"/>
             <a:ext cx="2877907" cy="1914315"/>
           </a:xfrm>
           <a:prstGeom prst="rect">
@@ -3736,7 +3737,7 @@
         </p:nvSpPr>
         <p:spPr>
           <a:xfrm>
-            <a:off x="6514276" y="9898120"/>
+            <a:off x="7618382" y="9898122"/>
             <a:ext cx="3117264" cy="1783115"/>
           </a:xfrm>
           <a:prstGeom prst="rect">
@@ -3802,7 +3803,7 @@
         </p:nvCxnSpPr>
         <p:spPr>
           <a:xfrm>
-            <a:off x="4828354" y="11681235"/>
+            <a:off x="5932460" y="11681235"/>
             <a:ext cx="0" cy="2513292"/>
           </a:xfrm>
           <a:prstGeom prst="straightConnector1">
@@ -3843,7 +3844,7 @@
         </p:nvCxnSpPr>
         <p:spPr>
           <a:xfrm>
-            <a:off x="7079708" y="11681235"/>
+            <a:off x="8183816" y="11681235"/>
             <a:ext cx="1" cy="2513292"/>
           </a:xfrm>
           <a:prstGeom prst="straightConnector1">
@@ -3882,7 +3883,7 @@
         </p:nvSpPr>
         <p:spPr>
           <a:xfrm>
-            <a:off x="3142426" y="14226628"/>
+            <a:off x="4246534" y="14226628"/>
             <a:ext cx="4563831" cy="601436"/>
           </a:xfrm>
           <a:prstGeom prst="rect">
@@ -3929,7 +3930,7 @@
         </p:nvSpPr>
         <p:spPr>
           <a:xfrm>
-            <a:off x="3142426" y="14828071"/>
+            <a:off x="4246534" y="14828072"/>
             <a:ext cx="4563831" cy="928694"/>
           </a:xfrm>
           <a:prstGeom prst="rect">
@@ -3981,7 +3982,7 @@
         </p:nvSpPr>
         <p:spPr>
           <a:xfrm>
-            <a:off x="3142426" y="15756766"/>
+            <a:off x="4246534" y="15756767"/>
             <a:ext cx="4563831" cy="1781323"/>
           </a:xfrm>
           <a:prstGeom prst="rect">
@@ -4045,7 +4046,7 @@
         </p:nvSpPr>
         <p:spPr>
           <a:xfrm>
-            <a:off x="4544302" y="13887133"/>
+            <a:off x="5648408" y="13887133"/>
             <a:ext cx="327896" cy="369332"/>
           </a:xfrm>
           <a:prstGeom prst="rect">
@@ -4082,7 +4083,7 @@
         </p:nvCxnSpPr>
         <p:spPr>
           <a:xfrm>
-            <a:off x="7706257" y="14948457"/>
+            <a:off x="8810365" y="14948457"/>
             <a:ext cx="1160341" cy="0"/>
           </a:xfrm>
           <a:prstGeom prst="straightConnector1">
@@ -4121,7 +4122,7 @@
         </p:nvSpPr>
         <p:spPr>
           <a:xfrm>
-            <a:off x="7079708" y="13901535"/>
+            <a:off x="8183814" y="13901536"/>
             <a:ext cx="327896" cy="369332"/>
           </a:xfrm>
           <a:prstGeom prst="rect">
@@ -4156,7 +4157,7 @@
         </p:nvSpPr>
         <p:spPr>
           <a:xfrm>
-            <a:off x="8192795" y="14579125"/>
+            <a:off x="9296901" y="14579126"/>
             <a:ext cx="560788" cy="369332"/>
           </a:xfrm>
           <a:prstGeom prst="rect">
@@ -4191,7 +4192,7 @@
         </p:nvSpPr>
         <p:spPr>
           <a:xfrm>
-            <a:off x="8866598" y="13593091"/>
+            <a:off x="9970704" y="13593091"/>
             <a:ext cx="3117264" cy="601436"/>
           </a:xfrm>
           <a:prstGeom prst="rect">
@@ -4238,7 +4239,7 @@
         </p:nvSpPr>
         <p:spPr>
           <a:xfrm>
-            <a:off x="8866598" y="14194534"/>
+            <a:off x="9970704" y="14194535"/>
             <a:ext cx="3117264" cy="876544"/>
           </a:xfrm>
           <a:prstGeom prst="rect">
@@ -4290,7 +4291,7 @@
         </p:nvSpPr>
         <p:spPr>
           <a:xfrm>
-            <a:off x="8866598" y="15071077"/>
+            <a:off x="9970704" y="15071079"/>
             <a:ext cx="3117264" cy="1209561"/>
           </a:xfrm>
           <a:prstGeom prst="rect">
@@ -4344,7 +4345,7 @@
         </p:nvCxnSpPr>
         <p:spPr>
           <a:xfrm>
-            <a:off x="10461786" y="11132686"/>
+            <a:off x="11565894" y="11132688"/>
             <a:ext cx="1" cy="2448079"/>
           </a:xfrm>
           <a:prstGeom prst="straightConnector1">
@@ -4383,7 +4384,7 @@
         </p:nvSpPr>
         <p:spPr>
           <a:xfrm>
-            <a:off x="10434747" y="13178765"/>
+            <a:off x="11538853" y="13178765"/>
             <a:ext cx="327896" cy="369332"/>
           </a:xfrm>
           <a:prstGeom prst="rect">
@@ -4420,7 +4421,7 @@
         </p:nvCxnSpPr>
         <p:spPr>
           <a:xfrm flipH="1">
-            <a:off x="9631540" y="11132686"/>
+            <a:off x="10735646" y="11132686"/>
             <a:ext cx="830246" cy="0"/>
           </a:xfrm>
           <a:prstGeom prst="line">
@@ -4461,7 +4462,7 @@
         </p:nvSpPr>
         <p:spPr>
           <a:xfrm>
-            <a:off x="4899320" y="13901535"/>
+            <a:off x="6003428" y="13901536"/>
             <a:ext cx="1317063" cy="369332"/>
           </a:xfrm>
           <a:prstGeom prst="rect">
@@ -4496,7 +4497,7 @@
         </p:nvSpPr>
         <p:spPr>
           <a:xfrm>
-            <a:off x="6100718" y="13884224"/>
+            <a:off x="7204826" y="13884224"/>
             <a:ext cx="1317063" cy="369332"/>
           </a:xfrm>
           <a:prstGeom prst="rect">
@@ -4531,7 +4532,7 @@
         </p:nvSpPr>
         <p:spPr>
           <a:xfrm>
-            <a:off x="9631540" y="13183238"/>
+            <a:off x="10735648" y="13183238"/>
             <a:ext cx="1317063" cy="369332"/>
           </a:xfrm>
           <a:prstGeom prst="rect">
@@ -4566,7 +4567,7 @@
         </p:nvSpPr>
         <p:spPr>
           <a:xfrm>
-            <a:off x="7947825" y="14948457"/>
+            <a:off x="9051933" y="14948457"/>
             <a:ext cx="1317063" cy="369332"/>
           </a:xfrm>
           <a:prstGeom prst="rect">
@@ -4631,8 +4632,8 @@
         </p:nvSpPr>
         <p:spPr>
           <a:xfrm>
-            <a:off x="994712" y="4057357"/>
-            <a:ext cx="11000149" cy="4056740"/>
+            <a:off x="429373" y="4062233"/>
+            <a:ext cx="13733194" cy="4056740"/>
           </a:xfrm>
           <a:prstGeom prst="rect">
             <a:avLst/>
@@ -4675,7 +4676,7 @@
         </p:nvSpPr>
         <p:spPr>
           <a:xfrm>
-            <a:off x="1451913" y="981308"/>
+            <a:off x="1684147" y="981308"/>
             <a:ext cx="1538869" cy="479502"/>
           </a:xfrm>
           <a:prstGeom prst="rect">
@@ -4729,7 +4730,7 @@
         </p:nvCxnSpPr>
         <p:spPr>
           <a:xfrm>
-            <a:off x="2221347" y="1460810"/>
+            <a:off x="2453580" y="1460812"/>
             <a:ext cx="0" cy="468351"/>
           </a:xfrm>
           <a:prstGeom prst="line">
@@ -4774,7 +4775,7 @@
         </p:nvSpPr>
         <p:spPr>
           <a:xfrm>
-            <a:off x="2078071" y="1929160"/>
+            <a:off x="2310305" y="1929160"/>
             <a:ext cx="316119" cy="6569940"/>
           </a:xfrm>
           <a:prstGeom prst="rect">
@@ -4820,8 +4821,8 @@
         </p:nvCxnSpPr>
         <p:spPr>
           <a:xfrm>
-            <a:off x="994713" y="5295143"/>
-            <a:ext cx="11000148" cy="0"/>
+            <a:off x="542028" y="5295143"/>
+            <a:ext cx="13620539" cy="0"/>
           </a:xfrm>
           <a:prstGeom prst="line">
             <a:avLst/>
@@ -4867,8 +4868,8 @@
         </p:nvCxnSpPr>
         <p:spPr>
           <a:xfrm>
-            <a:off x="994712" y="6609980"/>
-            <a:ext cx="11000149" cy="0"/>
+            <a:off x="1064804" y="6604574"/>
+            <a:ext cx="13097763" cy="0"/>
           </a:xfrm>
           <a:prstGeom prst="line">
             <a:avLst/>
@@ -4900,10 +4901,10 @@
       </p:cxnSp>
       <p:sp>
         <p:nvSpPr>
-          <p:cNvPr id="15" name="Rectangle: Single Corner Snipped 14">
-            <a:extLst>
-              <a:ext uri="{FF2B5EF4-FFF2-40B4-BE49-F238E27FC236}">
-                <a16:creationId xmlns:a16="http://schemas.microsoft.com/office/drawing/2014/main" id="{83C178B0-9CE2-4824-A9D3-285B05209753}"/>
+          <p:cNvPr id="19" name="Rectangle: Single Corner Snipped 18">
+            <a:extLst>
+              <a:ext uri="{FF2B5EF4-FFF2-40B4-BE49-F238E27FC236}">
+                <a16:creationId xmlns:a16="http://schemas.microsoft.com/office/drawing/2014/main" id="{1F48B328-28D6-4193-9934-51158ED306C3}"/>
               </a:ext>
             </a:extLst>
           </p:cNvPr>
@@ -4912,7 +4913,7 @@
         </p:nvSpPr>
         <p:spPr>
           <a:xfrm flipV="1">
-            <a:off x="994713" y="4057357"/>
+            <a:off x="429509" y="6604574"/>
             <a:ext cx="724829" cy="528265"/>
           </a:xfrm>
           <a:prstGeom prst="snip1Rect">
@@ -4946,45 +4947,10 @@
       </p:sp>
       <p:sp>
         <p:nvSpPr>
-          <p:cNvPr id="16" name="TextBox 15">
-            <a:extLst>
-              <a:ext uri="{FF2B5EF4-FFF2-40B4-BE49-F238E27FC236}">
-                <a16:creationId xmlns:a16="http://schemas.microsoft.com/office/drawing/2014/main" id="{A46A3149-2140-433B-8BBF-188A7C5A196B}"/>
-              </a:ext>
-            </a:extLst>
-          </p:cNvPr>
-          <p:cNvSpPr txBox="1"/>
-          <p:nvPr/>
-        </p:nvSpPr>
-        <p:spPr>
-          <a:xfrm>
-            <a:off x="1083922" y="4136823"/>
-            <a:ext cx="546410" cy="369332"/>
-          </a:xfrm>
-          <a:prstGeom prst="rect">
-            <a:avLst/>
-          </a:prstGeom>
-          <a:noFill/>
-        </p:spPr>
-        <p:txBody>
-          <a:bodyPr wrap="square" rtlCol="0">
-            <a:spAutoFit/>
-          </a:bodyPr>
-          <a:lstStyle/>
-          <a:p>
-            <a:r>
-              <a:rPr lang="en-SG" dirty="0"/>
-              <a:t>alt</a:t>
-            </a:r>
-          </a:p>
-        </p:txBody>
-      </p:sp>
-      <p:sp>
-        <p:nvSpPr>
-          <p:cNvPr id="17" name="Rectangle: Single Corner Snipped 16">
-            <a:extLst>
-              <a:ext uri="{FF2B5EF4-FFF2-40B4-BE49-F238E27FC236}">
-                <a16:creationId xmlns:a16="http://schemas.microsoft.com/office/drawing/2014/main" id="{DC9B34AB-443C-43DF-9682-7A3051551210}"/>
+          <p:cNvPr id="21" name="Rectangle 20">
+            <a:extLst>
+              <a:ext uri="{FF2B5EF4-FFF2-40B4-BE49-F238E27FC236}">
+                <a16:creationId xmlns:a16="http://schemas.microsoft.com/office/drawing/2014/main" id="{097D8522-1A0F-4DFD-B056-876F3ECF345D}"/>
               </a:ext>
             </a:extLst>
           </p:cNvPr>
@@ -4992,170 +4958,8 @@
           <p:nvPr/>
         </p:nvSpPr>
         <p:spPr>
-          <a:xfrm flipV="1">
-            <a:off x="999359" y="5290016"/>
-            <a:ext cx="724829" cy="528265"/>
-          </a:xfrm>
-          <a:prstGeom prst="snip1Rect">
-            <a:avLst>
-              <a:gd name="adj" fmla="val 50000"/>
-            </a:avLst>
-          </a:prstGeom>
-        </p:spPr>
-        <p:style>
-          <a:lnRef idx="2">
-            <a:schemeClr val="accent2"/>
-          </a:lnRef>
-          <a:fillRef idx="1">
-            <a:schemeClr val="lt1"/>
-          </a:fillRef>
-          <a:effectRef idx="0">
-            <a:schemeClr val="accent2"/>
-          </a:effectRef>
-          <a:fontRef idx="minor">
-            <a:schemeClr val="dk1"/>
-          </a:fontRef>
-        </p:style>
-        <p:txBody>
-          <a:bodyPr rtlCol="0" anchor="ctr"/>
-          <a:lstStyle/>
-          <a:p>
-            <a:pPr algn="ctr"/>
-            <a:endParaRPr lang="en-SG" dirty="0"/>
-          </a:p>
-        </p:txBody>
-      </p:sp>
-      <p:sp>
-        <p:nvSpPr>
-          <p:cNvPr id="18" name="TextBox 17">
-            <a:extLst>
-              <a:ext uri="{FF2B5EF4-FFF2-40B4-BE49-F238E27FC236}">
-                <a16:creationId xmlns:a16="http://schemas.microsoft.com/office/drawing/2014/main" id="{F30F3C58-071C-4A1B-8FC7-E67B63999473}"/>
-              </a:ext>
-            </a:extLst>
-          </p:cNvPr>
-          <p:cNvSpPr txBox="1"/>
-          <p:nvPr/>
-        </p:nvSpPr>
-        <p:spPr>
-          <a:xfrm>
-            <a:off x="1088568" y="5369482"/>
-            <a:ext cx="546410" cy="369332"/>
-          </a:xfrm>
-          <a:prstGeom prst="rect">
-            <a:avLst/>
-          </a:prstGeom>
-          <a:noFill/>
-        </p:spPr>
-        <p:txBody>
-          <a:bodyPr wrap="square" rtlCol="0">
-            <a:spAutoFit/>
-          </a:bodyPr>
-          <a:lstStyle/>
-          <a:p>
-            <a:r>
-              <a:rPr lang="en-SG" dirty="0"/>
-              <a:t>alt</a:t>
-            </a:r>
-          </a:p>
-        </p:txBody>
-      </p:sp>
-      <p:sp>
-        <p:nvSpPr>
-          <p:cNvPr id="19" name="Rectangle: Single Corner Snipped 18">
-            <a:extLst>
-              <a:ext uri="{FF2B5EF4-FFF2-40B4-BE49-F238E27FC236}">
-                <a16:creationId xmlns:a16="http://schemas.microsoft.com/office/drawing/2014/main" id="{1F48B328-28D6-4193-9934-51158ED306C3}"/>
-              </a:ext>
-            </a:extLst>
-          </p:cNvPr>
-          <p:cNvSpPr/>
-          <p:nvPr/>
-        </p:nvSpPr>
-        <p:spPr>
-          <a:xfrm flipV="1">
-            <a:off x="994713" y="6602142"/>
-            <a:ext cx="724829" cy="528265"/>
-          </a:xfrm>
-          <a:prstGeom prst="snip1Rect">
-            <a:avLst>
-              <a:gd name="adj" fmla="val 50000"/>
-            </a:avLst>
-          </a:prstGeom>
-        </p:spPr>
-        <p:style>
-          <a:lnRef idx="2">
-            <a:schemeClr val="accent2"/>
-          </a:lnRef>
-          <a:fillRef idx="1">
-            <a:schemeClr val="lt1"/>
-          </a:fillRef>
-          <a:effectRef idx="0">
-            <a:schemeClr val="accent2"/>
-          </a:effectRef>
-          <a:fontRef idx="minor">
-            <a:schemeClr val="dk1"/>
-          </a:fontRef>
-        </p:style>
-        <p:txBody>
-          <a:bodyPr rtlCol="0" anchor="ctr"/>
-          <a:lstStyle/>
-          <a:p>
-            <a:pPr algn="ctr"/>
-            <a:endParaRPr lang="en-SG" dirty="0"/>
-          </a:p>
-        </p:txBody>
-      </p:sp>
-      <p:sp>
-        <p:nvSpPr>
-          <p:cNvPr id="20" name="TextBox 19">
-            <a:extLst>
-              <a:ext uri="{FF2B5EF4-FFF2-40B4-BE49-F238E27FC236}">
-                <a16:creationId xmlns:a16="http://schemas.microsoft.com/office/drawing/2014/main" id="{8E05CE15-49B7-45A0-B1AD-36EF0F4666CD}"/>
-              </a:ext>
-            </a:extLst>
-          </p:cNvPr>
-          <p:cNvSpPr txBox="1"/>
-          <p:nvPr/>
-        </p:nvSpPr>
-        <p:spPr>
-          <a:xfrm>
-            <a:off x="1083922" y="6681608"/>
-            <a:ext cx="546410" cy="369332"/>
-          </a:xfrm>
-          <a:prstGeom prst="rect">
-            <a:avLst/>
-          </a:prstGeom>
-          <a:noFill/>
-        </p:spPr>
-        <p:txBody>
-          <a:bodyPr wrap="square" rtlCol="0">
-            <a:spAutoFit/>
-          </a:bodyPr>
-          <a:lstStyle/>
-          <a:p>
-            <a:r>
-              <a:rPr lang="en-SG" dirty="0"/>
-              <a:t>alt</a:t>
-            </a:r>
-          </a:p>
-        </p:txBody>
-      </p:sp>
-      <p:sp>
-        <p:nvSpPr>
-          <p:cNvPr id="21" name="Rectangle 20">
-            <a:extLst>
-              <a:ext uri="{FF2B5EF4-FFF2-40B4-BE49-F238E27FC236}">
-                <a16:creationId xmlns:a16="http://schemas.microsoft.com/office/drawing/2014/main" id="{097D8522-1A0F-4DFD-B056-876F3ECF345D}"/>
-              </a:ext>
-            </a:extLst>
-          </p:cNvPr>
-          <p:cNvSpPr/>
-          <p:nvPr/>
-        </p:nvSpPr>
-        <p:spPr>
-          <a:xfrm>
-            <a:off x="4293067" y="979183"/>
+          <a:xfrm>
+            <a:off x="4525301" y="979183"/>
             <a:ext cx="1538869" cy="479502"/>
           </a:xfrm>
           <a:prstGeom prst="rect">
@@ -5202,7 +5006,7 @@
         </p:nvCxnSpPr>
         <p:spPr>
           <a:xfrm>
-            <a:off x="415526" y="1929160"/>
+            <a:off x="647761" y="1929160"/>
             <a:ext cx="1662545" cy="0"/>
           </a:xfrm>
           <a:prstGeom prst="straightConnector1">
@@ -5247,7 +5051,7 @@
         </p:nvSpPr>
         <p:spPr>
           <a:xfrm>
-            <a:off x="149628" y="1554362"/>
+            <a:off x="381861" y="1554363"/>
             <a:ext cx="3856886" cy="307777"/>
           </a:xfrm>
           <a:prstGeom prst="rect">
@@ -5279,13 +5083,14 @@
           </p:cNvPr>
           <p:cNvCxnSpPr>
             <a:cxnSpLocks/>
+            <a:endCxn id="27" idx="0"/>
           </p:cNvCxnSpPr>
           <p:nvPr/>
         </p:nvCxnSpPr>
         <p:spPr>
-          <a:xfrm>
-            <a:off x="5130799" y="1460810"/>
-            <a:ext cx="0" cy="645081"/>
+          <a:xfrm flipH="1">
+            <a:off x="5363030" y="1460810"/>
+            <a:ext cx="2" cy="762010"/>
           </a:xfrm>
           <a:prstGeom prst="line">
             <a:avLst/>
@@ -5329,8 +5134,8 @@
         </p:nvSpPr>
         <p:spPr>
           <a:xfrm>
-            <a:off x="4972742" y="2094819"/>
-            <a:ext cx="316114" cy="1294389"/>
+            <a:off x="5204972" y="2222820"/>
+            <a:ext cx="316119" cy="330422"/>
           </a:xfrm>
           <a:prstGeom prst="rect">
             <a:avLst/>
@@ -5375,7 +5180,7 @@
         </p:nvCxnSpPr>
         <p:spPr>
           <a:xfrm>
-            <a:off x="2399681" y="2227504"/>
+            <a:off x="2631916" y="2227504"/>
             <a:ext cx="2573061" cy="0"/>
           </a:xfrm>
           <a:prstGeom prst="straightConnector1">
@@ -5420,7 +5225,7 @@
         </p:nvSpPr>
         <p:spPr>
           <a:xfrm>
-            <a:off x="2364624" y="1787042"/>
+            <a:off x="2596857" y="1935905"/>
             <a:ext cx="2838830" cy="307777"/>
           </a:xfrm>
           <a:prstGeom prst="rect">
@@ -5457,7 +5262,7 @@
         </p:nvCxnSpPr>
         <p:spPr>
           <a:xfrm>
-            <a:off x="2399681" y="3016493"/>
+            <a:off x="2631916" y="3016493"/>
             <a:ext cx="2573061" cy="0"/>
           </a:xfrm>
           <a:prstGeom prst="straightConnector1">
@@ -5502,7 +5307,7 @@
         </p:nvSpPr>
         <p:spPr>
           <a:xfrm>
-            <a:off x="2364624" y="2581496"/>
+            <a:off x="2596857" y="2730359"/>
             <a:ext cx="2838830" cy="307777"/>
           </a:xfrm>
           <a:prstGeom prst="rect">
@@ -5534,13 +5339,14 @@
           </p:cNvPr>
           <p:cNvCxnSpPr>
             <a:cxnSpLocks/>
+            <a:stCxn id="62" idx="2"/>
           </p:cNvCxnSpPr>
           <p:nvPr/>
         </p:nvCxnSpPr>
         <p:spPr>
-          <a:xfrm>
-            <a:off x="5130799" y="3412275"/>
-            <a:ext cx="0" cy="5357599"/>
+          <a:xfrm flipH="1">
+            <a:off x="5363033" y="3354229"/>
+            <a:ext cx="4472" cy="5415647"/>
           </a:xfrm>
           <a:prstGeom prst="line">
             <a:avLst/>
@@ -5584,7 +5390,7 @@
         </p:nvSpPr>
         <p:spPr>
           <a:xfrm>
-            <a:off x="2270056" y="4326377"/>
+            <a:off x="2502289" y="4326377"/>
             <a:ext cx="316118" cy="574272"/>
           </a:xfrm>
           <a:prstGeom prst="rect">
@@ -5628,7 +5434,7 @@
         </p:nvSpPr>
         <p:spPr>
           <a:xfrm>
-            <a:off x="2275899" y="5557866"/>
+            <a:off x="2508132" y="5557866"/>
             <a:ext cx="316118" cy="574272"/>
           </a:xfrm>
           <a:prstGeom prst="rect">
@@ -5672,7 +5478,7 @@
         </p:nvSpPr>
         <p:spPr>
           <a:xfrm>
-            <a:off x="2275899" y="7049569"/>
+            <a:off x="2508132" y="7049569"/>
             <a:ext cx="316118" cy="574272"/>
           </a:xfrm>
           <a:prstGeom prst="rect">
@@ -5716,8 +5522,8 @@
         </p:nvSpPr>
         <p:spPr>
           <a:xfrm>
-            <a:off x="5095178" y="4052804"/>
-            <a:ext cx="2713337" cy="307777"/>
+            <a:off x="1085009" y="4052420"/>
+            <a:ext cx="2713337" cy="246221"/>
           </a:xfrm>
           <a:prstGeom prst="rect">
             <a:avLst/>
@@ -5731,7 +5537,7 @@
           <a:lstStyle/>
           <a:p>
             <a:r>
-              <a:rPr lang="en-SG" sz="1400" dirty="0"/>
+              <a:rPr lang="en-SG" sz="1000" dirty="0"/>
               <a:t>[riskLevel = LOW]</a:t>
             </a:r>
           </a:p>
@@ -5751,8 +5557,8 @@
         </p:nvSpPr>
         <p:spPr>
           <a:xfrm>
-            <a:off x="5095177" y="5326111"/>
-            <a:ext cx="2713337" cy="307777"/>
+            <a:off x="1085009" y="5326113"/>
+            <a:ext cx="2713337" cy="246221"/>
           </a:xfrm>
           <a:prstGeom prst="rect">
             <a:avLst/>
@@ -5766,7 +5572,7 @@
           <a:lstStyle/>
           <a:p>
             <a:r>
-              <a:rPr lang="en-SG" sz="1400" dirty="0"/>
+              <a:rPr lang="en-SG" sz="1000" dirty="0"/>
               <a:t>[riskLevel = MEDIUM]</a:t>
             </a:r>
           </a:p>
@@ -5786,8 +5592,8 @@
         </p:nvSpPr>
         <p:spPr>
           <a:xfrm>
-            <a:off x="5095177" y="6634516"/>
-            <a:ext cx="2713337" cy="307777"/>
+            <a:off x="1085009" y="6634518"/>
+            <a:ext cx="2713337" cy="246221"/>
           </a:xfrm>
           <a:prstGeom prst="rect">
             <a:avLst/>
@@ -5801,7 +5607,7 @@
           <a:lstStyle/>
           <a:p>
             <a:r>
-              <a:rPr lang="en-SG" sz="1400" dirty="0"/>
+              <a:rPr lang="en-SG" sz="1000" dirty="0"/>
               <a:t>[riskLevel = HIGH]</a:t>
             </a:r>
           </a:p>
@@ -5821,7 +5627,7 @@
         </p:nvSpPr>
         <p:spPr>
           <a:xfrm>
-            <a:off x="2570640" y="4136895"/>
+            <a:off x="2802873" y="4136897"/>
             <a:ext cx="159992" cy="282133"/>
           </a:xfrm>
           <a:custGeom>
@@ -5928,7 +5734,7 @@
         </p:nvSpPr>
         <p:spPr>
           <a:xfrm>
-            <a:off x="2802900" y="4009926"/>
+            <a:off x="3035133" y="4009927"/>
             <a:ext cx="2838830" cy="523220"/>
           </a:xfrm>
           <a:prstGeom prst="rect">
@@ -5963,7 +5769,7 @@
         </p:nvSpPr>
         <p:spPr>
           <a:xfrm>
-            <a:off x="2570640" y="5398062"/>
+            <a:off x="2802873" y="5398064"/>
             <a:ext cx="159992" cy="282133"/>
           </a:xfrm>
           <a:custGeom>
@@ -6070,7 +5876,7 @@
         </p:nvSpPr>
         <p:spPr>
           <a:xfrm>
-            <a:off x="2789845" y="5299394"/>
+            <a:off x="3022078" y="5299394"/>
             <a:ext cx="2327898" cy="523220"/>
           </a:xfrm>
           <a:prstGeom prst="rect">
@@ -6105,7 +5911,7 @@
         </p:nvSpPr>
         <p:spPr>
           <a:xfrm>
-            <a:off x="2581958" y="6869676"/>
+            <a:off x="2814191" y="6869678"/>
             <a:ext cx="159992" cy="282133"/>
           </a:xfrm>
           <a:custGeom>
@@ -6212,7 +6018,7 @@
         </p:nvSpPr>
         <p:spPr>
           <a:xfrm>
-            <a:off x="2756942" y="6592767"/>
+            <a:off x="2989175" y="6592768"/>
             <a:ext cx="2838830" cy="523220"/>
           </a:xfrm>
           <a:prstGeom prst="rect">
@@ -6247,7 +6053,7 @@
         </p:nvSpPr>
         <p:spPr>
           <a:xfrm>
-            <a:off x="6206960" y="981308"/>
+            <a:off x="6439193" y="981308"/>
             <a:ext cx="1703672" cy="479502"/>
           </a:xfrm>
           <a:prstGeom prst="rect">
@@ -6294,7 +6100,7 @@
         </p:nvSpPr>
         <p:spPr>
           <a:xfrm>
-            <a:off x="8110953" y="979183"/>
+            <a:off x="8343186" y="979183"/>
             <a:ext cx="2101452" cy="479502"/>
           </a:xfrm>
           <a:prstGeom prst="rect">
@@ -6341,7 +6147,7 @@
         </p:nvSpPr>
         <p:spPr>
           <a:xfrm>
-            <a:off x="10492358" y="979183"/>
+            <a:off x="10724592" y="979183"/>
             <a:ext cx="1673973" cy="479502"/>
           </a:xfrm>
           <a:prstGeom prst="rect">
@@ -6390,7 +6196,7 @@
         </p:nvCxnSpPr>
         <p:spPr>
           <a:xfrm>
-            <a:off x="7044622" y="1469966"/>
+            <a:off x="7276855" y="1469968"/>
             <a:ext cx="0" cy="3416557"/>
           </a:xfrm>
           <a:prstGeom prst="line">
@@ -6437,7 +6243,7 @@
         </p:nvCxnSpPr>
         <p:spPr>
           <a:xfrm>
-            <a:off x="9158182" y="1458685"/>
+            <a:off x="9390415" y="1458685"/>
             <a:ext cx="0" cy="4632390"/>
           </a:xfrm>
           <a:prstGeom prst="line">
@@ -6479,13 +6285,12 @@
           </p:cNvPr>
           <p:cNvCxnSpPr>
             <a:cxnSpLocks/>
-            <a:endCxn id="82" idx="0"/>
           </p:cNvCxnSpPr>
           <p:nvPr/>
         </p:nvCxnSpPr>
         <p:spPr>
           <a:xfrm>
-            <a:off x="11302492" y="1469966"/>
+            <a:off x="11537039" y="1469968"/>
             <a:ext cx="1" cy="6127430"/>
           </a:xfrm>
           <a:prstGeom prst="line">
@@ -6530,7 +6335,7 @@
         </p:nvSpPr>
         <p:spPr>
           <a:xfrm>
-            <a:off x="6906632" y="4886523"/>
+            <a:off x="7138867" y="4886525"/>
             <a:ext cx="305645" cy="321083"/>
           </a:xfrm>
           <a:prstGeom prst="rect">
@@ -6576,7 +6381,7 @@
         </p:nvCxnSpPr>
         <p:spPr>
           <a:xfrm>
-            <a:off x="2592017" y="4892000"/>
+            <a:off x="2824252" y="4892000"/>
             <a:ext cx="4314615" cy="0"/>
           </a:xfrm>
           <a:prstGeom prst="straightConnector1">
@@ -6621,7 +6426,7 @@
         </p:nvSpPr>
         <p:spPr>
           <a:xfrm>
-            <a:off x="5109718" y="4591013"/>
+            <a:off x="5341951" y="4591014"/>
             <a:ext cx="2838830" cy="307777"/>
           </a:xfrm>
           <a:prstGeom prst="rect">
@@ -6658,7 +6463,7 @@
         </p:nvCxnSpPr>
         <p:spPr>
           <a:xfrm>
-            <a:off x="2582973" y="6131902"/>
+            <a:off x="2815208" y="6131902"/>
             <a:ext cx="6418433" cy="0"/>
           </a:xfrm>
           <a:prstGeom prst="straightConnector1">
@@ -6703,7 +6508,7 @@
         </p:nvSpPr>
         <p:spPr>
           <a:xfrm>
-            <a:off x="7124074" y="5830916"/>
+            <a:off x="7356307" y="5830917"/>
             <a:ext cx="1715794" cy="307777"/>
           </a:xfrm>
           <a:prstGeom prst="rect">
@@ -6738,7 +6543,7 @@
         </p:nvSpPr>
         <p:spPr>
           <a:xfrm>
-            <a:off x="9014462" y="6105144"/>
+            <a:off x="9246697" y="6105146"/>
             <a:ext cx="305645" cy="321083"/>
           </a:xfrm>
           <a:prstGeom prst="rect">
@@ -6784,7 +6589,7 @@
         </p:nvCxnSpPr>
         <p:spPr>
           <a:xfrm>
-            <a:off x="2592017" y="7623841"/>
+            <a:off x="2824250" y="7623841"/>
             <a:ext cx="8536572" cy="0"/>
           </a:xfrm>
           <a:prstGeom prst="straightConnector1">
@@ -6829,7 +6634,7 @@
         </p:nvSpPr>
         <p:spPr>
           <a:xfrm>
-            <a:off x="9489206" y="7322855"/>
+            <a:off x="9721439" y="7322856"/>
             <a:ext cx="1715794" cy="307777"/>
           </a:xfrm>
           <a:prstGeom prst="rect">
@@ -6864,7 +6669,7 @@
         </p:nvSpPr>
         <p:spPr>
           <a:xfrm>
-            <a:off x="11149670" y="7597396"/>
+            <a:off x="11381905" y="7597398"/>
             <a:ext cx="305645" cy="321083"/>
           </a:xfrm>
           <a:prstGeom prst="rect">
@@ -6910,7 +6715,7 @@
         </p:nvCxnSpPr>
         <p:spPr>
           <a:xfrm flipH="1">
-            <a:off x="309794" y="8499100"/>
+            <a:off x="542029" y="8499100"/>
             <a:ext cx="1768277" cy="0"/>
           </a:xfrm>
           <a:prstGeom prst="line">
@@ -6941,41 +6746,6 @@
           </a:fontRef>
         </p:style>
       </p:cxnSp>
-      <p:sp>
-        <p:nvSpPr>
-          <p:cNvPr id="90" name="TextBox 89">
-            <a:extLst>
-              <a:ext uri="{FF2B5EF4-FFF2-40B4-BE49-F238E27FC236}">
-                <a16:creationId xmlns:a16="http://schemas.microsoft.com/office/drawing/2014/main" id="{FAFBEE1D-C65C-4EFD-B677-411EE82C2D65}"/>
-              </a:ext>
-            </a:extLst>
-          </p:cNvPr>
-          <p:cNvSpPr txBox="1"/>
-          <p:nvPr/>
-        </p:nvSpPr>
-        <p:spPr>
-          <a:xfrm>
-            <a:off x="-94391" y="8164679"/>
-            <a:ext cx="3856886" cy="307777"/>
-          </a:xfrm>
-          <a:prstGeom prst="rect">
-            <a:avLst/>
-          </a:prstGeom>
-          <a:noFill/>
-        </p:spPr>
-        <p:txBody>
-          <a:bodyPr wrap="square" rtlCol="0">
-            <a:spAutoFit/>
-          </a:bodyPr>
-          <a:lstStyle/>
-          <a:p>
-            <a:r>
-              <a:rPr lang="en-SG" sz="1400" dirty="0"/>
-              <a:t>Print elderly added message</a:t>
-            </a:r>
-          </a:p>
-        </p:txBody>
-      </p:sp>
       <p:cxnSp>
         <p:nvCxnSpPr>
           <p:cNvPr id="91" name="Straight Connector 90">
@@ -6992,7 +6762,7 @@
         </p:nvCxnSpPr>
         <p:spPr>
           <a:xfrm>
-            <a:off x="7044622" y="5207606"/>
+            <a:off x="7276855" y="5207606"/>
             <a:ext cx="0" cy="3562268"/>
           </a:xfrm>
           <a:prstGeom prst="line">
@@ -7039,7 +6809,7 @@
         </p:nvCxnSpPr>
         <p:spPr>
           <a:xfrm>
-            <a:off x="9167284" y="6426227"/>
+            <a:off x="9399517" y="6426229"/>
             <a:ext cx="0" cy="2343647"/>
           </a:xfrm>
           <a:prstGeom prst="line">
@@ -7086,7 +6856,7 @@
         </p:nvCxnSpPr>
         <p:spPr>
           <a:xfrm>
-            <a:off x="11302492" y="7918479"/>
+            <a:off x="11534725" y="7918481"/>
             <a:ext cx="0" cy="851395"/>
           </a:xfrm>
           <a:prstGeom prst="line">
@@ -7133,7 +6903,7 @@
         </p:nvCxnSpPr>
         <p:spPr>
           <a:xfrm>
-            <a:off x="2221347" y="8499100"/>
+            <a:off x="2441677" y="8499100"/>
             <a:ext cx="0" cy="395518"/>
           </a:xfrm>
           <a:prstGeom prst="line">
@@ -7164,6 +6934,979 @@
           </a:fontRef>
         </p:style>
       </p:cxnSp>
+      <p:sp>
+        <p:nvSpPr>
+          <p:cNvPr id="62" name="Rectangle 61">
+            <a:extLst>
+              <a:ext uri="{FF2B5EF4-FFF2-40B4-BE49-F238E27FC236}">
+                <a16:creationId xmlns:a16="http://schemas.microsoft.com/office/drawing/2014/main" id="{751947A4-6557-426C-941B-2D042FC6C200}"/>
+              </a:ext>
+            </a:extLst>
+          </p:cNvPr>
+          <p:cNvSpPr/>
+          <p:nvPr/>
+        </p:nvSpPr>
+        <p:spPr>
+          <a:xfrm>
+            <a:off x="5209446" y="3023805"/>
+            <a:ext cx="316119" cy="330422"/>
+          </a:xfrm>
+          <a:prstGeom prst="rect">
+            <a:avLst/>
+          </a:prstGeom>
+        </p:spPr>
+        <p:style>
+          <a:lnRef idx="1">
+            <a:schemeClr val="accent6"/>
+          </a:lnRef>
+          <a:fillRef idx="2">
+            <a:schemeClr val="accent6"/>
+          </a:fillRef>
+          <a:effectRef idx="1">
+            <a:schemeClr val="accent6"/>
+          </a:effectRef>
+          <a:fontRef idx="minor">
+            <a:schemeClr val="dk1"/>
+          </a:fontRef>
+        </p:style>
+        <p:txBody>
+          <a:bodyPr rtlCol="0" anchor="ctr"/>
+          <a:lstStyle/>
+          <a:p>
+            <a:pPr algn="ctr"/>
+            <a:endParaRPr lang="en-SG" dirty="0"/>
+          </a:p>
+        </p:txBody>
+      </p:sp>
+      <p:cxnSp>
+        <p:nvCxnSpPr>
+          <p:cNvPr id="64" name="Straight Connector 63">
+            <a:extLst>
+              <a:ext uri="{FF2B5EF4-FFF2-40B4-BE49-F238E27FC236}">
+                <a16:creationId xmlns:a16="http://schemas.microsoft.com/office/drawing/2014/main" id="{AD2F6C65-6302-41F9-B68B-542CFD7C75E2}"/>
+              </a:ext>
+            </a:extLst>
+          </p:cNvPr>
+          <p:cNvCxnSpPr>
+            <a:cxnSpLocks/>
+            <a:stCxn id="27" idx="2"/>
+            <a:endCxn id="62" idx="0"/>
+          </p:cNvCxnSpPr>
+          <p:nvPr/>
+        </p:nvCxnSpPr>
+        <p:spPr>
+          <a:xfrm>
+            <a:off x="5363032" y="2553244"/>
+            <a:ext cx="4475" cy="470563"/>
+          </a:xfrm>
+          <a:prstGeom prst="line">
+            <a:avLst/>
+          </a:prstGeom>
+          <a:ln w="9525" cap="flat" cmpd="sng" algn="ctr">
+            <a:solidFill>
+              <a:schemeClr val="dk1"/>
+            </a:solidFill>
+            <a:prstDash val="dash"/>
+            <a:round/>
+            <a:headEnd type="none" w="med" len="med"/>
+            <a:tailEnd type="none" w="med" len="med"/>
+          </a:ln>
+        </p:spPr>
+        <p:style>
+          <a:lnRef idx="0">
+            <a:scrgbClr r="0" g="0" b="0"/>
+          </a:lnRef>
+          <a:fillRef idx="0">
+            <a:scrgbClr r="0" g="0" b="0"/>
+          </a:fillRef>
+          <a:effectRef idx="0">
+            <a:scrgbClr r="0" g="0" b="0"/>
+          </a:effectRef>
+          <a:fontRef idx="minor">
+            <a:schemeClr val="tx1"/>
+          </a:fontRef>
+        </p:style>
+      </p:cxnSp>
+      <p:cxnSp>
+        <p:nvCxnSpPr>
+          <p:cNvPr id="69" name="Straight Connector 68">
+            <a:extLst>
+              <a:ext uri="{FF2B5EF4-FFF2-40B4-BE49-F238E27FC236}">
+                <a16:creationId xmlns:a16="http://schemas.microsoft.com/office/drawing/2014/main" id="{7E04EF90-00EC-4F66-984C-60F8AA7B4FC9}"/>
+              </a:ext>
+            </a:extLst>
+          </p:cNvPr>
+          <p:cNvCxnSpPr>
+            <a:cxnSpLocks/>
+          </p:cNvCxnSpPr>
+          <p:nvPr/>
+        </p:nvCxnSpPr>
+        <p:spPr>
+          <a:xfrm flipH="1">
+            <a:off x="2626425" y="2553242"/>
+            <a:ext cx="2578549" cy="0"/>
+          </a:xfrm>
+          <a:prstGeom prst="line">
+            <a:avLst/>
+          </a:prstGeom>
+          <a:ln w="9525" cap="flat" cmpd="sng" algn="ctr">
+            <a:solidFill>
+              <a:schemeClr val="dk1"/>
+            </a:solidFill>
+            <a:prstDash val="dash"/>
+            <a:round/>
+            <a:headEnd type="none" w="med" len="med"/>
+            <a:tailEnd type="arrow" w="med" len="med"/>
+          </a:ln>
+        </p:spPr>
+        <p:style>
+          <a:lnRef idx="0">
+            <a:scrgbClr r="0" g="0" b="0"/>
+          </a:lnRef>
+          <a:fillRef idx="0">
+            <a:scrgbClr r="0" g="0" b="0"/>
+          </a:fillRef>
+          <a:effectRef idx="0">
+            <a:scrgbClr r="0" g="0" b="0"/>
+          </a:effectRef>
+          <a:fontRef idx="minor">
+            <a:schemeClr val="tx1"/>
+          </a:fontRef>
+        </p:style>
+      </p:cxnSp>
+      <p:cxnSp>
+        <p:nvCxnSpPr>
+          <p:cNvPr id="70" name="Straight Connector 69">
+            <a:extLst>
+              <a:ext uri="{FF2B5EF4-FFF2-40B4-BE49-F238E27FC236}">
+                <a16:creationId xmlns:a16="http://schemas.microsoft.com/office/drawing/2014/main" id="{669E090F-0608-4C17-94F6-94BDE758E4E5}"/>
+              </a:ext>
+            </a:extLst>
+          </p:cNvPr>
+          <p:cNvCxnSpPr>
+            <a:cxnSpLocks/>
+          </p:cNvCxnSpPr>
+          <p:nvPr/>
+        </p:nvCxnSpPr>
+        <p:spPr>
+          <a:xfrm flipH="1">
+            <a:off x="2626425" y="3354227"/>
+            <a:ext cx="2578549" cy="0"/>
+          </a:xfrm>
+          <a:prstGeom prst="line">
+            <a:avLst/>
+          </a:prstGeom>
+          <a:ln w="9525" cap="flat" cmpd="sng" algn="ctr">
+            <a:solidFill>
+              <a:schemeClr val="dk1"/>
+            </a:solidFill>
+            <a:prstDash val="dash"/>
+            <a:round/>
+            <a:headEnd type="none" w="med" len="med"/>
+            <a:tailEnd type="arrow" w="med" len="med"/>
+          </a:ln>
+        </p:spPr>
+        <p:style>
+          <a:lnRef idx="0">
+            <a:scrgbClr r="0" g="0" b="0"/>
+          </a:lnRef>
+          <a:fillRef idx="0">
+            <a:scrgbClr r="0" g="0" b="0"/>
+          </a:fillRef>
+          <a:effectRef idx="0">
+            <a:scrgbClr r="0" g="0" b="0"/>
+          </a:effectRef>
+          <a:fontRef idx="minor">
+            <a:schemeClr val="tx1"/>
+          </a:fontRef>
+        </p:style>
+      </p:cxnSp>
+      <p:sp>
+        <p:nvSpPr>
+          <p:cNvPr id="71" name="Rectangle: Single Corner Snipped 70">
+            <a:extLst>
+              <a:ext uri="{FF2B5EF4-FFF2-40B4-BE49-F238E27FC236}">
+                <a16:creationId xmlns:a16="http://schemas.microsoft.com/office/drawing/2014/main" id="{6CF716A6-3B46-4F1B-A9F0-C83516E32AC7}"/>
+              </a:ext>
+            </a:extLst>
+          </p:cNvPr>
+          <p:cNvSpPr/>
+          <p:nvPr/>
+        </p:nvSpPr>
+        <p:spPr>
+          <a:xfrm flipV="1">
+            <a:off x="429185" y="4060511"/>
+            <a:ext cx="724829" cy="528265"/>
+          </a:xfrm>
+          <a:prstGeom prst="snip1Rect">
+            <a:avLst>
+              <a:gd name="adj" fmla="val 50000"/>
+            </a:avLst>
+          </a:prstGeom>
+        </p:spPr>
+        <p:style>
+          <a:lnRef idx="2">
+            <a:schemeClr val="accent2"/>
+          </a:lnRef>
+          <a:fillRef idx="1">
+            <a:schemeClr val="lt1"/>
+          </a:fillRef>
+          <a:effectRef idx="0">
+            <a:schemeClr val="accent2"/>
+          </a:effectRef>
+          <a:fontRef idx="minor">
+            <a:schemeClr val="dk1"/>
+          </a:fontRef>
+        </p:style>
+        <p:txBody>
+          <a:bodyPr rtlCol="0" anchor="ctr"/>
+          <a:lstStyle/>
+          <a:p>
+            <a:pPr algn="ctr"/>
+            <a:endParaRPr lang="en-SG" dirty="0"/>
+          </a:p>
+        </p:txBody>
+      </p:sp>
+      <p:sp>
+        <p:nvSpPr>
+          <p:cNvPr id="72" name="TextBox 71">
+            <a:extLst>
+              <a:ext uri="{FF2B5EF4-FFF2-40B4-BE49-F238E27FC236}">
+                <a16:creationId xmlns:a16="http://schemas.microsoft.com/office/drawing/2014/main" id="{4D535AD6-7C3E-44FD-8897-961E0CED498C}"/>
+              </a:ext>
+            </a:extLst>
+          </p:cNvPr>
+          <p:cNvSpPr txBox="1"/>
+          <p:nvPr/>
+        </p:nvSpPr>
+        <p:spPr>
+          <a:xfrm>
+            <a:off x="518393" y="4136823"/>
+            <a:ext cx="546410" cy="369332"/>
+          </a:xfrm>
+          <a:prstGeom prst="rect">
+            <a:avLst/>
+          </a:prstGeom>
+          <a:noFill/>
+        </p:spPr>
+        <p:txBody>
+          <a:bodyPr wrap="square" rtlCol="0">
+            <a:spAutoFit/>
+          </a:bodyPr>
+          <a:lstStyle/>
+          <a:p>
+            <a:r>
+              <a:rPr lang="en-SG" dirty="0"/>
+              <a:t>alt</a:t>
+            </a:r>
+          </a:p>
+        </p:txBody>
+      </p:sp>
+      <p:sp>
+        <p:nvSpPr>
+          <p:cNvPr id="75" name="Rectangle: Single Corner Snipped 74">
+            <a:extLst>
+              <a:ext uri="{FF2B5EF4-FFF2-40B4-BE49-F238E27FC236}">
+                <a16:creationId xmlns:a16="http://schemas.microsoft.com/office/drawing/2014/main" id="{4CE7C138-35CB-4B05-A68B-45FCAF63F79B}"/>
+              </a:ext>
+            </a:extLst>
+          </p:cNvPr>
+          <p:cNvSpPr/>
+          <p:nvPr/>
+        </p:nvSpPr>
+        <p:spPr>
+          <a:xfrm flipV="1">
+            <a:off x="433831" y="5290018"/>
+            <a:ext cx="724829" cy="528265"/>
+          </a:xfrm>
+          <a:prstGeom prst="snip1Rect">
+            <a:avLst>
+              <a:gd name="adj" fmla="val 50000"/>
+            </a:avLst>
+          </a:prstGeom>
+        </p:spPr>
+        <p:style>
+          <a:lnRef idx="2">
+            <a:schemeClr val="accent2"/>
+          </a:lnRef>
+          <a:fillRef idx="1">
+            <a:schemeClr val="lt1"/>
+          </a:fillRef>
+          <a:effectRef idx="0">
+            <a:schemeClr val="accent2"/>
+          </a:effectRef>
+          <a:fontRef idx="minor">
+            <a:schemeClr val="dk1"/>
+          </a:fontRef>
+        </p:style>
+        <p:txBody>
+          <a:bodyPr rtlCol="0" anchor="ctr"/>
+          <a:lstStyle/>
+          <a:p>
+            <a:pPr algn="ctr"/>
+            <a:endParaRPr lang="en-SG" dirty="0"/>
+          </a:p>
+        </p:txBody>
+      </p:sp>
+      <p:sp>
+        <p:nvSpPr>
+          <p:cNvPr id="76" name="TextBox 75">
+            <a:extLst>
+              <a:ext uri="{FF2B5EF4-FFF2-40B4-BE49-F238E27FC236}">
+                <a16:creationId xmlns:a16="http://schemas.microsoft.com/office/drawing/2014/main" id="{0C74748E-C61B-4488-9BE6-209082C4CF36}"/>
+              </a:ext>
+            </a:extLst>
+          </p:cNvPr>
+          <p:cNvSpPr txBox="1"/>
+          <p:nvPr/>
+        </p:nvSpPr>
+        <p:spPr>
+          <a:xfrm>
+            <a:off x="523039" y="5372634"/>
+            <a:ext cx="546410" cy="369332"/>
+          </a:xfrm>
+          <a:prstGeom prst="rect">
+            <a:avLst/>
+          </a:prstGeom>
+          <a:noFill/>
+        </p:spPr>
+        <p:txBody>
+          <a:bodyPr wrap="square" rtlCol="0">
+            <a:spAutoFit/>
+          </a:bodyPr>
+          <a:lstStyle/>
+          <a:p>
+            <a:r>
+              <a:rPr lang="en-SG" dirty="0"/>
+              <a:t>alt</a:t>
+            </a:r>
+          </a:p>
+        </p:txBody>
+      </p:sp>
+      <p:sp>
+        <p:nvSpPr>
+          <p:cNvPr id="78" name="TextBox 77">
+            <a:extLst>
+              <a:ext uri="{FF2B5EF4-FFF2-40B4-BE49-F238E27FC236}">
+                <a16:creationId xmlns:a16="http://schemas.microsoft.com/office/drawing/2014/main" id="{AE37CC04-424A-4C76-89BB-C3EF2E2A8F74}"/>
+              </a:ext>
+            </a:extLst>
+          </p:cNvPr>
+          <p:cNvSpPr txBox="1"/>
+          <p:nvPr/>
+        </p:nvSpPr>
+        <p:spPr>
+          <a:xfrm>
+            <a:off x="518393" y="6681608"/>
+            <a:ext cx="546410" cy="369332"/>
+          </a:xfrm>
+          <a:prstGeom prst="rect">
+            <a:avLst/>
+          </a:prstGeom>
+          <a:noFill/>
+        </p:spPr>
+        <p:txBody>
+          <a:bodyPr wrap="square" rtlCol="0">
+            <a:spAutoFit/>
+          </a:bodyPr>
+          <a:lstStyle/>
+          <a:p>
+            <a:r>
+              <a:rPr lang="en-SG" dirty="0"/>
+              <a:t>alt</a:t>
+            </a:r>
+          </a:p>
+        </p:txBody>
+      </p:sp>
+      <p:sp>
+        <p:nvSpPr>
+          <p:cNvPr id="81" name="Freeform: Shape 80">
+            <a:extLst>
+              <a:ext uri="{FF2B5EF4-FFF2-40B4-BE49-F238E27FC236}">
+                <a16:creationId xmlns:a16="http://schemas.microsoft.com/office/drawing/2014/main" id="{7565726C-9CC6-41B3-B998-6407E9219E1E}"/>
+              </a:ext>
+            </a:extLst>
+          </p:cNvPr>
+          <p:cNvSpPr/>
+          <p:nvPr/>
+        </p:nvSpPr>
+        <p:spPr>
+          <a:xfrm rot="6787746">
+            <a:off x="2797114" y="4830138"/>
+            <a:ext cx="159992" cy="282133"/>
+          </a:xfrm>
+          <a:custGeom>
+            <a:avLst/>
+            <a:gdLst>
+              <a:gd name="connsiteX0" fmla="*/ 0 w 159992"/>
+              <a:gd name="connsiteY0" fmla="*/ 129733 h 282133"/>
+              <a:gd name="connsiteX1" fmla="*/ 152400 w 159992"/>
+              <a:gd name="connsiteY1" fmla="*/ 5042 h 282133"/>
+              <a:gd name="connsiteX2" fmla="*/ 138546 w 159992"/>
+              <a:gd name="connsiteY2" fmla="*/ 282133 h 282133"/>
+              <a:gd name="connsiteX3" fmla="*/ 138546 w 159992"/>
+              <a:gd name="connsiteY3" fmla="*/ 282133 h 282133"/>
+              <a:gd name="connsiteX4" fmla="*/ 138546 w 159992"/>
+              <a:gd name="connsiteY4" fmla="*/ 282133 h 282133"/>
+            </a:gdLst>
+            <a:ahLst/>
+            <a:cxnLst>
+              <a:cxn ang="0">
+                <a:pos x="connsiteX0" y="connsiteY0"/>
+              </a:cxn>
+              <a:cxn ang="0">
+                <a:pos x="connsiteX1" y="connsiteY1"/>
+              </a:cxn>
+              <a:cxn ang="0">
+                <a:pos x="connsiteX2" y="connsiteY2"/>
+              </a:cxn>
+              <a:cxn ang="0">
+                <a:pos x="connsiteX3" y="connsiteY3"/>
+              </a:cxn>
+              <a:cxn ang="0">
+                <a:pos x="connsiteX4" y="connsiteY4"/>
+              </a:cxn>
+            </a:cxnLst>
+            <a:rect l="l" t="t" r="r" b="b"/>
+            <a:pathLst>
+              <a:path w="159992" h="282133">
+                <a:moveTo>
+                  <a:pt x="0" y="129733"/>
+                </a:moveTo>
+                <a:cubicBezTo>
+                  <a:pt x="64654" y="54687"/>
+                  <a:pt x="129309" y="-20358"/>
+                  <a:pt x="152400" y="5042"/>
+                </a:cubicBezTo>
+                <a:cubicBezTo>
+                  <a:pt x="175491" y="30442"/>
+                  <a:pt x="138546" y="282133"/>
+                  <a:pt x="138546" y="282133"/>
+                </a:cubicBezTo>
+                <a:lnTo>
+                  <a:pt x="138546" y="282133"/>
+                </a:lnTo>
+                <a:lnTo>
+                  <a:pt x="138546" y="282133"/>
+                </a:lnTo>
+              </a:path>
+            </a:pathLst>
+          </a:custGeom>
+          <a:ln w="9525" cap="flat" cmpd="sng" algn="ctr">
+            <a:solidFill>
+              <a:schemeClr val="dk1"/>
+            </a:solidFill>
+            <a:prstDash val="dash"/>
+            <a:round/>
+            <a:headEnd type="none" w="med" len="med"/>
+            <a:tailEnd type="arrow" w="med" len="med"/>
+          </a:ln>
+        </p:spPr>
+        <p:style>
+          <a:lnRef idx="0">
+            <a:scrgbClr r="0" g="0" b="0"/>
+          </a:lnRef>
+          <a:fillRef idx="0">
+            <a:scrgbClr r="0" g="0" b="0"/>
+          </a:fillRef>
+          <a:effectRef idx="0">
+            <a:scrgbClr r="0" g="0" b="0"/>
+          </a:effectRef>
+          <a:fontRef idx="minor">
+            <a:schemeClr val="tx1"/>
+          </a:fontRef>
+        </p:style>
+        <p:txBody>
+          <a:bodyPr rtlCol="0" anchor="ctr"/>
+          <a:lstStyle/>
+          <a:p>
+            <a:pPr algn="ctr"/>
+            <a:endParaRPr lang="en-SG" dirty="0"/>
+          </a:p>
+        </p:txBody>
+      </p:sp>
+      <p:sp>
+        <p:nvSpPr>
+          <p:cNvPr id="83" name="Freeform: Shape 82">
+            <a:extLst>
+              <a:ext uri="{FF2B5EF4-FFF2-40B4-BE49-F238E27FC236}">
+                <a16:creationId xmlns:a16="http://schemas.microsoft.com/office/drawing/2014/main" id="{C4FFAA3B-68E5-45DF-A978-14F9B5D4E21F}"/>
+              </a:ext>
+            </a:extLst>
+          </p:cNvPr>
+          <p:cNvSpPr/>
+          <p:nvPr/>
+        </p:nvSpPr>
+        <p:spPr>
+          <a:xfrm rot="6787746">
+            <a:off x="2790022" y="6088331"/>
+            <a:ext cx="159992" cy="282133"/>
+          </a:xfrm>
+          <a:custGeom>
+            <a:avLst/>
+            <a:gdLst>
+              <a:gd name="connsiteX0" fmla="*/ 0 w 159992"/>
+              <a:gd name="connsiteY0" fmla="*/ 129733 h 282133"/>
+              <a:gd name="connsiteX1" fmla="*/ 152400 w 159992"/>
+              <a:gd name="connsiteY1" fmla="*/ 5042 h 282133"/>
+              <a:gd name="connsiteX2" fmla="*/ 138546 w 159992"/>
+              <a:gd name="connsiteY2" fmla="*/ 282133 h 282133"/>
+              <a:gd name="connsiteX3" fmla="*/ 138546 w 159992"/>
+              <a:gd name="connsiteY3" fmla="*/ 282133 h 282133"/>
+              <a:gd name="connsiteX4" fmla="*/ 138546 w 159992"/>
+              <a:gd name="connsiteY4" fmla="*/ 282133 h 282133"/>
+            </a:gdLst>
+            <a:ahLst/>
+            <a:cxnLst>
+              <a:cxn ang="0">
+                <a:pos x="connsiteX0" y="connsiteY0"/>
+              </a:cxn>
+              <a:cxn ang="0">
+                <a:pos x="connsiteX1" y="connsiteY1"/>
+              </a:cxn>
+              <a:cxn ang="0">
+                <a:pos x="connsiteX2" y="connsiteY2"/>
+              </a:cxn>
+              <a:cxn ang="0">
+                <a:pos x="connsiteX3" y="connsiteY3"/>
+              </a:cxn>
+              <a:cxn ang="0">
+                <a:pos x="connsiteX4" y="connsiteY4"/>
+              </a:cxn>
+            </a:cxnLst>
+            <a:rect l="l" t="t" r="r" b="b"/>
+            <a:pathLst>
+              <a:path w="159992" h="282133">
+                <a:moveTo>
+                  <a:pt x="0" y="129733"/>
+                </a:moveTo>
+                <a:cubicBezTo>
+                  <a:pt x="64654" y="54687"/>
+                  <a:pt x="129309" y="-20358"/>
+                  <a:pt x="152400" y="5042"/>
+                </a:cubicBezTo>
+                <a:cubicBezTo>
+                  <a:pt x="175491" y="30442"/>
+                  <a:pt x="138546" y="282133"/>
+                  <a:pt x="138546" y="282133"/>
+                </a:cubicBezTo>
+                <a:lnTo>
+                  <a:pt x="138546" y="282133"/>
+                </a:lnTo>
+                <a:lnTo>
+                  <a:pt x="138546" y="282133"/>
+                </a:lnTo>
+              </a:path>
+            </a:pathLst>
+          </a:custGeom>
+          <a:ln w="9525" cap="flat" cmpd="sng" algn="ctr">
+            <a:solidFill>
+              <a:schemeClr val="dk1"/>
+            </a:solidFill>
+            <a:prstDash val="dash"/>
+            <a:round/>
+            <a:headEnd type="none" w="med" len="med"/>
+            <a:tailEnd type="arrow" w="med" len="med"/>
+          </a:ln>
+        </p:spPr>
+        <p:style>
+          <a:lnRef idx="0">
+            <a:scrgbClr r="0" g="0" b="0"/>
+          </a:lnRef>
+          <a:fillRef idx="0">
+            <a:scrgbClr r="0" g="0" b="0"/>
+          </a:fillRef>
+          <a:effectRef idx="0">
+            <a:scrgbClr r="0" g="0" b="0"/>
+          </a:effectRef>
+          <a:fontRef idx="minor">
+            <a:schemeClr val="tx1"/>
+          </a:fontRef>
+        </p:style>
+        <p:txBody>
+          <a:bodyPr rtlCol="0" anchor="ctr"/>
+          <a:lstStyle/>
+          <a:p>
+            <a:pPr algn="ctr"/>
+            <a:endParaRPr lang="en-SG" dirty="0"/>
+          </a:p>
+        </p:txBody>
+      </p:sp>
+      <p:sp>
+        <p:nvSpPr>
+          <p:cNvPr id="84" name="Freeform: Shape 83">
+            <a:extLst>
+              <a:ext uri="{FF2B5EF4-FFF2-40B4-BE49-F238E27FC236}">
+                <a16:creationId xmlns:a16="http://schemas.microsoft.com/office/drawing/2014/main" id="{1B171611-C88F-462C-BC37-07714672BECC}"/>
+              </a:ext>
+            </a:extLst>
+          </p:cNvPr>
+          <p:cNvSpPr/>
+          <p:nvPr/>
+        </p:nvSpPr>
+        <p:spPr>
+          <a:xfrm rot="6787746">
+            <a:off x="2758124" y="7544991"/>
+            <a:ext cx="159992" cy="282133"/>
+          </a:xfrm>
+          <a:custGeom>
+            <a:avLst/>
+            <a:gdLst>
+              <a:gd name="connsiteX0" fmla="*/ 0 w 159992"/>
+              <a:gd name="connsiteY0" fmla="*/ 129733 h 282133"/>
+              <a:gd name="connsiteX1" fmla="*/ 152400 w 159992"/>
+              <a:gd name="connsiteY1" fmla="*/ 5042 h 282133"/>
+              <a:gd name="connsiteX2" fmla="*/ 138546 w 159992"/>
+              <a:gd name="connsiteY2" fmla="*/ 282133 h 282133"/>
+              <a:gd name="connsiteX3" fmla="*/ 138546 w 159992"/>
+              <a:gd name="connsiteY3" fmla="*/ 282133 h 282133"/>
+              <a:gd name="connsiteX4" fmla="*/ 138546 w 159992"/>
+              <a:gd name="connsiteY4" fmla="*/ 282133 h 282133"/>
+            </a:gdLst>
+            <a:ahLst/>
+            <a:cxnLst>
+              <a:cxn ang="0">
+                <a:pos x="connsiteX0" y="connsiteY0"/>
+              </a:cxn>
+              <a:cxn ang="0">
+                <a:pos x="connsiteX1" y="connsiteY1"/>
+              </a:cxn>
+              <a:cxn ang="0">
+                <a:pos x="connsiteX2" y="connsiteY2"/>
+              </a:cxn>
+              <a:cxn ang="0">
+                <a:pos x="connsiteX3" y="connsiteY3"/>
+              </a:cxn>
+              <a:cxn ang="0">
+                <a:pos x="connsiteX4" y="connsiteY4"/>
+              </a:cxn>
+            </a:cxnLst>
+            <a:rect l="l" t="t" r="r" b="b"/>
+            <a:pathLst>
+              <a:path w="159992" h="282133">
+                <a:moveTo>
+                  <a:pt x="0" y="129733"/>
+                </a:moveTo>
+                <a:cubicBezTo>
+                  <a:pt x="64654" y="54687"/>
+                  <a:pt x="129309" y="-20358"/>
+                  <a:pt x="152400" y="5042"/>
+                </a:cubicBezTo>
+                <a:cubicBezTo>
+                  <a:pt x="175491" y="30442"/>
+                  <a:pt x="138546" y="282133"/>
+                  <a:pt x="138546" y="282133"/>
+                </a:cubicBezTo>
+                <a:lnTo>
+                  <a:pt x="138546" y="282133"/>
+                </a:lnTo>
+                <a:lnTo>
+                  <a:pt x="138546" y="282133"/>
+                </a:lnTo>
+              </a:path>
+            </a:pathLst>
+          </a:custGeom>
+          <a:ln w="9525" cap="flat" cmpd="sng" algn="ctr">
+            <a:solidFill>
+              <a:schemeClr val="dk1"/>
+            </a:solidFill>
+            <a:prstDash val="dash"/>
+            <a:round/>
+            <a:headEnd type="none" w="med" len="med"/>
+            <a:tailEnd type="arrow" w="med" len="med"/>
+          </a:ln>
+        </p:spPr>
+        <p:style>
+          <a:lnRef idx="0">
+            <a:scrgbClr r="0" g="0" b="0"/>
+          </a:lnRef>
+          <a:fillRef idx="0">
+            <a:scrgbClr r="0" g="0" b="0"/>
+          </a:fillRef>
+          <a:effectRef idx="0">
+            <a:scrgbClr r="0" g="0" b="0"/>
+          </a:effectRef>
+          <a:fontRef idx="minor">
+            <a:schemeClr val="tx1"/>
+          </a:fontRef>
+        </p:style>
+        <p:txBody>
+          <a:bodyPr rtlCol="0" anchor="ctr"/>
+          <a:lstStyle/>
+          <a:p>
+            <a:pPr algn="ctr"/>
+            <a:endParaRPr lang="en-SG" dirty="0"/>
+          </a:p>
+        </p:txBody>
+      </p:sp>
+      <p:sp>
+        <p:nvSpPr>
+          <p:cNvPr id="43" name="Rectangle 42">
+            <a:extLst>
+              <a:ext uri="{FF2B5EF4-FFF2-40B4-BE49-F238E27FC236}">
+                <a16:creationId xmlns:a16="http://schemas.microsoft.com/office/drawing/2014/main" id="{484B19CE-BB6D-4C36-AA4F-5352D2BFCF28}"/>
+              </a:ext>
+            </a:extLst>
+          </p:cNvPr>
+          <p:cNvSpPr/>
+          <p:nvPr/>
+        </p:nvSpPr>
+        <p:spPr>
+          <a:xfrm>
+            <a:off x="12769213" y="979183"/>
+            <a:ext cx="1297172" cy="479502"/>
+          </a:xfrm>
+          <a:prstGeom prst="rect">
+            <a:avLst/>
+          </a:prstGeom>
+        </p:spPr>
+        <p:style>
+          <a:lnRef idx="1">
+            <a:schemeClr val="accent2"/>
+          </a:lnRef>
+          <a:fillRef idx="2">
+            <a:schemeClr val="accent2"/>
+          </a:fillRef>
+          <a:effectRef idx="1">
+            <a:schemeClr val="accent2"/>
+          </a:effectRef>
+          <a:fontRef idx="minor">
+            <a:schemeClr val="dk1"/>
+          </a:fontRef>
+        </p:style>
+        <p:txBody>
+          <a:bodyPr rtlCol="0" anchor="ctr"/>
+          <a:lstStyle/>
+          <a:p>
+            <a:pPr algn="ctr"/>
+            <a:r>
+              <a:rPr lang="en-SG" dirty="0"/>
+              <a:t>:TextUi</a:t>
+            </a:r>
+          </a:p>
+        </p:txBody>
+      </p:sp>
+      <p:cxnSp>
+        <p:nvCxnSpPr>
+          <p:cNvPr id="85" name="Straight Connector 84">
+            <a:extLst>
+              <a:ext uri="{FF2B5EF4-FFF2-40B4-BE49-F238E27FC236}">
+                <a16:creationId xmlns:a16="http://schemas.microsoft.com/office/drawing/2014/main" id="{D82F9F6E-42AC-40AB-B9C4-04C1B6C6DEC9}"/>
+              </a:ext>
+            </a:extLst>
+          </p:cNvPr>
+          <p:cNvCxnSpPr>
+            <a:cxnSpLocks/>
+            <a:endCxn id="88" idx="0"/>
+          </p:cNvCxnSpPr>
+          <p:nvPr/>
+        </p:nvCxnSpPr>
+        <p:spPr>
+          <a:xfrm flipH="1">
+            <a:off x="13428686" y="1493200"/>
+            <a:ext cx="13652" cy="6674815"/>
+          </a:xfrm>
+          <a:prstGeom prst="line">
+            <a:avLst/>
+          </a:prstGeom>
+          <a:ln w="9525" cap="flat" cmpd="sng" algn="ctr">
+            <a:solidFill>
+              <a:schemeClr val="dk1"/>
+            </a:solidFill>
+            <a:prstDash val="dash"/>
+            <a:round/>
+            <a:headEnd type="none" w="med" len="med"/>
+            <a:tailEnd type="none" w="med" len="med"/>
+          </a:ln>
+        </p:spPr>
+        <p:style>
+          <a:lnRef idx="0">
+            <a:scrgbClr r="0" g="0" b="0"/>
+          </a:lnRef>
+          <a:fillRef idx="0">
+            <a:scrgbClr r="0" g="0" b="0"/>
+          </a:fillRef>
+          <a:effectRef idx="0">
+            <a:scrgbClr r="0" g="0" b="0"/>
+          </a:effectRef>
+          <a:fontRef idx="minor">
+            <a:schemeClr val="tx1"/>
+          </a:fontRef>
+        </p:style>
+      </p:cxnSp>
+      <p:cxnSp>
+        <p:nvCxnSpPr>
+          <p:cNvPr id="87" name="Straight Arrow Connector 86">
+            <a:extLst>
+              <a:ext uri="{FF2B5EF4-FFF2-40B4-BE49-F238E27FC236}">
+                <a16:creationId xmlns:a16="http://schemas.microsoft.com/office/drawing/2014/main" id="{9C52E659-3C66-44A2-B848-5EA86CDB792C}"/>
+              </a:ext>
+            </a:extLst>
+          </p:cNvPr>
+          <p:cNvCxnSpPr>
+            <a:cxnSpLocks/>
+          </p:cNvCxnSpPr>
+          <p:nvPr/>
+        </p:nvCxnSpPr>
+        <p:spPr>
+          <a:xfrm>
+            <a:off x="2626424" y="8182263"/>
+            <a:ext cx="10638552" cy="0"/>
+          </a:xfrm>
+          <a:prstGeom prst="straightConnector1">
+            <a:avLst/>
+          </a:prstGeom>
+          <a:ln w="9525" cap="flat" cmpd="sng" algn="ctr">
+            <a:solidFill>
+              <a:schemeClr val="dk1"/>
+            </a:solidFill>
+            <a:prstDash val="solid"/>
+            <a:round/>
+            <a:headEnd type="none" w="med" len="med"/>
+            <a:tailEnd type="arrow" w="med" len="med"/>
+          </a:ln>
+        </p:spPr>
+        <p:style>
+          <a:lnRef idx="0">
+            <a:scrgbClr r="0" g="0" b="0"/>
+          </a:lnRef>
+          <a:fillRef idx="0">
+            <a:scrgbClr r="0" g="0" b="0"/>
+          </a:fillRef>
+          <a:effectRef idx="0">
+            <a:scrgbClr r="0" g="0" b="0"/>
+          </a:effectRef>
+          <a:fontRef idx="minor">
+            <a:schemeClr val="tx1"/>
+          </a:fontRef>
+        </p:style>
+      </p:cxnSp>
+      <p:sp>
+        <p:nvSpPr>
+          <p:cNvPr id="88" name="Rectangle 87">
+            <a:extLst>
+              <a:ext uri="{FF2B5EF4-FFF2-40B4-BE49-F238E27FC236}">
+                <a16:creationId xmlns:a16="http://schemas.microsoft.com/office/drawing/2014/main" id="{5F9A4D69-F02A-4619-A3D7-B87A419544A6}"/>
+              </a:ext>
+            </a:extLst>
+          </p:cNvPr>
+          <p:cNvSpPr/>
+          <p:nvPr/>
+        </p:nvSpPr>
+        <p:spPr>
+          <a:xfrm>
+            <a:off x="13264977" y="8168015"/>
+            <a:ext cx="327418" cy="196403"/>
+          </a:xfrm>
+          <a:prstGeom prst="rect">
+            <a:avLst/>
+          </a:prstGeom>
+        </p:spPr>
+        <p:style>
+          <a:lnRef idx="1">
+            <a:schemeClr val="accent2"/>
+          </a:lnRef>
+          <a:fillRef idx="2">
+            <a:schemeClr val="accent2"/>
+          </a:fillRef>
+          <a:effectRef idx="1">
+            <a:schemeClr val="accent2"/>
+          </a:effectRef>
+          <a:fontRef idx="minor">
+            <a:schemeClr val="dk1"/>
+          </a:fontRef>
+        </p:style>
+        <p:txBody>
+          <a:bodyPr rtlCol="0" anchor="ctr"/>
+          <a:lstStyle/>
+          <a:p>
+            <a:pPr algn="ctr"/>
+            <a:endParaRPr lang="en-SG" dirty="0"/>
+          </a:p>
+        </p:txBody>
+      </p:sp>
+      <p:cxnSp>
+        <p:nvCxnSpPr>
+          <p:cNvPr id="96" name="Straight Connector 95">
+            <a:extLst>
+              <a:ext uri="{FF2B5EF4-FFF2-40B4-BE49-F238E27FC236}">
+                <a16:creationId xmlns:a16="http://schemas.microsoft.com/office/drawing/2014/main" id="{09369870-DF3C-44C0-ADA3-44940782A5CC}"/>
+              </a:ext>
+            </a:extLst>
+          </p:cNvPr>
+          <p:cNvCxnSpPr>
+            <a:cxnSpLocks/>
+          </p:cNvCxnSpPr>
+          <p:nvPr/>
+        </p:nvCxnSpPr>
+        <p:spPr>
+          <a:xfrm flipH="1">
+            <a:off x="2626425" y="8364423"/>
+            <a:ext cx="10638551" cy="0"/>
+          </a:xfrm>
+          <a:prstGeom prst="line">
+            <a:avLst/>
+          </a:prstGeom>
+          <a:ln w="9525" cap="flat" cmpd="sng" algn="ctr">
+            <a:solidFill>
+              <a:schemeClr val="dk1"/>
+            </a:solidFill>
+            <a:prstDash val="dash"/>
+            <a:round/>
+            <a:headEnd type="none" w="med" len="med"/>
+            <a:tailEnd type="arrow" w="med" len="med"/>
+          </a:ln>
+        </p:spPr>
+        <p:style>
+          <a:lnRef idx="0">
+            <a:scrgbClr r="0" g="0" b="0"/>
+          </a:lnRef>
+          <a:fillRef idx="0">
+            <a:scrgbClr r="0" g="0" b="0"/>
+          </a:fillRef>
+          <a:effectRef idx="0">
+            <a:scrgbClr r="0" g="0" b="0"/>
+          </a:effectRef>
+          <a:fontRef idx="minor">
+            <a:schemeClr val="tx1"/>
+          </a:fontRef>
+        </p:style>
+      </p:cxnSp>
+      <p:sp>
+        <p:nvSpPr>
+          <p:cNvPr id="98" name="TextBox 97">
+            <a:extLst>
+              <a:ext uri="{FF2B5EF4-FFF2-40B4-BE49-F238E27FC236}">
+                <a16:creationId xmlns:a16="http://schemas.microsoft.com/office/drawing/2014/main" id="{E630182E-C618-4D59-A349-20B622F3FC79}"/>
+              </a:ext>
+            </a:extLst>
+          </p:cNvPr>
+          <p:cNvSpPr txBox="1"/>
+          <p:nvPr/>
+        </p:nvSpPr>
+        <p:spPr>
+          <a:xfrm>
+            <a:off x="11484017" y="7875209"/>
+            <a:ext cx="2148203" cy="307777"/>
+          </a:xfrm>
+          <a:prstGeom prst="rect">
+            <a:avLst/>
+          </a:prstGeom>
+          <a:noFill/>
+        </p:spPr>
+        <p:txBody>
+          <a:bodyPr wrap="square" rtlCol="0">
+            <a:spAutoFit/>
+          </a:bodyPr>
+          <a:lstStyle/>
+          <a:p>
+            <a:r>
+              <a:rPr lang="en-SG" sz="1400" dirty="0"/>
+              <a:t>printAddElderlyMessage()</a:t>
+            </a:r>
+          </a:p>
+        </p:txBody>
+      </p:sp>
     </p:spTree>
     <p:extLst>
       <p:ext uri="{BB962C8B-B14F-4D97-AF65-F5344CB8AC3E}">
